--- a/study/4_Sorting, Binary Search.pptx
+++ b/study/4_Sorting, Binary Search.pptx
@@ -28,19 +28,22 @@
     <p:sldId id="303" r:id="rId22"/>
     <p:sldId id="332" r:id="rId23"/>
     <p:sldId id="284" r:id="rId24"/>
-    <p:sldId id="287" r:id="rId25"/>
-    <p:sldId id="316" r:id="rId26"/>
-    <p:sldId id="288" r:id="rId27"/>
-    <p:sldId id="304" r:id="rId28"/>
-    <p:sldId id="317" r:id="rId29"/>
-    <p:sldId id="318" r:id="rId30"/>
-    <p:sldId id="319" r:id="rId31"/>
-    <p:sldId id="320" r:id="rId32"/>
-    <p:sldId id="321" r:id="rId33"/>
-    <p:sldId id="322" r:id="rId34"/>
-    <p:sldId id="290" r:id="rId35"/>
-    <p:sldId id="291" r:id="rId36"/>
-    <p:sldId id="298" r:id="rId37"/>
+    <p:sldId id="333" r:id="rId25"/>
+    <p:sldId id="334" r:id="rId26"/>
+    <p:sldId id="335" r:id="rId27"/>
+    <p:sldId id="287" r:id="rId28"/>
+    <p:sldId id="316" r:id="rId29"/>
+    <p:sldId id="288" r:id="rId30"/>
+    <p:sldId id="304" r:id="rId31"/>
+    <p:sldId id="317" r:id="rId32"/>
+    <p:sldId id="318" r:id="rId33"/>
+    <p:sldId id="319" r:id="rId34"/>
+    <p:sldId id="320" r:id="rId35"/>
+    <p:sldId id="321" r:id="rId36"/>
+    <p:sldId id="322" r:id="rId37"/>
+    <p:sldId id="290" r:id="rId38"/>
+    <p:sldId id="291" r:id="rId39"/>
+    <p:sldId id="298" r:id="rId40"/>
   </p:sldIdLst>
   <p:sldSz cx="12192000" cy="6858000"/>
   <p:notesSz cx="6858000" cy="9144000"/>
@@ -294,7 +297,7 @@
           <a:p>
             <a:fld id="{33C37291-AA83-40C0-9297-8F7F3693F6CC}" type="datetimeFigureOut">
               <a:rPr lang="ko-KR" altLang="en-US" smtClean="0"/>
-              <a:t>2022-08-28</a:t>
+              <a:t>2022-08-29</a:t>
             </a:fld>
             <a:endParaRPr lang="ko-KR" altLang="en-US"/>
           </a:p>
@@ -492,7 +495,7 @@
           <a:p>
             <a:fld id="{33C37291-AA83-40C0-9297-8F7F3693F6CC}" type="datetimeFigureOut">
               <a:rPr lang="ko-KR" altLang="en-US" smtClean="0"/>
-              <a:t>2022-08-28</a:t>
+              <a:t>2022-08-29</a:t>
             </a:fld>
             <a:endParaRPr lang="ko-KR" altLang="en-US"/>
           </a:p>
@@ -700,7 +703,7 @@
           <a:p>
             <a:fld id="{33C37291-AA83-40C0-9297-8F7F3693F6CC}" type="datetimeFigureOut">
               <a:rPr lang="ko-KR" altLang="en-US" smtClean="0"/>
-              <a:t>2022-08-28</a:t>
+              <a:t>2022-08-29</a:t>
             </a:fld>
             <a:endParaRPr lang="ko-KR" altLang="en-US"/>
           </a:p>
@@ -898,7 +901,7 @@
           <a:p>
             <a:fld id="{33C37291-AA83-40C0-9297-8F7F3693F6CC}" type="datetimeFigureOut">
               <a:rPr lang="ko-KR" altLang="en-US" smtClean="0"/>
-              <a:t>2022-08-28</a:t>
+              <a:t>2022-08-29</a:t>
             </a:fld>
             <a:endParaRPr lang="ko-KR" altLang="en-US"/>
           </a:p>
@@ -1173,7 +1176,7 @@
           <a:p>
             <a:fld id="{33C37291-AA83-40C0-9297-8F7F3693F6CC}" type="datetimeFigureOut">
               <a:rPr lang="ko-KR" altLang="en-US" smtClean="0"/>
-              <a:t>2022-08-28</a:t>
+              <a:t>2022-08-29</a:t>
             </a:fld>
             <a:endParaRPr lang="ko-KR" altLang="en-US"/>
           </a:p>
@@ -1438,7 +1441,7 @@
           <a:p>
             <a:fld id="{33C37291-AA83-40C0-9297-8F7F3693F6CC}" type="datetimeFigureOut">
               <a:rPr lang="ko-KR" altLang="en-US" smtClean="0"/>
-              <a:t>2022-08-28</a:t>
+              <a:t>2022-08-29</a:t>
             </a:fld>
             <a:endParaRPr lang="ko-KR" altLang="en-US"/>
           </a:p>
@@ -1850,7 +1853,7 @@
           <a:p>
             <a:fld id="{33C37291-AA83-40C0-9297-8F7F3693F6CC}" type="datetimeFigureOut">
               <a:rPr lang="ko-KR" altLang="en-US" smtClean="0"/>
-              <a:t>2022-08-28</a:t>
+              <a:t>2022-08-29</a:t>
             </a:fld>
             <a:endParaRPr lang="ko-KR" altLang="en-US"/>
           </a:p>
@@ -1991,7 +1994,7 @@
           <a:p>
             <a:fld id="{33C37291-AA83-40C0-9297-8F7F3693F6CC}" type="datetimeFigureOut">
               <a:rPr lang="ko-KR" altLang="en-US" smtClean="0"/>
-              <a:t>2022-08-28</a:t>
+              <a:t>2022-08-29</a:t>
             </a:fld>
             <a:endParaRPr lang="ko-KR" altLang="en-US"/>
           </a:p>
@@ -2104,7 +2107,7 @@
           <a:p>
             <a:fld id="{33C37291-AA83-40C0-9297-8F7F3693F6CC}" type="datetimeFigureOut">
               <a:rPr lang="ko-KR" altLang="en-US" smtClean="0"/>
-              <a:t>2022-08-28</a:t>
+              <a:t>2022-08-29</a:t>
             </a:fld>
             <a:endParaRPr lang="ko-KR" altLang="en-US"/>
           </a:p>
@@ -2415,7 +2418,7 @@
           <a:p>
             <a:fld id="{33C37291-AA83-40C0-9297-8F7F3693F6CC}" type="datetimeFigureOut">
               <a:rPr lang="ko-KR" altLang="en-US" smtClean="0"/>
-              <a:t>2022-08-28</a:t>
+              <a:t>2022-08-29</a:t>
             </a:fld>
             <a:endParaRPr lang="ko-KR" altLang="en-US"/>
           </a:p>
@@ -2703,7 +2706,7 @@
           <a:p>
             <a:fld id="{33C37291-AA83-40C0-9297-8F7F3693F6CC}" type="datetimeFigureOut">
               <a:rPr lang="ko-KR" altLang="en-US" smtClean="0"/>
-              <a:t>2022-08-28</a:t>
+              <a:t>2022-08-29</a:t>
             </a:fld>
             <a:endParaRPr lang="ko-KR" altLang="en-US"/>
           </a:p>
@@ -2944,7 +2947,7 @@
           <a:p>
             <a:fld id="{33C37291-AA83-40C0-9297-8F7F3693F6CC}" type="datetimeFigureOut">
               <a:rPr lang="ko-KR" altLang="en-US" smtClean="0"/>
-              <a:t>2022-08-28</a:t>
+              <a:t>2022-08-29</a:t>
             </a:fld>
             <a:endParaRPr lang="ko-KR" altLang="en-US"/>
           </a:p>
@@ -11018,8 +11021,8 @@
           </a:p>
         </p:txBody>
       </p:sp>
-      <mc:AlternateContent xmlns:mc="http://schemas.openxmlformats.org/markup-compatibility/2006">
-        <mc:Choice xmlns:a14="http://schemas.microsoft.com/office/drawing/2010/main" Requires="a14">
+      <mc:AlternateContent xmlns:mc="http://schemas.openxmlformats.org/markup-compatibility/2006" xmlns:a14="http://schemas.microsoft.com/office/drawing/2010/main">
+        <mc:Choice Requires="a14">
           <p:sp>
             <p:nvSpPr>
               <p:cNvPr id="12" name="TextBox 11">
@@ -11109,7 +11112,7 @@
             </p:txBody>
           </p:sp>
         </mc:Choice>
-        <mc:Fallback>
+        <mc:Fallback xmlns="">
           <p:sp>
             <p:nvSpPr>
               <p:cNvPr id="12" name="TextBox 11">
@@ -11782,8 +11785,8 @@
           </a:p>
         </p:txBody>
       </p:sp>
-      <mc:AlternateContent xmlns:mc="http://schemas.openxmlformats.org/markup-compatibility/2006">
-        <mc:Choice xmlns:a14="http://schemas.microsoft.com/office/drawing/2010/main" Requires="a14">
+      <mc:AlternateContent xmlns:mc="http://schemas.openxmlformats.org/markup-compatibility/2006" xmlns:a14="http://schemas.microsoft.com/office/drawing/2010/main">
+        <mc:Choice Requires="a14">
           <p:sp>
             <p:nvSpPr>
               <p:cNvPr id="10" name="TextBox 9">
@@ -11880,7 +11883,7 @@
             </p:txBody>
           </p:sp>
         </mc:Choice>
-        <mc:Fallback>
+        <mc:Fallback xmlns="">
           <p:sp>
             <p:nvSpPr>
               <p:cNvPr id="10" name="TextBox 9">
@@ -12466,8 +12469,8 @@
           </a:p>
         </p:txBody>
       </p:sp>
-      <mc:AlternateContent xmlns:mc="http://schemas.openxmlformats.org/markup-compatibility/2006">
-        <mc:Choice xmlns:a14="http://schemas.microsoft.com/office/drawing/2010/main" Requires="a14">
+      <mc:AlternateContent xmlns:mc="http://schemas.openxmlformats.org/markup-compatibility/2006" xmlns:a14="http://schemas.microsoft.com/office/drawing/2010/main">
+        <mc:Choice Requires="a14">
           <p:sp>
             <p:nvSpPr>
               <p:cNvPr id="6" name="TextBox 5">
@@ -12624,7 +12627,7 @@
             </p:txBody>
           </p:sp>
         </mc:Choice>
-        <mc:Fallback>
+        <mc:Fallback xmlns="">
           <p:sp>
             <p:nvSpPr>
               <p:cNvPr id="6" name="TextBox 5">
@@ -12885,10 +12888,10 @@
       </p:cxnSp>
       <p:sp>
         <p:nvSpPr>
-          <p:cNvPr id="3" name="TextBox 2">
-            <a:extLst>
-              <a:ext uri="{FF2B5EF4-FFF2-40B4-BE49-F238E27FC236}">
-                <a16:creationId xmlns:a16="http://schemas.microsoft.com/office/drawing/2014/main" id="{39D56C40-050C-65E7-8922-423F859399A4}"/>
+          <p:cNvPr id="2" name="TextBox 1">
+            <a:extLst>
+              <a:ext uri="{FF2B5EF4-FFF2-40B4-BE49-F238E27FC236}">
+                <a16:creationId xmlns:a16="http://schemas.microsoft.com/office/drawing/2014/main" id="{42928CCE-6E6A-5C16-746E-BAD660A9BBF3}"/>
               </a:ext>
             </a:extLst>
           </p:cNvPr>
@@ -12898,7 +12901,7 @@
         <p:spPr>
           <a:xfrm>
             <a:off x="331694" y="177505"/>
-            <a:ext cx="4883581" cy="523220"/>
+            <a:ext cx="2514343" cy="523220"/>
           </a:xfrm>
           <a:prstGeom prst="rect">
             <a:avLst/>
@@ -12916,24 +12919,234 @@
                 <a:latin typeface="나눔스퀘어 Bold" panose="020B0600000101010101" pitchFamily="50" charset="-127"/>
                 <a:ea typeface="나눔스퀘어 Bold" panose="020B0600000101010101" pitchFamily="50" charset="-127"/>
               </a:rPr>
-              <a:t>Binary Search – 1920 </a:t>
-            </a:r>
-            <a:r>
-              <a:rPr lang="ko-KR" altLang="en-US" sz="2800" dirty="0">
+              <a:t>Binary Search</a:t>
+            </a:r>
+            <a:endParaRPr lang="ko-KR" altLang="en-US" sz="2800" dirty="0">
+              <a:latin typeface="나눔스퀘어 Bold" panose="020B0600000101010101" pitchFamily="50" charset="-127"/>
+              <a:ea typeface="나눔스퀘어 Bold" panose="020B0600000101010101" pitchFamily="50" charset="-127"/>
+            </a:endParaRPr>
+          </a:p>
+        </p:txBody>
+      </p:sp>
+      <p:sp>
+        <p:nvSpPr>
+          <p:cNvPr id="3" name="TextBox 2">
+            <a:extLst>
+              <a:ext uri="{FF2B5EF4-FFF2-40B4-BE49-F238E27FC236}">
+                <a16:creationId xmlns:a16="http://schemas.microsoft.com/office/drawing/2014/main" id="{405C1E2A-5E8B-9374-4FB2-9976572CC222}"/>
+              </a:ext>
+            </a:extLst>
+          </p:cNvPr>
+          <p:cNvSpPr txBox="1"/>
+          <p:nvPr/>
+        </p:nvSpPr>
+        <p:spPr>
+          <a:xfrm>
+            <a:off x="942387" y="1074286"/>
+            <a:ext cx="8542272" cy="369332"/>
+          </a:xfrm>
+          <a:prstGeom prst="rect">
+            <a:avLst/>
+          </a:prstGeom>
+          <a:noFill/>
+        </p:spPr>
+        <p:txBody>
+          <a:bodyPr wrap="square" rtlCol="0">
+            <a:spAutoFit/>
+          </a:bodyPr>
+          <a:lstStyle/>
+          <a:p>
+            <a:r>
+              <a:rPr lang="ko-KR" altLang="en-US" dirty="0">
                 <a:latin typeface="나눔스퀘어 Bold" panose="020B0600000101010101" pitchFamily="50" charset="-127"/>
                 <a:ea typeface="나눔스퀘어 Bold" panose="020B0600000101010101" pitchFamily="50" charset="-127"/>
               </a:rPr>
-              <a:t>수 찾기</a:t>
-            </a:r>
+              <a:t>내장 이진탐색 함수</a:t>
+            </a:r>
+          </a:p>
+        </p:txBody>
+      </p:sp>
+      <p:sp>
+        <p:nvSpPr>
+          <p:cNvPr id="4" name="TextBox 3">
+            <a:extLst>
+              <a:ext uri="{FF2B5EF4-FFF2-40B4-BE49-F238E27FC236}">
+                <a16:creationId xmlns:a16="http://schemas.microsoft.com/office/drawing/2014/main" id="{E866CD16-7CB6-E15D-46A4-64BC82AA86EC}"/>
+              </a:ext>
+            </a:extLst>
+          </p:cNvPr>
+          <p:cNvSpPr txBox="1"/>
+          <p:nvPr/>
+        </p:nvSpPr>
+        <p:spPr>
+          <a:xfrm>
+            <a:off x="942387" y="1443618"/>
+            <a:ext cx="10237694" cy="369332"/>
+          </a:xfrm>
+          <a:prstGeom prst="rect">
+            <a:avLst/>
+          </a:prstGeom>
+          <a:noFill/>
+        </p:spPr>
+        <p:txBody>
+          <a:bodyPr wrap="square" rtlCol="0">
+            <a:spAutoFit/>
+          </a:bodyPr>
+          <a:lstStyle/>
+          <a:p>
+            <a:r>
+              <a:rPr lang="ko-KR" altLang="en-US" dirty="0">
+                <a:latin typeface="나눔스퀘어 Light" panose="020B0600000101010101" pitchFamily="50" charset="-127"/>
+                <a:ea typeface="나눔스퀘어 Light" panose="020B0600000101010101" pitchFamily="50" charset="-127"/>
+              </a:rPr>
+              <a:t>정렬 함수와 마찬가지로</a:t>
+            </a:r>
+            <a:r>
+              <a:rPr lang="en-US" altLang="ko-KR" dirty="0">
+                <a:latin typeface="나눔스퀘어 Light" panose="020B0600000101010101" pitchFamily="50" charset="-127"/>
+                <a:ea typeface="나눔스퀘어 Light" panose="020B0600000101010101" pitchFamily="50" charset="-127"/>
+              </a:rPr>
+              <a:t>, </a:t>
+            </a:r>
+            <a:r>
+              <a:rPr lang="ko-KR" altLang="en-US" dirty="0">
+                <a:latin typeface="나눔스퀘어 Light" panose="020B0600000101010101" pitchFamily="50" charset="-127"/>
+                <a:ea typeface="나눔스퀘어 Light" panose="020B0600000101010101" pitchFamily="50" charset="-127"/>
+              </a:rPr>
+              <a:t>이진 탐색 함수를 직접 구현해 사용하는 것은 굉장히 비효율적입니다</a:t>
+            </a:r>
+            <a:r>
+              <a:rPr lang="en-US" altLang="ko-KR" dirty="0">
+                <a:latin typeface="나눔스퀘어 Light" panose="020B0600000101010101" pitchFamily="50" charset="-127"/>
+                <a:ea typeface="나눔스퀘어 Light" panose="020B0600000101010101" pitchFamily="50" charset="-127"/>
+              </a:rPr>
+              <a:t>.</a:t>
+            </a:r>
+            <a:endParaRPr lang="ko-KR" altLang="en-US" dirty="0">
+              <a:latin typeface="나눔스퀘어 Light" panose="020B0600000101010101" pitchFamily="50" charset="-127"/>
+              <a:ea typeface="나눔스퀘어 Light" panose="020B0600000101010101" pitchFamily="50" charset="-127"/>
+            </a:endParaRPr>
+          </a:p>
+        </p:txBody>
+      </p:sp>
+      <p:sp>
+        <p:nvSpPr>
+          <p:cNvPr id="11" name="TextBox 10">
+            <a:extLst>
+              <a:ext uri="{FF2B5EF4-FFF2-40B4-BE49-F238E27FC236}">
+                <a16:creationId xmlns:a16="http://schemas.microsoft.com/office/drawing/2014/main" id="{A0258E0C-DA7F-3C13-D12F-10E7910EE4A9}"/>
+              </a:ext>
+            </a:extLst>
+          </p:cNvPr>
+          <p:cNvSpPr txBox="1"/>
+          <p:nvPr/>
+        </p:nvSpPr>
+        <p:spPr>
+          <a:xfrm>
+            <a:off x="942387" y="1815064"/>
+            <a:ext cx="7601249" cy="369332"/>
+          </a:xfrm>
+          <a:prstGeom prst="rect">
+            <a:avLst/>
+          </a:prstGeom>
+          <a:noFill/>
+        </p:spPr>
+        <p:txBody>
+          <a:bodyPr wrap="square" rtlCol="0">
+            <a:spAutoFit/>
+          </a:bodyPr>
+          <a:lstStyle/>
+          <a:p>
+            <a:r>
+              <a:rPr lang="ko-KR" altLang="en-US" dirty="0">
+                <a:latin typeface="나눔스퀘어 Light" panose="020B0600000101010101" pitchFamily="50" charset="-127"/>
+                <a:ea typeface="나눔스퀘어 Light" panose="020B0600000101010101" pitchFamily="50" charset="-127"/>
+              </a:rPr>
+              <a:t>이에 언어별 내장 이진탐색 함수를 사용합니다</a:t>
+            </a:r>
+            <a:r>
+              <a:rPr lang="en-US" altLang="ko-KR" dirty="0">
+                <a:latin typeface="나눔스퀘어 Light" panose="020B0600000101010101" pitchFamily="50" charset="-127"/>
+                <a:ea typeface="나눔스퀘어 Light" panose="020B0600000101010101" pitchFamily="50" charset="-127"/>
+              </a:rPr>
+              <a:t>.</a:t>
+            </a:r>
+            <a:endParaRPr lang="ko-KR" altLang="en-US" dirty="0">
+              <a:latin typeface="나눔스퀘어 Light" panose="020B0600000101010101" pitchFamily="50" charset="-127"/>
+              <a:ea typeface="나눔스퀘어 Light" panose="020B0600000101010101" pitchFamily="50" charset="-127"/>
+            </a:endParaRPr>
+          </a:p>
+        </p:txBody>
+      </p:sp>
+      <p:sp>
+        <p:nvSpPr>
+          <p:cNvPr id="14" name="TextBox 13">
+            <a:extLst>
+              <a:ext uri="{FF2B5EF4-FFF2-40B4-BE49-F238E27FC236}">
+                <a16:creationId xmlns:a16="http://schemas.microsoft.com/office/drawing/2014/main" id="{1E50CBBD-0B41-9959-FE23-4646D2B64EFD}"/>
+              </a:ext>
+            </a:extLst>
+          </p:cNvPr>
+          <p:cNvSpPr txBox="1"/>
+          <p:nvPr/>
+        </p:nvSpPr>
+        <p:spPr>
+          <a:xfrm>
+            <a:off x="942387" y="3059668"/>
+            <a:ext cx="8542272" cy="369332"/>
+          </a:xfrm>
+          <a:prstGeom prst="rect">
+            <a:avLst/>
+          </a:prstGeom>
+          <a:noFill/>
+        </p:spPr>
+        <p:txBody>
+          <a:bodyPr wrap="square" rtlCol="0">
+            <a:spAutoFit/>
+          </a:bodyPr>
+          <a:lstStyle/>
+          <a:p>
+            <a:r>
+              <a:rPr lang="en-US" altLang="ko-KR" dirty="0">
+                <a:latin typeface="나눔스퀘어 Bold" panose="020B0600000101010101" pitchFamily="50" charset="-127"/>
+                <a:ea typeface="나눔스퀘어 Bold" panose="020B0600000101010101" pitchFamily="50" charset="-127"/>
+              </a:rPr>
+              <a:t>C</a:t>
+            </a:r>
+            <a:r>
+              <a:rPr lang="en-US" altLang="ko-KR" dirty="0">
+                <a:latin typeface="나눔스퀘어 Light" panose="020B0600000101010101" pitchFamily="50" charset="-127"/>
+                <a:ea typeface="나눔스퀘어 Light" panose="020B0600000101010101" pitchFamily="50" charset="-127"/>
+              </a:rPr>
+              <a:t> : </a:t>
+            </a:r>
+            <a:r>
+              <a:rPr lang="en-US" altLang="ko-KR" dirty="0" err="1">
+                <a:latin typeface="나눔스퀘어 Light" panose="020B0600000101010101" pitchFamily="50" charset="-127"/>
+                <a:ea typeface="나눔스퀘어 Light" panose="020B0600000101010101" pitchFamily="50" charset="-127"/>
+              </a:rPr>
+              <a:t>bsearch</a:t>
+            </a:r>
+            <a:r>
+              <a:rPr lang="en-US" altLang="ko-KR" dirty="0">
+                <a:latin typeface="나눔스퀘어 Light" panose="020B0600000101010101" pitchFamily="50" charset="-127"/>
+                <a:ea typeface="나눔스퀘어 Light" panose="020B0600000101010101" pitchFamily="50" charset="-127"/>
+              </a:rPr>
+              <a:t>()</a:t>
+            </a:r>
+            <a:endParaRPr lang="ko-KR" altLang="en-US" dirty="0">
+              <a:latin typeface="나눔스퀘어 Bold" panose="020B0600000101010101" pitchFamily="50" charset="-127"/>
+              <a:ea typeface="나눔스퀘어 Bold" panose="020B0600000101010101" pitchFamily="50" charset="-127"/>
+            </a:endParaRPr>
           </a:p>
         </p:txBody>
       </p:sp>
       <p:pic>
         <p:nvPicPr>
-          <p:cNvPr id="10" name="그림 9">
-            <a:extLst>
-              <a:ext uri="{FF2B5EF4-FFF2-40B4-BE49-F238E27FC236}">
-                <a16:creationId xmlns:a16="http://schemas.microsoft.com/office/drawing/2014/main" id="{2C15A06E-91A0-3F24-C1EE-9EA781E69C89}"/>
+          <p:cNvPr id="16" name="그림 15">
+            <a:extLst>
+              <a:ext uri="{FF2B5EF4-FFF2-40B4-BE49-F238E27FC236}">
+                <a16:creationId xmlns:a16="http://schemas.microsoft.com/office/drawing/2014/main" id="{DE14884E-7978-B57E-3B28-A1B0B558851E}"/>
               </a:ext>
             </a:extLst>
           </p:cNvPr>
@@ -12950,18 +13163,175 @@
         </p:blipFill>
         <p:spPr>
           <a:xfrm>
-            <a:off x="331694" y="964420"/>
-            <a:ext cx="10963373" cy="5551271"/>
+            <a:off x="942387" y="3494453"/>
+            <a:ext cx="10237694" cy="1582886"/>
           </a:xfrm>
           <a:prstGeom prst="rect">
             <a:avLst/>
           </a:prstGeom>
         </p:spPr>
       </p:pic>
+      <p:sp>
+        <p:nvSpPr>
+          <p:cNvPr id="18" name="TextBox 17">
+            <a:extLst>
+              <a:ext uri="{FF2B5EF4-FFF2-40B4-BE49-F238E27FC236}">
+                <a16:creationId xmlns:a16="http://schemas.microsoft.com/office/drawing/2014/main" id="{5D347B0F-84F4-050D-4A52-94BEE92EBA9E}"/>
+              </a:ext>
+            </a:extLst>
+          </p:cNvPr>
+          <p:cNvSpPr txBox="1"/>
+          <p:nvPr/>
+        </p:nvSpPr>
+        <p:spPr>
+          <a:xfrm>
+            <a:off x="942387" y="5229716"/>
+            <a:ext cx="10237694" cy="369332"/>
+          </a:xfrm>
+          <a:prstGeom prst="rect">
+            <a:avLst/>
+          </a:prstGeom>
+          <a:noFill/>
+        </p:spPr>
+        <p:txBody>
+          <a:bodyPr wrap="square" rtlCol="0">
+            <a:spAutoFit/>
+          </a:bodyPr>
+          <a:lstStyle/>
+          <a:p>
+            <a:r>
+              <a:rPr lang="en-US" altLang="ko-KR" dirty="0">
+                <a:latin typeface="나눔스퀘어 Light" panose="020B0600000101010101" pitchFamily="50" charset="-127"/>
+                <a:ea typeface="나눔스퀘어 Light" panose="020B0600000101010101" pitchFamily="50" charset="-127"/>
+              </a:rPr>
+              <a:t>C</a:t>
+            </a:r>
+            <a:r>
+              <a:rPr lang="ko-KR" altLang="en-US" dirty="0">
+                <a:latin typeface="나눔스퀘어 Light" panose="020B0600000101010101" pitchFamily="50" charset="-127"/>
+                <a:ea typeface="나눔스퀘어 Light" panose="020B0600000101010101" pitchFamily="50" charset="-127"/>
+              </a:rPr>
+              <a:t>언어의 </a:t>
+            </a:r>
+            <a:r>
+              <a:rPr lang="en-US" altLang="ko-KR" dirty="0" err="1">
+                <a:latin typeface="나눔스퀘어 Light" panose="020B0600000101010101" pitchFamily="50" charset="-127"/>
+                <a:ea typeface="나눔스퀘어 Light" panose="020B0600000101010101" pitchFamily="50" charset="-127"/>
+              </a:rPr>
+              <a:t>bsearch</a:t>
+            </a:r>
+            <a:r>
+              <a:rPr lang="en-US" altLang="ko-KR" dirty="0">
+                <a:latin typeface="나눔스퀘어 Light" panose="020B0600000101010101" pitchFamily="50" charset="-127"/>
+                <a:ea typeface="나눔스퀘어 Light" panose="020B0600000101010101" pitchFamily="50" charset="-127"/>
+              </a:rPr>
+              <a:t>() </a:t>
+            </a:r>
+            <a:r>
+              <a:rPr lang="ko-KR" altLang="en-US" dirty="0">
+                <a:latin typeface="나눔스퀘어 Light" panose="020B0600000101010101" pitchFamily="50" charset="-127"/>
+                <a:ea typeface="나눔스퀘어 Light" panose="020B0600000101010101" pitchFamily="50" charset="-127"/>
+              </a:rPr>
+              <a:t>함수는 </a:t>
+            </a:r>
+            <a:r>
+              <a:rPr lang="en-US" altLang="ko-KR" dirty="0">
+                <a:latin typeface="나눔스퀘어 Light" panose="020B0600000101010101" pitchFamily="50" charset="-127"/>
+                <a:ea typeface="나눔스퀘어 Light" panose="020B0600000101010101" pitchFamily="50" charset="-127"/>
+              </a:rPr>
+              <a:t>key</a:t>
+            </a:r>
+            <a:r>
+              <a:rPr lang="ko-KR" altLang="en-US" dirty="0">
+                <a:latin typeface="나눔스퀘어 Light" panose="020B0600000101010101" pitchFamily="50" charset="-127"/>
+                <a:ea typeface="나눔스퀘어 Light" panose="020B0600000101010101" pitchFamily="50" charset="-127"/>
+              </a:rPr>
+              <a:t>로 들어간 값이 배열에 있는지 탐색하여 탐색에 성공할 경우 그 값의</a:t>
+            </a:r>
+          </a:p>
+        </p:txBody>
+      </p:sp>
+      <p:sp>
+        <p:nvSpPr>
+          <p:cNvPr id="19" name="TextBox 18">
+            <a:extLst>
+              <a:ext uri="{FF2B5EF4-FFF2-40B4-BE49-F238E27FC236}">
+                <a16:creationId xmlns:a16="http://schemas.microsoft.com/office/drawing/2014/main" id="{C498B104-4317-7CA9-1CAD-144BB832B559}"/>
+              </a:ext>
+            </a:extLst>
+          </p:cNvPr>
+          <p:cNvSpPr txBox="1"/>
+          <p:nvPr/>
+        </p:nvSpPr>
+        <p:spPr>
+          <a:xfrm>
+            <a:off x="942387" y="5610116"/>
+            <a:ext cx="10237694" cy="369332"/>
+          </a:xfrm>
+          <a:prstGeom prst="rect">
+            <a:avLst/>
+          </a:prstGeom>
+          <a:noFill/>
+        </p:spPr>
+        <p:txBody>
+          <a:bodyPr wrap="square" rtlCol="0">
+            <a:spAutoFit/>
+          </a:bodyPr>
+          <a:lstStyle/>
+          <a:p>
+            <a:r>
+              <a:rPr lang="ko-KR" altLang="en-US" dirty="0">
+                <a:latin typeface="나눔스퀘어 Light" panose="020B0600000101010101" pitchFamily="50" charset="-127"/>
+                <a:ea typeface="나눔스퀘어 Light" panose="020B0600000101010101" pitchFamily="50" charset="-127"/>
+              </a:rPr>
+              <a:t>포인터를 반환하고</a:t>
+            </a:r>
+            <a:r>
+              <a:rPr lang="en-US" altLang="ko-KR" dirty="0">
+                <a:latin typeface="나눔스퀘어 Light" panose="020B0600000101010101" pitchFamily="50" charset="-127"/>
+                <a:ea typeface="나눔스퀘어 Light" panose="020B0600000101010101" pitchFamily="50" charset="-127"/>
+              </a:rPr>
+              <a:t>, </a:t>
+            </a:r>
+            <a:r>
+              <a:rPr lang="ko-KR" altLang="en-US" dirty="0">
+                <a:latin typeface="나눔스퀘어 Light" panose="020B0600000101010101" pitchFamily="50" charset="-127"/>
+                <a:ea typeface="나눔스퀘어 Light" panose="020B0600000101010101" pitchFamily="50" charset="-127"/>
+              </a:rPr>
+              <a:t>실패할 경우 </a:t>
+            </a:r>
+            <a:r>
+              <a:rPr lang="en-US" altLang="ko-KR" dirty="0">
+                <a:latin typeface="나눔스퀘어 Light" panose="020B0600000101010101" pitchFamily="50" charset="-127"/>
+                <a:ea typeface="나눔스퀘어 Light" panose="020B0600000101010101" pitchFamily="50" charset="-127"/>
+              </a:rPr>
+              <a:t>NULL </a:t>
+            </a:r>
+            <a:r>
+              <a:rPr lang="ko-KR" altLang="en-US" dirty="0">
+                <a:latin typeface="나눔스퀘어 Light" panose="020B0600000101010101" pitchFamily="50" charset="-127"/>
+                <a:ea typeface="나눔스퀘어 Light" panose="020B0600000101010101" pitchFamily="50" charset="-127"/>
+              </a:rPr>
+              <a:t>포인터를 반환합니다</a:t>
+            </a:r>
+            <a:r>
+              <a:rPr lang="en-US" altLang="ko-KR" dirty="0">
+                <a:latin typeface="나눔스퀘어 Light" panose="020B0600000101010101" pitchFamily="50" charset="-127"/>
+                <a:ea typeface="나눔스퀘어 Light" panose="020B0600000101010101" pitchFamily="50" charset="-127"/>
+              </a:rPr>
+              <a:t>.</a:t>
+            </a:r>
+            <a:endParaRPr lang="ko-KR" altLang="en-US" dirty="0">
+              <a:latin typeface="나눔스퀘어 Light" panose="020B0600000101010101" pitchFamily="50" charset="-127"/>
+              <a:ea typeface="나눔스퀘어 Light" panose="020B0600000101010101" pitchFamily="50" charset="-127"/>
+            </a:endParaRPr>
+          </a:p>
+        </p:txBody>
+      </p:sp>
     </p:spTree>
     <p:extLst>
       <p:ext uri="{BB962C8B-B14F-4D97-AF65-F5344CB8AC3E}">
-        <p14:creationId xmlns:p14="http://schemas.microsoft.com/office/powerpoint/2010/main" val="1785005292"/>
+        <p14:creationId xmlns:p14="http://schemas.microsoft.com/office/powerpoint/2010/main" val="2399906574"/>
       </p:ext>
     </p:extLst>
   </p:cSld>
@@ -13034,10 +13404,10 @@
       </p:cxnSp>
       <p:sp>
         <p:nvSpPr>
-          <p:cNvPr id="7" name="TextBox 6">
-            <a:extLst>
-              <a:ext uri="{FF2B5EF4-FFF2-40B4-BE49-F238E27FC236}">
-                <a16:creationId xmlns:a16="http://schemas.microsoft.com/office/drawing/2014/main" id="{5B474655-BD78-E334-950C-B8C17B96E7D6}"/>
+          <p:cNvPr id="2" name="TextBox 1">
+            <a:extLst>
+              <a:ext uri="{FF2B5EF4-FFF2-40B4-BE49-F238E27FC236}">
+                <a16:creationId xmlns:a16="http://schemas.microsoft.com/office/drawing/2014/main" id="{42928CCE-6E6A-5C16-746E-BAD660A9BBF3}"/>
               </a:ext>
             </a:extLst>
           </p:cNvPr>
@@ -13046,8 +13416,50 @@
         </p:nvSpPr>
         <p:spPr>
           <a:xfrm>
-            <a:off x="942387" y="1190024"/>
-            <a:ext cx="9917291" cy="369332"/>
+            <a:off x="331694" y="177505"/>
+            <a:ext cx="2514343" cy="523220"/>
+          </a:xfrm>
+          <a:prstGeom prst="rect">
+            <a:avLst/>
+          </a:prstGeom>
+          <a:noFill/>
+        </p:spPr>
+        <p:txBody>
+          <a:bodyPr wrap="none" rtlCol="0">
+            <a:spAutoFit/>
+          </a:bodyPr>
+          <a:lstStyle/>
+          <a:p>
+            <a:r>
+              <a:rPr lang="en-US" altLang="ko-KR" sz="2800" dirty="0">
+                <a:latin typeface="나눔스퀘어 Bold" panose="020B0600000101010101" pitchFamily="50" charset="-127"/>
+                <a:ea typeface="나눔스퀘어 Bold" panose="020B0600000101010101" pitchFamily="50" charset="-127"/>
+              </a:rPr>
+              <a:t>Binary Search</a:t>
+            </a:r>
+            <a:endParaRPr lang="ko-KR" altLang="en-US" sz="2800" dirty="0">
+              <a:latin typeface="나눔스퀘어 Bold" panose="020B0600000101010101" pitchFamily="50" charset="-127"/>
+              <a:ea typeface="나눔스퀘어 Bold" panose="020B0600000101010101" pitchFamily="50" charset="-127"/>
+            </a:endParaRPr>
+          </a:p>
+        </p:txBody>
+      </p:sp>
+      <p:sp>
+        <p:nvSpPr>
+          <p:cNvPr id="14" name="TextBox 13">
+            <a:extLst>
+              <a:ext uri="{FF2B5EF4-FFF2-40B4-BE49-F238E27FC236}">
+                <a16:creationId xmlns:a16="http://schemas.microsoft.com/office/drawing/2014/main" id="{1E50CBBD-0B41-9959-FE23-4646D2B64EFD}"/>
+              </a:ext>
+            </a:extLst>
+          </p:cNvPr>
+          <p:cNvSpPr txBox="1"/>
+          <p:nvPr/>
+        </p:nvSpPr>
+        <p:spPr>
+          <a:xfrm>
+            <a:off x="942387" y="1074286"/>
+            <a:ext cx="8542272" cy="369332"/>
           </a:xfrm>
           <a:prstGeom prst="rect">
             <a:avLst/>
@@ -13061,39 +13473,46 @@
           <a:lstStyle/>
           <a:p>
             <a:r>
-              <a:rPr lang="ko-KR" altLang="en-US" dirty="0" err="1">
-                <a:latin typeface="나눔스퀘어 Light" panose="020B0600000101010101" pitchFamily="50" charset="-127"/>
-                <a:ea typeface="나눔스퀘어 Light" panose="020B0600000101010101" pitchFamily="50" charset="-127"/>
-              </a:rPr>
-              <a:t>카운팅</a:t>
-            </a:r>
-            <a:r>
-              <a:rPr lang="ko-KR" altLang="en-US" dirty="0">
-                <a:latin typeface="나눔스퀘어 Light" panose="020B0600000101010101" pitchFamily="50" charset="-127"/>
-                <a:ea typeface="나눔스퀘어 Light" panose="020B0600000101010101" pitchFamily="50" charset="-127"/>
-              </a:rPr>
-              <a:t> 된 합들 중에서 가장 많이 나온 것을 찾는다</a:t>
-            </a:r>
-            <a:r>
-              <a:rPr lang="en-US" altLang="ko-KR" dirty="0">
-                <a:latin typeface="나눔스퀘어 Light" panose="020B0600000101010101" pitchFamily="50" charset="-127"/>
-                <a:ea typeface="나눔스퀘어 Light" panose="020B0600000101010101" pitchFamily="50" charset="-127"/>
-              </a:rPr>
-              <a:t>.</a:t>
+              <a:rPr lang="en-US" altLang="ko-KR" dirty="0">
+                <a:latin typeface="나눔스퀘어 Bold" panose="020B0600000101010101" pitchFamily="50" charset="-127"/>
+                <a:ea typeface="나눔스퀘어 Bold" panose="020B0600000101010101" pitchFamily="50" charset="-127"/>
+              </a:rPr>
+              <a:t>Java</a:t>
+            </a:r>
+            <a:r>
+              <a:rPr lang="en-US" altLang="ko-KR" dirty="0">
+                <a:latin typeface="나눔스퀘어 Light" panose="020B0600000101010101" pitchFamily="50" charset="-127"/>
+                <a:ea typeface="나눔스퀘어 Light" panose="020B0600000101010101" pitchFamily="50" charset="-127"/>
+              </a:rPr>
+              <a:t> : </a:t>
+            </a:r>
+            <a:r>
+              <a:rPr lang="en-US" altLang="ko-KR" dirty="0" err="1">
+                <a:latin typeface="나눔스퀘어 Light" panose="020B0600000101010101" pitchFamily="50" charset="-127"/>
+                <a:ea typeface="나눔스퀘어 Light" panose="020B0600000101010101" pitchFamily="50" charset="-127"/>
+              </a:rPr>
+              <a:t>Arrays.binarySearch</a:t>
+            </a:r>
+            <a:r>
+              <a:rPr lang="en-US" altLang="ko-KR" dirty="0">
+                <a:latin typeface="나눔스퀘어 Light" panose="020B0600000101010101" pitchFamily="50" charset="-127"/>
+                <a:ea typeface="나눔스퀘어 Light" panose="020B0600000101010101" pitchFamily="50" charset="-127"/>
+              </a:rPr>
+              <a:t>()</a:t>
             </a:r>
             <a:endParaRPr lang="ko-KR" altLang="en-US" dirty="0">
-              <a:latin typeface="나눔스퀘어 Light" panose="020B0600000101010101" pitchFamily="50" charset="-127"/>
-              <a:ea typeface="나눔스퀘어 Light" panose="020B0600000101010101" pitchFamily="50" charset="-127"/>
+              <a:latin typeface="나눔스퀘어 Bold" panose="020B0600000101010101" pitchFamily="50" charset="-127"/>
+              <a:ea typeface="나눔스퀘어 Bold" panose="020B0600000101010101" pitchFamily="50" charset="-127"/>
             </a:endParaRPr>
           </a:p>
         </p:txBody>
       </p:sp>
       <p:sp>
         <p:nvSpPr>
-          <p:cNvPr id="2" name="TextBox 1">
-            <a:extLst>
-              <a:ext uri="{FF2B5EF4-FFF2-40B4-BE49-F238E27FC236}">
-                <a16:creationId xmlns:a16="http://schemas.microsoft.com/office/drawing/2014/main" id="{A08D3E52-92D8-F1A5-40D2-5567A89CBF09}"/>
+          <p:cNvPr id="18" name="TextBox 17">
+            <a:extLst>
+              <a:ext uri="{FF2B5EF4-FFF2-40B4-BE49-F238E27FC236}">
+                <a16:creationId xmlns:a16="http://schemas.microsoft.com/office/drawing/2014/main" id="{5D347B0F-84F4-050D-4A52-94BEE92EBA9E}"/>
               </a:ext>
             </a:extLst>
           </p:cNvPr>
@@ -13102,8 +13521,8 @@
         </p:nvSpPr>
         <p:spPr>
           <a:xfrm>
-            <a:off x="942387" y="3429000"/>
-            <a:ext cx="9917291" cy="646331"/>
+            <a:off x="942387" y="3244334"/>
+            <a:ext cx="10237694" cy="369332"/>
           </a:xfrm>
           <a:prstGeom prst="rect">
             <a:avLst/>
@@ -13117,38 +13536,147 @@
           <a:lstStyle/>
           <a:p>
             <a:r>
+              <a:rPr lang="en-US" altLang="ko-KR" dirty="0">
+                <a:latin typeface="나눔스퀘어 Light" panose="020B0600000101010101" pitchFamily="50" charset="-127"/>
+                <a:ea typeface="나눔스퀘어 Light" panose="020B0600000101010101" pitchFamily="50" charset="-127"/>
+              </a:rPr>
+              <a:t>Java</a:t>
+            </a:r>
+            <a:r>
               <a:rPr lang="ko-KR" altLang="en-US" dirty="0">
                 <a:latin typeface="나눔스퀘어 Light" panose="020B0600000101010101" pitchFamily="50" charset="-127"/>
                 <a:ea typeface="나눔스퀘어 Light" panose="020B0600000101010101" pitchFamily="50" charset="-127"/>
               </a:rPr>
-              <a:t>가장 많이 </a:t>
-            </a:r>
-            <a:r>
-              <a:rPr lang="ko-KR" altLang="en-US" dirty="0" err="1">
-                <a:latin typeface="나눔스퀘어 Light" panose="020B0600000101010101" pitchFamily="50" charset="-127"/>
-                <a:ea typeface="나눔스퀘어 Light" panose="020B0600000101010101" pitchFamily="50" charset="-127"/>
-              </a:rPr>
-              <a:t>나온게</a:t>
+              <a:t>의 </a:t>
+            </a:r>
+            <a:r>
+              <a:rPr lang="en-US" altLang="ko-KR" dirty="0" err="1">
+                <a:latin typeface="나눔스퀘어 Light" panose="020B0600000101010101" pitchFamily="50" charset="-127"/>
+                <a:ea typeface="나눔스퀘어 Light" panose="020B0600000101010101" pitchFamily="50" charset="-127"/>
+              </a:rPr>
+              <a:t>Arrays.binarySearch</a:t>
+            </a:r>
+            <a:r>
+              <a:rPr lang="en-US" altLang="ko-KR" dirty="0">
+                <a:latin typeface="나눔스퀘어 Light" panose="020B0600000101010101" pitchFamily="50" charset="-127"/>
+                <a:ea typeface="나눔스퀘어 Light" panose="020B0600000101010101" pitchFamily="50" charset="-127"/>
+              </a:rPr>
+              <a:t>() </a:t>
             </a:r>
             <a:r>
               <a:rPr lang="ko-KR" altLang="en-US" dirty="0">
                 <a:latin typeface="나눔스퀘어 Light" panose="020B0600000101010101" pitchFamily="50" charset="-127"/>
                 <a:ea typeface="나눔스퀘어 Light" panose="020B0600000101010101" pitchFamily="50" charset="-127"/>
               </a:rPr>
-              <a:t> 여러 개일 땐 가장 합이 작은 것을 출력하면 되니까</a:t>
-            </a:r>
-            <a:endParaRPr lang="en-US" altLang="ko-KR" dirty="0">
-              <a:latin typeface="나눔스퀘어 Light" panose="020B0600000101010101" pitchFamily="50" charset="-127"/>
-              <a:ea typeface="나눔스퀘어 Light" panose="020B0600000101010101" pitchFamily="50" charset="-127"/>
-            </a:endParaRPr>
-          </a:p>
-          <a:p>
+              <a:t>메서드는 </a:t>
+            </a:r>
+            <a:r>
+              <a:rPr lang="en-US" altLang="ko-KR" dirty="0">
+                <a:latin typeface="나눔스퀘어 Light" panose="020B0600000101010101" pitchFamily="50" charset="-127"/>
+                <a:ea typeface="나눔스퀘어 Light" panose="020B0600000101010101" pitchFamily="50" charset="-127"/>
+              </a:rPr>
+              <a:t>key</a:t>
+            </a:r>
             <a:r>
               <a:rPr lang="ko-KR" altLang="en-US" dirty="0">
                 <a:latin typeface="나눔스퀘어 Light" panose="020B0600000101010101" pitchFamily="50" charset="-127"/>
                 <a:ea typeface="나눔스퀘어 Light" panose="020B0600000101010101" pitchFamily="50" charset="-127"/>
               </a:rPr>
-              <a:t>앞에서부터 최대값과 같은 값을 찾는다</a:t>
+              <a:t>로 들어간 값이 배열에 있는지 탐색하여 값을 찾을 경우</a:t>
+            </a:r>
+          </a:p>
+        </p:txBody>
+      </p:sp>
+      <p:sp>
+        <p:nvSpPr>
+          <p:cNvPr id="19" name="TextBox 18">
+            <a:extLst>
+              <a:ext uri="{FF2B5EF4-FFF2-40B4-BE49-F238E27FC236}">
+                <a16:creationId xmlns:a16="http://schemas.microsoft.com/office/drawing/2014/main" id="{C498B104-4317-7CA9-1CAD-144BB832B559}"/>
+              </a:ext>
+            </a:extLst>
+          </p:cNvPr>
+          <p:cNvSpPr txBox="1"/>
+          <p:nvPr/>
+        </p:nvSpPr>
+        <p:spPr>
+          <a:xfrm>
+            <a:off x="942387" y="3624734"/>
+            <a:ext cx="10237694" cy="369332"/>
+          </a:xfrm>
+          <a:prstGeom prst="rect">
+            <a:avLst/>
+          </a:prstGeom>
+          <a:noFill/>
+        </p:spPr>
+        <p:txBody>
+          <a:bodyPr wrap="square" rtlCol="0">
+            <a:spAutoFit/>
+          </a:bodyPr>
+          <a:lstStyle/>
+          <a:p>
+            <a:r>
+              <a:rPr lang="ko-KR" altLang="en-US" dirty="0">
+                <a:latin typeface="나눔스퀘어 Light" panose="020B0600000101010101" pitchFamily="50" charset="-127"/>
+                <a:ea typeface="나눔스퀘어 Light" panose="020B0600000101010101" pitchFamily="50" charset="-127"/>
+              </a:rPr>
+              <a:t>위치를 반환하고</a:t>
+            </a:r>
+            <a:r>
+              <a:rPr lang="en-US" altLang="ko-KR" dirty="0">
+                <a:latin typeface="나눔스퀘어 Light" panose="020B0600000101010101" pitchFamily="50" charset="-127"/>
+                <a:ea typeface="나눔스퀘어 Light" panose="020B0600000101010101" pitchFamily="50" charset="-127"/>
+              </a:rPr>
+              <a:t>, </a:t>
+            </a:r>
+            <a:r>
+              <a:rPr lang="ko-KR" altLang="en-US" dirty="0">
+                <a:latin typeface="나눔스퀘어 Light" panose="020B0600000101010101" pitchFamily="50" charset="-127"/>
+                <a:ea typeface="나눔스퀘어 Light" panose="020B0600000101010101" pitchFamily="50" charset="-127"/>
+              </a:rPr>
+              <a:t>찾지 못할 경우에는 </a:t>
+            </a:r>
+            <a:r>
+              <a:rPr lang="en-US" altLang="ko-KR" dirty="0">
+                <a:latin typeface="나눔스퀘어 Light" panose="020B0600000101010101" pitchFamily="50" charset="-127"/>
+                <a:ea typeface="나눔스퀘어 Light" panose="020B0600000101010101" pitchFamily="50" charset="-127"/>
+              </a:rPr>
+              <a:t>(</a:t>
+            </a:r>
+            <a:r>
+              <a:rPr lang="ko-KR" altLang="en-US" dirty="0">
+                <a:latin typeface="나눔스퀘어 Light" panose="020B0600000101010101" pitchFamily="50" charset="-127"/>
+                <a:ea typeface="나눔스퀘어 Light" panose="020B0600000101010101" pitchFamily="50" charset="-127"/>
+              </a:rPr>
+              <a:t>들어갈 자리 </a:t>
+            </a:r>
+            <a:r>
+              <a:rPr lang="en-US" altLang="ko-KR" dirty="0">
+                <a:latin typeface="나눔스퀘어 Light" panose="020B0600000101010101" pitchFamily="50" charset="-127"/>
+                <a:ea typeface="나눔스퀘어 Light" panose="020B0600000101010101" pitchFamily="50" charset="-127"/>
+              </a:rPr>
+              <a:t>× -1 – 1) (</a:t>
+            </a:r>
+            <a:r>
+              <a:rPr lang="en-US" altLang="ko-KR" dirty="0" err="1">
+                <a:latin typeface="나눔스퀘어 Light" panose="020B0600000101010101" pitchFamily="50" charset="-127"/>
+                <a:ea typeface="나눔스퀘어 Light" panose="020B0600000101010101" pitchFamily="50" charset="-127"/>
+              </a:rPr>
+              <a:t>lower_bound</a:t>
+            </a:r>
+            <a:r>
+              <a:rPr lang="en-US" altLang="ko-KR" dirty="0">
+                <a:latin typeface="나눔스퀘어 Light" panose="020B0600000101010101" pitchFamily="50" charset="-127"/>
+                <a:ea typeface="나눔스퀘어 Light" panose="020B0600000101010101" pitchFamily="50" charset="-127"/>
+              </a:rPr>
+              <a:t>) </a:t>
+            </a:r>
+            <a:r>
+              <a:rPr lang="ko-KR" altLang="en-US" dirty="0">
+                <a:latin typeface="나눔스퀘어 Light" panose="020B0600000101010101" pitchFamily="50" charset="-127"/>
+                <a:ea typeface="나눔스퀘어 Light" panose="020B0600000101010101" pitchFamily="50" charset="-127"/>
+              </a:rPr>
+              <a:t>을 반환합니다</a:t>
             </a:r>
             <a:r>
               <a:rPr lang="en-US" altLang="ko-KR" dirty="0">
@@ -13166,10 +13694,10 @@
       </p:sp>
       <p:pic>
         <p:nvPicPr>
-          <p:cNvPr id="8" name="그림 7">
-            <a:extLst>
-              <a:ext uri="{FF2B5EF4-FFF2-40B4-BE49-F238E27FC236}">
-                <a16:creationId xmlns:a16="http://schemas.microsoft.com/office/drawing/2014/main" id="{319F2A8B-5B74-164F-1B11-A832A344454F}"/>
+          <p:cNvPr id="7" name="그림 6">
+            <a:extLst>
+              <a:ext uri="{FF2B5EF4-FFF2-40B4-BE49-F238E27FC236}">
+                <a16:creationId xmlns:a16="http://schemas.microsoft.com/office/drawing/2014/main" id="{C63CF80A-531D-10F9-FB64-C6A4C1D31E72}"/>
               </a:ext>
             </a:extLst>
           </p:cNvPr>
@@ -13186,93 +13714,18 @@
         </p:blipFill>
         <p:spPr>
           <a:xfrm>
-            <a:off x="942386" y="1646314"/>
-            <a:ext cx="4704675" cy="1568225"/>
+            <a:off x="942387" y="1480610"/>
+            <a:ext cx="6818392" cy="1422846"/>
           </a:xfrm>
           <a:prstGeom prst="rect">
             <a:avLst/>
           </a:prstGeom>
         </p:spPr>
       </p:pic>
-      <p:pic>
-        <p:nvPicPr>
-          <p:cNvPr id="10" name="그림 9">
-            <a:extLst>
-              <a:ext uri="{FF2B5EF4-FFF2-40B4-BE49-F238E27FC236}">
-                <a16:creationId xmlns:a16="http://schemas.microsoft.com/office/drawing/2014/main" id="{0C0CF422-771A-BD78-6A1A-2CEC60AE0760}"/>
-              </a:ext>
-            </a:extLst>
-          </p:cNvPr>
-          <p:cNvPicPr>
-            <a:picLocks noChangeAspect="1"/>
-          </p:cNvPicPr>
-          <p:nvPr/>
-        </p:nvPicPr>
-        <p:blipFill>
-          <a:blip r:embed="rId3"/>
-          <a:stretch>
-            <a:fillRect/>
-          </a:stretch>
-        </p:blipFill>
-        <p:spPr>
-          <a:xfrm>
-            <a:off x="942386" y="4075331"/>
-            <a:ext cx="4704675" cy="1942886"/>
-          </a:xfrm>
-          <a:prstGeom prst="rect">
-            <a:avLst/>
-          </a:prstGeom>
-        </p:spPr>
-      </p:pic>
-      <p:sp>
-        <p:nvSpPr>
-          <p:cNvPr id="3" name="TextBox 2">
-            <a:extLst>
-              <a:ext uri="{FF2B5EF4-FFF2-40B4-BE49-F238E27FC236}">
-                <a16:creationId xmlns:a16="http://schemas.microsoft.com/office/drawing/2014/main" id="{7306C7FE-FA39-30B6-5E05-9FBB3B4C69FE}"/>
-              </a:ext>
-            </a:extLst>
-          </p:cNvPr>
-          <p:cNvSpPr txBox="1"/>
-          <p:nvPr/>
-        </p:nvSpPr>
-        <p:spPr>
-          <a:xfrm>
-            <a:off x="331694" y="177505"/>
-            <a:ext cx="4883581" cy="523220"/>
-          </a:xfrm>
-          <a:prstGeom prst="rect">
-            <a:avLst/>
-          </a:prstGeom>
-          <a:noFill/>
-        </p:spPr>
-        <p:txBody>
-          <a:bodyPr wrap="none" rtlCol="0">
-            <a:spAutoFit/>
-          </a:bodyPr>
-          <a:lstStyle/>
-          <a:p>
-            <a:r>
-              <a:rPr lang="en-US" altLang="ko-KR" sz="2800" dirty="0">
-                <a:latin typeface="나눔스퀘어 Bold" panose="020B0600000101010101" pitchFamily="50" charset="-127"/>
-                <a:ea typeface="나눔스퀘어 Bold" panose="020B0600000101010101" pitchFamily="50" charset="-127"/>
-              </a:rPr>
-              <a:t>Binary Search – 1920 </a:t>
-            </a:r>
-            <a:r>
-              <a:rPr lang="ko-KR" altLang="en-US" sz="2800" dirty="0">
-                <a:latin typeface="나눔스퀘어 Bold" panose="020B0600000101010101" pitchFamily="50" charset="-127"/>
-                <a:ea typeface="나눔스퀘어 Bold" panose="020B0600000101010101" pitchFamily="50" charset="-127"/>
-              </a:rPr>
-              <a:t>수 찾기</a:t>
-            </a:r>
-          </a:p>
-        </p:txBody>
-      </p:sp>
     </p:spTree>
     <p:extLst>
       <p:ext uri="{BB962C8B-B14F-4D97-AF65-F5344CB8AC3E}">
-        <p14:creationId xmlns:p14="http://schemas.microsoft.com/office/powerpoint/2010/main" val="3545895625"/>
+        <p14:creationId xmlns:p14="http://schemas.microsoft.com/office/powerpoint/2010/main" val="2783726095"/>
       </p:ext>
     </p:extLst>
   </p:cSld>
@@ -13301,10 +13754,10 @@
       </p:grpSpPr>
       <p:cxnSp>
         <p:nvCxnSpPr>
-          <p:cNvPr id="26" name="직선 연결선 25">
-            <a:extLst>
-              <a:ext uri="{FF2B5EF4-FFF2-40B4-BE49-F238E27FC236}">
-                <a16:creationId xmlns:a16="http://schemas.microsoft.com/office/drawing/2014/main" id="{679B38A3-B196-3741-D6D3-0CA8FB95B91A}"/>
+          <p:cNvPr id="5" name="직선 연결선 4">
+            <a:extLst>
+              <a:ext uri="{FF2B5EF4-FFF2-40B4-BE49-F238E27FC236}">
+                <a16:creationId xmlns:a16="http://schemas.microsoft.com/office/drawing/2014/main" id="{164C2827-EFCE-69A4-D037-1A218415F568}"/>
               </a:ext>
             </a:extLst>
           </p:cNvPr>
@@ -13345,10 +13798,10 @@
       </p:cxnSp>
       <p:sp>
         <p:nvSpPr>
-          <p:cNvPr id="3" name="TextBox 2">
-            <a:extLst>
-              <a:ext uri="{FF2B5EF4-FFF2-40B4-BE49-F238E27FC236}">
-                <a16:creationId xmlns:a16="http://schemas.microsoft.com/office/drawing/2014/main" id="{B9DDF29F-4939-9859-67A7-972089459CC6}"/>
+          <p:cNvPr id="2" name="TextBox 1">
+            <a:extLst>
+              <a:ext uri="{FF2B5EF4-FFF2-40B4-BE49-F238E27FC236}">
+                <a16:creationId xmlns:a16="http://schemas.microsoft.com/office/drawing/2014/main" id="{42928CCE-6E6A-5C16-746E-BAD660A9BBF3}"/>
               </a:ext>
             </a:extLst>
           </p:cNvPr>
@@ -13358,7 +13811,7 @@
         <p:spPr>
           <a:xfrm>
             <a:off x="331694" y="177505"/>
-            <a:ext cx="5268302" cy="523220"/>
+            <a:ext cx="2514343" cy="523220"/>
           </a:xfrm>
           <a:prstGeom prst="rect">
             <a:avLst/>
@@ -13376,66 +13829,253 @@
                 <a:latin typeface="나눔스퀘어 Bold" panose="020B0600000101010101" pitchFamily="50" charset="-127"/>
                 <a:ea typeface="나눔스퀘어 Bold" panose="020B0600000101010101" pitchFamily="50" charset="-127"/>
               </a:rPr>
-              <a:t>Brute</a:t>
-            </a:r>
-            <a:r>
-              <a:rPr lang="ko-KR" altLang="en-US" sz="2800" dirty="0">
-                <a:latin typeface="나눔스퀘어 Bold" panose="020B0600000101010101" pitchFamily="50" charset="-127"/>
-                <a:ea typeface="나눔스퀘어 Bold" panose="020B0600000101010101" pitchFamily="50" charset="-127"/>
-              </a:rPr>
-              <a:t> </a:t>
-            </a:r>
-            <a:r>
-              <a:rPr lang="en-US" altLang="ko-KR" sz="2800" dirty="0">
-                <a:latin typeface="나눔스퀘어 Bold" panose="020B0600000101010101" pitchFamily="50" charset="-127"/>
-                <a:ea typeface="나눔스퀘어 Bold" panose="020B0600000101010101" pitchFamily="50" charset="-127"/>
-              </a:rPr>
-              <a:t>Force – 5671 </a:t>
-            </a:r>
-            <a:r>
-              <a:rPr lang="ko-KR" altLang="en-US" sz="2800" dirty="0">
-                <a:latin typeface="나눔스퀘어 Bold" panose="020B0600000101010101" pitchFamily="50" charset="-127"/>
-                <a:ea typeface="나눔스퀘어 Bold" panose="020B0600000101010101" pitchFamily="50" charset="-127"/>
-              </a:rPr>
-              <a:t>호텔 방 번호</a:t>
-            </a:r>
+              <a:t>Binary Search</a:t>
+            </a:r>
+            <a:endParaRPr lang="ko-KR" altLang="en-US" sz="2800" dirty="0">
+              <a:latin typeface="나눔스퀘어 Bold" panose="020B0600000101010101" pitchFamily="50" charset="-127"/>
+              <a:ea typeface="나눔스퀘어 Bold" panose="020B0600000101010101" pitchFamily="50" charset="-127"/>
+            </a:endParaRPr>
           </a:p>
         </p:txBody>
       </p:sp>
-      <p:pic>
-        <p:nvPicPr>
-          <p:cNvPr id="7" name="그림 6">
-            <a:extLst>
-              <a:ext uri="{FF2B5EF4-FFF2-40B4-BE49-F238E27FC236}">
-                <a16:creationId xmlns:a16="http://schemas.microsoft.com/office/drawing/2014/main" id="{4ADAA222-9A45-95DF-76C4-CFEB39AB7A12}"/>
-              </a:ext>
-            </a:extLst>
-          </p:cNvPr>
-          <p:cNvPicPr>
-            <a:picLocks noChangeAspect="1"/>
-          </p:cNvPicPr>
+      <p:sp>
+        <p:nvSpPr>
+          <p:cNvPr id="14" name="TextBox 13">
+            <a:extLst>
+              <a:ext uri="{FF2B5EF4-FFF2-40B4-BE49-F238E27FC236}">
+                <a16:creationId xmlns:a16="http://schemas.microsoft.com/office/drawing/2014/main" id="{1E50CBBD-0B41-9959-FE23-4646D2B64EFD}"/>
+              </a:ext>
+            </a:extLst>
+          </p:cNvPr>
+          <p:cNvSpPr txBox="1"/>
           <p:nvPr/>
-        </p:nvPicPr>
-        <p:blipFill>
-          <a:blip r:embed="rId2"/>
-          <a:stretch>
-            <a:fillRect/>
-          </a:stretch>
-        </p:blipFill>
-        <p:spPr>
-          <a:xfrm>
-            <a:off x="441458" y="973846"/>
-            <a:ext cx="9654650" cy="5884154"/>
+        </p:nvSpPr>
+        <p:spPr>
+          <a:xfrm>
+            <a:off x="942387" y="1074286"/>
+            <a:ext cx="8542272" cy="369332"/>
           </a:xfrm>
           <a:prstGeom prst="rect">
             <a:avLst/>
           </a:prstGeom>
-        </p:spPr>
-      </p:pic>
+          <a:noFill/>
+        </p:spPr>
+        <p:txBody>
+          <a:bodyPr wrap="square" rtlCol="0">
+            <a:spAutoFit/>
+          </a:bodyPr>
+          <a:lstStyle/>
+          <a:p>
+            <a:r>
+              <a:rPr lang="en-US" altLang="ko-KR" dirty="0">
+                <a:latin typeface="나눔스퀘어 Bold" panose="020B0600000101010101" pitchFamily="50" charset="-127"/>
+                <a:ea typeface="나눔스퀘어 Bold" panose="020B0600000101010101" pitchFamily="50" charset="-127"/>
+              </a:rPr>
+              <a:t>Python</a:t>
+            </a:r>
+            <a:r>
+              <a:rPr lang="en-US" altLang="ko-KR" dirty="0">
+                <a:latin typeface="나눔스퀘어 Light" panose="020B0600000101010101" pitchFamily="50" charset="-127"/>
+                <a:ea typeface="나눔스퀘어 Light" panose="020B0600000101010101" pitchFamily="50" charset="-127"/>
+              </a:rPr>
+              <a:t> :</a:t>
+            </a:r>
+            <a:endParaRPr lang="ko-KR" altLang="en-US" dirty="0">
+              <a:latin typeface="나눔스퀘어 Bold" panose="020B0600000101010101" pitchFamily="50" charset="-127"/>
+              <a:ea typeface="나눔스퀘어 Bold" panose="020B0600000101010101" pitchFamily="50" charset="-127"/>
+            </a:endParaRPr>
+          </a:p>
+        </p:txBody>
+      </p:sp>
+      <p:sp>
+        <p:nvSpPr>
+          <p:cNvPr id="18" name="TextBox 17">
+            <a:extLst>
+              <a:ext uri="{FF2B5EF4-FFF2-40B4-BE49-F238E27FC236}">
+                <a16:creationId xmlns:a16="http://schemas.microsoft.com/office/drawing/2014/main" id="{5D347B0F-84F4-050D-4A52-94BEE92EBA9E}"/>
+              </a:ext>
+            </a:extLst>
+          </p:cNvPr>
+          <p:cNvSpPr txBox="1"/>
+          <p:nvPr/>
+        </p:nvSpPr>
+        <p:spPr>
+          <a:xfrm>
+            <a:off x="942387" y="3244334"/>
+            <a:ext cx="10237694" cy="369332"/>
+          </a:xfrm>
+          <a:prstGeom prst="rect">
+            <a:avLst/>
+          </a:prstGeom>
+          <a:noFill/>
+        </p:spPr>
+        <p:txBody>
+          <a:bodyPr wrap="square" rtlCol="0">
+            <a:spAutoFit/>
+          </a:bodyPr>
+          <a:lstStyle/>
+          <a:p>
+            <a:r>
+              <a:rPr lang="en-US" altLang="ko-KR" dirty="0">
+                <a:latin typeface="나눔스퀘어 Light" panose="020B0600000101010101" pitchFamily="50" charset="-127"/>
+                <a:ea typeface="나눔스퀘어 Light" panose="020B0600000101010101" pitchFamily="50" charset="-127"/>
+              </a:rPr>
+              <a:t>Java</a:t>
+            </a:r>
+            <a:r>
+              <a:rPr lang="ko-KR" altLang="en-US" dirty="0">
+                <a:latin typeface="나눔스퀘어 Light" panose="020B0600000101010101" pitchFamily="50" charset="-127"/>
+                <a:ea typeface="나눔스퀘어 Light" panose="020B0600000101010101" pitchFamily="50" charset="-127"/>
+              </a:rPr>
+              <a:t>의 </a:t>
+            </a:r>
+            <a:r>
+              <a:rPr lang="en-US" altLang="ko-KR" dirty="0" err="1">
+                <a:latin typeface="나눔스퀘어 Light" panose="020B0600000101010101" pitchFamily="50" charset="-127"/>
+                <a:ea typeface="나눔스퀘어 Light" panose="020B0600000101010101" pitchFamily="50" charset="-127"/>
+              </a:rPr>
+              <a:t>Arrays.binarySearch</a:t>
+            </a:r>
+            <a:r>
+              <a:rPr lang="en-US" altLang="ko-KR" dirty="0">
+                <a:latin typeface="나눔스퀘어 Light" panose="020B0600000101010101" pitchFamily="50" charset="-127"/>
+                <a:ea typeface="나눔스퀘어 Light" panose="020B0600000101010101" pitchFamily="50" charset="-127"/>
+              </a:rPr>
+              <a:t>() </a:t>
+            </a:r>
+            <a:r>
+              <a:rPr lang="ko-KR" altLang="en-US" dirty="0">
+                <a:latin typeface="나눔스퀘어 Light" panose="020B0600000101010101" pitchFamily="50" charset="-127"/>
+                <a:ea typeface="나눔스퀘어 Light" panose="020B0600000101010101" pitchFamily="50" charset="-127"/>
+              </a:rPr>
+              <a:t>메서드는 </a:t>
+            </a:r>
+            <a:r>
+              <a:rPr lang="en-US" altLang="ko-KR" dirty="0">
+                <a:latin typeface="나눔스퀘어 Light" panose="020B0600000101010101" pitchFamily="50" charset="-127"/>
+                <a:ea typeface="나눔스퀘어 Light" panose="020B0600000101010101" pitchFamily="50" charset="-127"/>
+              </a:rPr>
+              <a:t>key</a:t>
+            </a:r>
+            <a:r>
+              <a:rPr lang="ko-KR" altLang="en-US" dirty="0">
+                <a:latin typeface="나눔스퀘어 Light" panose="020B0600000101010101" pitchFamily="50" charset="-127"/>
+                <a:ea typeface="나눔스퀘어 Light" panose="020B0600000101010101" pitchFamily="50" charset="-127"/>
+              </a:rPr>
+              <a:t>로 들어간 값이 배열에 있는지 탐색하여 값을 찾을 경우</a:t>
+            </a:r>
+          </a:p>
+        </p:txBody>
+      </p:sp>
+      <p:sp>
+        <p:nvSpPr>
+          <p:cNvPr id="19" name="TextBox 18">
+            <a:extLst>
+              <a:ext uri="{FF2B5EF4-FFF2-40B4-BE49-F238E27FC236}">
+                <a16:creationId xmlns:a16="http://schemas.microsoft.com/office/drawing/2014/main" id="{C498B104-4317-7CA9-1CAD-144BB832B559}"/>
+              </a:ext>
+            </a:extLst>
+          </p:cNvPr>
+          <p:cNvSpPr txBox="1"/>
+          <p:nvPr/>
+        </p:nvSpPr>
+        <p:spPr>
+          <a:xfrm>
+            <a:off x="942387" y="3624734"/>
+            <a:ext cx="10237694" cy="369332"/>
+          </a:xfrm>
+          <a:prstGeom prst="rect">
+            <a:avLst/>
+          </a:prstGeom>
+          <a:noFill/>
+        </p:spPr>
+        <p:txBody>
+          <a:bodyPr wrap="square" rtlCol="0">
+            <a:spAutoFit/>
+          </a:bodyPr>
+          <a:lstStyle/>
+          <a:p>
+            <a:r>
+              <a:rPr lang="ko-KR" altLang="en-US" dirty="0">
+                <a:latin typeface="나눔스퀘어 Light" panose="020B0600000101010101" pitchFamily="50" charset="-127"/>
+                <a:ea typeface="나눔스퀘어 Light" panose="020B0600000101010101" pitchFamily="50" charset="-127"/>
+              </a:rPr>
+              <a:t>위치를 반환하고</a:t>
+            </a:r>
+            <a:r>
+              <a:rPr lang="en-US" altLang="ko-KR" dirty="0">
+                <a:latin typeface="나눔스퀘어 Light" panose="020B0600000101010101" pitchFamily="50" charset="-127"/>
+                <a:ea typeface="나눔스퀘어 Light" panose="020B0600000101010101" pitchFamily="50" charset="-127"/>
+              </a:rPr>
+              <a:t>, </a:t>
+            </a:r>
+            <a:r>
+              <a:rPr lang="ko-KR" altLang="en-US" dirty="0">
+                <a:latin typeface="나눔스퀘어 Light" panose="020B0600000101010101" pitchFamily="50" charset="-127"/>
+                <a:ea typeface="나눔스퀘어 Light" panose="020B0600000101010101" pitchFamily="50" charset="-127"/>
+              </a:rPr>
+              <a:t>찾지 못할 경우에는 </a:t>
+            </a:r>
+            <a:r>
+              <a:rPr lang="en-US" altLang="ko-KR" dirty="0">
+                <a:latin typeface="나눔스퀘어 Light" panose="020B0600000101010101" pitchFamily="50" charset="-127"/>
+                <a:ea typeface="나눔스퀘어 Light" panose="020B0600000101010101" pitchFamily="50" charset="-127"/>
+              </a:rPr>
+              <a:t>(</a:t>
+            </a:r>
+            <a:r>
+              <a:rPr lang="ko-KR" altLang="en-US" dirty="0">
+                <a:latin typeface="나눔스퀘어 Light" panose="020B0600000101010101" pitchFamily="50" charset="-127"/>
+                <a:ea typeface="나눔스퀘어 Light" panose="020B0600000101010101" pitchFamily="50" charset="-127"/>
+              </a:rPr>
+              <a:t>들어갈 자리 </a:t>
+            </a:r>
+            <a:r>
+              <a:rPr lang="en-US" altLang="ko-KR" dirty="0">
+                <a:latin typeface="나눔스퀘어 Light" panose="020B0600000101010101" pitchFamily="50" charset="-127"/>
+                <a:ea typeface="나눔스퀘어 Light" panose="020B0600000101010101" pitchFamily="50" charset="-127"/>
+              </a:rPr>
+              <a:t>× -1 – 1) (</a:t>
+            </a:r>
+            <a:r>
+              <a:rPr lang="en-US" altLang="ko-KR" dirty="0" err="1">
+                <a:latin typeface="나눔스퀘어 Light" panose="020B0600000101010101" pitchFamily="50" charset="-127"/>
+                <a:ea typeface="나눔스퀘어 Light" panose="020B0600000101010101" pitchFamily="50" charset="-127"/>
+              </a:rPr>
+              <a:t>lower_bound</a:t>
+            </a:r>
+            <a:r>
+              <a:rPr lang="en-US" altLang="ko-KR" dirty="0">
+                <a:latin typeface="나눔스퀘어 Light" panose="020B0600000101010101" pitchFamily="50" charset="-127"/>
+                <a:ea typeface="나눔스퀘어 Light" panose="020B0600000101010101" pitchFamily="50" charset="-127"/>
+              </a:rPr>
+              <a:t>) </a:t>
+            </a:r>
+            <a:r>
+              <a:rPr lang="ko-KR" altLang="en-US" dirty="0">
+                <a:latin typeface="나눔스퀘어 Light" panose="020B0600000101010101" pitchFamily="50" charset="-127"/>
+                <a:ea typeface="나눔스퀘어 Light" panose="020B0600000101010101" pitchFamily="50" charset="-127"/>
+              </a:rPr>
+              <a:t>을 반환합니다</a:t>
+            </a:r>
+            <a:r>
+              <a:rPr lang="en-US" altLang="ko-KR" dirty="0">
+                <a:latin typeface="나눔스퀘어 Light" panose="020B0600000101010101" pitchFamily="50" charset="-127"/>
+                <a:ea typeface="나눔스퀘어 Light" panose="020B0600000101010101" pitchFamily="50" charset="-127"/>
+              </a:rPr>
+              <a:t>.</a:t>
+            </a:r>
+            <a:endParaRPr lang="ko-KR" altLang="en-US" dirty="0">
+              <a:latin typeface="나눔스퀘어 Light" panose="020B0600000101010101" pitchFamily="50" charset="-127"/>
+              <a:ea typeface="나눔스퀘어 Light" panose="020B0600000101010101" pitchFamily="50" charset="-127"/>
+            </a:endParaRPr>
+          </a:p>
+        </p:txBody>
+      </p:sp>
     </p:spTree>
     <p:extLst>
       <p:ext uri="{BB962C8B-B14F-4D97-AF65-F5344CB8AC3E}">
-        <p14:creationId xmlns:p14="http://schemas.microsoft.com/office/powerpoint/2010/main" val="4191193854"/>
+        <p14:creationId xmlns:p14="http://schemas.microsoft.com/office/powerpoint/2010/main" val="3577711057"/>
       </p:ext>
     </p:extLst>
   </p:cSld>
@@ -13508,10 +14148,10 @@
       </p:cxnSp>
       <p:sp>
         <p:nvSpPr>
-          <p:cNvPr id="7" name="TextBox 6">
-            <a:extLst>
-              <a:ext uri="{FF2B5EF4-FFF2-40B4-BE49-F238E27FC236}">
-                <a16:creationId xmlns:a16="http://schemas.microsoft.com/office/drawing/2014/main" id="{CC86D852-FF78-F56B-3D83-6A37E0336D58}"/>
+          <p:cNvPr id="3" name="TextBox 2">
+            <a:extLst>
+              <a:ext uri="{FF2B5EF4-FFF2-40B4-BE49-F238E27FC236}">
+                <a16:creationId xmlns:a16="http://schemas.microsoft.com/office/drawing/2014/main" id="{39D56C40-050C-65E7-8922-423F859399A4}"/>
               </a:ext>
             </a:extLst>
           </p:cNvPr>
@@ -13520,60 +14160,8 @@
         </p:nvSpPr>
         <p:spPr>
           <a:xfrm>
-            <a:off x="942387" y="1190024"/>
-            <a:ext cx="10237694" cy="369332"/>
-          </a:xfrm>
-          <a:prstGeom prst="rect">
-            <a:avLst/>
-          </a:prstGeom>
-          <a:noFill/>
-        </p:spPr>
-        <p:txBody>
-          <a:bodyPr wrap="square" rtlCol="0">
-            <a:spAutoFit/>
-          </a:bodyPr>
-          <a:lstStyle/>
-          <a:p>
-            <a:r>
-              <a:rPr lang="ko-KR" altLang="en-US" dirty="0">
-                <a:latin typeface="나눔스퀘어 Light" panose="020B0600000101010101" pitchFamily="50" charset="-127"/>
-                <a:ea typeface="나눔스퀘어 Light" panose="020B0600000101010101" pitchFamily="50" charset="-127"/>
-              </a:rPr>
-              <a:t>반복되는 숫자가 있는지 없는지 확인하는 방법만 </a:t>
-            </a:r>
-            <a:r>
-              <a:rPr lang="ko-KR" altLang="en-US" dirty="0" err="1">
-                <a:latin typeface="나눔스퀘어 Light" panose="020B0600000101010101" pitchFamily="50" charset="-127"/>
-                <a:ea typeface="나눔스퀘어 Light" panose="020B0600000101010101" pitchFamily="50" charset="-127"/>
-              </a:rPr>
-              <a:t>신경쓰고</a:t>
-            </a:r>
-            <a:r>
-              <a:rPr lang="ko-KR" altLang="en-US" dirty="0">
-                <a:latin typeface="나눔스퀘어 Light" panose="020B0600000101010101" pitchFamily="50" charset="-127"/>
-                <a:ea typeface="나눔스퀘어 Light" panose="020B0600000101010101" pitchFamily="50" charset="-127"/>
-              </a:rPr>
-              <a:t> 구현하면 완전 탐색으로 풀 수 있음</a:t>
-            </a:r>
-          </a:p>
-        </p:txBody>
-      </p:sp>
-      <p:sp>
-        <p:nvSpPr>
-          <p:cNvPr id="3" name="TextBox 2">
-            <a:extLst>
-              <a:ext uri="{FF2B5EF4-FFF2-40B4-BE49-F238E27FC236}">
-                <a16:creationId xmlns:a16="http://schemas.microsoft.com/office/drawing/2014/main" id="{0AC6A0F0-2B9B-0B91-22CA-E658545A84C0}"/>
-              </a:ext>
-            </a:extLst>
-          </p:cNvPr>
-          <p:cNvSpPr txBox="1"/>
-          <p:nvPr/>
-        </p:nvSpPr>
-        <p:spPr>
-          <a:xfrm>
             <a:off x="331694" y="177505"/>
-            <a:ext cx="5268302" cy="523220"/>
+            <a:ext cx="4883581" cy="523220"/>
           </a:xfrm>
           <a:prstGeom prst="rect">
             <a:avLst/>
@@ -13591,184 +14179,24 @@
                 <a:latin typeface="나눔스퀘어 Bold" panose="020B0600000101010101" pitchFamily="50" charset="-127"/>
                 <a:ea typeface="나눔스퀘어 Bold" panose="020B0600000101010101" pitchFamily="50" charset="-127"/>
               </a:rPr>
-              <a:t>Brute</a:t>
+              <a:t>Binary Search – 1920 </a:t>
             </a:r>
             <a:r>
               <a:rPr lang="ko-KR" altLang="en-US" sz="2800" dirty="0">
                 <a:latin typeface="나눔스퀘어 Bold" panose="020B0600000101010101" pitchFamily="50" charset="-127"/>
                 <a:ea typeface="나눔스퀘어 Bold" panose="020B0600000101010101" pitchFamily="50" charset="-127"/>
               </a:rPr>
-              <a:t> </a:t>
-            </a:r>
-            <a:r>
-              <a:rPr lang="en-US" altLang="ko-KR" sz="2800" dirty="0">
-                <a:latin typeface="나눔스퀘어 Bold" panose="020B0600000101010101" pitchFamily="50" charset="-127"/>
-                <a:ea typeface="나눔스퀘어 Bold" panose="020B0600000101010101" pitchFamily="50" charset="-127"/>
-              </a:rPr>
-              <a:t>Force – 5671 </a:t>
-            </a:r>
-            <a:r>
-              <a:rPr lang="ko-KR" altLang="en-US" sz="2800" dirty="0">
-                <a:latin typeface="나눔스퀘어 Bold" panose="020B0600000101010101" pitchFamily="50" charset="-127"/>
-                <a:ea typeface="나눔스퀘어 Bold" panose="020B0600000101010101" pitchFamily="50" charset="-127"/>
-              </a:rPr>
-              <a:t>호텔 방 번호</a:t>
-            </a:r>
-          </a:p>
-        </p:txBody>
-      </p:sp>
-      <p:sp>
-        <p:nvSpPr>
-          <p:cNvPr id="2" name="TextBox 1">
-            <a:extLst>
-              <a:ext uri="{FF2B5EF4-FFF2-40B4-BE49-F238E27FC236}">
-                <a16:creationId xmlns:a16="http://schemas.microsoft.com/office/drawing/2014/main" id="{78CE452A-466A-BA43-B668-EEC3E47DE8F5}"/>
-              </a:ext>
-            </a:extLst>
-          </p:cNvPr>
-          <p:cNvSpPr txBox="1"/>
-          <p:nvPr/>
-        </p:nvSpPr>
-        <p:spPr>
-          <a:xfrm>
-            <a:off x="942387" y="1861874"/>
-            <a:ext cx="8553305" cy="369332"/>
-          </a:xfrm>
-          <a:prstGeom prst="rect">
-            <a:avLst/>
-          </a:prstGeom>
-          <a:noFill/>
-        </p:spPr>
-        <p:txBody>
-          <a:bodyPr wrap="square" rtlCol="0">
-            <a:spAutoFit/>
-          </a:bodyPr>
-          <a:lstStyle/>
-          <a:p>
-            <a:r>
-              <a:rPr lang="ko-KR" altLang="en-US" dirty="0">
-                <a:latin typeface="나눔스퀘어 Light" panose="020B0600000101010101" pitchFamily="50" charset="-127"/>
-                <a:ea typeface="나눔스퀘어 Light" panose="020B0600000101010101" pitchFamily="50" charset="-127"/>
-              </a:rPr>
-              <a:t>반복 </a:t>
-            </a:r>
-            <a:r>
-              <a:rPr lang="en-US" altLang="ko-KR" dirty="0">
-                <a:latin typeface="나눔스퀘어 Light" panose="020B0600000101010101" pitchFamily="50" charset="-127"/>
-                <a:ea typeface="나눔스퀘어 Light" panose="020B0600000101010101" pitchFamily="50" charset="-127"/>
-              </a:rPr>
-              <a:t>: </a:t>
-            </a:r>
-            <a:r>
-              <a:rPr lang="ko-KR" altLang="en-US" dirty="0">
-                <a:latin typeface="나눔스퀘어 Light" panose="020B0600000101010101" pitchFamily="50" charset="-127"/>
-                <a:ea typeface="나눔스퀘어 Light" panose="020B0600000101010101" pitchFamily="50" charset="-127"/>
-              </a:rPr>
-              <a:t>같은 숫자가 </a:t>
-            </a:r>
-            <a:r>
-              <a:rPr lang="en-US" altLang="ko-KR" dirty="0">
-                <a:latin typeface="나눔스퀘어 Light" panose="020B0600000101010101" pitchFamily="50" charset="-127"/>
-                <a:ea typeface="나눔스퀘어 Light" panose="020B0600000101010101" pitchFamily="50" charset="-127"/>
-              </a:rPr>
-              <a:t>2</a:t>
-            </a:r>
-            <a:r>
-              <a:rPr lang="ko-KR" altLang="en-US" dirty="0">
-                <a:latin typeface="나눔스퀘어 Light" panose="020B0600000101010101" pitchFamily="50" charset="-127"/>
-                <a:ea typeface="나눔스퀘어 Light" panose="020B0600000101010101" pitchFamily="50" charset="-127"/>
-              </a:rPr>
-              <a:t>번 이상 나옴</a:t>
-            </a:r>
-          </a:p>
-        </p:txBody>
-      </p:sp>
-      <p:sp>
-        <p:nvSpPr>
-          <p:cNvPr id="4" name="TextBox 3">
-            <a:extLst>
-              <a:ext uri="{FF2B5EF4-FFF2-40B4-BE49-F238E27FC236}">
-                <a16:creationId xmlns:a16="http://schemas.microsoft.com/office/drawing/2014/main" id="{78D3FD99-B1F4-D8EF-9885-062B3CFC021B}"/>
-              </a:ext>
-            </a:extLst>
-          </p:cNvPr>
-          <p:cNvSpPr txBox="1"/>
-          <p:nvPr/>
-        </p:nvSpPr>
-        <p:spPr>
-          <a:xfrm>
-            <a:off x="942387" y="2231206"/>
-            <a:ext cx="8553305" cy="369332"/>
-          </a:xfrm>
-          <a:prstGeom prst="rect">
-            <a:avLst/>
-          </a:prstGeom>
-          <a:noFill/>
-        </p:spPr>
-        <p:txBody>
-          <a:bodyPr wrap="square" rtlCol="0">
-            <a:spAutoFit/>
-          </a:bodyPr>
-          <a:lstStyle/>
-          <a:p>
-            <a:r>
-              <a:rPr lang="ko-KR" altLang="en-US" dirty="0">
-                <a:latin typeface="나눔스퀘어 Light" panose="020B0600000101010101" pitchFamily="50" charset="-127"/>
-                <a:ea typeface="나눔스퀘어 Light" panose="020B0600000101010101" pitchFamily="50" charset="-127"/>
-              </a:rPr>
-              <a:t>숫자</a:t>
-            </a:r>
-            <a:r>
-              <a:rPr lang="en-US" altLang="ko-KR" dirty="0">
-                <a:latin typeface="나눔스퀘어 Light" panose="020B0600000101010101" pitchFamily="50" charset="-127"/>
-                <a:ea typeface="나눔스퀘어 Light" panose="020B0600000101010101" pitchFamily="50" charset="-127"/>
-              </a:rPr>
-              <a:t>(0~9)</a:t>
-            </a:r>
-            <a:r>
-              <a:rPr lang="ko-KR" altLang="en-US" dirty="0">
-                <a:latin typeface="나눔스퀘어 Light" panose="020B0600000101010101" pitchFamily="50" charset="-127"/>
-                <a:ea typeface="나눔스퀘어 Light" panose="020B0600000101010101" pitchFamily="50" charset="-127"/>
-              </a:rPr>
-              <a:t>가 나오는 횟수를 전부 세어</a:t>
-            </a:r>
-            <a:r>
-              <a:rPr lang="en-US" altLang="ko-KR" dirty="0">
-                <a:latin typeface="나눔스퀘어 Light" panose="020B0600000101010101" pitchFamily="50" charset="-127"/>
-                <a:ea typeface="나눔스퀘어 Light" panose="020B0600000101010101" pitchFamily="50" charset="-127"/>
-              </a:rPr>
-              <a:t>, </a:t>
-            </a:r>
-            <a:r>
-              <a:rPr lang="ko-KR" altLang="en-US" dirty="0">
-                <a:latin typeface="나눔스퀘어 Light" panose="020B0600000101010101" pitchFamily="50" charset="-127"/>
-                <a:ea typeface="나눔스퀘어 Light" panose="020B0600000101010101" pitchFamily="50" charset="-127"/>
-              </a:rPr>
-              <a:t>모든 숫자가 </a:t>
-            </a:r>
-            <a:r>
-              <a:rPr lang="en-US" altLang="ko-KR" dirty="0">
-                <a:latin typeface="나눔스퀘어 Light" panose="020B0600000101010101" pitchFamily="50" charset="-127"/>
-                <a:ea typeface="나눔스퀘어 Light" panose="020B0600000101010101" pitchFamily="50" charset="-127"/>
-              </a:rPr>
-              <a:t>1</a:t>
-            </a:r>
-            <a:r>
-              <a:rPr lang="ko-KR" altLang="en-US" dirty="0">
-                <a:latin typeface="나눔스퀘어 Light" panose="020B0600000101010101" pitchFamily="50" charset="-127"/>
-                <a:ea typeface="나눔스퀘어 Light" panose="020B0600000101010101" pitchFamily="50" charset="-127"/>
-              </a:rPr>
-              <a:t>번 이하 나오는지 확인</a:t>
+              <a:t>수 찾기</a:t>
             </a:r>
           </a:p>
         </p:txBody>
       </p:sp>
       <p:pic>
         <p:nvPicPr>
-          <p:cNvPr id="8" name="그림 7">
-            <a:extLst>
-              <a:ext uri="{FF2B5EF4-FFF2-40B4-BE49-F238E27FC236}">
-                <a16:creationId xmlns:a16="http://schemas.microsoft.com/office/drawing/2014/main" id="{22732A5A-6797-AA93-2DB0-B6C50EAD972A}"/>
+          <p:cNvPr id="10" name="그림 9">
+            <a:extLst>
+              <a:ext uri="{FF2B5EF4-FFF2-40B4-BE49-F238E27FC236}">
+                <a16:creationId xmlns:a16="http://schemas.microsoft.com/office/drawing/2014/main" id="{2C15A06E-91A0-3F24-C1EE-9EA781E69C89}"/>
               </a:ext>
             </a:extLst>
           </p:cNvPr>
@@ -13785,101 +14213,18 @@
         </p:blipFill>
         <p:spPr>
           <a:xfrm>
-            <a:off x="942386" y="2688876"/>
-            <a:ext cx="4657609" cy="3648691"/>
+            <a:off x="331694" y="964420"/>
+            <a:ext cx="10963373" cy="5551271"/>
           </a:xfrm>
           <a:prstGeom prst="rect">
             <a:avLst/>
           </a:prstGeom>
         </p:spPr>
       </p:pic>
-      <p:sp>
-        <p:nvSpPr>
-          <p:cNvPr id="9" name="TextBox 8">
-            <a:extLst>
-              <a:ext uri="{FF2B5EF4-FFF2-40B4-BE49-F238E27FC236}">
-                <a16:creationId xmlns:a16="http://schemas.microsoft.com/office/drawing/2014/main" id="{04A0AE1E-6146-2B31-1D7D-1C0E992760B7}"/>
-              </a:ext>
-            </a:extLst>
-          </p:cNvPr>
-          <p:cNvSpPr txBox="1"/>
-          <p:nvPr/>
-        </p:nvSpPr>
-        <p:spPr>
-          <a:xfrm>
-            <a:off x="6353373" y="3724006"/>
-            <a:ext cx="5543254" cy="646331"/>
-          </a:xfrm>
-          <a:prstGeom prst="rect">
-            <a:avLst/>
-          </a:prstGeom>
-          <a:noFill/>
-        </p:spPr>
-        <p:txBody>
-          <a:bodyPr wrap="square" rtlCol="0">
-            <a:spAutoFit/>
-          </a:bodyPr>
-          <a:lstStyle/>
-          <a:p>
-            <a:r>
-              <a:rPr lang="en-US" altLang="ko-KR" dirty="0">
-                <a:latin typeface="나눔스퀘어 Light" panose="020B0600000101010101" pitchFamily="50" charset="-127"/>
-                <a:ea typeface="나눔스퀘어 Light" panose="020B0600000101010101" pitchFamily="50" charset="-127"/>
-              </a:rPr>
-              <a:t>(</a:t>
-            </a:r>
-            <a:r>
-              <a:rPr lang="ko-KR" altLang="en-US" dirty="0">
-                <a:latin typeface="나눔스퀘어 Light" panose="020B0600000101010101" pitchFamily="50" charset="-127"/>
-                <a:ea typeface="나눔스퀘어 Light" panose="020B0600000101010101" pitchFamily="50" charset="-127"/>
-              </a:rPr>
-              <a:t>여기서도 역시 각 자리수의 숫자를 확인하는 방법으로</a:t>
-            </a:r>
-            <a:endParaRPr lang="en-US" altLang="ko-KR" dirty="0">
-              <a:latin typeface="나눔스퀘어 Light" panose="020B0600000101010101" pitchFamily="50" charset="-127"/>
-              <a:ea typeface="나눔스퀘어 Light" panose="020B0600000101010101" pitchFamily="50" charset="-127"/>
-            </a:endParaRPr>
-          </a:p>
-          <a:p>
-            <a:r>
-              <a:rPr lang="ko-KR" altLang="en-US" dirty="0">
-                <a:latin typeface="나눔스퀘어 Light" panose="020B0600000101010101" pitchFamily="50" charset="-127"/>
-                <a:ea typeface="나눔스퀘어 Light" panose="020B0600000101010101" pitchFamily="50" charset="-127"/>
-              </a:rPr>
-              <a:t>문자열 변환을 사용했지만</a:t>
-            </a:r>
-            <a:r>
-              <a:rPr lang="en-US" altLang="ko-KR" dirty="0">
-                <a:latin typeface="나눔스퀘어 Light" panose="020B0600000101010101" pitchFamily="50" charset="-127"/>
-                <a:ea typeface="나눔스퀘어 Light" panose="020B0600000101010101" pitchFamily="50" charset="-127"/>
-              </a:rPr>
-              <a:t>, </a:t>
-            </a:r>
-            <a:r>
-              <a:rPr lang="ko-KR" altLang="en-US" dirty="0">
-                <a:latin typeface="나눔스퀘어 Light" panose="020B0600000101010101" pitchFamily="50" charset="-127"/>
-                <a:ea typeface="나눔스퀘어 Light" panose="020B0600000101010101" pitchFamily="50" charset="-127"/>
-              </a:rPr>
-              <a:t>나눗셈을 사용할 수 있습니다</a:t>
-            </a:r>
-            <a:r>
-              <a:rPr lang="en-US" altLang="ko-KR" dirty="0">
-                <a:latin typeface="나눔스퀘어 Light" panose="020B0600000101010101" pitchFamily="50" charset="-127"/>
-                <a:ea typeface="나눔스퀘어 Light" panose="020B0600000101010101" pitchFamily="50" charset="-127"/>
-              </a:rPr>
-              <a:t>.)</a:t>
-            </a:r>
-            <a:endParaRPr lang="ko-KR" altLang="en-US" dirty="0">
-              <a:latin typeface="나눔스퀘어 Light" panose="020B0600000101010101" pitchFamily="50" charset="-127"/>
-              <a:ea typeface="나눔스퀘어 Light" panose="020B0600000101010101" pitchFamily="50" charset="-127"/>
-            </a:endParaRPr>
-          </a:p>
-        </p:txBody>
-      </p:sp>
     </p:spTree>
     <p:extLst>
       <p:ext uri="{BB962C8B-B14F-4D97-AF65-F5344CB8AC3E}">
-        <p14:creationId xmlns:p14="http://schemas.microsoft.com/office/powerpoint/2010/main" val="3688170221"/>
+        <p14:creationId xmlns:p14="http://schemas.microsoft.com/office/powerpoint/2010/main" val="1785005292"/>
       </p:ext>
     </p:extLst>
   </p:cSld>
@@ -13950,12 +14295,162 @@
           </a:fontRef>
         </p:style>
       </p:cxnSp>
+      <mc:AlternateContent xmlns:mc="http://schemas.openxmlformats.org/markup-compatibility/2006">
+        <mc:Choice xmlns:a14="http://schemas.microsoft.com/office/drawing/2010/main" Requires="a14">
+          <p:sp>
+            <p:nvSpPr>
+              <p:cNvPr id="7" name="TextBox 6">
+                <a:extLst>
+                  <a:ext uri="{FF2B5EF4-FFF2-40B4-BE49-F238E27FC236}">
+                    <a16:creationId xmlns:a16="http://schemas.microsoft.com/office/drawing/2014/main" id="{5B474655-BD78-E334-950C-B8C17B96E7D6}"/>
+                  </a:ext>
+                </a:extLst>
+              </p:cNvPr>
+              <p:cNvSpPr txBox="1"/>
+              <p:nvPr/>
+            </p:nvSpPr>
+            <p:spPr>
+              <a:xfrm>
+                <a:off x="942387" y="1190024"/>
+                <a:ext cx="9917291" cy="369332"/>
+              </a:xfrm>
+              <a:prstGeom prst="rect">
+                <a:avLst/>
+              </a:prstGeom>
+              <a:noFill/>
+            </p:spPr>
+            <p:txBody>
+              <a:bodyPr wrap="square" rtlCol="0">
+                <a:spAutoFit/>
+              </a:bodyPr>
+              <a:lstStyle/>
+              <a:p>
+                <a:r>
+                  <a:rPr lang="ko-KR" altLang="en-US" dirty="0">
+                    <a:latin typeface="나눔스퀘어 Light" panose="020B0600000101010101" pitchFamily="50" charset="-127"/>
+                    <a:ea typeface="나눔스퀘어 Light" panose="020B0600000101010101" pitchFamily="50" charset="-127"/>
+                  </a:rPr>
+                  <a:t>이 문제에서 순차 탐색으로 </a:t>
+                </a:r>
+                <a:r>
+                  <a:rPr lang="en-US" altLang="ko-KR" dirty="0">
+                    <a:latin typeface="나눔스퀘어 Light" panose="020B0600000101010101" pitchFamily="50" charset="-127"/>
+                    <a:ea typeface="나눔스퀘어 Light" panose="020B0600000101010101" pitchFamily="50" charset="-127"/>
+                  </a:rPr>
+                  <a:t>X</a:t>
+                </a:r>
+                <a:r>
+                  <a:rPr lang="ko-KR" altLang="en-US" dirty="0">
+                    <a:latin typeface="나눔스퀘어 Light" panose="020B0600000101010101" pitchFamily="50" charset="-127"/>
+                    <a:ea typeface="나눔스퀘어 Light" panose="020B0600000101010101" pitchFamily="50" charset="-127"/>
+                  </a:rPr>
+                  <a:t>를 찾을 때는 탐색 한 번당 </a:t>
+                </a:r>
+                <a14:m>
+                  <m:oMath xmlns:m="http://schemas.openxmlformats.org/officeDocument/2006/math">
+                    <m:r>
+                      <a:rPr lang="en-US" altLang="ko-KR" b="0" i="1" smtClean="0">
+                        <a:latin typeface="Cambria Math" panose="02040503050406030204" pitchFamily="18" charset="0"/>
+                        <a:ea typeface="나눔스퀘어 Light" panose="020B0600000101010101" pitchFamily="50" charset="-127"/>
+                      </a:rPr>
+                      <m:t>𝑂</m:t>
+                    </m:r>
+                    <m:r>
+                      <a:rPr lang="en-US" altLang="ko-KR" b="0" i="1" smtClean="0">
+                        <a:latin typeface="Cambria Math" panose="02040503050406030204" pitchFamily="18" charset="0"/>
+                        <a:ea typeface="나눔스퀘어 Light" panose="020B0600000101010101" pitchFamily="50" charset="-127"/>
+                      </a:rPr>
+                      <m:t>(</m:t>
+                    </m:r>
+                    <m:r>
+                      <a:rPr lang="en-US" altLang="ko-KR" b="0" i="1" smtClean="0">
+                        <a:latin typeface="Cambria Math" panose="02040503050406030204" pitchFamily="18" charset="0"/>
+                        <a:ea typeface="나눔스퀘어 Light" panose="020B0600000101010101" pitchFamily="50" charset="-127"/>
+                      </a:rPr>
+                      <m:t>𝑁</m:t>
+                    </m:r>
+                    <m:r>
+                      <a:rPr lang="en-US" altLang="ko-KR" b="0" i="1" smtClean="0">
+                        <a:latin typeface="Cambria Math" panose="02040503050406030204" pitchFamily="18" charset="0"/>
+                        <a:ea typeface="나눔스퀘어 Light" panose="020B0600000101010101" pitchFamily="50" charset="-127"/>
+                      </a:rPr>
+                      <m:t>)</m:t>
+                    </m:r>
+                  </m:oMath>
+                </a14:m>
+                <a:r>
+                  <a:rPr lang="ko-KR" altLang="en-US" dirty="0">
+                    <a:latin typeface="나눔스퀘어 Light" panose="020B0600000101010101" pitchFamily="50" charset="-127"/>
+                    <a:ea typeface="나눔스퀘어 Light" panose="020B0600000101010101" pitchFamily="50" charset="-127"/>
+                  </a:rPr>
+                  <a:t>의 비용이 듭니다</a:t>
+                </a:r>
+                <a:r>
+                  <a:rPr lang="en-US" altLang="ko-KR" dirty="0">
+                    <a:latin typeface="나눔스퀘어 Light" panose="020B0600000101010101" pitchFamily="50" charset="-127"/>
+                    <a:ea typeface="나눔스퀘어 Light" panose="020B0600000101010101" pitchFamily="50" charset="-127"/>
+                  </a:rPr>
+                  <a:t>.</a:t>
+                </a:r>
+                <a:endParaRPr lang="ko-KR" altLang="en-US" dirty="0">
+                  <a:latin typeface="나눔스퀘어 Light" panose="020B0600000101010101" pitchFamily="50" charset="-127"/>
+                  <a:ea typeface="나눔스퀘어 Light" panose="020B0600000101010101" pitchFamily="50" charset="-127"/>
+                </a:endParaRPr>
+              </a:p>
+            </p:txBody>
+          </p:sp>
+        </mc:Choice>
+        <mc:Fallback>
+          <p:sp>
+            <p:nvSpPr>
+              <p:cNvPr id="7" name="TextBox 6">
+                <a:extLst>
+                  <a:ext uri="{FF2B5EF4-FFF2-40B4-BE49-F238E27FC236}">
+                    <a16:creationId xmlns:a16="http://schemas.microsoft.com/office/drawing/2014/main" id="{5B474655-BD78-E334-950C-B8C17B96E7D6}"/>
+                  </a:ext>
+                </a:extLst>
+              </p:cNvPr>
+              <p:cNvSpPr txBox="1">
+                <a:spLocks noRot="1" noChangeAspect="1" noMove="1" noResize="1" noEditPoints="1" noAdjustHandles="1" noChangeArrowheads="1" noChangeShapeType="1" noTextEdit="1"/>
+              </p:cNvSpPr>
+              <p:nvPr/>
+            </p:nvSpPr>
+            <p:spPr>
+              <a:xfrm>
+                <a:off x="942387" y="1190024"/>
+                <a:ext cx="9917291" cy="369332"/>
+              </a:xfrm>
+              <a:prstGeom prst="rect">
+                <a:avLst/>
+              </a:prstGeom>
+              <a:blipFill>
+                <a:blip r:embed="rId2"/>
+                <a:stretch>
+                  <a:fillRect l="-554" t="-6557" b="-26230"/>
+                </a:stretch>
+              </a:blipFill>
+            </p:spPr>
+            <p:txBody>
+              <a:bodyPr/>
+              <a:lstStyle/>
+              <a:p>
+                <a:r>
+                  <a:rPr lang="ko-KR" altLang="en-US">
+                    <a:noFill/>
+                  </a:rPr>
+                  <a:t> </a:t>
+                </a:r>
+              </a:p>
+            </p:txBody>
+          </p:sp>
+        </mc:Fallback>
+      </mc:AlternateContent>
       <p:sp>
         <p:nvSpPr>
-          <p:cNvPr id="7" name="TextBox 6">
-            <a:extLst>
-              <a:ext uri="{FF2B5EF4-FFF2-40B4-BE49-F238E27FC236}">
-                <a16:creationId xmlns:a16="http://schemas.microsoft.com/office/drawing/2014/main" id="{CC86D852-FF78-F56B-3D83-6A37E0336D58}"/>
+          <p:cNvPr id="3" name="TextBox 2">
+            <a:extLst>
+              <a:ext uri="{FF2B5EF4-FFF2-40B4-BE49-F238E27FC236}">
+                <a16:creationId xmlns:a16="http://schemas.microsoft.com/office/drawing/2014/main" id="{7306C7FE-FA39-30B6-5E05-9FBB3B4C69FE}"/>
               </a:ext>
             </a:extLst>
           </p:cNvPr>
@@ -13964,8 +14459,624 @@
         </p:nvSpPr>
         <p:spPr>
           <a:xfrm>
-            <a:off x="942387" y="1190024"/>
-            <a:ext cx="10237694" cy="369332"/>
+            <a:off x="331694" y="177505"/>
+            <a:ext cx="4883581" cy="523220"/>
+          </a:xfrm>
+          <a:prstGeom prst="rect">
+            <a:avLst/>
+          </a:prstGeom>
+          <a:noFill/>
+        </p:spPr>
+        <p:txBody>
+          <a:bodyPr wrap="none" rtlCol="0">
+            <a:spAutoFit/>
+          </a:bodyPr>
+          <a:lstStyle/>
+          <a:p>
+            <a:r>
+              <a:rPr lang="en-US" altLang="ko-KR" sz="2800" dirty="0">
+                <a:latin typeface="나눔스퀘어 Bold" panose="020B0600000101010101" pitchFamily="50" charset="-127"/>
+                <a:ea typeface="나눔스퀘어 Bold" panose="020B0600000101010101" pitchFamily="50" charset="-127"/>
+              </a:rPr>
+              <a:t>Binary Search – 1920 </a:t>
+            </a:r>
+            <a:r>
+              <a:rPr lang="ko-KR" altLang="en-US" sz="2800" dirty="0">
+                <a:latin typeface="나눔스퀘어 Bold" panose="020B0600000101010101" pitchFamily="50" charset="-127"/>
+                <a:ea typeface="나눔스퀘어 Bold" panose="020B0600000101010101" pitchFamily="50" charset="-127"/>
+              </a:rPr>
+              <a:t>수 찾기</a:t>
+            </a:r>
+          </a:p>
+        </p:txBody>
+      </p:sp>
+      <mc:AlternateContent xmlns:mc="http://schemas.openxmlformats.org/markup-compatibility/2006">
+        <mc:Choice xmlns:a14="http://schemas.microsoft.com/office/drawing/2010/main" Requires="a14">
+          <p:sp>
+            <p:nvSpPr>
+              <p:cNvPr id="4" name="TextBox 3">
+                <a:extLst>
+                  <a:ext uri="{FF2B5EF4-FFF2-40B4-BE49-F238E27FC236}">
+                    <a16:creationId xmlns:a16="http://schemas.microsoft.com/office/drawing/2014/main" id="{15647243-6A33-89AD-5436-F84B51E67E1E}"/>
+                  </a:ext>
+                </a:extLst>
+              </p:cNvPr>
+              <p:cNvSpPr txBox="1"/>
+              <p:nvPr/>
+            </p:nvSpPr>
+            <p:spPr>
+              <a:xfrm>
+                <a:off x="942387" y="1559356"/>
+                <a:ext cx="9917291" cy="369332"/>
+              </a:xfrm>
+              <a:prstGeom prst="rect">
+                <a:avLst/>
+              </a:prstGeom>
+              <a:noFill/>
+            </p:spPr>
+            <p:txBody>
+              <a:bodyPr wrap="square" rtlCol="0">
+                <a:spAutoFit/>
+              </a:bodyPr>
+              <a:lstStyle/>
+              <a:p>
+                <a:r>
+                  <a:rPr lang="ko-KR" altLang="en-US" dirty="0">
+                    <a:latin typeface="나눔스퀘어 Light" panose="020B0600000101010101" pitchFamily="50" charset="-127"/>
+                    <a:ea typeface="나눔스퀘어 Light" panose="020B0600000101010101" pitchFamily="50" charset="-127"/>
+                  </a:rPr>
+                  <a:t>헌데 문제의 쿼리는 </a:t>
+                </a:r>
+                <a14:m>
+                  <m:oMath xmlns:m="http://schemas.openxmlformats.org/officeDocument/2006/math">
+                    <m:r>
+                      <a:rPr lang="en-US" altLang="ko-KR" b="0" i="1" smtClean="0">
+                        <a:latin typeface="Cambria Math" panose="02040503050406030204" pitchFamily="18" charset="0"/>
+                        <a:ea typeface="나눔스퀘어 Light" panose="020B0600000101010101" pitchFamily="50" charset="-127"/>
+                      </a:rPr>
+                      <m:t>𝑀</m:t>
+                    </m:r>
+                  </m:oMath>
+                </a14:m>
+                <a:r>
+                  <a:rPr lang="ko-KR" altLang="en-US" dirty="0">
+                    <a:latin typeface="나눔스퀘어 Light" panose="020B0600000101010101" pitchFamily="50" charset="-127"/>
+                    <a:ea typeface="나눔스퀘어 Light" panose="020B0600000101010101" pitchFamily="50" charset="-127"/>
+                  </a:rPr>
+                  <a:t>번 주어진다고 했으므로</a:t>
+                </a:r>
+                <a:r>
+                  <a:rPr lang="en-US" altLang="ko-KR" dirty="0">
+                    <a:latin typeface="나눔스퀘어 Light" panose="020B0600000101010101" pitchFamily="50" charset="-127"/>
+                    <a:ea typeface="나눔스퀘어 Light" panose="020B0600000101010101" pitchFamily="50" charset="-127"/>
+                  </a:rPr>
+                  <a:t>, </a:t>
+                </a:r>
+                <a:r>
+                  <a:rPr lang="ko-KR" altLang="en-US" dirty="0">
+                    <a:latin typeface="나눔스퀘어 Light" panose="020B0600000101010101" pitchFamily="50" charset="-127"/>
+                    <a:ea typeface="나눔스퀘어 Light" panose="020B0600000101010101" pitchFamily="50" charset="-127"/>
+                  </a:rPr>
+                  <a:t>총 </a:t>
+                </a:r>
+                <a14:m>
+                  <m:oMath xmlns:m="http://schemas.openxmlformats.org/officeDocument/2006/math">
+                    <m:r>
+                      <a:rPr lang="en-US" altLang="ko-KR" b="0" i="1" smtClean="0">
+                        <a:latin typeface="Cambria Math" panose="02040503050406030204" pitchFamily="18" charset="0"/>
+                        <a:ea typeface="나눔스퀘어 Light" panose="020B0600000101010101" pitchFamily="50" charset="-127"/>
+                      </a:rPr>
+                      <m:t>𝑂</m:t>
+                    </m:r>
+                    <m:r>
+                      <a:rPr lang="en-US" altLang="ko-KR" b="0" i="1" smtClean="0">
+                        <a:latin typeface="Cambria Math" panose="02040503050406030204" pitchFamily="18" charset="0"/>
+                        <a:ea typeface="나눔스퀘어 Light" panose="020B0600000101010101" pitchFamily="50" charset="-127"/>
+                      </a:rPr>
+                      <m:t>(</m:t>
+                    </m:r>
+                    <m:r>
+                      <a:rPr lang="en-US" altLang="ko-KR" b="0" i="1" smtClean="0">
+                        <a:latin typeface="Cambria Math" panose="02040503050406030204" pitchFamily="18" charset="0"/>
+                        <a:ea typeface="나눔스퀘어 Light" panose="020B0600000101010101" pitchFamily="50" charset="-127"/>
+                      </a:rPr>
+                      <m:t>𝑁𝑀</m:t>
+                    </m:r>
+                    <m:r>
+                      <a:rPr lang="en-US" altLang="ko-KR" b="0" i="1" smtClean="0">
+                        <a:latin typeface="Cambria Math" panose="02040503050406030204" pitchFamily="18" charset="0"/>
+                        <a:ea typeface="나눔스퀘어 Light" panose="020B0600000101010101" pitchFamily="50" charset="-127"/>
+                      </a:rPr>
+                      <m:t>)</m:t>
+                    </m:r>
+                  </m:oMath>
+                </a14:m>
+                <a:r>
+                  <a:rPr lang="ko-KR" altLang="en-US" dirty="0">
+                    <a:latin typeface="나눔스퀘어 Light" panose="020B0600000101010101" pitchFamily="50" charset="-127"/>
+                    <a:ea typeface="나눔스퀘어 Light" panose="020B0600000101010101" pitchFamily="50" charset="-127"/>
+                  </a:rPr>
+                  <a:t>의</a:t>
+                </a:r>
+                <a:r>
+                  <a:rPr lang="en-US" altLang="ko-KR" dirty="0">
+                    <a:latin typeface="나눔스퀘어 Light" panose="020B0600000101010101" pitchFamily="50" charset="-127"/>
+                    <a:ea typeface="나눔스퀘어 Light" panose="020B0600000101010101" pitchFamily="50" charset="-127"/>
+                  </a:rPr>
+                  <a:t> </a:t>
+                </a:r>
+                <a:r>
+                  <a:rPr lang="ko-KR" altLang="en-US" dirty="0">
+                    <a:latin typeface="나눔스퀘어 Light" panose="020B0600000101010101" pitchFamily="50" charset="-127"/>
+                    <a:ea typeface="나눔스퀘어 Light" panose="020B0600000101010101" pitchFamily="50" charset="-127"/>
+                  </a:rPr>
+                  <a:t>비용이 듭니다</a:t>
+                </a:r>
+                <a:r>
+                  <a:rPr lang="en-US" altLang="ko-KR" dirty="0">
+                    <a:latin typeface="나눔스퀘어 Light" panose="020B0600000101010101" pitchFamily="50" charset="-127"/>
+                    <a:ea typeface="나눔스퀘어 Light" panose="020B0600000101010101" pitchFamily="50" charset="-127"/>
+                  </a:rPr>
+                  <a:t>.</a:t>
+                </a:r>
+                <a:endParaRPr lang="ko-KR" altLang="en-US" dirty="0">
+                  <a:latin typeface="나눔스퀘어 Light" panose="020B0600000101010101" pitchFamily="50" charset="-127"/>
+                  <a:ea typeface="나눔스퀘어 Light" panose="020B0600000101010101" pitchFamily="50" charset="-127"/>
+                </a:endParaRPr>
+              </a:p>
+            </p:txBody>
+          </p:sp>
+        </mc:Choice>
+        <mc:Fallback>
+          <p:sp>
+            <p:nvSpPr>
+              <p:cNvPr id="4" name="TextBox 3">
+                <a:extLst>
+                  <a:ext uri="{FF2B5EF4-FFF2-40B4-BE49-F238E27FC236}">
+                    <a16:creationId xmlns:a16="http://schemas.microsoft.com/office/drawing/2014/main" id="{15647243-6A33-89AD-5436-F84B51E67E1E}"/>
+                  </a:ext>
+                </a:extLst>
+              </p:cNvPr>
+              <p:cNvSpPr txBox="1">
+                <a:spLocks noRot="1" noChangeAspect="1" noMove="1" noResize="1" noEditPoints="1" noAdjustHandles="1" noChangeArrowheads="1" noChangeShapeType="1" noTextEdit="1"/>
+              </p:cNvSpPr>
+              <p:nvPr/>
+            </p:nvSpPr>
+            <p:spPr>
+              <a:xfrm>
+                <a:off x="942387" y="1559356"/>
+                <a:ext cx="9917291" cy="369332"/>
+              </a:xfrm>
+              <a:prstGeom prst="rect">
+                <a:avLst/>
+              </a:prstGeom>
+              <a:blipFill>
+                <a:blip r:embed="rId3"/>
+                <a:stretch>
+                  <a:fillRect l="-554" t="-8333" b="-28333"/>
+                </a:stretch>
+              </a:blipFill>
+            </p:spPr>
+            <p:txBody>
+              <a:bodyPr/>
+              <a:lstStyle/>
+              <a:p>
+                <a:r>
+                  <a:rPr lang="ko-KR" altLang="en-US">
+                    <a:noFill/>
+                  </a:rPr>
+                  <a:t> </a:t>
+                </a:r>
+              </a:p>
+            </p:txBody>
+          </p:sp>
+        </mc:Fallback>
+      </mc:AlternateContent>
+      <mc:AlternateContent xmlns:mc="http://schemas.openxmlformats.org/markup-compatibility/2006">
+        <mc:Choice xmlns:a14="http://schemas.microsoft.com/office/drawing/2010/main" Requires="a14">
+          <p:sp>
+            <p:nvSpPr>
+              <p:cNvPr id="6" name="TextBox 5">
+                <a:extLst>
+                  <a:ext uri="{FF2B5EF4-FFF2-40B4-BE49-F238E27FC236}">
+                    <a16:creationId xmlns:a16="http://schemas.microsoft.com/office/drawing/2014/main" id="{3978C053-C0E3-6F0B-1A99-04A541070346}"/>
+                  </a:ext>
+                </a:extLst>
+              </p:cNvPr>
+              <p:cNvSpPr txBox="1"/>
+              <p:nvPr/>
+            </p:nvSpPr>
+            <p:spPr>
+              <a:xfrm>
+                <a:off x="942387" y="1928688"/>
+                <a:ext cx="9917291" cy="369332"/>
+              </a:xfrm>
+              <a:prstGeom prst="rect">
+                <a:avLst/>
+              </a:prstGeom>
+              <a:noFill/>
+            </p:spPr>
+            <p:txBody>
+              <a:bodyPr wrap="square" rtlCol="0">
+                <a:spAutoFit/>
+              </a:bodyPr>
+              <a:lstStyle/>
+              <a:p>
+                <a14:m>
+                  <m:oMath xmlns:m="http://schemas.openxmlformats.org/officeDocument/2006/math">
+                    <m:r>
+                      <a:rPr lang="en-US" altLang="ko-KR" b="0" i="1" smtClean="0">
+                        <a:latin typeface="Cambria Math" panose="02040503050406030204" pitchFamily="18" charset="0"/>
+                        <a:ea typeface="나눔스퀘어 Light" panose="020B0600000101010101" pitchFamily="50" charset="-127"/>
+                      </a:rPr>
+                      <m:t>𝑁</m:t>
+                    </m:r>
+                  </m:oMath>
+                </a14:m>
+                <a:r>
+                  <a:rPr lang="ko-KR" altLang="en-US" dirty="0">
+                    <a:latin typeface="나눔스퀘어 Light" panose="020B0600000101010101" pitchFamily="50" charset="-127"/>
+                    <a:ea typeface="나눔스퀘어 Light" panose="020B0600000101010101" pitchFamily="50" charset="-127"/>
+                  </a:rPr>
+                  <a:t>과 </a:t>
+                </a:r>
+                <a14:m>
+                  <m:oMath xmlns:m="http://schemas.openxmlformats.org/officeDocument/2006/math">
+                    <m:r>
+                      <a:rPr lang="en-US" altLang="ko-KR" i="1">
+                        <a:latin typeface="Cambria Math" panose="02040503050406030204" pitchFamily="18" charset="0"/>
+                        <a:ea typeface="나눔스퀘어 Light" panose="020B0600000101010101" pitchFamily="50" charset="-127"/>
+                      </a:rPr>
+                      <m:t>𝑀</m:t>
+                    </m:r>
+                  </m:oMath>
+                </a14:m>
+                <a:r>
+                  <a:rPr lang="ko-KR" altLang="en-US" dirty="0">
+                    <a:latin typeface="나눔스퀘어 Light" panose="020B0600000101010101" pitchFamily="50" charset="-127"/>
+                    <a:ea typeface="나눔스퀘어 Light" panose="020B0600000101010101" pitchFamily="50" charset="-127"/>
+                  </a:rPr>
+                  <a:t>의</a:t>
+                </a:r>
+                <a:r>
+                  <a:rPr lang="en-US" altLang="ko-KR" dirty="0">
+                    <a:latin typeface="나눔스퀘어 Light" panose="020B0600000101010101" pitchFamily="50" charset="-127"/>
+                    <a:ea typeface="나눔스퀘어 Light" panose="020B0600000101010101" pitchFamily="50" charset="-127"/>
+                  </a:rPr>
+                  <a:t> </a:t>
+                </a:r>
+                <a:r>
+                  <a:rPr lang="ko-KR" altLang="en-US" dirty="0">
+                    <a:latin typeface="나눔스퀘어 Light" panose="020B0600000101010101" pitchFamily="50" charset="-127"/>
+                    <a:ea typeface="나눔스퀘어 Light" panose="020B0600000101010101" pitchFamily="50" charset="-127"/>
+                  </a:rPr>
+                  <a:t>크기 제한을 봤을 땐</a:t>
+                </a:r>
+                <a:r>
+                  <a:rPr lang="en-US" altLang="ko-KR" dirty="0">
+                    <a:latin typeface="나눔스퀘어 Light" panose="020B0600000101010101" pitchFamily="50" charset="-127"/>
+                    <a:ea typeface="나눔스퀘어 Light" panose="020B0600000101010101" pitchFamily="50" charset="-127"/>
+                  </a:rPr>
+                  <a:t>, </a:t>
+                </a:r>
+                <a:r>
+                  <a:rPr lang="ko-KR" altLang="en-US" dirty="0">
+                    <a:latin typeface="나눔스퀘어 Light" panose="020B0600000101010101" pitchFamily="50" charset="-127"/>
+                    <a:ea typeface="나눔스퀘어 Light" panose="020B0600000101010101" pitchFamily="50" charset="-127"/>
+                  </a:rPr>
+                  <a:t>이 방법으론 풀 수 없어 보입니다</a:t>
+                </a:r>
+                <a:r>
+                  <a:rPr lang="en-US" altLang="ko-KR" dirty="0">
+                    <a:latin typeface="나눔스퀘어 Light" panose="020B0600000101010101" pitchFamily="50" charset="-127"/>
+                    <a:ea typeface="나눔스퀘어 Light" panose="020B0600000101010101" pitchFamily="50" charset="-127"/>
+                  </a:rPr>
+                  <a:t>.</a:t>
+                </a:r>
+                <a:endParaRPr lang="ko-KR" altLang="en-US" dirty="0">
+                  <a:latin typeface="나눔스퀘어 Light" panose="020B0600000101010101" pitchFamily="50" charset="-127"/>
+                  <a:ea typeface="나눔스퀘어 Light" panose="020B0600000101010101" pitchFamily="50" charset="-127"/>
+                </a:endParaRPr>
+              </a:p>
+            </p:txBody>
+          </p:sp>
+        </mc:Choice>
+        <mc:Fallback>
+          <p:sp>
+            <p:nvSpPr>
+              <p:cNvPr id="6" name="TextBox 5">
+                <a:extLst>
+                  <a:ext uri="{FF2B5EF4-FFF2-40B4-BE49-F238E27FC236}">
+                    <a16:creationId xmlns:a16="http://schemas.microsoft.com/office/drawing/2014/main" id="{3978C053-C0E3-6F0B-1A99-04A541070346}"/>
+                  </a:ext>
+                </a:extLst>
+              </p:cNvPr>
+              <p:cNvSpPr txBox="1">
+                <a:spLocks noRot="1" noChangeAspect="1" noMove="1" noResize="1" noEditPoints="1" noAdjustHandles="1" noChangeArrowheads="1" noChangeShapeType="1" noTextEdit="1"/>
+              </p:cNvSpPr>
+              <p:nvPr/>
+            </p:nvSpPr>
+            <p:spPr>
+              <a:xfrm>
+                <a:off x="942387" y="1928688"/>
+                <a:ext cx="9917291" cy="369332"/>
+              </a:xfrm>
+              <a:prstGeom prst="rect">
+                <a:avLst/>
+              </a:prstGeom>
+              <a:blipFill>
+                <a:blip r:embed="rId4"/>
+                <a:stretch>
+                  <a:fillRect t="-6557" b="-26230"/>
+                </a:stretch>
+              </a:blipFill>
+            </p:spPr>
+            <p:txBody>
+              <a:bodyPr/>
+              <a:lstStyle/>
+              <a:p>
+                <a:r>
+                  <a:rPr lang="ko-KR" altLang="en-US">
+                    <a:noFill/>
+                  </a:rPr>
+                  <a:t> </a:t>
+                </a:r>
+              </a:p>
+            </p:txBody>
+          </p:sp>
+        </mc:Fallback>
+      </mc:AlternateContent>
+      <mc:AlternateContent xmlns:mc="http://schemas.openxmlformats.org/markup-compatibility/2006">
+        <mc:Choice xmlns:a14="http://schemas.microsoft.com/office/drawing/2010/main" Requires="a14">
+          <p:sp>
+            <p:nvSpPr>
+              <p:cNvPr id="9" name="TextBox 8">
+                <a:extLst>
+                  <a:ext uri="{FF2B5EF4-FFF2-40B4-BE49-F238E27FC236}">
+                    <a16:creationId xmlns:a16="http://schemas.microsoft.com/office/drawing/2014/main" id="{AB0A53B3-6560-23DE-7B25-B92E54EDA94C}"/>
+                  </a:ext>
+                </a:extLst>
+              </p:cNvPr>
+              <p:cNvSpPr txBox="1"/>
+              <p:nvPr/>
+            </p:nvSpPr>
+            <p:spPr>
+              <a:xfrm>
+                <a:off x="942387" y="2678844"/>
+                <a:ext cx="11029654" cy="369332"/>
+              </a:xfrm>
+              <a:prstGeom prst="rect">
+                <a:avLst/>
+              </a:prstGeom>
+              <a:noFill/>
+            </p:spPr>
+            <p:txBody>
+              <a:bodyPr wrap="square" rtlCol="0">
+                <a:spAutoFit/>
+              </a:bodyPr>
+              <a:lstStyle/>
+              <a:p>
+                <a14:m>
+                  <m:oMath xmlns:m="http://schemas.openxmlformats.org/officeDocument/2006/math">
+                    <m:r>
+                      <a:rPr lang="ko-KR" altLang="en-US" b="0" i="1" smtClean="0">
+                        <a:latin typeface="Cambria Math" panose="02040503050406030204" pitchFamily="18" charset="0"/>
+                        <a:ea typeface="나눔스퀘어 Light" panose="020B0600000101010101" pitchFamily="50" charset="-127"/>
+                      </a:rPr>
+                      <m:t>탐</m:t>
+                    </m:r>
+                  </m:oMath>
+                </a14:m>
+                <a:r>
+                  <a:rPr lang="ko-KR" altLang="en-US" dirty="0">
+                    <a:latin typeface="나눔스퀘어 Light" panose="020B0600000101010101" pitchFamily="50" charset="-127"/>
+                    <a:ea typeface="나눔스퀘어 Light" panose="020B0600000101010101" pitchFamily="50" charset="-127"/>
+                  </a:rPr>
+                  <a:t>색을 여러 번 </a:t>
+                </a:r>
+                <a:r>
+                  <a:rPr lang="ko-KR" altLang="en-US" dirty="0" err="1">
+                    <a:latin typeface="나눔스퀘어 Light" panose="020B0600000101010101" pitchFamily="50" charset="-127"/>
+                    <a:ea typeface="나눔스퀘어 Light" panose="020B0600000101010101" pitchFamily="50" charset="-127"/>
+                  </a:rPr>
+                  <a:t>해야하니</a:t>
+                </a:r>
+                <a:r>
+                  <a:rPr lang="en-US" altLang="ko-KR" dirty="0">
+                    <a:latin typeface="나눔스퀘어 Light" panose="020B0600000101010101" pitchFamily="50" charset="-127"/>
+                    <a:ea typeface="나눔스퀘어 Light" panose="020B0600000101010101" pitchFamily="50" charset="-127"/>
+                  </a:rPr>
+                  <a:t>, </a:t>
+                </a:r>
+                <a:r>
+                  <a:rPr lang="ko-KR" altLang="en-US" dirty="0">
+                    <a:latin typeface="나눔스퀘어 Light" panose="020B0600000101010101" pitchFamily="50" charset="-127"/>
+                    <a:ea typeface="나눔스퀘어 Light" panose="020B0600000101010101" pitchFamily="50" charset="-127"/>
+                  </a:rPr>
+                  <a:t>탐색의 비용을 줄이기 위해 순차 탐색</a:t>
+                </a:r>
+                <a:r>
+                  <a:rPr lang="en-US" altLang="ko-KR" dirty="0">
+                    <a:latin typeface="나눔스퀘어 Light" panose="020B0600000101010101" pitchFamily="50" charset="-127"/>
+                    <a:ea typeface="나눔스퀘어 Light" panose="020B0600000101010101" pitchFamily="50" charset="-127"/>
+                  </a:rPr>
+                  <a:t>(</a:t>
+                </a:r>
+                <a14:m>
+                  <m:oMath xmlns:m="http://schemas.openxmlformats.org/officeDocument/2006/math">
+                    <m:r>
+                      <a:rPr lang="en-US" altLang="ko-KR" i="1">
+                        <a:latin typeface="Cambria Math" panose="02040503050406030204" pitchFamily="18" charset="0"/>
+                        <a:ea typeface="나눔스퀘어 Light" panose="020B0600000101010101" pitchFamily="50" charset="-127"/>
+                      </a:rPr>
+                      <m:t>𝑂</m:t>
+                    </m:r>
+                    <m:r>
+                      <a:rPr lang="en-US" altLang="ko-KR" i="1">
+                        <a:latin typeface="Cambria Math" panose="02040503050406030204" pitchFamily="18" charset="0"/>
+                        <a:ea typeface="나눔스퀘어 Light" panose="020B0600000101010101" pitchFamily="50" charset="-127"/>
+                      </a:rPr>
+                      <m:t>(</m:t>
+                    </m:r>
+                    <m:r>
+                      <a:rPr lang="en-US" altLang="ko-KR" i="1">
+                        <a:latin typeface="Cambria Math" panose="02040503050406030204" pitchFamily="18" charset="0"/>
+                        <a:ea typeface="나눔스퀘어 Light" panose="020B0600000101010101" pitchFamily="50" charset="-127"/>
+                      </a:rPr>
+                      <m:t>𝑁</m:t>
+                    </m:r>
+                    <m:r>
+                      <a:rPr lang="en-US" altLang="ko-KR" i="1">
+                        <a:latin typeface="Cambria Math" panose="02040503050406030204" pitchFamily="18" charset="0"/>
+                        <a:ea typeface="나눔스퀘어 Light" panose="020B0600000101010101" pitchFamily="50" charset="-127"/>
+                      </a:rPr>
+                      <m:t>)</m:t>
+                    </m:r>
+                  </m:oMath>
+                </a14:m>
+                <a:r>
+                  <a:rPr lang="en-US" altLang="ko-KR" dirty="0">
+                    <a:latin typeface="나눔스퀘어 Light" panose="020B0600000101010101" pitchFamily="50" charset="-127"/>
+                    <a:ea typeface="나눔스퀘어 Light" panose="020B0600000101010101" pitchFamily="50" charset="-127"/>
+                  </a:rPr>
+                  <a:t>)</a:t>
+                </a:r>
+                <a:r>
+                  <a:rPr lang="ko-KR" altLang="en-US" dirty="0">
+                    <a:latin typeface="나눔스퀘어 Light" panose="020B0600000101010101" pitchFamily="50" charset="-127"/>
+                    <a:ea typeface="나눔스퀘어 Light" panose="020B0600000101010101" pitchFamily="50" charset="-127"/>
+                  </a:rPr>
+                  <a:t> → 이진 탐색</a:t>
+                </a:r>
+                <a:r>
+                  <a:rPr lang="en-US" altLang="ko-KR" dirty="0">
+                    <a:latin typeface="나눔스퀘어 Light" panose="020B0600000101010101" pitchFamily="50" charset="-127"/>
+                    <a:ea typeface="나눔스퀘어 Light" panose="020B0600000101010101" pitchFamily="50" charset="-127"/>
+                  </a:rPr>
+                  <a:t>(</a:t>
+                </a:r>
+                <a14:m>
+                  <m:oMath xmlns:m="http://schemas.openxmlformats.org/officeDocument/2006/math">
+                    <m:r>
+                      <a:rPr lang="en-US" altLang="ko-KR" i="1">
+                        <a:latin typeface="Cambria Math" panose="02040503050406030204" pitchFamily="18" charset="0"/>
+                        <a:ea typeface="나눔스퀘어 Light" panose="020B0600000101010101" pitchFamily="50" charset="-127"/>
+                      </a:rPr>
+                      <m:t>𝑂</m:t>
+                    </m:r>
+                    <m:r>
+                      <a:rPr lang="en-US" altLang="ko-KR" i="1">
+                        <a:latin typeface="Cambria Math" panose="02040503050406030204" pitchFamily="18" charset="0"/>
+                        <a:ea typeface="나눔스퀘어 Light" panose="020B0600000101010101" pitchFamily="50" charset="-127"/>
+                      </a:rPr>
+                      <m:t>(</m:t>
+                    </m:r>
+                    <m:r>
+                      <a:rPr lang="en-US" altLang="ko-KR" b="0" i="1" smtClean="0">
+                        <a:latin typeface="Cambria Math" panose="02040503050406030204" pitchFamily="18" charset="0"/>
+                        <a:ea typeface="나눔스퀘어 Light" panose="020B0600000101010101" pitchFamily="50" charset="-127"/>
+                      </a:rPr>
+                      <m:t>𝑙𝑜𝑔𝑁</m:t>
+                    </m:r>
+                    <m:r>
+                      <a:rPr lang="en-US" altLang="ko-KR" i="1">
+                        <a:latin typeface="Cambria Math" panose="02040503050406030204" pitchFamily="18" charset="0"/>
+                        <a:ea typeface="나눔스퀘어 Light" panose="020B0600000101010101" pitchFamily="50" charset="-127"/>
+                      </a:rPr>
+                      <m:t>)</m:t>
+                    </m:r>
+                  </m:oMath>
+                </a14:m>
+                <a:r>
+                  <a:rPr lang="en-US" altLang="ko-KR" dirty="0">
+                    <a:latin typeface="나눔스퀘어 Light" panose="020B0600000101010101" pitchFamily="50" charset="-127"/>
+                    <a:ea typeface="나눔스퀘어 Light" panose="020B0600000101010101" pitchFamily="50" charset="-127"/>
+                  </a:rPr>
+                  <a:t>)</a:t>
+                </a:r>
+                <a:r>
+                  <a:rPr lang="ko-KR" altLang="en-US" dirty="0">
+                    <a:latin typeface="나눔스퀘어 Light" panose="020B0600000101010101" pitchFamily="50" charset="-127"/>
+                    <a:ea typeface="나눔스퀘어 Light" panose="020B0600000101010101" pitchFamily="50" charset="-127"/>
+                  </a:rPr>
+                  <a:t>으로 바꿔봅니다</a:t>
+                </a:r>
+                <a:r>
+                  <a:rPr lang="en-US" altLang="ko-KR" dirty="0">
+                    <a:latin typeface="나눔스퀘어 Light" panose="020B0600000101010101" pitchFamily="50" charset="-127"/>
+                    <a:ea typeface="나눔스퀘어 Light" panose="020B0600000101010101" pitchFamily="50" charset="-127"/>
+                  </a:rPr>
+                  <a:t>.</a:t>
+                </a:r>
+                <a:endParaRPr lang="ko-KR" altLang="en-US" dirty="0">
+                  <a:latin typeface="나눔스퀘어 Light" panose="020B0600000101010101" pitchFamily="50" charset="-127"/>
+                  <a:ea typeface="나눔스퀘어 Light" panose="020B0600000101010101" pitchFamily="50" charset="-127"/>
+                </a:endParaRPr>
+              </a:p>
+            </p:txBody>
+          </p:sp>
+        </mc:Choice>
+        <mc:Fallback>
+          <p:sp>
+            <p:nvSpPr>
+              <p:cNvPr id="9" name="TextBox 8">
+                <a:extLst>
+                  <a:ext uri="{FF2B5EF4-FFF2-40B4-BE49-F238E27FC236}">
+                    <a16:creationId xmlns:a16="http://schemas.microsoft.com/office/drawing/2014/main" id="{AB0A53B3-6560-23DE-7B25-B92E54EDA94C}"/>
+                  </a:ext>
+                </a:extLst>
+              </p:cNvPr>
+              <p:cNvSpPr txBox="1">
+                <a:spLocks noRot="1" noChangeAspect="1" noMove="1" noResize="1" noEditPoints="1" noAdjustHandles="1" noChangeArrowheads="1" noChangeShapeType="1" noTextEdit="1"/>
+              </p:cNvSpPr>
+              <p:nvPr/>
+            </p:nvSpPr>
+            <p:spPr>
+              <a:xfrm>
+                <a:off x="942387" y="2678844"/>
+                <a:ext cx="11029654" cy="369332"/>
+              </a:xfrm>
+              <a:prstGeom prst="rect">
+                <a:avLst/>
+              </a:prstGeom>
+              <a:blipFill>
+                <a:blip r:embed="rId5"/>
+                <a:stretch>
+                  <a:fillRect l="-166" t="-6557" b="-26230"/>
+                </a:stretch>
+              </a:blipFill>
+            </p:spPr>
+            <p:txBody>
+              <a:bodyPr/>
+              <a:lstStyle/>
+              <a:p>
+                <a:r>
+                  <a:rPr lang="ko-KR" altLang="en-US">
+                    <a:noFill/>
+                  </a:rPr>
+                  <a:t> </a:t>
+                </a:r>
+              </a:p>
+            </p:txBody>
+          </p:sp>
+        </mc:Fallback>
+      </mc:AlternateContent>
+      <p:sp>
+        <p:nvSpPr>
+          <p:cNvPr id="11" name="TextBox 10">
+            <a:extLst>
+              <a:ext uri="{FF2B5EF4-FFF2-40B4-BE49-F238E27FC236}">
+                <a16:creationId xmlns:a16="http://schemas.microsoft.com/office/drawing/2014/main" id="{CE973492-3410-DBD3-1C9C-F2621D6D6E08}"/>
+              </a:ext>
+            </a:extLst>
+          </p:cNvPr>
+          <p:cNvSpPr txBox="1"/>
+          <p:nvPr/>
+        </p:nvSpPr>
+        <p:spPr>
+          <a:xfrm>
+            <a:off x="942387" y="3048176"/>
+            <a:ext cx="9917291" cy="369332"/>
           </a:xfrm>
           <a:prstGeom prst="rect">
             <a:avLst/>
@@ -13983,7 +15094,35 @@
                 <a:latin typeface="나눔스퀘어 Light" panose="020B0600000101010101" pitchFamily="50" charset="-127"/>
                 <a:ea typeface="나눔스퀘어 Light" panose="020B0600000101010101" pitchFamily="50" charset="-127"/>
               </a:rPr>
-              <a:t>불가능한 호텔 방 번호인지 확인하는 함수를 만들었으니</a:t>
+              <a:t>그러기 위해선</a:t>
+            </a:r>
+            <a:r>
+              <a:rPr lang="en-US" altLang="ko-KR" dirty="0">
+                <a:latin typeface="나눔스퀘어 Light" panose="020B0600000101010101" pitchFamily="50" charset="-127"/>
+                <a:ea typeface="나눔스퀘어 Light" panose="020B0600000101010101" pitchFamily="50" charset="-127"/>
+              </a:rPr>
+              <a:t>, </a:t>
+            </a:r>
+            <a:r>
+              <a:rPr lang="ko-KR" altLang="en-US" dirty="0">
+                <a:latin typeface="나눔스퀘어 Light" panose="020B0600000101010101" pitchFamily="50" charset="-127"/>
+                <a:ea typeface="나눔스퀘어 Light" panose="020B0600000101010101" pitchFamily="50" charset="-127"/>
+              </a:rPr>
+              <a:t>배열이 정렬되어 있어야 하는데</a:t>
+            </a:r>
+            <a:r>
+              <a:rPr lang="en-US" altLang="ko-KR" dirty="0">
+                <a:latin typeface="나눔스퀘어 Light" panose="020B0600000101010101" pitchFamily="50" charset="-127"/>
+                <a:ea typeface="나눔스퀘어 Light" panose="020B0600000101010101" pitchFamily="50" charset="-127"/>
+              </a:rPr>
+              <a:t>, </a:t>
+            </a:r>
+            <a:r>
+              <a:rPr lang="ko-KR" altLang="en-US" dirty="0">
+                <a:latin typeface="나눔스퀘어 Light" panose="020B0600000101010101" pitchFamily="50" charset="-127"/>
+                <a:ea typeface="나눔스퀘어 Light" panose="020B0600000101010101" pitchFamily="50" charset="-127"/>
+              </a:rPr>
+              <a:t>배열의 정렬은 어차피 처음에 한 번만 하면 되므로</a:t>
             </a:r>
             <a:r>
               <a:rPr lang="en-US" altLang="ko-KR" dirty="0">
@@ -14001,10 +15140,10 @@
       </p:sp>
       <p:sp>
         <p:nvSpPr>
-          <p:cNvPr id="3" name="TextBox 2">
-            <a:extLst>
-              <a:ext uri="{FF2B5EF4-FFF2-40B4-BE49-F238E27FC236}">
-                <a16:creationId xmlns:a16="http://schemas.microsoft.com/office/drawing/2014/main" id="{0AC6A0F0-2B9B-0B91-22CA-E658545A84C0}"/>
+          <p:cNvPr id="12" name="TextBox 11">
+            <a:extLst>
+              <a:ext uri="{FF2B5EF4-FFF2-40B4-BE49-F238E27FC236}">
+                <a16:creationId xmlns:a16="http://schemas.microsoft.com/office/drawing/2014/main" id="{A1119EDB-0B09-6589-52AC-E5D7F18E1FAE}"/>
               </a:ext>
             </a:extLst>
           </p:cNvPr>
@@ -14013,67 +15152,8 @@
         </p:nvSpPr>
         <p:spPr>
           <a:xfrm>
-            <a:off x="331694" y="177505"/>
-            <a:ext cx="5268302" cy="523220"/>
-          </a:xfrm>
-          <a:prstGeom prst="rect">
-            <a:avLst/>
-          </a:prstGeom>
-          <a:noFill/>
-        </p:spPr>
-        <p:txBody>
-          <a:bodyPr wrap="none" rtlCol="0">
-            <a:spAutoFit/>
-          </a:bodyPr>
-          <a:lstStyle/>
-          <a:p>
-            <a:r>
-              <a:rPr lang="en-US" altLang="ko-KR" sz="2800" dirty="0">
-                <a:latin typeface="나눔스퀘어 Bold" panose="020B0600000101010101" pitchFamily="50" charset="-127"/>
-                <a:ea typeface="나눔스퀘어 Bold" panose="020B0600000101010101" pitchFamily="50" charset="-127"/>
-              </a:rPr>
-              <a:t>Brute</a:t>
-            </a:r>
-            <a:r>
-              <a:rPr lang="ko-KR" altLang="en-US" sz="2800" dirty="0">
-                <a:latin typeface="나눔스퀘어 Bold" panose="020B0600000101010101" pitchFamily="50" charset="-127"/>
-                <a:ea typeface="나눔스퀘어 Bold" panose="020B0600000101010101" pitchFamily="50" charset="-127"/>
-              </a:rPr>
-              <a:t> </a:t>
-            </a:r>
-            <a:r>
-              <a:rPr lang="en-US" altLang="ko-KR" sz="2800" dirty="0">
-                <a:latin typeface="나눔스퀘어 Bold" panose="020B0600000101010101" pitchFamily="50" charset="-127"/>
-                <a:ea typeface="나눔스퀘어 Bold" panose="020B0600000101010101" pitchFamily="50" charset="-127"/>
-              </a:rPr>
-              <a:t>Force – 5671 </a:t>
-            </a:r>
-            <a:r>
-              <a:rPr lang="ko-KR" altLang="en-US" sz="2800" dirty="0">
-                <a:latin typeface="나눔스퀘어 Bold" panose="020B0600000101010101" pitchFamily="50" charset="-127"/>
-                <a:ea typeface="나눔스퀘어 Bold" panose="020B0600000101010101" pitchFamily="50" charset="-127"/>
-              </a:rPr>
-              <a:t>호텔 방 번호</a:t>
-            </a:r>
-          </a:p>
-        </p:txBody>
-      </p:sp>
-      <p:sp>
-        <p:nvSpPr>
-          <p:cNvPr id="6" name="TextBox 5">
-            <a:extLst>
-              <a:ext uri="{FF2B5EF4-FFF2-40B4-BE49-F238E27FC236}">
-                <a16:creationId xmlns:a16="http://schemas.microsoft.com/office/drawing/2014/main" id="{D45AB92C-DAFD-3F93-9296-FA05BDF67030}"/>
-              </a:ext>
-            </a:extLst>
-          </p:cNvPr>
-          <p:cNvSpPr txBox="1"/>
-          <p:nvPr/>
-        </p:nvSpPr>
-        <p:spPr>
-          <a:xfrm>
-            <a:off x="942387" y="1559356"/>
-            <a:ext cx="10237694" cy="369332"/>
+            <a:off x="942387" y="3417508"/>
+            <a:ext cx="9917291" cy="369332"/>
           </a:xfrm>
           <a:prstGeom prst="rect">
             <a:avLst/>
@@ -14091,145 +15171,14 @@
                 <a:latin typeface="나눔스퀘어 Light" panose="020B0600000101010101" pitchFamily="50" charset="-127"/>
                 <a:ea typeface="나눔스퀘어 Light" panose="020B0600000101010101" pitchFamily="50" charset="-127"/>
               </a:rPr>
-              <a:t>이제 완전탐색</a:t>
-            </a:r>
-            <a:r>
-              <a:rPr lang="en-US" altLang="ko-KR" dirty="0">
-                <a:latin typeface="나눔스퀘어 Light" panose="020B0600000101010101" pitchFamily="50" charset="-127"/>
-                <a:ea typeface="나눔스퀘어 Light" panose="020B0600000101010101" pitchFamily="50" charset="-127"/>
-              </a:rPr>
-              <a:t>(</a:t>
-            </a:r>
-            <a:r>
-              <a:rPr lang="ko-KR" altLang="en-US" dirty="0">
-                <a:latin typeface="나눔스퀘어 Light" panose="020B0600000101010101" pitchFamily="50" charset="-127"/>
-                <a:ea typeface="나눔스퀘어 Light" panose="020B0600000101010101" pitchFamily="50" charset="-127"/>
-              </a:rPr>
-              <a:t>범위의 수들 전부를 확인</a:t>
-            </a:r>
-            <a:r>
-              <a:rPr lang="en-US" altLang="ko-KR" dirty="0">
-                <a:latin typeface="나눔스퀘어 Light" panose="020B0600000101010101" pitchFamily="50" charset="-127"/>
-                <a:ea typeface="나눔스퀘어 Light" panose="020B0600000101010101" pitchFamily="50" charset="-127"/>
-              </a:rPr>
-              <a:t>)</a:t>
-            </a:r>
-            <a:r>
-              <a:rPr lang="ko-KR" altLang="en-US" dirty="0">
-                <a:latin typeface="나눔스퀘어 Light" panose="020B0600000101010101" pitchFamily="50" charset="-127"/>
-                <a:ea typeface="나눔스퀘어 Light" panose="020B0600000101010101" pitchFamily="50" charset="-127"/>
-              </a:rPr>
-              <a:t>만 하면 됨</a:t>
-            </a:r>
-          </a:p>
-        </p:txBody>
-      </p:sp>
-      <p:pic>
-        <p:nvPicPr>
-          <p:cNvPr id="10" name="그림 9">
-            <a:extLst>
-              <a:ext uri="{FF2B5EF4-FFF2-40B4-BE49-F238E27FC236}">
-                <a16:creationId xmlns:a16="http://schemas.microsoft.com/office/drawing/2014/main" id="{E2E944AA-BAAA-5E2A-AE39-6CB0FDDB5DF2}"/>
-              </a:ext>
-            </a:extLst>
-          </p:cNvPr>
-          <p:cNvPicPr>
-            <a:picLocks noChangeAspect="1"/>
-          </p:cNvPicPr>
-          <p:nvPr/>
-        </p:nvPicPr>
-        <p:blipFill>
-          <a:blip r:embed="rId2"/>
-          <a:stretch>
-            <a:fillRect/>
-          </a:stretch>
-        </p:blipFill>
-        <p:spPr>
-          <a:xfrm>
-            <a:off x="942387" y="2165481"/>
-            <a:ext cx="5021508" cy="3009834"/>
-          </a:xfrm>
-          <a:prstGeom prst="rect">
-            <a:avLst/>
-          </a:prstGeom>
-        </p:spPr>
-      </p:pic>
-      <p:sp>
-        <p:nvSpPr>
-          <p:cNvPr id="11" name="TextBox 10">
-            <a:extLst>
-              <a:ext uri="{FF2B5EF4-FFF2-40B4-BE49-F238E27FC236}">
-                <a16:creationId xmlns:a16="http://schemas.microsoft.com/office/drawing/2014/main" id="{7EDADC31-A8D8-82F1-3B3C-9084D1E8CA20}"/>
-              </a:ext>
-            </a:extLst>
-          </p:cNvPr>
-          <p:cNvSpPr txBox="1"/>
-          <p:nvPr/>
-        </p:nvSpPr>
-        <p:spPr>
-          <a:xfrm>
-            <a:off x="6353373" y="2592789"/>
-            <a:ext cx="5543254" cy="369332"/>
-          </a:xfrm>
-          <a:prstGeom prst="rect">
-            <a:avLst/>
-          </a:prstGeom>
-          <a:noFill/>
-        </p:spPr>
-        <p:txBody>
-          <a:bodyPr wrap="square" rtlCol="0">
-            <a:spAutoFit/>
-          </a:bodyPr>
-          <a:lstStyle/>
-          <a:p>
-            <a:r>
-              <a:rPr lang="en-US" altLang="ko-KR" dirty="0">
-                <a:latin typeface="나눔스퀘어 Light" panose="020B0600000101010101" pitchFamily="50" charset="-127"/>
-                <a:ea typeface="나눔스퀘어 Light" panose="020B0600000101010101" pitchFamily="50" charset="-127"/>
-              </a:rPr>
-              <a:t>(</a:t>
-            </a:r>
-            <a:r>
-              <a:rPr lang="ko-KR" altLang="en-US" dirty="0">
-                <a:latin typeface="나눔스퀘어 Light" panose="020B0600000101010101" pitchFamily="50" charset="-127"/>
-                <a:ea typeface="나눔스퀘어 Light" panose="020B0600000101010101" pitchFamily="50" charset="-127"/>
-              </a:rPr>
-              <a:t>처음 </a:t>
-            </a:r>
-            <a:r>
-              <a:rPr lang="ko-KR" altLang="en-US" dirty="0" err="1">
-                <a:latin typeface="나눔스퀘어 Light" panose="020B0600000101010101" pitchFamily="50" charset="-127"/>
-                <a:ea typeface="나눔스퀘어 Light" panose="020B0600000101010101" pitchFamily="50" charset="-127"/>
-              </a:rPr>
-              <a:t>보실수도</a:t>
-            </a:r>
-            <a:r>
-              <a:rPr lang="ko-KR" altLang="en-US" dirty="0">
-                <a:latin typeface="나눔스퀘어 Light" panose="020B0600000101010101" pitchFamily="50" charset="-127"/>
-                <a:ea typeface="나눔스퀘어 Light" panose="020B0600000101010101" pitchFamily="50" charset="-127"/>
-              </a:rPr>
-              <a:t> 있는 </a:t>
-            </a:r>
-            <a:r>
-              <a:rPr lang="en-US" altLang="ko-KR" dirty="0">
-                <a:latin typeface="나눔스퀘어 Light" panose="020B0600000101010101" pitchFamily="50" charset="-127"/>
-                <a:ea typeface="나눔스퀘어 Light" panose="020B0600000101010101" pitchFamily="50" charset="-127"/>
-              </a:rPr>
-              <a:t>~ </a:t>
-            </a:r>
-            <a:r>
-              <a:rPr lang="ko-KR" altLang="en-US" dirty="0">
-                <a:latin typeface="나눔스퀘어 Light" panose="020B0600000101010101" pitchFamily="50" charset="-127"/>
-                <a:ea typeface="나눔스퀘어 Light" panose="020B0600000101010101" pitchFamily="50" charset="-127"/>
-              </a:rPr>
-              <a:t>연산자의 등장</a:t>
-            </a:r>
-            <a:r>
-              <a:rPr lang="en-US" altLang="ko-KR" dirty="0">
-                <a:latin typeface="나눔스퀘어 Light" panose="020B0600000101010101" pitchFamily="50" charset="-127"/>
-                <a:ea typeface="나눔스퀘어 Light" panose="020B0600000101010101" pitchFamily="50" charset="-127"/>
-              </a:rPr>
-              <a:t>)</a:t>
+              <a:t>배열을 정렬하는 비용은 시간 복잡도에 큰 영향을 미치지 못합니다</a:t>
+            </a:r>
+            <a:r>
+              <a:rPr lang="en-US" altLang="ko-KR" dirty="0">
+                <a:latin typeface="나눔스퀘어 Light" panose="020B0600000101010101" pitchFamily="50" charset="-127"/>
+                <a:ea typeface="나눔스퀘어 Light" panose="020B0600000101010101" pitchFamily="50" charset="-127"/>
+              </a:rPr>
+              <a:t>.</a:t>
             </a:r>
             <a:endParaRPr lang="ko-KR" altLang="en-US" dirty="0">
               <a:latin typeface="나눔스퀘어 Light" panose="020B0600000101010101" pitchFamily="50" charset="-127"/>
@@ -14238,66 +15187,195 @@
           </a:p>
         </p:txBody>
       </p:sp>
-      <p:sp>
-        <p:nvSpPr>
-          <p:cNvPr id="12" name="TextBox 11">
-            <a:extLst>
-              <a:ext uri="{FF2B5EF4-FFF2-40B4-BE49-F238E27FC236}">
-                <a16:creationId xmlns:a16="http://schemas.microsoft.com/office/drawing/2014/main" id="{A24AD07E-3BAE-33EB-4B6E-24AF48933861}"/>
-              </a:ext>
-            </a:extLst>
-          </p:cNvPr>
-          <p:cNvSpPr txBox="1"/>
-          <p:nvPr/>
-        </p:nvSpPr>
-        <p:spPr>
-          <a:xfrm>
-            <a:off x="6353373" y="2967504"/>
-            <a:ext cx="5543254" cy="369332"/>
-          </a:xfrm>
-          <a:prstGeom prst="rect">
-            <a:avLst/>
-          </a:prstGeom>
-          <a:noFill/>
-        </p:spPr>
-        <p:txBody>
-          <a:bodyPr wrap="square" rtlCol="0">
-            <a:spAutoFit/>
-          </a:bodyPr>
-          <a:lstStyle/>
-          <a:p>
-            <a:r>
-              <a:rPr lang="en-US" altLang="ko-KR" dirty="0">
-                <a:latin typeface="나눔스퀘어 Light" panose="020B0600000101010101" pitchFamily="50" charset="-127"/>
-                <a:ea typeface="나눔스퀘어 Light" panose="020B0600000101010101" pitchFamily="50" charset="-127"/>
-              </a:rPr>
-              <a:t>(</a:t>
-            </a:r>
-            <a:r>
-              <a:rPr lang="ko-KR" altLang="en-US" dirty="0">
-                <a:latin typeface="나눔스퀘어 Light" panose="020B0600000101010101" pitchFamily="50" charset="-127"/>
-                <a:ea typeface="나눔스퀘어 Light" panose="020B0600000101010101" pitchFamily="50" charset="-127"/>
-              </a:rPr>
-              <a:t>저것이 의미하는 것은</a:t>
-            </a:r>
-            <a:r>
-              <a:rPr lang="en-US" altLang="ko-KR" dirty="0">
-                <a:latin typeface="나눔스퀘어 Light" panose="020B0600000101010101" pitchFamily="50" charset="-127"/>
-                <a:ea typeface="나눔스퀘어 Light" panose="020B0600000101010101" pitchFamily="50" charset="-127"/>
-              </a:rPr>
-              <a:t>?)</a:t>
-            </a:r>
-            <a:endParaRPr lang="ko-KR" altLang="en-US" dirty="0">
-              <a:latin typeface="나눔스퀘어 Light" panose="020B0600000101010101" pitchFamily="50" charset="-127"/>
-              <a:ea typeface="나눔스퀘어 Light" panose="020B0600000101010101" pitchFamily="50" charset="-127"/>
-            </a:endParaRPr>
-          </a:p>
-        </p:txBody>
-      </p:sp>
+      <mc:AlternateContent xmlns:mc="http://schemas.openxmlformats.org/markup-compatibility/2006">
+        <mc:Choice xmlns:a14="http://schemas.microsoft.com/office/drawing/2010/main" Requires="a14">
+          <p:sp>
+            <p:nvSpPr>
+              <p:cNvPr id="13" name="TextBox 12">
+                <a:extLst>
+                  <a:ext uri="{FF2B5EF4-FFF2-40B4-BE49-F238E27FC236}">
+                    <a16:creationId xmlns:a16="http://schemas.microsoft.com/office/drawing/2014/main" id="{353A1A48-3C6B-FB24-AF8E-FEC1DF8D10F2}"/>
+                  </a:ext>
+                </a:extLst>
+              </p:cNvPr>
+              <p:cNvSpPr txBox="1"/>
+              <p:nvPr/>
+            </p:nvSpPr>
+            <p:spPr>
+              <a:xfrm>
+                <a:off x="942387" y="3786840"/>
+                <a:ext cx="9917291" cy="369332"/>
+              </a:xfrm>
+              <a:prstGeom prst="rect">
+                <a:avLst/>
+              </a:prstGeom>
+              <a:noFill/>
+            </p:spPr>
+            <p:txBody>
+              <a:bodyPr wrap="square" rtlCol="0">
+                <a:spAutoFit/>
+              </a:bodyPr>
+              <a:lstStyle/>
+              <a:p>
+                <a:r>
+                  <a:rPr lang="ko-KR" altLang="en-US" dirty="0">
+                    <a:latin typeface="나눔스퀘어 Light" panose="020B0600000101010101" pitchFamily="50" charset="-127"/>
+                    <a:ea typeface="나눔스퀘어 Light" panose="020B0600000101010101" pitchFamily="50" charset="-127"/>
+                  </a:rPr>
+                  <a:t>탐색을 </a:t>
+                </a:r>
+                <a14:m>
+                  <m:oMath xmlns:m="http://schemas.openxmlformats.org/officeDocument/2006/math">
+                    <m:r>
+                      <a:rPr lang="en-US" altLang="ko-KR" b="0" i="1" smtClean="0">
+                        <a:latin typeface="Cambria Math" panose="02040503050406030204" pitchFamily="18" charset="0"/>
+                        <a:ea typeface="나눔스퀘어 Light" panose="020B0600000101010101" pitchFamily="50" charset="-127"/>
+                      </a:rPr>
+                      <m:t>𝑀</m:t>
+                    </m:r>
+                  </m:oMath>
+                </a14:m>
+                <a:r>
+                  <a:rPr lang="ko-KR" altLang="en-US" dirty="0">
+                    <a:latin typeface="나눔스퀘어 Light" panose="020B0600000101010101" pitchFamily="50" charset="-127"/>
+                    <a:ea typeface="나눔스퀘어 Light" panose="020B0600000101010101" pitchFamily="50" charset="-127"/>
+                  </a:rPr>
+                  <a:t>번 하므로</a:t>
+                </a:r>
+                <a:r>
+                  <a:rPr lang="en-US" altLang="ko-KR" dirty="0">
+                    <a:latin typeface="나눔스퀘어 Light" panose="020B0600000101010101" pitchFamily="50" charset="-127"/>
+                    <a:ea typeface="나눔스퀘어 Light" panose="020B0600000101010101" pitchFamily="50" charset="-127"/>
+                  </a:rPr>
+                  <a:t>, </a:t>
+                </a:r>
+                <a:r>
+                  <a:rPr lang="ko-KR" altLang="en-US" dirty="0">
+                    <a:latin typeface="나눔스퀘어 Light" panose="020B0600000101010101" pitchFamily="50" charset="-127"/>
+                    <a:ea typeface="나눔스퀘어 Light" panose="020B0600000101010101" pitchFamily="50" charset="-127"/>
+                  </a:rPr>
+                  <a:t>쿼리의 시간 복잡도는 </a:t>
+                </a:r>
+                <a14:m>
+                  <m:oMath xmlns:m="http://schemas.openxmlformats.org/officeDocument/2006/math">
+                    <m:r>
+                      <a:rPr lang="en-US" altLang="ko-KR" b="0" i="1" smtClean="0">
+                        <a:latin typeface="Cambria Math" panose="02040503050406030204" pitchFamily="18" charset="0"/>
+                        <a:ea typeface="나눔스퀘어 Light" panose="020B0600000101010101" pitchFamily="50" charset="-127"/>
+                      </a:rPr>
+                      <m:t>𝑂</m:t>
+                    </m:r>
+                    <m:r>
+                      <a:rPr lang="en-US" altLang="ko-KR" b="0" i="1" smtClean="0">
+                        <a:latin typeface="Cambria Math" panose="02040503050406030204" pitchFamily="18" charset="0"/>
+                        <a:ea typeface="나눔스퀘어 Light" panose="020B0600000101010101" pitchFamily="50" charset="-127"/>
+                      </a:rPr>
+                      <m:t>(</m:t>
+                    </m:r>
+                    <m:r>
+                      <a:rPr lang="en-US" altLang="ko-KR" b="0" i="1" smtClean="0">
+                        <a:latin typeface="Cambria Math" panose="02040503050406030204" pitchFamily="18" charset="0"/>
+                        <a:ea typeface="나눔스퀘어 Light" panose="020B0600000101010101" pitchFamily="50" charset="-127"/>
+                      </a:rPr>
+                      <m:t>𝑀𝑙𝑜𝑔𝑁</m:t>
+                    </m:r>
+                    <m:r>
+                      <a:rPr lang="en-US" altLang="ko-KR" b="0" i="1" smtClean="0">
+                        <a:latin typeface="Cambria Math" panose="02040503050406030204" pitchFamily="18" charset="0"/>
+                        <a:ea typeface="나눔스퀘어 Light" panose="020B0600000101010101" pitchFamily="50" charset="-127"/>
+                      </a:rPr>
+                      <m:t>)</m:t>
+                    </m:r>
+                  </m:oMath>
+                </a14:m>
+                <a:r>
+                  <a:rPr lang="ko-KR" altLang="en-US" dirty="0">
+                    <a:latin typeface="나눔스퀘어 Light" panose="020B0600000101010101" pitchFamily="50" charset="-127"/>
+                    <a:ea typeface="나눔스퀘어 Light" panose="020B0600000101010101" pitchFamily="50" charset="-127"/>
+                  </a:rPr>
+                  <a:t>이 되고</a:t>
+                </a:r>
+                <a:r>
+                  <a:rPr lang="en-US" altLang="ko-KR" dirty="0">
+                    <a:latin typeface="나눔스퀘어 Light" panose="020B0600000101010101" pitchFamily="50" charset="-127"/>
+                    <a:ea typeface="나눔스퀘어 Light" panose="020B0600000101010101" pitchFamily="50" charset="-127"/>
+                  </a:rPr>
+                  <a:t>, </a:t>
+                </a:r>
+                <a:r>
+                  <a:rPr lang="ko-KR" altLang="en-US" dirty="0">
+                    <a:latin typeface="나눔스퀘어 Light" panose="020B0600000101010101" pitchFamily="50" charset="-127"/>
+                    <a:ea typeface="나눔스퀘어 Light" panose="020B0600000101010101" pitchFamily="50" charset="-127"/>
+                  </a:rPr>
+                  <a:t>이 방법으론 시간 안에 해결할 수 있겠네요</a:t>
+                </a:r>
+                <a:r>
+                  <a:rPr lang="en-US" altLang="ko-KR" dirty="0">
+                    <a:latin typeface="나눔스퀘어 Light" panose="020B0600000101010101" pitchFamily="50" charset="-127"/>
+                    <a:ea typeface="나눔스퀘어 Light" panose="020B0600000101010101" pitchFamily="50" charset="-127"/>
+                  </a:rPr>
+                  <a:t>.</a:t>
+                </a:r>
+                <a:r>
+                  <a:rPr lang="ko-KR" altLang="en-US" dirty="0">
+                    <a:latin typeface="나눔스퀘어 Light" panose="020B0600000101010101" pitchFamily="50" charset="-127"/>
+                    <a:ea typeface="나눔스퀘어 Light" panose="020B0600000101010101" pitchFamily="50" charset="-127"/>
+                  </a:rPr>
+                  <a:t> </a:t>
+                </a:r>
+              </a:p>
+            </p:txBody>
+          </p:sp>
+        </mc:Choice>
+        <mc:Fallback>
+          <p:sp>
+            <p:nvSpPr>
+              <p:cNvPr id="13" name="TextBox 12">
+                <a:extLst>
+                  <a:ext uri="{FF2B5EF4-FFF2-40B4-BE49-F238E27FC236}">
+                    <a16:creationId xmlns:a16="http://schemas.microsoft.com/office/drawing/2014/main" id="{353A1A48-3C6B-FB24-AF8E-FEC1DF8D10F2}"/>
+                  </a:ext>
+                </a:extLst>
+              </p:cNvPr>
+              <p:cNvSpPr txBox="1">
+                <a:spLocks noRot="1" noChangeAspect="1" noMove="1" noResize="1" noEditPoints="1" noAdjustHandles="1" noChangeArrowheads="1" noChangeShapeType="1" noTextEdit="1"/>
+              </p:cNvSpPr>
+              <p:nvPr/>
+            </p:nvSpPr>
+            <p:spPr>
+              <a:xfrm>
+                <a:off x="942387" y="3786840"/>
+                <a:ext cx="9917291" cy="369332"/>
+              </a:xfrm>
+              <a:prstGeom prst="rect">
+                <a:avLst/>
+              </a:prstGeom>
+              <a:blipFill>
+                <a:blip r:embed="rId6"/>
+                <a:stretch>
+                  <a:fillRect l="-554" t="-6557" r="-62" b="-26230"/>
+                </a:stretch>
+              </a:blipFill>
+            </p:spPr>
+            <p:txBody>
+              <a:bodyPr/>
+              <a:lstStyle/>
+              <a:p>
+                <a:r>
+                  <a:rPr lang="ko-KR" altLang="en-US">
+                    <a:noFill/>
+                  </a:rPr>
+                  <a:t> </a:t>
+                </a:r>
+              </a:p>
+            </p:txBody>
+          </p:sp>
+        </mc:Fallback>
+      </mc:AlternateContent>
     </p:spTree>
     <p:extLst>
       <p:ext uri="{BB962C8B-B14F-4D97-AF65-F5344CB8AC3E}">
-        <p14:creationId xmlns:p14="http://schemas.microsoft.com/office/powerpoint/2010/main" val="1796073716"/>
+        <p14:creationId xmlns:p14="http://schemas.microsoft.com/office/powerpoint/2010/main" val="3545895625"/>
       </p:ext>
     </p:extLst>
   </p:cSld>
@@ -14383,7 +15461,7 @@
         <p:spPr>
           <a:xfrm>
             <a:off x="331694" y="177505"/>
-            <a:ext cx="4214615" cy="523220"/>
+            <a:ext cx="5268302" cy="523220"/>
           </a:xfrm>
           <a:prstGeom prst="rect">
             <a:avLst/>
@@ -14397,11 +15475,11 @@
           <a:lstStyle/>
           <a:p>
             <a:r>
-              <a:rPr lang="ko-KR" altLang="en-US" sz="2800" dirty="0" err="1">
+              <a:rPr lang="en-US" altLang="ko-KR" sz="2800" dirty="0">
                 <a:latin typeface="나눔스퀘어 Bold" panose="020B0600000101010101" pitchFamily="50" charset="-127"/>
                 <a:ea typeface="나눔스퀘어 Bold" panose="020B0600000101010101" pitchFamily="50" charset="-127"/>
               </a:rPr>
-              <a:t>번외편</a:t>
+              <a:t>Brute</a:t>
             </a:r>
             <a:r>
               <a:rPr lang="ko-KR" altLang="en-US" sz="2800" dirty="0">
@@ -14415,451 +15493,24 @@
                 <a:latin typeface="나눔스퀘어 Bold" panose="020B0600000101010101" pitchFamily="50" charset="-127"/>
                 <a:ea typeface="나눔스퀘어 Bold" panose="020B0600000101010101" pitchFamily="50" charset="-127"/>
               </a:rPr>
-              <a:t>– EOF(End Of File)</a:t>
-            </a:r>
-            <a:endParaRPr lang="ko-KR" altLang="en-US" sz="2800" dirty="0">
-              <a:latin typeface="나눔스퀘어 Bold" panose="020B0600000101010101" pitchFamily="50" charset="-127"/>
-              <a:ea typeface="나눔스퀘어 Bold" panose="020B0600000101010101" pitchFamily="50" charset="-127"/>
-            </a:endParaRPr>
-          </a:p>
-        </p:txBody>
-      </p:sp>
-      <p:sp>
-        <p:nvSpPr>
-          <p:cNvPr id="2" name="TextBox 1">
-            <a:extLst>
-              <a:ext uri="{FF2B5EF4-FFF2-40B4-BE49-F238E27FC236}">
-                <a16:creationId xmlns:a16="http://schemas.microsoft.com/office/drawing/2014/main" id="{A2CDF8CF-7668-2432-EE70-4E8E61871F69}"/>
-              </a:ext>
-            </a:extLst>
-          </p:cNvPr>
-          <p:cNvSpPr txBox="1"/>
-          <p:nvPr/>
-        </p:nvSpPr>
-        <p:spPr>
-          <a:xfrm>
-            <a:off x="942387" y="1190024"/>
-            <a:ext cx="10237694" cy="369332"/>
-          </a:xfrm>
-          <a:prstGeom prst="rect">
-            <a:avLst/>
-          </a:prstGeom>
-          <a:noFill/>
-        </p:spPr>
-        <p:txBody>
-          <a:bodyPr wrap="square" rtlCol="0">
-            <a:spAutoFit/>
-          </a:bodyPr>
-          <a:lstStyle/>
-          <a:p>
-            <a:r>
-              <a:rPr lang="ko-KR" altLang="en-US" dirty="0">
-                <a:latin typeface="나눔스퀘어 Light" panose="020B0600000101010101" pitchFamily="50" charset="-127"/>
-                <a:ea typeface="나눔스퀘어 Light" panose="020B0600000101010101" pitchFamily="50" charset="-127"/>
-              </a:rPr>
-              <a:t>백준 온라인 저지에서 여러 테스트 케이스가 들어가는 문제의 경우</a:t>
-            </a:r>
-            <a:r>
-              <a:rPr lang="en-US" altLang="ko-KR" dirty="0">
-                <a:latin typeface="나눔스퀘어 Light" panose="020B0600000101010101" pitchFamily="50" charset="-127"/>
-                <a:ea typeface="나눔스퀘어 Light" panose="020B0600000101010101" pitchFamily="50" charset="-127"/>
-              </a:rPr>
-              <a:t>,</a:t>
-            </a:r>
-            <a:endParaRPr lang="ko-KR" altLang="en-US" dirty="0">
-              <a:latin typeface="나눔스퀘어 Light" panose="020B0600000101010101" pitchFamily="50" charset="-127"/>
-              <a:ea typeface="나눔스퀘어 Light" panose="020B0600000101010101" pitchFamily="50" charset="-127"/>
-            </a:endParaRPr>
-          </a:p>
-        </p:txBody>
-      </p:sp>
-      <p:sp>
-        <p:nvSpPr>
-          <p:cNvPr id="4" name="TextBox 3">
-            <a:extLst>
-              <a:ext uri="{FF2B5EF4-FFF2-40B4-BE49-F238E27FC236}">
-                <a16:creationId xmlns:a16="http://schemas.microsoft.com/office/drawing/2014/main" id="{772D4C43-3CFC-A02D-4942-D14A03372055}"/>
-              </a:ext>
-            </a:extLst>
-          </p:cNvPr>
-          <p:cNvSpPr txBox="1"/>
-          <p:nvPr/>
-        </p:nvSpPr>
-        <p:spPr>
-          <a:xfrm>
-            <a:off x="942387" y="1559356"/>
-            <a:ext cx="10237694" cy="369332"/>
-          </a:xfrm>
-          <a:prstGeom prst="rect">
-            <a:avLst/>
-          </a:prstGeom>
-          <a:noFill/>
-        </p:spPr>
-        <p:txBody>
-          <a:bodyPr wrap="square" rtlCol="0">
-            <a:spAutoFit/>
-          </a:bodyPr>
-          <a:lstStyle/>
-          <a:p>
-            <a:r>
-              <a:rPr lang="ko-KR" altLang="en-US" dirty="0">
-                <a:latin typeface="나눔스퀘어 Light" panose="020B0600000101010101" pitchFamily="50" charset="-127"/>
-                <a:ea typeface="나눔스퀘어 Light" panose="020B0600000101010101" pitchFamily="50" charset="-127"/>
-              </a:rPr>
-              <a:t>일반적으로는 </a:t>
-            </a:r>
-            <a:r>
-              <a:rPr lang="en-US" altLang="ko-KR" dirty="0">
-                <a:latin typeface="나눔스퀘어 Light" panose="020B0600000101010101" pitchFamily="50" charset="-127"/>
-                <a:ea typeface="나눔스퀘어 Light" panose="020B0600000101010101" pitchFamily="50" charset="-127"/>
-              </a:rPr>
-              <a:t>“11170 0</a:t>
-            </a:r>
-            <a:r>
-              <a:rPr lang="ko-KR" altLang="en-US" dirty="0">
-                <a:latin typeface="나눔스퀘어 Light" panose="020B0600000101010101" pitchFamily="50" charset="-127"/>
-                <a:ea typeface="나눔스퀘어 Light" panose="020B0600000101010101" pitchFamily="50" charset="-127"/>
-              </a:rPr>
-              <a:t>의 개수</a:t>
-            </a:r>
-            <a:r>
-              <a:rPr lang="en-US" altLang="ko-KR" dirty="0">
-                <a:latin typeface="나눔스퀘어 Light" panose="020B0600000101010101" pitchFamily="50" charset="-127"/>
-                <a:ea typeface="나눔스퀘어 Light" panose="020B0600000101010101" pitchFamily="50" charset="-127"/>
-              </a:rPr>
-              <a:t>” </a:t>
-            </a:r>
-            <a:r>
-              <a:rPr lang="ko-KR" altLang="en-US" dirty="0">
-                <a:latin typeface="나눔스퀘어 Light" panose="020B0600000101010101" pitchFamily="50" charset="-127"/>
-                <a:ea typeface="나눔스퀘어 Light" panose="020B0600000101010101" pitchFamily="50" charset="-127"/>
-              </a:rPr>
-              <a:t>처럼 입력 혹은 </a:t>
-            </a:r>
-            <a:r>
-              <a:rPr lang="en-US" altLang="ko-KR" dirty="0">
-                <a:latin typeface="나눔스퀘어 Light" panose="020B0600000101010101" pitchFamily="50" charset="-127"/>
-                <a:ea typeface="나눔스퀘어 Light" panose="020B0600000101010101" pitchFamily="50" charset="-127"/>
-              </a:rPr>
-              <a:t>TC</a:t>
-            </a:r>
-            <a:r>
-              <a:rPr lang="ko-KR" altLang="en-US" dirty="0">
-                <a:latin typeface="나눔스퀘어 Light" panose="020B0600000101010101" pitchFamily="50" charset="-127"/>
-                <a:ea typeface="나눔스퀘어 Light" panose="020B0600000101010101" pitchFamily="50" charset="-127"/>
-              </a:rPr>
-              <a:t>의 수가 문제의 입력으로 주어집니다</a:t>
-            </a:r>
-            <a:r>
-              <a:rPr lang="en-US" altLang="ko-KR" dirty="0">
-                <a:latin typeface="나눔스퀘어 Light" panose="020B0600000101010101" pitchFamily="50" charset="-127"/>
-                <a:ea typeface="나눔스퀘어 Light" panose="020B0600000101010101" pitchFamily="50" charset="-127"/>
-              </a:rPr>
-              <a:t>.</a:t>
-            </a:r>
-            <a:endParaRPr lang="ko-KR" altLang="en-US" dirty="0">
-              <a:latin typeface="나눔스퀘어 Light" panose="020B0600000101010101" pitchFamily="50" charset="-127"/>
-              <a:ea typeface="나눔스퀘어 Light" panose="020B0600000101010101" pitchFamily="50" charset="-127"/>
-            </a:endParaRPr>
-          </a:p>
-        </p:txBody>
-      </p:sp>
-      <p:sp>
-        <p:nvSpPr>
-          <p:cNvPr id="5" name="TextBox 4">
-            <a:extLst>
-              <a:ext uri="{FF2B5EF4-FFF2-40B4-BE49-F238E27FC236}">
-                <a16:creationId xmlns:a16="http://schemas.microsoft.com/office/drawing/2014/main" id="{0B847BC4-9E06-92FE-D779-7516DD637505}"/>
-              </a:ext>
-            </a:extLst>
-          </p:cNvPr>
-          <p:cNvSpPr txBox="1"/>
-          <p:nvPr/>
-        </p:nvSpPr>
-        <p:spPr>
-          <a:xfrm>
-            <a:off x="942387" y="1928688"/>
-            <a:ext cx="10237694" cy="369332"/>
-          </a:xfrm>
-          <a:prstGeom prst="rect">
-            <a:avLst/>
-          </a:prstGeom>
-          <a:noFill/>
-        </p:spPr>
-        <p:txBody>
-          <a:bodyPr wrap="square" rtlCol="0">
-            <a:spAutoFit/>
-          </a:bodyPr>
-          <a:lstStyle/>
-          <a:p>
-            <a:r>
-              <a:rPr lang="ko-KR" altLang="en-US" dirty="0">
-                <a:latin typeface="나눔스퀘어 Light" panose="020B0600000101010101" pitchFamily="50" charset="-127"/>
-                <a:ea typeface="나눔스퀘어 Light" panose="020B0600000101010101" pitchFamily="50" charset="-127"/>
-              </a:rPr>
-              <a:t>모든 다중 테스트 케이스 문제가 그런 것은 아니고</a:t>
-            </a:r>
-            <a:r>
-              <a:rPr lang="en-US" altLang="ko-KR" dirty="0">
-                <a:latin typeface="나눔스퀘어 Light" panose="020B0600000101010101" pitchFamily="50" charset="-127"/>
-                <a:ea typeface="나눔스퀘어 Light" panose="020B0600000101010101" pitchFamily="50" charset="-127"/>
-              </a:rPr>
-              <a:t>, </a:t>
-            </a:r>
-            <a:r>
-              <a:rPr lang="ko-KR" altLang="en-US" dirty="0">
-                <a:latin typeface="나눔스퀘어 Light" panose="020B0600000101010101" pitchFamily="50" charset="-127"/>
-                <a:ea typeface="나눔스퀘어 Light" panose="020B0600000101010101" pitchFamily="50" charset="-127"/>
-              </a:rPr>
-              <a:t>가끔씩 </a:t>
-            </a:r>
-            <a:r>
-              <a:rPr lang="en-US" altLang="ko-KR" dirty="0">
-                <a:latin typeface="나눔스퀘어 Light" panose="020B0600000101010101" pitchFamily="50" charset="-127"/>
-                <a:ea typeface="나눔스퀘어 Light" panose="020B0600000101010101" pitchFamily="50" charset="-127"/>
-              </a:rPr>
-              <a:t>“5671 </a:t>
-            </a:r>
-            <a:r>
-              <a:rPr lang="ko-KR" altLang="en-US" dirty="0">
-                <a:latin typeface="나눔스퀘어 Light" panose="020B0600000101010101" pitchFamily="50" charset="-127"/>
-                <a:ea typeface="나눔스퀘어 Light" panose="020B0600000101010101" pitchFamily="50" charset="-127"/>
+              <a:t>Force – 5671 </a:t>
+            </a:r>
+            <a:r>
+              <a:rPr lang="ko-KR" altLang="en-US" sz="2800" dirty="0">
+                <a:latin typeface="나눔스퀘어 Bold" panose="020B0600000101010101" pitchFamily="50" charset="-127"/>
+                <a:ea typeface="나눔스퀘어 Bold" panose="020B0600000101010101" pitchFamily="50" charset="-127"/>
               </a:rPr>
               <a:t>호텔 방 번호</a:t>
             </a:r>
-            <a:r>
-              <a:rPr lang="en-US" altLang="ko-KR" dirty="0">
-                <a:latin typeface="나눔스퀘어 Light" panose="020B0600000101010101" pitchFamily="50" charset="-127"/>
-                <a:ea typeface="나눔스퀘어 Light" panose="020B0600000101010101" pitchFamily="50" charset="-127"/>
-              </a:rPr>
-              <a:t>” </a:t>
-            </a:r>
-            <a:r>
-              <a:rPr lang="ko-KR" altLang="en-US" dirty="0">
-                <a:latin typeface="나눔스퀘어 Light" panose="020B0600000101010101" pitchFamily="50" charset="-127"/>
-                <a:ea typeface="나눔스퀘어 Light" panose="020B0600000101010101" pitchFamily="50" charset="-127"/>
-              </a:rPr>
-              <a:t>처럼 입력의 수가 주어지지</a:t>
-            </a:r>
-          </a:p>
-        </p:txBody>
-      </p:sp>
-      <p:sp>
-        <p:nvSpPr>
-          <p:cNvPr id="6" name="TextBox 5">
-            <a:extLst>
-              <a:ext uri="{FF2B5EF4-FFF2-40B4-BE49-F238E27FC236}">
-                <a16:creationId xmlns:a16="http://schemas.microsoft.com/office/drawing/2014/main" id="{5BC9C38C-07EE-FFB2-6A7E-EFF2C55619CC}"/>
-              </a:ext>
-            </a:extLst>
-          </p:cNvPr>
-          <p:cNvSpPr txBox="1"/>
-          <p:nvPr/>
-        </p:nvSpPr>
-        <p:spPr>
-          <a:xfrm>
-            <a:off x="942387" y="2298020"/>
-            <a:ext cx="10237694" cy="369332"/>
-          </a:xfrm>
-          <a:prstGeom prst="rect">
-            <a:avLst/>
-          </a:prstGeom>
-          <a:noFill/>
-        </p:spPr>
-        <p:txBody>
-          <a:bodyPr wrap="square" rtlCol="0">
-            <a:spAutoFit/>
-          </a:bodyPr>
-          <a:lstStyle/>
-          <a:p>
-            <a:r>
-              <a:rPr lang="ko-KR" altLang="en-US" dirty="0">
-                <a:latin typeface="나눔스퀘어 Light" panose="020B0600000101010101" pitchFamily="50" charset="-127"/>
-                <a:ea typeface="나눔스퀘어 Light" panose="020B0600000101010101" pitchFamily="50" charset="-127"/>
-              </a:rPr>
-              <a:t>않는 문제도 있습니다</a:t>
-            </a:r>
-            <a:r>
-              <a:rPr lang="en-US" altLang="ko-KR" dirty="0">
-                <a:latin typeface="나눔스퀘어 Light" panose="020B0600000101010101" pitchFamily="50" charset="-127"/>
-                <a:ea typeface="나눔스퀘어 Light" panose="020B0600000101010101" pitchFamily="50" charset="-127"/>
-              </a:rPr>
-              <a:t>.</a:t>
-            </a:r>
-            <a:endParaRPr lang="ko-KR" altLang="en-US" dirty="0">
-              <a:latin typeface="나눔스퀘어 Light" panose="020B0600000101010101" pitchFamily="50" charset="-127"/>
-              <a:ea typeface="나눔스퀘어 Light" panose="020B0600000101010101" pitchFamily="50" charset="-127"/>
-            </a:endParaRPr>
-          </a:p>
-        </p:txBody>
-      </p:sp>
-      <p:sp>
-        <p:nvSpPr>
-          <p:cNvPr id="8" name="TextBox 7">
-            <a:extLst>
-              <a:ext uri="{FF2B5EF4-FFF2-40B4-BE49-F238E27FC236}">
-                <a16:creationId xmlns:a16="http://schemas.microsoft.com/office/drawing/2014/main" id="{713BEF85-9AAF-8D50-01E5-B4B6C1085AF2}"/>
-              </a:ext>
-            </a:extLst>
-          </p:cNvPr>
-          <p:cNvSpPr txBox="1"/>
-          <p:nvPr/>
-        </p:nvSpPr>
-        <p:spPr>
-          <a:xfrm>
-            <a:off x="942387" y="3036684"/>
-            <a:ext cx="10237694" cy="369332"/>
-          </a:xfrm>
-          <a:prstGeom prst="rect">
-            <a:avLst/>
-          </a:prstGeom>
-          <a:noFill/>
-        </p:spPr>
-        <p:txBody>
-          <a:bodyPr wrap="square" rtlCol="0">
-            <a:spAutoFit/>
-          </a:bodyPr>
-          <a:lstStyle/>
-          <a:p>
-            <a:r>
-              <a:rPr lang="ko-KR" altLang="en-US" dirty="0">
-                <a:latin typeface="나눔스퀘어 Light" panose="020B0600000101010101" pitchFamily="50" charset="-127"/>
-                <a:ea typeface="나눔스퀘어 Light" panose="020B0600000101010101" pitchFamily="50" charset="-127"/>
-              </a:rPr>
-              <a:t>입력의 수가 따로 주어지지 않으므로</a:t>
-            </a:r>
-            <a:r>
-              <a:rPr lang="en-US" altLang="ko-KR" dirty="0">
-                <a:latin typeface="나눔스퀘어 Light" panose="020B0600000101010101" pitchFamily="50" charset="-127"/>
-                <a:ea typeface="나눔스퀘어 Light" panose="020B0600000101010101" pitchFamily="50" charset="-127"/>
-              </a:rPr>
-              <a:t>, </a:t>
-            </a:r>
-            <a:r>
-              <a:rPr lang="ko-KR" altLang="en-US" dirty="0">
-                <a:latin typeface="나눔스퀘어 Light" panose="020B0600000101010101" pitchFamily="50" charset="-127"/>
-                <a:ea typeface="나눔스퀘어 Light" panose="020B0600000101010101" pitchFamily="50" charset="-127"/>
-              </a:rPr>
-              <a:t>직접 </a:t>
-            </a:r>
-            <a:r>
-              <a:rPr lang="en-US" altLang="ko-KR" dirty="0">
-                <a:latin typeface="나눔스퀘어 Light" panose="020B0600000101010101" pitchFamily="50" charset="-127"/>
-                <a:ea typeface="나눔스퀘어 Light" panose="020B0600000101010101" pitchFamily="50" charset="-127"/>
-              </a:rPr>
-              <a:t>EOF</a:t>
-            </a:r>
-            <a:r>
-              <a:rPr lang="ko-KR" altLang="en-US" dirty="0">
-                <a:latin typeface="나눔스퀘어 Light" panose="020B0600000101010101" pitchFamily="50" charset="-127"/>
-                <a:ea typeface="나눔스퀘어 Light" panose="020B0600000101010101" pitchFamily="50" charset="-127"/>
-              </a:rPr>
-              <a:t>를 입력 받아서 입력이 끝났음을 확인해야 합니다</a:t>
-            </a:r>
-            <a:r>
-              <a:rPr lang="en-US" altLang="ko-KR" dirty="0">
-                <a:latin typeface="나눔스퀘어 Light" panose="020B0600000101010101" pitchFamily="50" charset="-127"/>
-                <a:ea typeface="나눔스퀘어 Light" panose="020B0600000101010101" pitchFamily="50" charset="-127"/>
-              </a:rPr>
-              <a:t>.</a:t>
-            </a:r>
-            <a:endParaRPr lang="ko-KR" altLang="en-US" dirty="0">
-              <a:latin typeface="나눔스퀘어 Light" panose="020B0600000101010101" pitchFamily="50" charset="-127"/>
-              <a:ea typeface="나눔스퀘어 Light" panose="020B0600000101010101" pitchFamily="50" charset="-127"/>
-            </a:endParaRPr>
-          </a:p>
-        </p:txBody>
-      </p:sp>
-      <p:sp>
-        <p:nvSpPr>
-          <p:cNvPr id="9" name="TextBox 8">
-            <a:extLst>
-              <a:ext uri="{FF2B5EF4-FFF2-40B4-BE49-F238E27FC236}">
-                <a16:creationId xmlns:a16="http://schemas.microsoft.com/office/drawing/2014/main" id="{F85AB5CF-688A-2143-3A76-3A26FE3C7AC3}"/>
-              </a:ext>
-            </a:extLst>
-          </p:cNvPr>
-          <p:cNvSpPr txBox="1"/>
-          <p:nvPr/>
-        </p:nvSpPr>
-        <p:spPr>
-          <a:xfrm>
-            <a:off x="942387" y="3406016"/>
-            <a:ext cx="10237694" cy="369332"/>
-          </a:xfrm>
-          <a:prstGeom prst="rect">
-            <a:avLst/>
-          </a:prstGeom>
-          <a:noFill/>
-        </p:spPr>
-        <p:txBody>
-          <a:bodyPr wrap="square" rtlCol="0">
-            <a:spAutoFit/>
-          </a:bodyPr>
-          <a:lstStyle/>
-          <a:p>
-            <a:r>
-              <a:rPr lang="en-US" altLang="ko-KR" dirty="0">
-                <a:latin typeface="나눔스퀘어 Light" panose="020B0600000101010101" pitchFamily="50" charset="-127"/>
-                <a:ea typeface="나눔스퀘어 Light" panose="020B0600000101010101" pitchFamily="50" charset="-127"/>
-              </a:rPr>
-              <a:t>(</a:t>
-            </a:r>
-            <a:r>
-              <a:rPr lang="ko-KR" altLang="en-US" dirty="0">
-                <a:latin typeface="나눔스퀘어 Light" panose="020B0600000101010101" pitchFamily="50" charset="-127"/>
-                <a:ea typeface="나눔스퀘어 Light" panose="020B0600000101010101" pitchFamily="50" charset="-127"/>
-              </a:rPr>
-              <a:t>그렇지 않으면 입력이 끝났다고 판단을 못해</a:t>
-            </a:r>
-            <a:r>
-              <a:rPr lang="en-US" altLang="ko-KR" dirty="0">
-                <a:latin typeface="나눔스퀘어 Light" panose="020B0600000101010101" pitchFamily="50" charset="-127"/>
-                <a:ea typeface="나눔스퀘어 Light" panose="020B0600000101010101" pitchFamily="50" charset="-127"/>
-              </a:rPr>
-              <a:t>, </a:t>
-            </a:r>
-            <a:r>
-              <a:rPr lang="ko-KR" altLang="en-US" dirty="0">
-                <a:latin typeface="나눔스퀘어 Light" panose="020B0600000101010101" pitchFamily="50" charset="-127"/>
-                <a:ea typeface="나눔스퀘어 Light" panose="020B0600000101010101" pitchFamily="50" charset="-127"/>
-              </a:rPr>
-              <a:t>무한 루프를 돌게 되어 </a:t>
-            </a:r>
-            <a:r>
-              <a:rPr lang="en-US" altLang="ko-KR" dirty="0">
-                <a:latin typeface="나눔스퀘어 Light" panose="020B0600000101010101" pitchFamily="50" charset="-127"/>
-                <a:ea typeface="나눔스퀘어 Light" panose="020B0600000101010101" pitchFamily="50" charset="-127"/>
-              </a:rPr>
-              <a:t>TLE </a:t>
-            </a:r>
-            <a:r>
-              <a:rPr lang="ko-KR" altLang="en-US" dirty="0">
-                <a:latin typeface="나눔스퀘어 Light" panose="020B0600000101010101" pitchFamily="50" charset="-127"/>
-                <a:ea typeface="나눔스퀘어 Light" panose="020B0600000101010101" pitchFamily="50" charset="-127"/>
-              </a:rPr>
-              <a:t>처리를 받게 됩니다</a:t>
-            </a:r>
-            <a:r>
-              <a:rPr lang="en-US" altLang="ko-KR" dirty="0">
-                <a:latin typeface="나눔스퀘어 Light" panose="020B0600000101010101" pitchFamily="50" charset="-127"/>
-                <a:ea typeface="나눔스퀘어 Light" panose="020B0600000101010101" pitchFamily="50" charset="-127"/>
-              </a:rPr>
-              <a:t>.)</a:t>
-            </a:r>
-            <a:endParaRPr lang="ko-KR" altLang="en-US" dirty="0">
-              <a:latin typeface="나눔스퀘어 Light" panose="020B0600000101010101" pitchFamily="50" charset="-127"/>
-              <a:ea typeface="나눔스퀘어 Light" panose="020B0600000101010101" pitchFamily="50" charset="-127"/>
-            </a:endParaRPr>
           </a:p>
         </p:txBody>
       </p:sp>
       <p:pic>
         <p:nvPicPr>
-          <p:cNvPr id="11" name="그림 10">
-            <a:extLst>
-              <a:ext uri="{FF2B5EF4-FFF2-40B4-BE49-F238E27FC236}">
-                <a16:creationId xmlns:a16="http://schemas.microsoft.com/office/drawing/2014/main" id="{7DC00B1C-4C14-3EAC-9514-633C5803D56A}"/>
+          <p:cNvPr id="7" name="그림 6">
+            <a:extLst>
+              <a:ext uri="{FF2B5EF4-FFF2-40B4-BE49-F238E27FC236}">
+                <a16:creationId xmlns:a16="http://schemas.microsoft.com/office/drawing/2014/main" id="{4ADAA222-9A45-95DF-76C4-CFEB39AB7A12}"/>
               </a:ext>
             </a:extLst>
           </p:cNvPr>
@@ -14876,8 +15527,8 @@
         </p:blipFill>
         <p:spPr>
           <a:xfrm>
-            <a:off x="942387" y="4384634"/>
-            <a:ext cx="4789110" cy="1828020"/>
+            <a:off x="441458" y="973846"/>
+            <a:ext cx="9654650" cy="5884154"/>
           </a:xfrm>
           <a:prstGeom prst="rect">
             <a:avLst/>
@@ -14887,7 +15538,7 @@
     </p:spTree>
     <p:extLst>
       <p:ext uri="{BB962C8B-B14F-4D97-AF65-F5344CB8AC3E}">
-        <p14:creationId xmlns:p14="http://schemas.microsoft.com/office/powerpoint/2010/main" val="1782546042"/>
+        <p14:creationId xmlns:p14="http://schemas.microsoft.com/office/powerpoint/2010/main" val="4191193854"/>
       </p:ext>
     </p:extLst>
   </p:cSld>
@@ -17249,10 +17900,10 @@
       </p:grpSpPr>
       <p:cxnSp>
         <p:nvCxnSpPr>
-          <p:cNvPr id="26" name="직선 연결선 25">
-            <a:extLst>
-              <a:ext uri="{FF2B5EF4-FFF2-40B4-BE49-F238E27FC236}">
-                <a16:creationId xmlns:a16="http://schemas.microsoft.com/office/drawing/2014/main" id="{679B38A3-B196-3741-D6D3-0CA8FB95B91A}"/>
+          <p:cNvPr id="5" name="직선 연결선 4">
+            <a:extLst>
+              <a:ext uri="{FF2B5EF4-FFF2-40B4-BE49-F238E27FC236}">
+                <a16:creationId xmlns:a16="http://schemas.microsoft.com/office/drawing/2014/main" id="{164C2827-EFCE-69A4-D037-1A218415F568}"/>
               </a:ext>
             </a:extLst>
           </p:cNvPr>
@@ -17293,10 +17944,10 @@
       </p:cxnSp>
       <p:sp>
         <p:nvSpPr>
-          <p:cNvPr id="3" name="TextBox 2">
-            <a:extLst>
-              <a:ext uri="{FF2B5EF4-FFF2-40B4-BE49-F238E27FC236}">
-                <a16:creationId xmlns:a16="http://schemas.microsoft.com/office/drawing/2014/main" id="{B9DDF29F-4939-9859-67A7-972089459CC6}"/>
+          <p:cNvPr id="7" name="TextBox 6">
+            <a:extLst>
+              <a:ext uri="{FF2B5EF4-FFF2-40B4-BE49-F238E27FC236}">
+                <a16:creationId xmlns:a16="http://schemas.microsoft.com/office/drawing/2014/main" id="{CC86D852-FF78-F56B-3D83-6A37E0336D58}"/>
               </a:ext>
             </a:extLst>
           </p:cNvPr>
@@ -17305,8 +17956,60 @@
         </p:nvSpPr>
         <p:spPr>
           <a:xfrm>
+            <a:off x="942387" y="1190024"/>
+            <a:ext cx="10237694" cy="369332"/>
+          </a:xfrm>
+          <a:prstGeom prst="rect">
+            <a:avLst/>
+          </a:prstGeom>
+          <a:noFill/>
+        </p:spPr>
+        <p:txBody>
+          <a:bodyPr wrap="square" rtlCol="0">
+            <a:spAutoFit/>
+          </a:bodyPr>
+          <a:lstStyle/>
+          <a:p>
+            <a:r>
+              <a:rPr lang="ko-KR" altLang="en-US" dirty="0">
+                <a:latin typeface="나눔스퀘어 Light" panose="020B0600000101010101" pitchFamily="50" charset="-127"/>
+                <a:ea typeface="나눔스퀘어 Light" panose="020B0600000101010101" pitchFamily="50" charset="-127"/>
+              </a:rPr>
+              <a:t>반복되는 숫자가 있는지 없는지 확인하는 방법만 </a:t>
+            </a:r>
+            <a:r>
+              <a:rPr lang="ko-KR" altLang="en-US" dirty="0" err="1">
+                <a:latin typeface="나눔스퀘어 Light" panose="020B0600000101010101" pitchFamily="50" charset="-127"/>
+                <a:ea typeface="나눔스퀘어 Light" panose="020B0600000101010101" pitchFamily="50" charset="-127"/>
+              </a:rPr>
+              <a:t>신경쓰고</a:t>
+            </a:r>
+            <a:r>
+              <a:rPr lang="ko-KR" altLang="en-US" dirty="0">
+                <a:latin typeface="나눔스퀘어 Light" panose="020B0600000101010101" pitchFamily="50" charset="-127"/>
+                <a:ea typeface="나눔스퀘어 Light" panose="020B0600000101010101" pitchFamily="50" charset="-127"/>
+              </a:rPr>
+              <a:t> 구현하면 완전 탐색으로 풀 수 있음</a:t>
+            </a:r>
+          </a:p>
+        </p:txBody>
+      </p:sp>
+      <p:sp>
+        <p:nvSpPr>
+          <p:cNvPr id="3" name="TextBox 2">
+            <a:extLst>
+              <a:ext uri="{FF2B5EF4-FFF2-40B4-BE49-F238E27FC236}">
+                <a16:creationId xmlns:a16="http://schemas.microsoft.com/office/drawing/2014/main" id="{0AC6A0F0-2B9B-0B91-22CA-E658545A84C0}"/>
+              </a:ext>
+            </a:extLst>
+          </p:cNvPr>
+          <p:cNvSpPr txBox="1"/>
+          <p:nvPr/>
+        </p:nvSpPr>
+        <p:spPr>
+          <a:xfrm>
             <a:off x="331694" y="177505"/>
-            <a:ext cx="4214615" cy="523220"/>
+            <a:ext cx="5268302" cy="523220"/>
           </a:xfrm>
           <a:prstGeom prst="rect">
             <a:avLst/>
@@ -17320,11 +18023,11 @@
           <a:lstStyle/>
           <a:p>
             <a:r>
-              <a:rPr lang="ko-KR" altLang="en-US" sz="2800" dirty="0" err="1">
+              <a:rPr lang="en-US" altLang="ko-KR" sz="2800" dirty="0">
                 <a:latin typeface="나눔스퀘어 Bold" panose="020B0600000101010101" pitchFamily="50" charset="-127"/>
                 <a:ea typeface="나눔스퀘어 Bold" panose="020B0600000101010101" pitchFamily="50" charset="-127"/>
               </a:rPr>
-              <a:t>번외편</a:t>
+              <a:t>Brute</a:t>
             </a:r>
             <a:r>
               <a:rPr lang="ko-KR" altLang="en-US" sz="2800" dirty="0">
@@ -17338,12 +18041,15 @@
                 <a:latin typeface="나눔스퀘어 Bold" panose="020B0600000101010101" pitchFamily="50" charset="-127"/>
                 <a:ea typeface="나눔스퀘어 Bold" panose="020B0600000101010101" pitchFamily="50" charset="-127"/>
               </a:rPr>
-              <a:t>– EOF(End Of File)</a:t>
-            </a:r>
-            <a:endParaRPr lang="ko-KR" altLang="en-US" sz="2800" dirty="0">
-              <a:latin typeface="나눔스퀘어 Bold" panose="020B0600000101010101" pitchFamily="50" charset="-127"/>
-              <a:ea typeface="나눔스퀘어 Bold" panose="020B0600000101010101" pitchFamily="50" charset="-127"/>
-            </a:endParaRPr>
+              <a:t>Force – 5671 </a:t>
+            </a:r>
+            <a:r>
+              <a:rPr lang="ko-KR" altLang="en-US" sz="2800" dirty="0">
+                <a:latin typeface="나눔스퀘어 Bold" panose="020B0600000101010101" pitchFamily="50" charset="-127"/>
+                <a:ea typeface="나눔스퀘어 Bold" panose="020B0600000101010101" pitchFamily="50" charset="-127"/>
+              </a:rPr>
+              <a:t>호텔 방 번호</a:t>
+            </a:r>
           </a:p>
         </p:txBody>
       </p:sp>
@@ -17352,7 +18058,7 @@
           <p:cNvPr id="2" name="TextBox 1">
             <a:extLst>
               <a:ext uri="{FF2B5EF4-FFF2-40B4-BE49-F238E27FC236}">
-                <a16:creationId xmlns:a16="http://schemas.microsoft.com/office/drawing/2014/main" id="{A2CDF8CF-7668-2432-EE70-4E8E61871F69}"/>
+                <a16:creationId xmlns:a16="http://schemas.microsoft.com/office/drawing/2014/main" id="{78CE452A-466A-BA43-B668-EEC3E47DE8F5}"/>
               </a:ext>
             </a:extLst>
           </p:cNvPr>
@@ -17361,8 +18067,8 @@
         </p:nvSpPr>
         <p:spPr>
           <a:xfrm>
-            <a:off x="942387" y="1190024"/>
-            <a:ext cx="10237694" cy="369332"/>
+            <a:off x="942387" y="1861874"/>
+            <a:ext cx="8553305" cy="369332"/>
           </a:xfrm>
           <a:prstGeom prst="rect">
             <a:avLst/>
@@ -17380,33 +18086,36 @@
                 <a:latin typeface="나눔스퀘어 Light" panose="020B0600000101010101" pitchFamily="50" charset="-127"/>
                 <a:ea typeface="나눔스퀘어 Light" panose="020B0600000101010101" pitchFamily="50" charset="-127"/>
               </a:rPr>
-              <a:t>언어별로 </a:t>
-            </a:r>
-            <a:r>
-              <a:rPr lang="en-US" altLang="ko-KR" dirty="0">
-                <a:latin typeface="나눔스퀘어 Light" panose="020B0600000101010101" pitchFamily="50" charset="-127"/>
-                <a:ea typeface="나눔스퀘어 Light" panose="020B0600000101010101" pitchFamily="50" charset="-127"/>
-              </a:rPr>
-              <a:t>EOF</a:t>
+              <a:t>반복 </a:t>
+            </a:r>
+            <a:r>
+              <a:rPr lang="en-US" altLang="ko-KR" dirty="0">
+                <a:latin typeface="나눔스퀘어 Light" panose="020B0600000101010101" pitchFamily="50" charset="-127"/>
+                <a:ea typeface="나눔스퀘어 Light" panose="020B0600000101010101" pitchFamily="50" charset="-127"/>
+              </a:rPr>
+              <a:t>: </a:t>
             </a:r>
             <a:r>
               <a:rPr lang="ko-KR" altLang="en-US" dirty="0">
                 <a:latin typeface="나눔스퀘어 Light" panose="020B0600000101010101" pitchFamily="50" charset="-127"/>
                 <a:ea typeface="나눔스퀘어 Light" panose="020B0600000101010101" pitchFamily="50" charset="-127"/>
               </a:rPr>
-              <a:t>를 입력 받는 방법에 대해서 살펴봅니다</a:t>
-            </a:r>
-            <a:r>
-              <a:rPr lang="en-US" altLang="ko-KR" dirty="0">
-                <a:latin typeface="나눔스퀘어 Light" panose="020B0600000101010101" pitchFamily="50" charset="-127"/>
-                <a:ea typeface="나눔스퀘어 Light" panose="020B0600000101010101" pitchFamily="50" charset="-127"/>
-              </a:rPr>
-              <a:t>.</a:t>
-            </a:r>
-            <a:endParaRPr lang="ko-KR" altLang="en-US" dirty="0">
-              <a:latin typeface="나눔스퀘어 Light" panose="020B0600000101010101" pitchFamily="50" charset="-127"/>
-              <a:ea typeface="나눔스퀘어 Light" panose="020B0600000101010101" pitchFamily="50" charset="-127"/>
-            </a:endParaRPr>
+              <a:t>같은 숫자가 </a:t>
+            </a:r>
+            <a:r>
+              <a:rPr lang="en-US" altLang="ko-KR" dirty="0">
+                <a:latin typeface="나눔스퀘어 Light" panose="020B0600000101010101" pitchFamily="50" charset="-127"/>
+                <a:ea typeface="나눔스퀘어 Light" panose="020B0600000101010101" pitchFamily="50" charset="-127"/>
+              </a:rPr>
+              <a:t>2</a:t>
+            </a:r>
+            <a:r>
+              <a:rPr lang="ko-KR" altLang="en-US" dirty="0">
+                <a:latin typeface="나눔스퀘어 Light" panose="020B0600000101010101" pitchFamily="50" charset="-127"/>
+                <a:ea typeface="나눔스퀘어 Light" panose="020B0600000101010101" pitchFamily="50" charset="-127"/>
+              </a:rPr>
+              <a:t>번 이상 나옴</a:t>
+            </a:r>
           </a:p>
         </p:txBody>
       </p:sp>
@@ -17415,7 +18124,7 @@
           <p:cNvPr id="4" name="TextBox 3">
             <a:extLst>
               <a:ext uri="{FF2B5EF4-FFF2-40B4-BE49-F238E27FC236}">
-                <a16:creationId xmlns:a16="http://schemas.microsoft.com/office/drawing/2014/main" id="{772D4C43-3CFC-A02D-4942-D14A03372055}"/>
+                <a16:creationId xmlns:a16="http://schemas.microsoft.com/office/drawing/2014/main" id="{78D3FD99-B1F4-D8EF-9885-062B3CFC021B}"/>
               </a:ext>
             </a:extLst>
           </p:cNvPr>
@@ -17424,8 +18133,8 @@
         </p:nvSpPr>
         <p:spPr>
           <a:xfrm>
-            <a:off x="942387" y="1861874"/>
-            <a:ext cx="10237694" cy="369332"/>
+            <a:off x="942387" y="2231206"/>
+            <a:ext cx="8553305" cy="369332"/>
           </a:xfrm>
           <a:prstGeom prst="rect">
             <a:avLst/>
@@ -17439,123 +18148,63 @@
           <a:lstStyle/>
           <a:p>
             <a:r>
-              <a:rPr lang="en-US" altLang="ko-KR" dirty="0">
-                <a:latin typeface="나눔스퀘어 Bold" panose="020B0600000101010101" pitchFamily="50" charset="-127"/>
-                <a:ea typeface="나눔스퀘어 Bold" panose="020B0600000101010101" pitchFamily="50" charset="-127"/>
-              </a:rPr>
-              <a:t>C</a:t>
-            </a:r>
-            <a:endParaRPr lang="ko-KR" altLang="en-US" dirty="0">
-              <a:latin typeface="나눔스퀘어 Bold" panose="020B0600000101010101" pitchFamily="50" charset="-127"/>
-              <a:ea typeface="나눔스퀘어 Bold" panose="020B0600000101010101" pitchFamily="50" charset="-127"/>
-            </a:endParaRPr>
-          </a:p>
-        </p:txBody>
-      </p:sp>
-      <p:sp>
-        <p:nvSpPr>
-          <p:cNvPr id="7" name="TextBox 6">
-            <a:extLst>
-              <a:ext uri="{FF2B5EF4-FFF2-40B4-BE49-F238E27FC236}">
-                <a16:creationId xmlns:a16="http://schemas.microsoft.com/office/drawing/2014/main" id="{7D26A2AB-86D4-5575-EE1F-BE7B970B4BEA}"/>
-              </a:ext>
-            </a:extLst>
-          </p:cNvPr>
-          <p:cNvSpPr txBox="1"/>
-          <p:nvPr/>
-        </p:nvSpPr>
-        <p:spPr>
-          <a:xfrm>
-            <a:off x="942387" y="2231206"/>
-            <a:ext cx="10237694" cy="369332"/>
-          </a:xfrm>
-          <a:prstGeom prst="rect">
-            <a:avLst/>
-          </a:prstGeom>
-          <a:noFill/>
-        </p:spPr>
-        <p:txBody>
-          <a:bodyPr wrap="square" rtlCol="0">
-            <a:spAutoFit/>
-          </a:bodyPr>
-          <a:lstStyle/>
-          <a:p>
-            <a:r>
-              <a:rPr lang="en-US" altLang="ko-KR" dirty="0">
-                <a:latin typeface="나눔스퀘어 Light" panose="020B0600000101010101" pitchFamily="50" charset="-127"/>
-                <a:ea typeface="나눔스퀘어 Light" panose="020B0600000101010101" pitchFamily="50" charset="-127"/>
-              </a:rPr>
-              <a:t>C</a:t>
-            </a:r>
-            <a:r>
               <a:rPr lang="ko-KR" altLang="en-US" dirty="0">
                 <a:latin typeface="나눔스퀘어 Light" panose="020B0600000101010101" pitchFamily="50" charset="-127"/>
                 <a:ea typeface="나눔스퀘어 Light" panose="020B0600000101010101" pitchFamily="50" charset="-127"/>
               </a:rPr>
-              <a:t>언어의 경우</a:t>
-            </a:r>
-            <a:r>
-              <a:rPr lang="en-US" altLang="ko-KR" dirty="0">
-                <a:latin typeface="나눔스퀘어 Light" panose="020B0600000101010101" pitchFamily="50" charset="-127"/>
-                <a:ea typeface="나눔스퀘어 Light" panose="020B0600000101010101" pitchFamily="50" charset="-127"/>
-              </a:rPr>
-              <a:t>, &lt;</a:t>
-            </a:r>
-            <a:r>
-              <a:rPr lang="en-US" altLang="ko-KR" dirty="0" err="1">
-                <a:latin typeface="나눔스퀘어 Light" panose="020B0600000101010101" pitchFamily="50" charset="-127"/>
-                <a:ea typeface="나눔스퀘어 Light" panose="020B0600000101010101" pitchFamily="50" charset="-127"/>
-              </a:rPr>
-              <a:t>stdio.h</a:t>
-            </a:r>
-            <a:r>
-              <a:rPr lang="en-US" altLang="ko-KR" dirty="0">
-                <a:latin typeface="나눔스퀘어 Light" panose="020B0600000101010101" pitchFamily="50" charset="-127"/>
-                <a:ea typeface="나눔스퀘어 Light" panose="020B0600000101010101" pitchFamily="50" charset="-127"/>
-              </a:rPr>
-              <a:t>&gt;</a:t>
+              <a:t>숫자</a:t>
+            </a:r>
+            <a:r>
+              <a:rPr lang="en-US" altLang="ko-KR" dirty="0">
+                <a:latin typeface="나눔스퀘어 Light" panose="020B0600000101010101" pitchFamily="50" charset="-127"/>
+                <a:ea typeface="나눔스퀘어 Light" panose="020B0600000101010101" pitchFamily="50" charset="-127"/>
+              </a:rPr>
+              <a:t>(0~9)</a:t>
             </a:r>
             <a:r>
               <a:rPr lang="ko-KR" altLang="en-US" dirty="0">
                 <a:latin typeface="나눔스퀘어 Light" panose="020B0600000101010101" pitchFamily="50" charset="-127"/>
                 <a:ea typeface="나눔스퀘어 Light" panose="020B0600000101010101" pitchFamily="50" charset="-127"/>
               </a:rPr>
-              <a:t>에</a:t>
-            </a:r>
-            <a:r>
-              <a:rPr lang="en-US" altLang="ko-KR" dirty="0">
-                <a:latin typeface="나눔스퀘어 Light" panose="020B0600000101010101" pitchFamily="50" charset="-127"/>
-                <a:ea typeface="나눔스퀘어 Light" panose="020B0600000101010101" pitchFamily="50" charset="-127"/>
-              </a:rPr>
-              <a:t>	# define	EOF	-1	</a:t>
+              <a:t>가 나오는 횟수를 전부 세어</a:t>
+            </a:r>
+            <a:r>
+              <a:rPr lang="en-US" altLang="ko-KR" dirty="0">
+                <a:latin typeface="나눔스퀘어 Light" panose="020B0600000101010101" pitchFamily="50" charset="-127"/>
+                <a:ea typeface="나눔스퀘어 Light" panose="020B0600000101010101" pitchFamily="50" charset="-127"/>
+              </a:rPr>
+              <a:t>, </a:t>
             </a:r>
             <a:r>
               <a:rPr lang="ko-KR" altLang="en-US" dirty="0">
                 <a:latin typeface="나눔스퀘어 Light" panose="020B0600000101010101" pitchFamily="50" charset="-127"/>
                 <a:ea typeface="나눔스퀘어 Light" panose="020B0600000101010101" pitchFamily="50" charset="-127"/>
               </a:rPr>
-              <a:t>선언이 되어 있습니다</a:t>
-            </a:r>
-            <a:r>
-              <a:rPr lang="en-US" altLang="ko-KR" dirty="0">
-                <a:latin typeface="나눔스퀘어 Light" panose="020B0600000101010101" pitchFamily="50" charset="-127"/>
-                <a:ea typeface="나눔스퀘어 Light" panose="020B0600000101010101" pitchFamily="50" charset="-127"/>
-              </a:rPr>
-              <a:t>.</a:t>
-            </a:r>
-            <a:endParaRPr lang="ko-KR" altLang="en-US" dirty="0">
-              <a:latin typeface="나눔스퀘어 Light" panose="020B0600000101010101" pitchFamily="50" charset="-127"/>
-              <a:ea typeface="나눔스퀘어 Light" panose="020B0600000101010101" pitchFamily="50" charset="-127"/>
-            </a:endParaRPr>
+              <a:t>모든 숫자가 </a:t>
+            </a:r>
+            <a:r>
+              <a:rPr lang="en-US" altLang="ko-KR" dirty="0">
+                <a:latin typeface="나눔스퀘어 Light" panose="020B0600000101010101" pitchFamily="50" charset="-127"/>
+                <a:ea typeface="나눔스퀘어 Light" panose="020B0600000101010101" pitchFamily="50" charset="-127"/>
+              </a:rPr>
+              <a:t>1</a:t>
+            </a:r>
+            <a:r>
+              <a:rPr lang="ko-KR" altLang="en-US" dirty="0">
+                <a:latin typeface="나눔스퀘어 Light" panose="020B0600000101010101" pitchFamily="50" charset="-127"/>
+                <a:ea typeface="나눔스퀘어 Light" panose="020B0600000101010101" pitchFamily="50" charset="-127"/>
+              </a:rPr>
+              <a:t>번 이하 나오는지 확인</a:t>
+            </a:r>
           </a:p>
         </p:txBody>
       </p:sp>
       <p:pic>
         <p:nvPicPr>
-          <p:cNvPr id="12" name="그림 11">
-            <a:extLst>
-              <a:ext uri="{FF2B5EF4-FFF2-40B4-BE49-F238E27FC236}">
-                <a16:creationId xmlns:a16="http://schemas.microsoft.com/office/drawing/2014/main" id="{605AB4DE-CD1C-39BC-BA8C-AC2D14AA5B45}"/>
+          <p:cNvPr id="8" name="그림 7">
+            <a:extLst>
+              <a:ext uri="{FF2B5EF4-FFF2-40B4-BE49-F238E27FC236}">
+                <a16:creationId xmlns:a16="http://schemas.microsoft.com/office/drawing/2014/main" id="{22732A5A-6797-AA93-2DB0-B6C50EAD972A}"/>
               </a:ext>
             </a:extLst>
           </p:cNvPr>
@@ -17572,8 +18221,8 @@
         </p:blipFill>
         <p:spPr>
           <a:xfrm>
-            <a:off x="942387" y="2669790"/>
-            <a:ext cx="2867425" cy="600159"/>
+            <a:off x="942386" y="2688876"/>
+            <a:ext cx="4657609" cy="3648691"/>
           </a:xfrm>
           <a:prstGeom prst="rect">
             <a:avLst/>
@@ -17582,10 +18231,10 @@
       </p:pic>
       <p:sp>
         <p:nvSpPr>
-          <p:cNvPr id="13" name="TextBox 12">
-            <a:extLst>
-              <a:ext uri="{FF2B5EF4-FFF2-40B4-BE49-F238E27FC236}">
-                <a16:creationId xmlns:a16="http://schemas.microsoft.com/office/drawing/2014/main" id="{413FCEE2-8DF2-AA7B-36AD-6C1C53775219}"/>
+          <p:cNvPr id="9" name="TextBox 8">
+            <a:extLst>
+              <a:ext uri="{FF2B5EF4-FFF2-40B4-BE49-F238E27FC236}">
+                <a16:creationId xmlns:a16="http://schemas.microsoft.com/office/drawing/2014/main" id="{04A0AE1E-6146-2B31-1D7D-1C0E992760B7}"/>
               </a:ext>
             </a:extLst>
           </p:cNvPr>
@@ -17594,8 +18243,8 @@
         </p:nvSpPr>
         <p:spPr>
           <a:xfrm>
-            <a:off x="942387" y="3339201"/>
-            <a:ext cx="10237694" cy="369332"/>
+            <a:off x="6353373" y="3724006"/>
+            <a:ext cx="5543254" cy="646331"/>
           </a:xfrm>
           <a:prstGeom prst="rect">
             <a:avLst/>
@@ -17613,164 +18262,27 @@
                 <a:latin typeface="나눔스퀘어 Light" panose="020B0600000101010101" pitchFamily="50" charset="-127"/>
                 <a:ea typeface="나눔스퀘어 Light" panose="020B0600000101010101" pitchFamily="50" charset="-127"/>
               </a:rPr>
-              <a:t>C</a:t>
+              <a:t>(</a:t>
             </a:r>
             <a:r>
               <a:rPr lang="ko-KR" altLang="en-US" dirty="0">
                 <a:latin typeface="나눔스퀘어 Light" panose="020B0600000101010101" pitchFamily="50" charset="-127"/>
                 <a:ea typeface="나눔스퀘어 Light" panose="020B0600000101010101" pitchFamily="50" charset="-127"/>
               </a:rPr>
-              <a:t>언어의 입력 함수</a:t>
-            </a:r>
-            <a:r>
-              <a:rPr lang="en-US" altLang="ko-KR" dirty="0">
-                <a:latin typeface="나눔스퀘어 Light" panose="020B0600000101010101" pitchFamily="50" charset="-127"/>
-                <a:ea typeface="나눔스퀘어 Light" panose="020B0600000101010101" pitchFamily="50" charset="-127"/>
-              </a:rPr>
-              <a:t>(</a:t>
-            </a:r>
-            <a:r>
-              <a:rPr lang="en-US" altLang="ko-KR" dirty="0" err="1">
-                <a:latin typeface="나눔스퀘어 Light" panose="020B0600000101010101" pitchFamily="50" charset="-127"/>
-                <a:ea typeface="나눔스퀘어 Light" panose="020B0600000101010101" pitchFamily="50" charset="-127"/>
-              </a:rPr>
-              <a:t>scanf</a:t>
-            </a:r>
-            <a:r>
-              <a:rPr lang="en-US" altLang="ko-KR" dirty="0">
-                <a:latin typeface="나눔스퀘어 Light" panose="020B0600000101010101" pitchFamily="50" charset="-127"/>
-                <a:ea typeface="나눔스퀘어 Light" panose="020B0600000101010101" pitchFamily="50" charset="-127"/>
-              </a:rPr>
-              <a:t>)</a:t>
-            </a:r>
-            <a:r>
-              <a:rPr lang="ko-KR" altLang="en-US" dirty="0">
-                <a:latin typeface="나눔스퀘어 Light" panose="020B0600000101010101" pitchFamily="50" charset="-127"/>
-                <a:ea typeface="나눔스퀘어 Light" panose="020B0600000101010101" pitchFamily="50" charset="-127"/>
-              </a:rPr>
-              <a:t>는 입력을 받으면 입력 받은 인자의 개수를 반환하거나</a:t>
-            </a:r>
-            <a:r>
-              <a:rPr lang="en-US" altLang="ko-KR" dirty="0">
-                <a:latin typeface="나눔스퀘어 Light" panose="020B0600000101010101" pitchFamily="50" charset="-127"/>
-                <a:ea typeface="나눔스퀘어 Light" panose="020B0600000101010101" pitchFamily="50" charset="-127"/>
-              </a:rPr>
-              <a:t>, EOF</a:t>
-            </a:r>
-            <a:r>
-              <a:rPr lang="ko-KR" altLang="en-US" dirty="0">
-                <a:latin typeface="나눔스퀘어 Light" panose="020B0600000101010101" pitchFamily="50" charset="-127"/>
-                <a:ea typeface="나눔스퀘어 Light" panose="020B0600000101010101" pitchFamily="50" charset="-127"/>
-              </a:rPr>
-              <a:t>를 입력 받으면</a:t>
-            </a:r>
-          </a:p>
-        </p:txBody>
-      </p:sp>
-      <p:sp>
-        <p:nvSpPr>
-          <p:cNvPr id="14" name="TextBox 13">
-            <a:extLst>
-              <a:ext uri="{FF2B5EF4-FFF2-40B4-BE49-F238E27FC236}">
-                <a16:creationId xmlns:a16="http://schemas.microsoft.com/office/drawing/2014/main" id="{9D5914A1-4F62-E67F-4AD7-D7067F1970CB}"/>
-              </a:ext>
-            </a:extLst>
-          </p:cNvPr>
-          <p:cNvSpPr txBox="1"/>
-          <p:nvPr/>
-        </p:nvSpPr>
-        <p:spPr>
-          <a:xfrm>
-            <a:off x="942387" y="3708533"/>
-            <a:ext cx="10237694" cy="369332"/>
-          </a:xfrm>
-          <a:prstGeom prst="rect">
-            <a:avLst/>
-          </a:prstGeom>
-          <a:noFill/>
-        </p:spPr>
-        <p:txBody>
-          <a:bodyPr wrap="square" rtlCol="0">
-            <a:spAutoFit/>
-          </a:bodyPr>
-          <a:lstStyle/>
-          <a:p>
-            <a:r>
-              <a:rPr lang="en-US" altLang="ko-KR" dirty="0">
-                <a:latin typeface="나눔스퀘어 Light" panose="020B0600000101010101" pitchFamily="50" charset="-127"/>
-                <a:ea typeface="나눔스퀘어 Light" panose="020B0600000101010101" pitchFamily="50" charset="-127"/>
-              </a:rPr>
-              <a:t>EOF</a:t>
-            </a:r>
-            <a:r>
-              <a:rPr lang="ko-KR" altLang="en-US" dirty="0">
-                <a:latin typeface="나눔스퀘어 Light" panose="020B0600000101010101" pitchFamily="50" charset="-127"/>
-                <a:ea typeface="나눔스퀘어 Light" panose="020B0600000101010101" pitchFamily="50" charset="-127"/>
-              </a:rPr>
-              <a:t>를 </a:t>
-            </a:r>
-            <a:r>
-              <a:rPr lang="en-US" altLang="ko-KR" dirty="0">
-                <a:latin typeface="나눔스퀘어 Light" panose="020B0600000101010101" pitchFamily="50" charset="-127"/>
-                <a:ea typeface="나눔스퀘어 Light" panose="020B0600000101010101" pitchFamily="50" charset="-127"/>
-              </a:rPr>
-              <a:t>return</a:t>
-            </a:r>
-            <a:r>
-              <a:rPr lang="ko-KR" altLang="en-US" dirty="0">
-                <a:latin typeface="나눔스퀘어 Light" panose="020B0600000101010101" pitchFamily="50" charset="-127"/>
-                <a:ea typeface="나눔스퀘어 Light" panose="020B0600000101010101" pitchFamily="50" charset="-127"/>
-              </a:rPr>
-              <a:t>합니다</a:t>
-            </a:r>
-            <a:r>
-              <a:rPr lang="en-US" altLang="ko-KR" dirty="0">
-                <a:latin typeface="나눔스퀘어 Light" panose="020B0600000101010101" pitchFamily="50" charset="-127"/>
-                <a:ea typeface="나눔스퀘어 Light" panose="020B0600000101010101" pitchFamily="50" charset="-127"/>
-              </a:rPr>
-              <a:t>.</a:t>
-            </a:r>
-            <a:endParaRPr lang="ko-KR" altLang="en-US" dirty="0">
+              <a:t>여기서도 역시 각 자리수의 숫자를 확인하는 방법으로</a:t>
+            </a:r>
+            <a:endParaRPr lang="en-US" altLang="ko-KR" dirty="0">
               <a:latin typeface="나눔스퀘어 Light" panose="020B0600000101010101" pitchFamily="50" charset="-127"/>
               <a:ea typeface="나눔스퀘어 Light" panose="020B0600000101010101" pitchFamily="50" charset="-127"/>
             </a:endParaRPr>
           </a:p>
-        </p:txBody>
-      </p:sp>
-      <p:sp>
-        <p:nvSpPr>
-          <p:cNvPr id="15" name="TextBox 14">
-            <a:extLst>
-              <a:ext uri="{FF2B5EF4-FFF2-40B4-BE49-F238E27FC236}">
-                <a16:creationId xmlns:a16="http://schemas.microsoft.com/office/drawing/2014/main" id="{3C1541CF-32AE-5AD4-7D7F-08F9BD5EE9AA}"/>
-              </a:ext>
-            </a:extLst>
-          </p:cNvPr>
-          <p:cNvSpPr txBox="1"/>
-          <p:nvPr/>
-        </p:nvSpPr>
-        <p:spPr>
-          <a:xfrm>
-            <a:off x="942387" y="4447196"/>
-            <a:ext cx="10237694" cy="369332"/>
-          </a:xfrm>
-          <a:prstGeom prst="rect">
-            <a:avLst/>
-          </a:prstGeom>
-          <a:noFill/>
-        </p:spPr>
-        <p:txBody>
-          <a:bodyPr wrap="square" rtlCol="0">
-            <a:spAutoFit/>
-          </a:bodyPr>
-          <a:lstStyle/>
           <a:p>
             <a:r>
               <a:rPr lang="ko-KR" altLang="en-US" dirty="0">
                 <a:latin typeface="나눔스퀘어 Light" panose="020B0600000101010101" pitchFamily="50" charset="-127"/>
                 <a:ea typeface="나눔스퀘어 Light" panose="020B0600000101010101" pitchFamily="50" charset="-127"/>
               </a:rPr>
-              <a:t>즉</a:t>
+              <a:t>문자열 변환을 사용했지만</a:t>
             </a:r>
             <a:r>
               <a:rPr lang="en-US" altLang="ko-KR" dirty="0">
@@ -17784,135 +18296,7 @@
                 <a:latin typeface="나눔스퀘어 Light" panose="020B0600000101010101" pitchFamily="50" charset="-127"/>
                 <a:ea typeface="나눔스퀘어 Light" panose="020B0600000101010101" pitchFamily="50" charset="-127"/>
               </a:rPr>
-              <a:t>입력 함수의 </a:t>
-            </a:r>
-            <a:r>
-              <a:rPr lang="en-US" altLang="ko-KR" dirty="0">
-                <a:latin typeface="나눔스퀘어 Light" panose="020B0600000101010101" pitchFamily="50" charset="-127"/>
-                <a:ea typeface="나눔스퀘어 Light" panose="020B0600000101010101" pitchFamily="50" charset="-127"/>
-              </a:rPr>
-              <a:t>return </a:t>
-            </a:r>
-            <a:r>
-              <a:rPr lang="ko-KR" altLang="en-US" dirty="0">
-                <a:latin typeface="나눔스퀘어 Light" panose="020B0600000101010101" pitchFamily="50" charset="-127"/>
-                <a:ea typeface="나눔스퀘어 Light" panose="020B0600000101010101" pitchFamily="50" charset="-127"/>
-              </a:rPr>
-              <a:t>값이 </a:t>
-            </a:r>
-            <a:r>
-              <a:rPr lang="en-US" altLang="ko-KR" dirty="0">
-                <a:latin typeface="나눔스퀘어 Light" panose="020B0600000101010101" pitchFamily="50" charset="-127"/>
-                <a:ea typeface="나눔스퀘어 Light" panose="020B0600000101010101" pitchFamily="50" charset="-127"/>
-              </a:rPr>
-              <a:t>EOF(-1) </a:t>
-            </a:r>
-            <a:r>
-              <a:rPr lang="ko-KR" altLang="en-US" dirty="0">
-                <a:latin typeface="나눔스퀘어 Light" panose="020B0600000101010101" pitchFamily="50" charset="-127"/>
-                <a:ea typeface="나눔스퀘어 Light" panose="020B0600000101010101" pitchFamily="50" charset="-127"/>
-              </a:rPr>
-              <a:t>인지 확인하면 입력의 끝인지를 알 수 있습니다</a:t>
-            </a:r>
-            <a:r>
-              <a:rPr lang="en-US" altLang="ko-KR" dirty="0">
-                <a:latin typeface="나눔스퀘어 Light" panose="020B0600000101010101" pitchFamily="50" charset="-127"/>
-                <a:ea typeface="나눔스퀘어 Light" panose="020B0600000101010101" pitchFamily="50" charset="-127"/>
-              </a:rPr>
-              <a:t>.</a:t>
-            </a:r>
-            <a:endParaRPr lang="ko-KR" altLang="en-US" dirty="0">
-              <a:latin typeface="나눔스퀘어 Light" panose="020B0600000101010101" pitchFamily="50" charset="-127"/>
-              <a:ea typeface="나눔스퀘어 Light" panose="020B0600000101010101" pitchFamily="50" charset="-127"/>
-            </a:endParaRPr>
-          </a:p>
-        </p:txBody>
-      </p:sp>
-      <p:pic>
-        <p:nvPicPr>
-          <p:cNvPr id="17" name="그림 16">
-            <a:extLst>
-              <a:ext uri="{FF2B5EF4-FFF2-40B4-BE49-F238E27FC236}">
-                <a16:creationId xmlns:a16="http://schemas.microsoft.com/office/drawing/2014/main" id="{C29BF2A0-83BB-832F-B4CB-A34CC0290F5E}"/>
-              </a:ext>
-            </a:extLst>
-          </p:cNvPr>
-          <p:cNvPicPr>
-            <a:picLocks noChangeAspect="1"/>
-          </p:cNvPicPr>
-          <p:nvPr/>
-        </p:nvPicPr>
-        <p:blipFill>
-          <a:blip r:embed="rId3"/>
-          <a:stretch>
-            <a:fillRect/>
-          </a:stretch>
-        </p:blipFill>
-        <p:spPr>
-          <a:xfrm>
-            <a:off x="942386" y="4997956"/>
-            <a:ext cx="4691587" cy="1346282"/>
-          </a:xfrm>
-          <a:prstGeom prst="rect">
-            <a:avLst/>
-          </a:prstGeom>
-        </p:spPr>
-      </p:pic>
-      <p:sp>
-        <p:nvSpPr>
-          <p:cNvPr id="18" name="TextBox 17">
-            <a:extLst>
-              <a:ext uri="{FF2B5EF4-FFF2-40B4-BE49-F238E27FC236}">
-                <a16:creationId xmlns:a16="http://schemas.microsoft.com/office/drawing/2014/main" id="{F28B7E05-85DF-847B-849B-54B4E765E269}"/>
-              </a:ext>
-            </a:extLst>
-          </p:cNvPr>
-          <p:cNvSpPr txBox="1"/>
-          <p:nvPr/>
-        </p:nvSpPr>
-        <p:spPr>
-          <a:xfrm>
-            <a:off x="6306238" y="5298644"/>
-            <a:ext cx="3796387" cy="369332"/>
-          </a:xfrm>
-          <a:prstGeom prst="rect">
-            <a:avLst/>
-          </a:prstGeom>
-          <a:noFill/>
-        </p:spPr>
-        <p:txBody>
-          <a:bodyPr wrap="square" rtlCol="0">
-            <a:spAutoFit/>
-          </a:bodyPr>
-          <a:lstStyle/>
-          <a:p>
-            <a:r>
-              <a:rPr lang="en-US" altLang="ko-KR" dirty="0">
-                <a:latin typeface="나눔스퀘어 Light" panose="020B0600000101010101" pitchFamily="50" charset="-127"/>
-                <a:ea typeface="나눔스퀘어 Light" panose="020B0600000101010101" pitchFamily="50" charset="-127"/>
-              </a:rPr>
-              <a:t>(~ </a:t>
-            </a:r>
-            <a:r>
-              <a:rPr lang="ko-KR" altLang="en-US" dirty="0">
-                <a:latin typeface="나눔스퀘어 Light" panose="020B0600000101010101" pitchFamily="50" charset="-127"/>
-                <a:ea typeface="나눔스퀘어 Light" panose="020B0600000101010101" pitchFamily="50" charset="-127"/>
-              </a:rPr>
-              <a:t>연산자는 비트 </a:t>
-            </a:r>
-            <a:r>
-              <a:rPr lang="en-US" altLang="ko-KR" dirty="0">
-                <a:latin typeface="나눔스퀘어 Light" panose="020B0600000101010101" pitchFamily="50" charset="-127"/>
-                <a:ea typeface="나눔스퀘어 Light" panose="020B0600000101010101" pitchFamily="50" charset="-127"/>
-              </a:rPr>
-              <a:t>NOT </a:t>
-            </a:r>
-            <a:r>
-              <a:rPr lang="ko-KR" altLang="en-US" dirty="0">
-                <a:latin typeface="나눔스퀘어 Light" panose="020B0600000101010101" pitchFamily="50" charset="-127"/>
-                <a:ea typeface="나눔스퀘어 Light" panose="020B0600000101010101" pitchFamily="50" charset="-127"/>
-              </a:rPr>
-              <a:t>연산자입니다</a:t>
+              <a:t>나눗셈을 사용할 수 있습니다</a:t>
             </a:r>
             <a:r>
               <a:rPr lang="en-US" altLang="ko-KR" dirty="0">
@@ -17931,7 +18315,7 @@
     </p:spTree>
     <p:extLst>
       <p:ext uri="{BB962C8B-B14F-4D97-AF65-F5344CB8AC3E}">
-        <p14:creationId xmlns:p14="http://schemas.microsoft.com/office/powerpoint/2010/main" val="384292512"/>
+        <p14:creationId xmlns:p14="http://schemas.microsoft.com/office/powerpoint/2010/main" val="3688170221"/>
       </p:ext>
     </p:extLst>
   </p:cSld>
@@ -17960,10 +18344,10 @@
       </p:grpSpPr>
       <p:cxnSp>
         <p:nvCxnSpPr>
-          <p:cNvPr id="26" name="직선 연결선 25">
-            <a:extLst>
-              <a:ext uri="{FF2B5EF4-FFF2-40B4-BE49-F238E27FC236}">
-                <a16:creationId xmlns:a16="http://schemas.microsoft.com/office/drawing/2014/main" id="{679B38A3-B196-3741-D6D3-0CA8FB95B91A}"/>
+          <p:cNvPr id="5" name="직선 연결선 4">
+            <a:extLst>
+              <a:ext uri="{FF2B5EF4-FFF2-40B4-BE49-F238E27FC236}">
+                <a16:creationId xmlns:a16="http://schemas.microsoft.com/office/drawing/2014/main" id="{164C2827-EFCE-69A4-D037-1A218415F568}"/>
               </a:ext>
             </a:extLst>
           </p:cNvPr>
@@ -18004,10 +18388,10 @@
       </p:cxnSp>
       <p:sp>
         <p:nvSpPr>
-          <p:cNvPr id="3" name="TextBox 2">
-            <a:extLst>
-              <a:ext uri="{FF2B5EF4-FFF2-40B4-BE49-F238E27FC236}">
-                <a16:creationId xmlns:a16="http://schemas.microsoft.com/office/drawing/2014/main" id="{B9DDF29F-4939-9859-67A7-972089459CC6}"/>
+          <p:cNvPr id="7" name="TextBox 6">
+            <a:extLst>
+              <a:ext uri="{FF2B5EF4-FFF2-40B4-BE49-F238E27FC236}">
+                <a16:creationId xmlns:a16="http://schemas.microsoft.com/office/drawing/2014/main" id="{CC86D852-FF78-F56B-3D83-6A37E0336D58}"/>
               </a:ext>
             </a:extLst>
           </p:cNvPr>
@@ -18016,8 +18400,57 @@
         </p:nvSpPr>
         <p:spPr>
           <a:xfrm>
+            <a:off x="942387" y="1190024"/>
+            <a:ext cx="10237694" cy="369332"/>
+          </a:xfrm>
+          <a:prstGeom prst="rect">
+            <a:avLst/>
+          </a:prstGeom>
+          <a:noFill/>
+        </p:spPr>
+        <p:txBody>
+          <a:bodyPr wrap="square" rtlCol="0">
+            <a:spAutoFit/>
+          </a:bodyPr>
+          <a:lstStyle/>
+          <a:p>
+            <a:r>
+              <a:rPr lang="ko-KR" altLang="en-US" dirty="0">
+                <a:latin typeface="나눔스퀘어 Light" panose="020B0600000101010101" pitchFamily="50" charset="-127"/>
+                <a:ea typeface="나눔스퀘어 Light" panose="020B0600000101010101" pitchFamily="50" charset="-127"/>
+              </a:rPr>
+              <a:t>불가능한 호텔 방 번호인지 확인하는 함수를 만들었으니</a:t>
+            </a:r>
+            <a:r>
+              <a:rPr lang="en-US" altLang="ko-KR" dirty="0">
+                <a:latin typeface="나눔스퀘어 Light" panose="020B0600000101010101" pitchFamily="50" charset="-127"/>
+                <a:ea typeface="나눔스퀘어 Light" panose="020B0600000101010101" pitchFamily="50" charset="-127"/>
+              </a:rPr>
+              <a:t>,</a:t>
+            </a:r>
+            <a:endParaRPr lang="ko-KR" altLang="en-US" dirty="0">
+              <a:latin typeface="나눔스퀘어 Light" panose="020B0600000101010101" pitchFamily="50" charset="-127"/>
+              <a:ea typeface="나눔스퀘어 Light" panose="020B0600000101010101" pitchFamily="50" charset="-127"/>
+            </a:endParaRPr>
+          </a:p>
+        </p:txBody>
+      </p:sp>
+      <p:sp>
+        <p:nvSpPr>
+          <p:cNvPr id="3" name="TextBox 2">
+            <a:extLst>
+              <a:ext uri="{FF2B5EF4-FFF2-40B4-BE49-F238E27FC236}">
+                <a16:creationId xmlns:a16="http://schemas.microsoft.com/office/drawing/2014/main" id="{0AC6A0F0-2B9B-0B91-22CA-E658545A84C0}"/>
+              </a:ext>
+            </a:extLst>
+          </p:cNvPr>
+          <p:cNvSpPr txBox="1"/>
+          <p:nvPr/>
+        </p:nvSpPr>
+        <p:spPr>
+          <a:xfrm>
             <a:off x="331694" y="177505"/>
-            <a:ext cx="4214615" cy="523220"/>
+            <a:ext cx="5268302" cy="523220"/>
           </a:xfrm>
           <a:prstGeom prst="rect">
             <a:avLst/>
@@ -18031,11 +18464,11 @@
           <a:lstStyle/>
           <a:p>
             <a:r>
-              <a:rPr lang="ko-KR" altLang="en-US" sz="2800" dirty="0" err="1">
+              <a:rPr lang="en-US" altLang="ko-KR" sz="2800" dirty="0">
                 <a:latin typeface="나눔스퀘어 Bold" panose="020B0600000101010101" pitchFamily="50" charset="-127"/>
                 <a:ea typeface="나눔스퀘어 Bold" panose="020B0600000101010101" pitchFamily="50" charset="-127"/>
               </a:rPr>
-              <a:t>번외편</a:t>
+              <a:t>Brute</a:t>
             </a:r>
             <a:r>
               <a:rPr lang="ko-KR" altLang="en-US" sz="2800" dirty="0">
@@ -18049,21 +18482,24 @@
                 <a:latin typeface="나눔스퀘어 Bold" panose="020B0600000101010101" pitchFamily="50" charset="-127"/>
                 <a:ea typeface="나눔스퀘어 Bold" panose="020B0600000101010101" pitchFamily="50" charset="-127"/>
               </a:rPr>
-              <a:t>– EOF(End Of File)</a:t>
-            </a:r>
-            <a:endParaRPr lang="ko-KR" altLang="en-US" sz="2800" dirty="0">
-              <a:latin typeface="나눔스퀘어 Bold" panose="020B0600000101010101" pitchFamily="50" charset="-127"/>
-              <a:ea typeface="나눔스퀘어 Bold" panose="020B0600000101010101" pitchFamily="50" charset="-127"/>
-            </a:endParaRPr>
+              <a:t>Force – 5671 </a:t>
+            </a:r>
+            <a:r>
+              <a:rPr lang="ko-KR" altLang="en-US" sz="2800" dirty="0">
+                <a:latin typeface="나눔스퀘어 Bold" panose="020B0600000101010101" pitchFamily="50" charset="-127"/>
+                <a:ea typeface="나눔스퀘어 Bold" panose="020B0600000101010101" pitchFamily="50" charset="-127"/>
+              </a:rPr>
+              <a:t>호텔 방 번호</a:t>
+            </a:r>
           </a:p>
         </p:txBody>
       </p:sp>
       <p:sp>
         <p:nvSpPr>
-          <p:cNvPr id="4" name="TextBox 3">
-            <a:extLst>
-              <a:ext uri="{FF2B5EF4-FFF2-40B4-BE49-F238E27FC236}">
-                <a16:creationId xmlns:a16="http://schemas.microsoft.com/office/drawing/2014/main" id="{772D4C43-3CFC-A02D-4942-D14A03372055}"/>
+          <p:cNvPr id="6" name="TextBox 5">
+            <a:extLst>
+              <a:ext uri="{FF2B5EF4-FFF2-40B4-BE49-F238E27FC236}">
+                <a16:creationId xmlns:a16="http://schemas.microsoft.com/office/drawing/2014/main" id="{D45AB92C-DAFD-3F93-9296-FA05BDF67030}"/>
               </a:ext>
             </a:extLst>
           </p:cNvPr>
@@ -18072,7 +18508,7 @@
         </p:nvSpPr>
         <p:spPr>
           <a:xfrm>
-            <a:off x="942386" y="1184956"/>
+            <a:off x="942387" y="1559356"/>
             <a:ext cx="10237694" cy="369332"/>
           </a:xfrm>
           <a:prstGeom prst="rect">
@@ -18087,184 +18523,40 @@
           <a:lstStyle/>
           <a:p>
             <a:r>
-              <a:rPr lang="en-US" altLang="ko-KR" dirty="0">
-                <a:latin typeface="나눔스퀘어 Bold" panose="020B0600000101010101" pitchFamily="50" charset="-127"/>
-                <a:ea typeface="나눔스퀘어 Bold" panose="020B0600000101010101" pitchFamily="50" charset="-127"/>
-              </a:rPr>
-              <a:t>Java</a:t>
-            </a:r>
-            <a:endParaRPr lang="ko-KR" altLang="en-US" dirty="0">
-              <a:latin typeface="나눔스퀘어 Bold" panose="020B0600000101010101" pitchFamily="50" charset="-127"/>
-              <a:ea typeface="나눔스퀘어 Bold" panose="020B0600000101010101" pitchFamily="50" charset="-127"/>
-            </a:endParaRPr>
-          </a:p>
-        </p:txBody>
-      </p:sp>
-      <p:sp>
-        <p:nvSpPr>
-          <p:cNvPr id="7" name="TextBox 6">
-            <a:extLst>
-              <a:ext uri="{FF2B5EF4-FFF2-40B4-BE49-F238E27FC236}">
-                <a16:creationId xmlns:a16="http://schemas.microsoft.com/office/drawing/2014/main" id="{7D26A2AB-86D4-5575-EE1F-BE7B970B4BEA}"/>
-              </a:ext>
-            </a:extLst>
-          </p:cNvPr>
-          <p:cNvSpPr txBox="1"/>
-          <p:nvPr/>
-        </p:nvSpPr>
-        <p:spPr>
-          <a:xfrm>
-            <a:off x="942387" y="1744021"/>
-            <a:ext cx="10237694" cy="369332"/>
-          </a:xfrm>
-          <a:prstGeom prst="rect">
-            <a:avLst/>
-          </a:prstGeom>
-          <a:noFill/>
-        </p:spPr>
-        <p:txBody>
-          <a:bodyPr wrap="square" rtlCol="0">
-            <a:spAutoFit/>
-          </a:bodyPr>
-          <a:lstStyle/>
-          <a:p>
-            <a:r>
-              <a:rPr lang="en-US" altLang="ko-KR" dirty="0">
-                <a:latin typeface="나눔스퀘어 Light" panose="020B0600000101010101" pitchFamily="50" charset="-127"/>
-                <a:ea typeface="나눔스퀘어 Light" panose="020B0600000101010101" pitchFamily="50" charset="-127"/>
-              </a:rPr>
-              <a:t>Java</a:t>
-            </a:r>
-            <a:r>
               <a:rPr lang="ko-KR" altLang="en-US" dirty="0">
                 <a:latin typeface="나눔스퀘어 Light" panose="020B0600000101010101" pitchFamily="50" charset="-127"/>
                 <a:ea typeface="나눔스퀘어 Light" panose="020B0600000101010101" pitchFamily="50" charset="-127"/>
               </a:rPr>
-              <a:t>의 경우에는 단순합니다</a:t>
-            </a:r>
-            <a:r>
-              <a:rPr lang="en-US" altLang="ko-KR" dirty="0">
-                <a:latin typeface="나눔스퀘어 Light" panose="020B0600000101010101" pitchFamily="50" charset="-127"/>
-                <a:ea typeface="나눔스퀘어 Light" panose="020B0600000101010101" pitchFamily="50" charset="-127"/>
-              </a:rPr>
-              <a:t>. </a:t>
+              <a:t>이제 완전탐색</a:t>
+            </a:r>
+            <a:r>
+              <a:rPr lang="en-US" altLang="ko-KR" dirty="0">
+                <a:latin typeface="나눔스퀘어 Light" panose="020B0600000101010101" pitchFamily="50" charset="-127"/>
+                <a:ea typeface="나눔스퀘어 Light" panose="020B0600000101010101" pitchFamily="50" charset="-127"/>
+              </a:rPr>
+              <a:t>(</a:t>
             </a:r>
             <a:r>
               <a:rPr lang="ko-KR" altLang="en-US" dirty="0">
                 <a:latin typeface="나눔스퀘어 Light" panose="020B0600000101010101" pitchFamily="50" charset="-127"/>
                 <a:ea typeface="나눔스퀘어 Light" panose="020B0600000101010101" pitchFamily="50" charset="-127"/>
               </a:rPr>
-              <a:t>그냥 다음 입력이 있는지 없는지</a:t>
-            </a:r>
-            <a:r>
-              <a:rPr lang="en-US" altLang="ko-KR" dirty="0">
-                <a:latin typeface="나눔스퀘어 Light" panose="020B0600000101010101" pitchFamily="50" charset="-127"/>
-                <a:ea typeface="나눔스퀘어 Light" panose="020B0600000101010101" pitchFamily="50" charset="-127"/>
-              </a:rPr>
-              <a:t>(</a:t>
-            </a:r>
-            <a:r>
-              <a:rPr lang="en-US" altLang="ko-KR" dirty="0" err="1">
-                <a:latin typeface="나눔스퀘어 Light" panose="020B0600000101010101" pitchFamily="50" charset="-127"/>
-                <a:ea typeface="나눔스퀘어 Light" panose="020B0600000101010101" pitchFamily="50" charset="-127"/>
-              </a:rPr>
-              <a:t>Scanner.hasNext</a:t>
-            </a:r>
-            <a:r>
-              <a:rPr lang="en-US" altLang="ko-KR" dirty="0">
-                <a:latin typeface="나눔스퀘어 Light" panose="020B0600000101010101" pitchFamily="50" charset="-127"/>
-                <a:ea typeface="나눔스퀘어 Light" panose="020B0600000101010101" pitchFamily="50" charset="-127"/>
-              </a:rPr>
-              <a:t>())</a:t>
+              <a:t>범위의 수들 전부를 확인</a:t>
+            </a:r>
+            <a:r>
+              <a:rPr lang="en-US" altLang="ko-KR" dirty="0">
+                <a:latin typeface="나눔스퀘어 Light" panose="020B0600000101010101" pitchFamily="50" charset="-127"/>
+                <a:ea typeface="나눔스퀘어 Light" panose="020B0600000101010101" pitchFamily="50" charset="-127"/>
+              </a:rPr>
+              <a:t>)</a:t>
             </a:r>
             <a:r>
               <a:rPr lang="ko-KR" altLang="en-US" dirty="0">
                 <a:latin typeface="나눔스퀘어 Light" panose="020B0600000101010101" pitchFamily="50" charset="-127"/>
                 <a:ea typeface="나눔스퀘어 Light" panose="020B0600000101010101" pitchFamily="50" charset="-127"/>
               </a:rPr>
-              <a:t>만 확인하면 됩니다</a:t>
-            </a:r>
-            <a:r>
-              <a:rPr lang="en-US" altLang="ko-KR" dirty="0">
-                <a:latin typeface="나눔스퀘어 Light" panose="020B0600000101010101" pitchFamily="50" charset="-127"/>
-                <a:ea typeface="나눔스퀘어 Light" panose="020B0600000101010101" pitchFamily="50" charset="-127"/>
-              </a:rPr>
-              <a:t>.</a:t>
-            </a:r>
-            <a:endParaRPr lang="ko-KR" altLang="en-US" dirty="0">
-              <a:latin typeface="나눔스퀘어 Light" panose="020B0600000101010101" pitchFamily="50" charset="-127"/>
-              <a:ea typeface="나눔스퀘어 Light" panose="020B0600000101010101" pitchFamily="50" charset="-127"/>
-            </a:endParaRPr>
-          </a:p>
-        </p:txBody>
-      </p:sp>
-      <p:sp>
-        <p:nvSpPr>
-          <p:cNvPr id="5" name="TextBox 4">
-            <a:extLst>
-              <a:ext uri="{FF2B5EF4-FFF2-40B4-BE49-F238E27FC236}">
-                <a16:creationId xmlns:a16="http://schemas.microsoft.com/office/drawing/2014/main" id="{00A70271-39C6-B622-C1DA-03E25486769E}"/>
-              </a:ext>
-            </a:extLst>
-          </p:cNvPr>
-          <p:cNvSpPr txBox="1"/>
-          <p:nvPr/>
-        </p:nvSpPr>
-        <p:spPr>
-          <a:xfrm>
-            <a:off x="942386" y="4408550"/>
-            <a:ext cx="10237694" cy="369332"/>
-          </a:xfrm>
-          <a:prstGeom prst="rect">
-            <a:avLst/>
-          </a:prstGeom>
-          <a:noFill/>
-        </p:spPr>
-        <p:txBody>
-          <a:bodyPr wrap="square" rtlCol="0">
-            <a:spAutoFit/>
-          </a:bodyPr>
-          <a:lstStyle/>
-          <a:p>
-            <a:r>
-              <a:rPr lang="en-US" altLang="ko-KR" dirty="0" err="1">
-                <a:latin typeface="나눔스퀘어 Light" panose="020B0600000101010101" pitchFamily="50" charset="-127"/>
-                <a:ea typeface="나눔스퀘어 Light" panose="020B0600000101010101" pitchFamily="50" charset="-127"/>
-              </a:rPr>
-              <a:t>BufferedReader</a:t>
-            </a:r>
-            <a:r>
-              <a:rPr lang="ko-KR" altLang="en-US" dirty="0">
-                <a:latin typeface="나눔스퀘어 Light" panose="020B0600000101010101" pitchFamily="50" charset="-127"/>
-                <a:ea typeface="나눔스퀘어 Light" panose="020B0600000101010101" pitchFamily="50" charset="-127"/>
-              </a:rPr>
-              <a:t>를 통해 입력 받는 경우는</a:t>
-            </a:r>
-            <a:r>
-              <a:rPr lang="en-US" altLang="ko-KR" dirty="0">
-                <a:latin typeface="나눔스퀘어 Light" panose="020B0600000101010101" pitchFamily="50" charset="-127"/>
-                <a:ea typeface="나눔스퀘어 Light" panose="020B0600000101010101" pitchFamily="50" charset="-127"/>
-              </a:rPr>
-              <a:t>, null</a:t>
-            </a:r>
-            <a:r>
-              <a:rPr lang="ko-KR" altLang="en-US" dirty="0">
-                <a:latin typeface="나눔스퀘어 Light" panose="020B0600000101010101" pitchFamily="50" charset="-127"/>
-                <a:ea typeface="나눔스퀘어 Light" panose="020B0600000101010101" pitchFamily="50" charset="-127"/>
-              </a:rPr>
-              <a:t>인지만 확인하면 됩니다</a:t>
-            </a:r>
-            <a:r>
-              <a:rPr lang="en-US" altLang="ko-KR" dirty="0">
-                <a:latin typeface="나눔스퀘어 Light" panose="020B0600000101010101" pitchFamily="50" charset="-127"/>
-                <a:ea typeface="나눔스퀘어 Light" panose="020B0600000101010101" pitchFamily="50" charset="-127"/>
-              </a:rPr>
-              <a:t>.</a:t>
-            </a:r>
-            <a:endParaRPr lang="ko-KR" altLang="en-US" dirty="0">
-              <a:latin typeface="나눔스퀘어 Light" panose="020B0600000101010101" pitchFamily="50" charset="-127"/>
-              <a:ea typeface="나눔스퀘어 Light" panose="020B0600000101010101" pitchFamily="50" charset="-127"/>
-            </a:endParaRPr>
+              <a:t>만 하면 됨</a:t>
+            </a:r>
           </a:p>
         </p:txBody>
       </p:sp>
@@ -18273,7 +18565,7 @@
           <p:cNvPr id="10" name="그림 9">
             <a:extLst>
               <a:ext uri="{FF2B5EF4-FFF2-40B4-BE49-F238E27FC236}">
-                <a16:creationId xmlns:a16="http://schemas.microsoft.com/office/drawing/2014/main" id="{8CE7F676-A249-893B-1131-603A28445531}"/>
+                <a16:creationId xmlns:a16="http://schemas.microsoft.com/office/drawing/2014/main" id="{E2E944AA-BAAA-5E2A-AE39-6CB0FDDB5DF2}"/>
               </a:ext>
             </a:extLst>
           </p:cNvPr>
@@ -18290,48 +18582,158 @@
         </p:blipFill>
         <p:spPr>
           <a:xfrm>
-            <a:off x="942386" y="4881576"/>
-            <a:ext cx="8534912" cy="942951"/>
+            <a:off x="942387" y="2165481"/>
+            <a:ext cx="5021508" cy="3009834"/>
           </a:xfrm>
           <a:prstGeom prst="rect">
             <a:avLst/>
           </a:prstGeom>
         </p:spPr>
       </p:pic>
-      <p:pic>
-        <p:nvPicPr>
-          <p:cNvPr id="16" name="그림 15">
-            <a:extLst>
-              <a:ext uri="{FF2B5EF4-FFF2-40B4-BE49-F238E27FC236}">
-                <a16:creationId xmlns:a16="http://schemas.microsoft.com/office/drawing/2014/main" id="{DB412890-78BA-12D9-C730-DA6DBD052777}"/>
-              </a:ext>
-            </a:extLst>
-          </p:cNvPr>
-          <p:cNvPicPr>
-            <a:picLocks noChangeAspect="1"/>
-          </p:cNvPicPr>
+      <p:sp>
+        <p:nvSpPr>
+          <p:cNvPr id="11" name="TextBox 10">
+            <a:extLst>
+              <a:ext uri="{FF2B5EF4-FFF2-40B4-BE49-F238E27FC236}">
+                <a16:creationId xmlns:a16="http://schemas.microsoft.com/office/drawing/2014/main" id="{7EDADC31-A8D8-82F1-3B3C-9084D1E8CA20}"/>
+              </a:ext>
+            </a:extLst>
+          </p:cNvPr>
+          <p:cNvSpPr txBox="1"/>
           <p:nvPr/>
-        </p:nvPicPr>
-        <p:blipFill>
-          <a:blip r:embed="rId3"/>
-          <a:stretch>
-            <a:fillRect/>
-          </a:stretch>
-        </p:blipFill>
-        <p:spPr>
-          <a:xfrm>
-            <a:off x="942385" y="2217047"/>
-            <a:ext cx="8534911" cy="1469025"/>
+        </p:nvSpPr>
+        <p:spPr>
+          <a:xfrm>
+            <a:off x="6353373" y="2592789"/>
+            <a:ext cx="5543254" cy="369332"/>
           </a:xfrm>
           <a:prstGeom prst="rect">
             <a:avLst/>
           </a:prstGeom>
-        </p:spPr>
-      </p:pic>
+          <a:noFill/>
+        </p:spPr>
+        <p:txBody>
+          <a:bodyPr wrap="square" rtlCol="0">
+            <a:spAutoFit/>
+          </a:bodyPr>
+          <a:lstStyle/>
+          <a:p>
+            <a:r>
+              <a:rPr lang="en-US" altLang="ko-KR" dirty="0">
+                <a:latin typeface="나눔스퀘어 Light" panose="020B0600000101010101" pitchFamily="50" charset="-127"/>
+                <a:ea typeface="나눔스퀘어 Light" panose="020B0600000101010101" pitchFamily="50" charset="-127"/>
+              </a:rPr>
+              <a:t>(</a:t>
+            </a:r>
+            <a:r>
+              <a:rPr lang="ko-KR" altLang="en-US" dirty="0">
+                <a:latin typeface="나눔스퀘어 Light" panose="020B0600000101010101" pitchFamily="50" charset="-127"/>
+                <a:ea typeface="나눔스퀘어 Light" panose="020B0600000101010101" pitchFamily="50" charset="-127"/>
+              </a:rPr>
+              <a:t>처음 </a:t>
+            </a:r>
+            <a:r>
+              <a:rPr lang="ko-KR" altLang="en-US" dirty="0" err="1">
+                <a:latin typeface="나눔스퀘어 Light" panose="020B0600000101010101" pitchFamily="50" charset="-127"/>
+                <a:ea typeface="나눔스퀘어 Light" panose="020B0600000101010101" pitchFamily="50" charset="-127"/>
+              </a:rPr>
+              <a:t>보실수도</a:t>
+            </a:r>
+            <a:r>
+              <a:rPr lang="ko-KR" altLang="en-US" dirty="0">
+                <a:latin typeface="나눔스퀘어 Light" panose="020B0600000101010101" pitchFamily="50" charset="-127"/>
+                <a:ea typeface="나눔스퀘어 Light" panose="020B0600000101010101" pitchFamily="50" charset="-127"/>
+              </a:rPr>
+              <a:t> 있는 </a:t>
+            </a:r>
+            <a:r>
+              <a:rPr lang="en-US" altLang="ko-KR" dirty="0">
+                <a:latin typeface="나눔스퀘어 Light" panose="020B0600000101010101" pitchFamily="50" charset="-127"/>
+                <a:ea typeface="나눔스퀘어 Light" panose="020B0600000101010101" pitchFamily="50" charset="-127"/>
+              </a:rPr>
+              <a:t>~ </a:t>
+            </a:r>
+            <a:r>
+              <a:rPr lang="ko-KR" altLang="en-US" dirty="0">
+                <a:latin typeface="나눔스퀘어 Light" panose="020B0600000101010101" pitchFamily="50" charset="-127"/>
+                <a:ea typeface="나눔스퀘어 Light" panose="020B0600000101010101" pitchFamily="50" charset="-127"/>
+              </a:rPr>
+              <a:t>연산자의 등장</a:t>
+            </a:r>
+            <a:r>
+              <a:rPr lang="en-US" altLang="ko-KR" dirty="0">
+                <a:latin typeface="나눔스퀘어 Light" panose="020B0600000101010101" pitchFamily="50" charset="-127"/>
+                <a:ea typeface="나눔스퀘어 Light" panose="020B0600000101010101" pitchFamily="50" charset="-127"/>
+              </a:rPr>
+              <a:t>)</a:t>
+            </a:r>
+            <a:endParaRPr lang="ko-KR" altLang="en-US" dirty="0">
+              <a:latin typeface="나눔스퀘어 Light" panose="020B0600000101010101" pitchFamily="50" charset="-127"/>
+              <a:ea typeface="나눔스퀘어 Light" panose="020B0600000101010101" pitchFamily="50" charset="-127"/>
+            </a:endParaRPr>
+          </a:p>
+        </p:txBody>
+      </p:sp>
+      <p:sp>
+        <p:nvSpPr>
+          <p:cNvPr id="12" name="TextBox 11">
+            <a:extLst>
+              <a:ext uri="{FF2B5EF4-FFF2-40B4-BE49-F238E27FC236}">
+                <a16:creationId xmlns:a16="http://schemas.microsoft.com/office/drawing/2014/main" id="{A24AD07E-3BAE-33EB-4B6E-24AF48933861}"/>
+              </a:ext>
+            </a:extLst>
+          </p:cNvPr>
+          <p:cNvSpPr txBox="1"/>
+          <p:nvPr/>
+        </p:nvSpPr>
+        <p:spPr>
+          <a:xfrm>
+            <a:off x="6353373" y="2967504"/>
+            <a:ext cx="5543254" cy="369332"/>
+          </a:xfrm>
+          <a:prstGeom prst="rect">
+            <a:avLst/>
+          </a:prstGeom>
+          <a:noFill/>
+        </p:spPr>
+        <p:txBody>
+          <a:bodyPr wrap="square" rtlCol="0">
+            <a:spAutoFit/>
+          </a:bodyPr>
+          <a:lstStyle/>
+          <a:p>
+            <a:r>
+              <a:rPr lang="en-US" altLang="ko-KR" dirty="0">
+                <a:latin typeface="나눔스퀘어 Light" panose="020B0600000101010101" pitchFamily="50" charset="-127"/>
+                <a:ea typeface="나눔스퀘어 Light" panose="020B0600000101010101" pitchFamily="50" charset="-127"/>
+              </a:rPr>
+              <a:t>(</a:t>
+            </a:r>
+            <a:r>
+              <a:rPr lang="ko-KR" altLang="en-US" dirty="0">
+                <a:latin typeface="나눔스퀘어 Light" panose="020B0600000101010101" pitchFamily="50" charset="-127"/>
+                <a:ea typeface="나눔스퀘어 Light" panose="020B0600000101010101" pitchFamily="50" charset="-127"/>
+              </a:rPr>
+              <a:t>저것이 의미하는 것은</a:t>
+            </a:r>
+            <a:r>
+              <a:rPr lang="en-US" altLang="ko-KR" dirty="0">
+                <a:latin typeface="나눔스퀘어 Light" panose="020B0600000101010101" pitchFamily="50" charset="-127"/>
+                <a:ea typeface="나눔스퀘어 Light" panose="020B0600000101010101" pitchFamily="50" charset="-127"/>
+              </a:rPr>
+              <a:t>?)</a:t>
+            </a:r>
+            <a:endParaRPr lang="ko-KR" altLang="en-US" dirty="0">
+              <a:latin typeface="나눔스퀘어 Light" panose="020B0600000101010101" pitchFamily="50" charset="-127"/>
+              <a:ea typeface="나눔스퀘어 Light" panose="020B0600000101010101" pitchFamily="50" charset="-127"/>
+            </a:endParaRPr>
+          </a:p>
+        </p:txBody>
+      </p:sp>
     </p:spTree>
     <p:extLst>
       <p:ext uri="{BB962C8B-B14F-4D97-AF65-F5344CB8AC3E}">
-        <p14:creationId xmlns:p14="http://schemas.microsoft.com/office/powerpoint/2010/main" val="2250887960"/>
+        <p14:creationId xmlns:p14="http://schemas.microsoft.com/office/powerpoint/2010/main" val="1796073716"/>
       </p:ext>
     </p:extLst>
   </p:cSld>
@@ -18460,10 +18862,10 @@
       </p:sp>
       <p:sp>
         <p:nvSpPr>
-          <p:cNvPr id="4" name="TextBox 3">
-            <a:extLst>
-              <a:ext uri="{FF2B5EF4-FFF2-40B4-BE49-F238E27FC236}">
-                <a16:creationId xmlns:a16="http://schemas.microsoft.com/office/drawing/2014/main" id="{772D4C43-3CFC-A02D-4942-D14A03372055}"/>
+          <p:cNvPr id="2" name="TextBox 1">
+            <a:extLst>
+              <a:ext uri="{FF2B5EF4-FFF2-40B4-BE49-F238E27FC236}">
+                <a16:creationId xmlns:a16="http://schemas.microsoft.com/office/drawing/2014/main" id="{A2CDF8CF-7668-2432-EE70-4E8E61871F69}"/>
               </a:ext>
             </a:extLst>
           </p:cNvPr>
@@ -18472,7 +18874,7 @@
         </p:nvSpPr>
         <p:spPr>
           <a:xfrm>
-            <a:off x="942386" y="1184956"/>
+            <a:off x="942387" y="1190024"/>
             <a:ext cx="10237694" cy="369332"/>
           </a:xfrm>
           <a:prstGeom prst="rect">
@@ -18487,25 +18889,32 @@
           <a:lstStyle/>
           <a:p>
             <a:r>
-              <a:rPr lang="en-US" altLang="ko-KR" dirty="0">
-                <a:latin typeface="나눔스퀘어 Bold" panose="020B0600000101010101" pitchFamily="50" charset="-127"/>
-                <a:ea typeface="나눔스퀘어 Bold" panose="020B0600000101010101" pitchFamily="50" charset="-127"/>
-              </a:rPr>
-              <a:t>Python</a:t>
+              <a:rPr lang="ko-KR" altLang="en-US" dirty="0">
+                <a:latin typeface="나눔스퀘어 Light" panose="020B0600000101010101" pitchFamily="50" charset="-127"/>
+                <a:ea typeface="나눔스퀘어 Light" panose="020B0600000101010101" pitchFamily="50" charset="-127"/>
+              </a:rPr>
+              <a:t>백준 온라인 저지에서 여러 테스트 케이스가 들어가는 문제의 경우</a:t>
+            </a:r>
+            <a:r>
+              <a:rPr lang="en-US" altLang="ko-KR" dirty="0">
+                <a:latin typeface="나눔스퀘어 Light" panose="020B0600000101010101" pitchFamily="50" charset="-127"/>
+                <a:ea typeface="나눔스퀘어 Light" panose="020B0600000101010101" pitchFamily="50" charset="-127"/>
+              </a:rPr>
+              <a:t>,</a:t>
             </a:r>
             <a:endParaRPr lang="ko-KR" altLang="en-US" dirty="0">
-              <a:latin typeface="나눔스퀘어 Bold" panose="020B0600000101010101" pitchFamily="50" charset="-127"/>
-              <a:ea typeface="나눔스퀘어 Bold" panose="020B0600000101010101" pitchFamily="50" charset="-127"/>
+              <a:latin typeface="나눔스퀘어 Light" panose="020B0600000101010101" pitchFamily="50" charset="-127"/>
+              <a:ea typeface="나눔스퀘어 Light" panose="020B0600000101010101" pitchFamily="50" charset="-127"/>
             </a:endParaRPr>
           </a:p>
         </p:txBody>
       </p:sp>
       <p:sp>
         <p:nvSpPr>
-          <p:cNvPr id="7" name="TextBox 6">
-            <a:extLst>
-              <a:ext uri="{FF2B5EF4-FFF2-40B4-BE49-F238E27FC236}">
-                <a16:creationId xmlns:a16="http://schemas.microsoft.com/office/drawing/2014/main" id="{7D26A2AB-86D4-5575-EE1F-BE7B970B4BEA}"/>
+          <p:cNvPr id="4" name="TextBox 3">
+            <a:extLst>
+              <a:ext uri="{FF2B5EF4-FFF2-40B4-BE49-F238E27FC236}">
+                <a16:creationId xmlns:a16="http://schemas.microsoft.com/office/drawing/2014/main" id="{772D4C43-3CFC-A02D-4942-D14A03372055}"/>
               </a:ext>
             </a:extLst>
           </p:cNvPr>
@@ -18514,7 +18923,7 @@
         </p:nvSpPr>
         <p:spPr>
           <a:xfrm>
-            <a:off x="942387" y="1744021"/>
+            <a:off x="942387" y="1559356"/>
             <a:ext cx="10237694" cy="369332"/>
           </a:xfrm>
           <a:prstGeom prst="rect">
@@ -18529,32 +18938,53 @@
           <a:lstStyle/>
           <a:p>
             <a:r>
-              <a:rPr lang="en-US" altLang="ko-KR" dirty="0">
-                <a:latin typeface="나눔스퀘어 Light" panose="020B0600000101010101" pitchFamily="50" charset="-127"/>
-                <a:ea typeface="나눔스퀘어 Light" panose="020B0600000101010101" pitchFamily="50" charset="-127"/>
-              </a:rPr>
-              <a:t>Python</a:t>
-            </a:r>
-            <a:r>
               <a:rPr lang="ko-KR" altLang="en-US" dirty="0">
                 <a:latin typeface="나눔스퀘어 Light" panose="020B0600000101010101" pitchFamily="50" charset="-127"/>
                 <a:ea typeface="나눔스퀘어 Light" panose="020B0600000101010101" pitchFamily="50" charset="-127"/>
               </a:rPr>
-              <a:t>의 경우에는 예외처리로 </a:t>
-            </a:r>
-            <a:r>
-              <a:rPr lang="en-US" altLang="ko-KR" dirty="0">
-                <a:latin typeface="나눔스퀘어 Light" panose="020B0600000101010101" pitchFamily="50" charset="-127"/>
-                <a:ea typeface="나눔스퀘어 Light" panose="020B0600000101010101" pitchFamily="50" charset="-127"/>
-              </a:rPr>
-              <a:t>EOF</a:t>
+              <a:t>일반적으로는 </a:t>
+            </a:r>
+            <a:r>
+              <a:rPr lang="en-US" altLang="ko-KR" dirty="0">
+                <a:latin typeface="나눔스퀘어 Light" panose="020B0600000101010101" pitchFamily="50" charset="-127"/>
+                <a:ea typeface="나눔스퀘어 Light" panose="020B0600000101010101" pitchFamily="50" charset="-127"/>
+              </a:rPr>
+              <a:t>“11170 0</a:t>
             </a:r>
             <a:r>
               <a:rPr lang="ko-KR" altLang="en-US" dirty="0">
                 <a:latin typeface="나눔스퀘어 Light" panose="020B0600000101010101" pitchFamily="50" charset="-127"/>
                 <a:ea typeface="나눔스퀘어 Light" panose="020B0600000101010101" pitchFamily="50" charset="-127"/>
               </a:rPr>
-              <a:t>를 판단합니다</a:t>
+              <a:t>의 개수</a:t>
+            </a:r>
+            <a:r>
+              <a:rPr lang="en-US" altLang="ko-KR" dirty="0">
+                <a:latin typeface="나눔스퀘어 Light" panose="020B0600000101010101" pitchFamily="50" charset="-127"/>
+                <a:ea typeface="나눔스퀘어 Light" panose="020B0600000101010101" pitchFamily="50" charset="-127"/>
+              </a:rPr>
+              <a:t>” </a:t>
+            </a:r>
+            <a:r>
+              <a:rPr lang="ko-KR" altLang="en-US" dirty="0">
+                <a:latin typeface="나눔스퀘어 Light" panose="020B0600000101010101" pitchFamily="50" charset="-127"/>
+                <a:ea typeface="나눔스퀘어 Light" panose="020B0600000101010101" pitchFamily="50" charset="-127"/>
+              </a:rPr>
+              <a:t>처럼 입력 혹은 </a:t>
+            </a:r>
+            <a:r>
+              <a:rPr lang="en-US" altLang="ko-KR" dirty="0">
+                <a:latin typeface="나눔스퀘어 Light" panose="020B0600000101010101" pitchFamily="50" charset="-127"/>
+                <a:ea typeface="나눔스퀘어 Light" panose="020B0600000101010101" pitchFamily="50" charset="-127"/>
+              </a:rPr>
+              <a:t>TC</a:t>
+            </a:r>
+            <a:r>
+              <a:rPr lang="ko-KR" altLang="en-US" dirty="0">
+                <a:latin typeface="나눔스퀘어 Light" panose="020B0600000101010101" pitchFamily="50" charset="-127"/>
+                <a:ea typeface="나눔스퀘어 Light" panose="020B0600000101010101" pitchFamily="50" charset="-127"/>
+              </a:rPr>
+              <a:t>의 수가 문제의 입력으로 주어집니다</a:t>
             </a:r>
             <a:r>
               <a:rPr lang="en-US" altLang="ko-KR" dirty="0">
@@ -18575,7 +19005,7 @@
           <p:cNvPr id="5" name="TextBox 4">
             <a:extLst>
               <a:ext uri="{FF2B5EF4-FFF2-40B4-BE49-F238E27FC236}">
-                <a16:creationId xmlns:a16="http://schemas.microsoft.com/office/drawing/2014/main" id="{00A70271-39C6-B622-C1DA-03E25486769E}"/>
+                <a16:creationId xmlns:a16="http://schemas.microsoft.com/office/drawing/2014/main" id="{0B847BC4-9E06-92FE-D779-7516DD637505}"/>
               </a:ext>
             </a:extLst>
           </p:cNvPr>
@@ -18584,7 +19014,7 @@
         </p:nvSpPr>
         <p:spPr>
           <a:xfrm>
-            <a:off x="942386" y="4077256"/>
+            <a:off x="942387" y="1928688"/>
             <a:ext cx="10237694" cy="369332"/>
           </a:xfrm>
           <a:prstGeom prst="rect">
@@ -18599,32 +19029,98 @@
           <a:lstStyle/>
           <a:p>
             <a:r>
-              <a:rPr lang="en-US" altLang="ko-KR" dirty="0" err="1">
-                <a:latin typeface="나눔스퀘어 Light" panose="020B0600000101010101" pitchFamily="50" charset="-127"/>
-                <a:ea typeface="나눔스퀘어 Light" panose="020B0600000101010101" pitchFamily="50" charset="-127"/>
-              </a:rPr>
-              <a:t>readlines</a:t>
-            </a:r>
-            <a:r>
-              <a:rPr lang="en-US" altLang="ko-KR" dirty="0">
-                <a:latin typeface="나눔스퀘어 Light" panose="020B0600000101010101" pitchFamily="50" charset="-127"/>
-                <a:ea typeface="나눔스퀘어 Light" panose="020B0600000101010101" pitchFamily="50" charset="-127"/>
-              </a:rPr>
-              <a:t>()</a:t>
-            </a:r>
-            <a:r>
               <a:rPr lang="ko-KR" altLang="en-US" dirty="0">
                 <a:latin typeface="나눔스퀘어 Light" panose="020B0600000101010101" pitchFamily="50" charset="-127"/>
                 <a:ea typeface="나눔스퀘어 Light" panose="020B0600000101010101" pitchFamily="50" charset="-127"/>
               </a:rPr>
-              <a:t>로 입력을 한꺼번에 받았을 경우에는 어차피 줄단위로 리스트에 저장되므로</a:t>
-            </a:r>
-            <a:r>
-              <a:rPr lang="en-US" altLang="ko-KR" dirty="0">
-                <a:latin typeface="나눔스퀘어 Light" panose="020B0600000101010101" pitchFamily="50" charset="-127"/>
-                <a:ea typeface="나눔스퀘어 Light" panose="020B0600000101010101" pitchFamily="50" charset="-127"/>
-              </a:rPr>
-              <a:t>,</a:t>
+              <a:t>모든 다중 테스트 케이스 문제가 그런 것은 아니고</a:t>
+            </a:r>
+            <a:r>
+              <a:rPr lang="en-US" altLang="ko-KR" dirty="0">
+                <a:latin typeface="나눔스퀘어 Light" panose="020B0600000101010101" pitchFamily="50" charset="-127"/>
+                <a:ea typeface="나눔스퀘어 Light" panose="020B0600000101010101" pitchFamily="50" charset="-127"/>
+              </a:rPr>
+              <a:t>, </a:t>
+            </a:r>
+            <a:r>
+              <a:rPr lang="ko-KR" altLang="en-US" dirty="0">
+                <a:latin typeface="나눔스퀘어 Light" panose="020B0600000101010101" pitchFamily="50" charset="-127"/>
+                <a:ea typeface="나눔스퀘어 Light" panose="020B0600000101010101" pitchFamily="50" charset="-127"/>
+              </a:rPr>
+              <a:t>가끔씩 </a:t>
+            </a:r>
+            <a:r>
+              <a:rPr lang="en-US" altLang="ko-KR" dirty="0">
+                <a:latin typeface="나눔스퀘어 Light" panose="020B0600000101010101" pitchFamily="50" charset="-127"/>
+                <a:ea typeface="나눔스퀘어 Light" panose="020B0600000101010101" pitchFamily="50" charset="-127"/>
+              </a:rPr>
+              <a:t>“5671 </a:t>
+            </a:r>
+            <a:r>
+              <a:rPr lang="ko-KR" altLang="en-US" dirty="0">
+                <a:latin typeface="나눔스퀘어 Light" panose="020B0600000101010101" pitchFamily="50" charset="-127"/>
+                <a:ea typeface="나눔스퀘어 Light" panose="020B0600000101010101" pitchFamily="50" charset="-127"/>
+              </a:rPr>
+              <a:t>호텔 방 번호</a:t>
+            </a:r>
+            <a:r>
+              <a:rPr lang="en-US" altLang="ko-KR" dirty="0">
+                <a:latin typeface="나눔스퀘어 Light" panose="020B0600000101010101" pitchFamily="50" charset="-127"/>
+                <a:ea typeface="나눔스퀘어 Light" panose="020B0600000101010101" pitchFamily="50" charset="-127"/>
+              </a:rPr>
+              <a:t>” </a:t>
+            </a:r>
+            <a:r>
+              <a:rPr lang="ko-KR" altLang="en-US" dirty="0">
+                <a:latin typeface="나눔스퀘어 Light" panose="020B0600000101010101" pitchFamily="50" charset="-127"/>
+                <a:ea typeface="나눔스퀘어 Light" panose="020B0600000101010101" pitchFamily="50" charset="-127"/>
+              </a:rPr>
+              <a:t>처럼 입력의 수가 주어지지</a:t>
+            </a:r>
+          </a:p>
+        </p:txBody>
+      </p:sp>
+      <p:sp>
+        <p:nvSpPr>
+          <p:cNvPr id="6" name="TextBox 5">
+            <a:extLst>
+              <a:ext uri="{FF2B5EF4-FFF2-40B4-BE49-F238E27FC236}">
+                <a16:creationId xmlns:a16="http://schemas.microsoft.com/office/drawing/2014/main" id="{5BC9C38C-07EE-FFB2-6A7E-EFF2C55619CC}"/>
+              </a:ext>
+            </a:extLst>
+          </p:cNvPr>
+          <p:cNvSpPr txBox="1"/>
+          <p:nvPr/>
+        </p:nvSpPr>
+        <p:spPr>
+          <a:xfrm>
+            <a:off x="942387" y="2298020"/>
+            <a:ext cx="10237694" cy="369332"/>
+          </a:xfrm>
+          <a:prstGeom prst="rect">
+            <a:avLst/>
+          </a:prstGeom>
+          <a:noFill/>
+        </p:spPr>
+        <p:txBody>
+          <a:bodyPr wrap="square" rtlCol="0">
+            <a:spAutoFit/>
+          </a:bodyPr>
+          <a:lstStyle/>
+          <a:p>
+            <a:r>
+              <a:rPr lang="ko-KR" altLang="en-US" dirty="0">
+                <a:latin typeface="나눔스퀘어 Light" panose="020B0600000101010101" pitchFamily="50" charset="-127"/>
+                <a:ea typeface="나눔스퀘어 Light" panose="020B0600000101010101" pitchFamily="50" charset="-127"/>
+              </a:rPr>
+              <a:t>않는 문제도 있습니다</a:t>
+            </a:r>
+            <a:r>
+              <a:rPr lang="en-US" altLang="ko-KR" dirty="0">
+                <a:latin typeface="나눔스퀘어 Light" panose="020B0600000101010101" pitchFamily="50" charset="-127"/>
+                <a:ea typeface="나눔스퀘어 Light" panose="020B0600000101010101" pitchFamily="50" charset="-127"/>
+              </a:rPr>
+              <a:t>.</a:t>
             </a:r>
             <a:endParaRPr lang="ko-KR" altLang="en-US" dirty="0">
               <a:latin typeface="나눔스퀘어 Light" panose="020B0600000101010101" pitchFamily="50" charset="-127"/>
@@ -18633,12 +19129,173 @@
           </a:p>
         </p:txBody>
       </p:sp>
+      <p:sp>
+        <p:nvSpPr>
+          <p:cNvPr id="8" name="TextBox 7">
+            <a:extLst>
+              <a:ext uri="{FF2B5EF4-FFF2-40B4-BE49-F238E27FC236}">
+                <a16:creationId xmlns:a16="http://schemas.microsoft.com/office/drawing/2014/main" id="{713BEF85-9AAF-8D50-01E5-B4B6C1085AF2}"/>
+              </a:ext>
+            </a:extLst>
+          </p:cNvPr>
+          <p:cNvSpPr txBox="1"/>
+          <p:nvPr/>
+        </p:nvSpPr>
+        <p:spPr>
+          <a:xfrm>
+            <a:off x="942387" y="3036684"/>
+            <a:ext cx="10237694" cy="369332"/>
+          </a:xfrm>
+          <a:prstGeom prst="rect">
+            <a:avLst/>
+          </a:prstGeom>
+          <a:noFill/>
+        </p:spPr>
+        <p:txBody>
+          <a:bodyPr wrap="square" rtlCol="0">
+            <a:spAutoFit/>
+          </a:bodyPr>
+          <a:lstStyle/>
+          <a:p>
+            <a:r>
+              <a:rPr lang="ko-KR" altLang="en-US" dirty="0">
+                <a:latin typeface="나눔스퀘어 Light" panose="020B0600000101010101" pitchFamily="50" charset="-127"/>
+                <a:ea typeface="나눔스퀘어 Light" panose="020B0600000101010101" pitchFamily="50" charset="-127"/>
+              </a:rPr>
+              <a:t>입력의 수가 따로 주어지지 않으므로</a:t>
+            </a:r>
+            <a:r>
+              <a:rPr lang="en-US" altLang="ko-KR" dirty="0">
+                <a:latin typeface="나눔스퀘어 Light" panose="020B0600000101010101" pitchFamily="50" charset="-127"/>
+                <a:ea typeface="나눔스퀘어 Light" panose="020B0600000101010101" pitchFamily="50" charset="-127"/>
+              </a:rPr>
+              <a:t>, </a:t>
+            </a:r>
+            <a:r>
+              <a:rPr lang="ko-KR" altLang="en-US" dirty="0">
+                <a:latin typeface="나눔스퀘어 Light" panose="020B0600000101010101" pitchFamily="50" charset="-127"/>
+                <a:ea typeface="나눔스퀘어 Light" panose="020B0600000101010101" pitchFamily="50" charset="-127"/>
+              </a:rPr>
+              <a:t>직접 </a:t>
+            </a:r>
+            <a:r>
+              <a:rPr lang="en-US" altLang="ko-KR" dirty="0">
+                <a:latin typeface="나눔스퀘어 Light" panose="020B0600000101010101" pitchFamily="50" charset="-127"/>
+                <a:ea typeface="나눔스퀘어 Light" panose="020B0600000101010101" pitchFamily="50" charset="-127"/>
+              </a:rPr>
+              <a:t>EOF</a:t>
+            </a:r>
+            <a:r>
+              <a:rPr lang="ko-KR" altLang="en-US" dirty="0">
+                <a:latin typeface="나눔스퀘어 Light" panose="020B0600000101010101" pitchFamily="50" charset="-127"/>
+                <a:ea typeface="나눔스퀘어 Light" panose="020B0600000101010101" pitchFamily="50" charset="-127"/>
+              </a:rPr>
+              <a:t>를 입력 받아서 입력이 끝났음을 확인해야 합니다</a:t>
+            </a:r>
+            <a:r>
+              <a:rPr lang="en-US" altLang="ko-KR" dirty="0">
+                <a:latin typeface="나눔스퀘어 Light" panose="020B0600000101010101" pitchFamily="50" charset="-127"/>
+                <a:ea typeface="나눔스퀘어 Light" panose="020B0600000101010101" pitchFamily="50" charset="-127"/>
+              </a:rPr>
+              <a:t>.</a:t>
+            </a:r>
+            <a:endParaRPr lang="ko-KR" altLang="en-US" dirty="0">
+              <a:latin typeface="나눔스퀘어 Light" panose="020B0600000101010101" pitchFamily="50" charset="-127"/>
+              <a:ea typeface="나눔스퀘어 Light" panose="020B0600000101010101" pitchFamily="50" charset="-127"/>
+            </a:endParaRPr>
+          </a:p>
+        </p:txBody>
+      </p:sp>
+      <p:sp>
+        <p:nvSpPr>
+          <p:cNvPr id="9" name="TextBox 8">
+            <a:extLst>
+              <a:ext uri="{FF2B5EF4-FFF2-40B4-BE49-F238E27FC236}">
+                <a16:creationId xmlns:a16="http://schemas.microsoft.com/office/drawing/2014/main" id="{F85AB5CF-688A-2143-3A76-3A26FE3C7AC3}"/>
+              </a:ext>
+            </a:extLst>
+          </p:cNvPr>
+          <p:cNvSpPr txBox="1"/>
+          <p:nvPr/>
+        </p:nvSpPr>
+        <p:spPr>
+          <a:xfrm>
+            <a:off x="942387" y="3406016"/>
+            <a:ext cx="10237694" cy="369332"/>
+          </a:xfrm>
+          <a:prstGeom prst="rect">
+            <a:avLst/>
+          </a:prstGeom>
+          <a:noFill/>
+        </p:spPr>
+        <p:txBody>
+          <a:bodyPr wrap="square" rtlCol="0">
+            <a:spAutoFit/>
+          </a:bodyPr>
+          <a:lstStyle/>
+          <a:p>
+            <a:r>
+              <a:rPr lang="en-US" altLang="ko-KR" dirty="0">
+                <a:latin typeface="나눔스퀘어 Light" panose="020B0600000101010101" pitchFamily="50" charset="-127"/>
+                <a:ea typeface="나눔스퀘어 Light" panose="020B0600000101010101" pitchFamily="50" charset="-127"/>
+              </a:rPr>
+              <a:t>(</a:t>
+            </a:r>
+            <a:r>
+              <a:rPr lang="ko-KR" altLang="en-US" dirty="0">
+                <a:latin typeface="나눔스퀘어 Light" panose="020B0600000101010101" pitchFamily="50" charset="-127"/>
+                <a:ea typeface="나눔스퀘어 Light" panose="020B0600000101010101" pitchFamily="50" charset="-127"/>
+              </a:rPr>
+              <a:t>그렇지 않으면 입력이 끝났다고 판단을 못해</a:t>
+            </a:r>
+            <a:r>
+              <a:rPr lang="en-US" altLang="ko-KR" dirty="0">
+                <a:latin typeface="나눔스퀘어 Light" panose="020B0600000101010101" pitchFamily="50" charset="-127"/>
+                <a:ea typeface="나눔스퀘어 Light" panose="020B0600000101010101" pitchFamily="50" charset="-127"/>
+              </a:rPr>
+              <a:t>, </a:t>
+            </a:r>
+            <a:r>
+              <a:rPr lang="ko-KR" altLang="en-US" dirty="0">
+                <a:latin typeface="나눔스퀘어 Light" panose="020B0600000101010101" pitchFamily="50" charset="-127"/>
+                <a:ea typeface="나눔스퀘어 Light" panose="020B0600000101010101" pitchFamily="50" charset="-127"/>
+              </a:rPr>
+              <a:t>무한 루프를 돌게 되어 </a:t>
+            </a:r>
+            <a:r>
+              <a:rPr lang="en-US" altLang="ko-KR" dirty="0">
+                <a:latin typeface="나눔스퀘어 Light" panose="020B0600000101010101" pitchFamily="50" charset="-127"/>
+                <a:ea typeface="나눔스퀘어 Light" panose="020B0600000101010101" pitchFamily="50" charset="-127"/>
+              </a:rPr>
+              <a:t>TLE </a:t>
+            </a:r>
+            <a:r>
+              <a:rPr lang="ko-KR" altLang="en-US" dirty="0">
+                <a:latin typeface="나눔스퀘어 Light" panose="020B0600000101010101" pitchFamily="50" charset="-127"/>
+                <a:ea typeface="나눔스퀘어 Light" panose="020B0600000101010101" pitchFamily="50" charset="-127"/>
+              </a:rPr>
+              <a:t>처리를 받게 됩니다</a:t>
+            </a:r>
+            <a:r>
+              <a:rPr lang="en-US" altLang="ko-KR" dirty="0">
+                <a:latin typeface="나눔스퀘어 Light" panose="020B0600000101010101" pitchFamily="50" charset="-127"/>
+                <a:ea typeface="나눔스퀘어 Light" panose="020B0600000101010101" pitchFamily="50" charset="-127"/>
+              </a:rPr>
+              <a:t>.)</a:t>
+            </a:r>
+            <a:endParaRPr lang="ko-KR" altLang="en-US" dirty="0">
+              <a:latin typeface="나눔스퀘어 Light" panose="020B0600000101010101" pitchFamily="50" charset="-127"/>
+              <a:ea typeface="나눔스퀘어 Light" panose="020B0600000101010101" pitchFamily="50" charset="-127"/>
+            </a:endParaRPr>
+          </a:p>
+        </p:txBody>
+      </p:sp>
       <p:pic>
         <p:nvPicPr>
-          <p:cNvPr id="6" name="그림 5">
-            <a:extLst>
-              <a:ext uri="{FF2B5EF4-FFF2-40B4-BE49-F238E27FC236}">
-                <a16:creationId xmlns:a16="http://schemas.microsoft.com/office/drawing/2014/main" id="{3C37833A-F72C-A471-CFEC-C1CB48A1B572}"/>
+          <p:cNvPr id="11" name="그림 10">
+            <a:extLst>
+              <a:ext uri="{FF2B5EF4-FFF2-40B4-BE49-F238E27FC236}">
+                <a16:creationId xmlns:a16="http://schemas.microsoft.com/office/drawing/2014/main" id="{7DC00B1C-4C14-3EAC-9514-633C5803D56A}"/>
               </a:ext>
             </a:extLst>
           </p:cNvPr>
@@ -18655,115 +19312,8 @@
         </p:blipFill>
         <p:spPr>
           <a:xfrm>
-            <a:off x="942386" y="2217047"/>
-            <a:ext cx="4845672" cy="1528915"/>
-          </a:xfrm>
-          <a:prstGeom prst="rect">
-            <a:avLst/>
-          </a:prstGeom>
-        </p:spPr>
-      </p:pic>
-      <p:sp>
-        <p:nvSpPr>
-          <p:cNvPr id="8" name="TextBox 7">
-            <a:extLst>
-              <a:ext uri="{FF2B5EF4-FFF2-40B4-BE49-F238E27FC236}">
-                <a16:creationId xmlns:a16="http://schemas.microsoft.com/office/drawing/2014/main" id="{D9170E64-8335-315C-9F41-72DF46809C47}"/>
-              </a:ext>
-            </a:extLst>
-          </p:cNvPr>
-          <p:cNvSpPr txBox="1"/>
-          <p:nvPr/>
-        </p:nvSpPr>
-        <p:spPr>
-          <a:xfrm>
-            <a:off x="942386" y="4458980"/>
-            <a:ext cx="10237694" cy="369332"/>
-          </a:xfrm>
-          <a:prstGeom prst="rect">
-            <a:avLst/>
-          </a:prstGeom>
-          <a:noFill/>
-        </p:spPr>
-        <p:txBody>
-          <a:bodyPr wrap="square" rtlCol="0">
-            <a:spAutoFit/>
-          </a:bodyPr>
-          <a:lstStyle/>
-          <a:p>
-            <a:r>
-              <a:rPr lang="ko-KR" altLang="en-US" dirty="0">
-                <a:latin typeface="나눔스퀘어 Light" panose="020B0600000101010101" pitchFamily="50" charset="-127"/>
-                <a:ea typeface="나눔스퀘어 Light" panose="020B0600000101010101" pitchFamily="50" charset="-127"/>
-              </a:rPr>
-              <a:t>딱히 </a:t>
-            </a:r>
-            <a:r>
-              <a:rPr lang="en-US" altLang="ko-KR" dirty="0">
-                <a:latin typeface="나눔스퀘어 Light" panose="020B0600000101010101" pitchFamily="50" charset="-127"/>
-                <a:ea typeface="나눔스퀘어 Light" panose="020B0600000101010101" pitchFamily="50" charset="-127"/>
-              </a:rPr>
-              <a:t>EOF </a:t>
-            </a:r>
-            <a:r>
-              <a:rPr lang="ko-KR" altLang="en-US" dirty="0">
-                <a:latin typeface="나눔스퀘어 Light" panose="020B0600000101010101" pitchFamily="50" charset="-127"/>
-                <a:ea typeface="나눔스퀘어 Light" panose="020B0600000101010101" pitchFamily="50" charset="-127"/>
-              </a:rPr>
-              <a:t>처리가 필요 없습니다</a:t>
-            </a:r>
-            <a:r>
-              <a:rPr lang="en-US" altLang="ko-KR" dirty="0">
-                <a:latin typeface="나눔스퀘어 Light" panose="020B0600000101010101" pitchFamily="50" charset="-127"/>
-                <a:ea typeface="나눔스퀘어 Light" panose="020B0600000101010101" pitchFamily="50" charset="-127"/>
-              </a:rPr>
-              <a:t>. (</a:t>
-            </a:r>
-            <a:r>
-              <a:rPr lang="ko-KR" altLang="en-US" dirty="0">
-                <a:latin typeface="나눔스퀘어 Light" panose="020B0600000101010101" pitchFamily="50" charset="-127"/>
-                <a:ea typeface="나눔스퀘어 Light" panose="020B0600000101010101" pitchFamily="50" charset="-127"/>
-              </a:rPr>
-              <a:t>리스트의 끝이 곧 </a:t>
-            </a:r>
-            <a:r>
-              <a:rPr lang="en-US" altLang="ko-KR" dirty="0">
-                <a:latin typeface="나눔스퀘어 Light" panose="020B0600000101010101" pitchFamily="50" charset="-127"/>
-                <a:ea typeface="나눔스퀘어 Light" panose="020B0600000101010101" pitchFamily="50" charset="-127"/>
-              </a:rPr>
-              <a:t>EOF)</a:t>
-            </a:r>
-            <a:endParaRPr lang="ko-KR" altLang="en-US" dirty="0">
-              <a:latin typeface="나눔스퀘어 Light" panose="020B0600000101010101" pitchFamily="50" charset="-127"/>
-              <a:ea typeface="나눔스퀘어 Light" panose="020B0600000101010101" pitchFamily="50" charset="-127"/>
-            </a:endParaRPr>
-          </a:p>
-        </p:txBody>
-      </p:sp>
-      <p:pic>
-        <p:nvPicPr>
-          <p:cNvPr id="11" name="그림 10">
-            <a:extLst>
-              <a:ext uri="{FF2B5EF4-FFF2-40B4-BE49-F238E27FC236}">
-                <a16:creationId xmlns:a16="http://schemas.microsoft.com/office/drawing/2014/main" id="{D5C20607-9198-19EE-8E6B-88ABE8DA7797}"/>
-              </a:ext>
-            </a:extLst>
-          </p:cNvPr>
-          <p:cNvPicPr>
-            <a:picLocks noChangeAspect="1"/>
-          </p:cNvPicPr>
-          <p:nvPr/>
-        </p:nvPicPr>
-        <p:blipFill>
-          <a:blip r:embed="rId3"/>
-          <a:stretch>
-            <a:fillRect/>
-          </a:stretch>
-        </p:blipFill>
-        <p:spPr>
-          <a:xfrm>
-            <a:off x="942386" y="4840704"/>
-            <a:ext cx="4845672" cy="1865646"/>
+            <a:off x="942387" y="4384634"/>
+            <a:ext cx="4789110" cy="1828020"/>
           </a:xfrm>
           <a:prstGeom prst="rect">
             <a:avLst/>
@@ -18773,7 +19323,7 @@
     </p:spTree>
     <p:extLst>
       <p:ext uri="{BB962C8B-B14F-4D97-AF65-F5344CB8AC3E}">
-        <p14:creationId xmlns:p14="http://schemas.microsoft.com/office/powerpoint/2010/main" val="110968824"/>
+        <p14:creationId xmlns:p14="http://schemas.microsoft.com/office/powerpoint/2010/main" val="1782546042"/>
       </p:ext>
     </p:extLst>
   </p:cSld>
@@ -18902,10 +19452,10 @@
       </p:sp>
       <p:sp>
         <p:nvSpPr>
-          <p:cNvPr id="4" name="TextBox 3">
-            <a:extLst>
-              <a:ext uri="{FF2B5EF4-FFF2-40B4-BE49-F238E27FC236}">
-                <a16:creationId xmlns:a16="http://schemas.microsoft.com/office/drawing/2014/main" id="{772D4C43-3CFC-A02D-4942-D14A03372055}"/>
+          <p:cNvPr id="2" name="TextBox 1">
+            <a:extLst>
+              <a:ext uri="{FF2B5EF4-FFF2-40B4-BE49-F238E27FC236}">
+                <a16:creationId xmlns:a16="http://schemas.microsoft.com/office/drawing/2014/main" id="{A2CDF8CF-7668-2432-EE70-4E8E61871F69}"/>
               </a:ext>
             </a:extLst>
           </p:cNvPr>
@@ -18914,7 +19464,7 @@
         </p:nvSpPr>
         <p:spPr>
           <a:xfrm>
-            <a:off x="942386" y="1184956"/>
+            <a:off x="942387" y="1190024"/>
             <a:ext cx="10237694" cy="369332"/>
           </a:xfrm>
           <a:prstGeom prst="rect">
@@ -18929,19 +19479,79 @@
           <a:lstStyle/>
           <a:p>
             <a:r>
+              <a:rPr lang="ko-KR" altLang="en-US" dirty="0">
+                <a:latin typeface="나눔스퀘어 Light" panose="020B0600000101010101" pitchFamily="50" charset="-127"/>
+                <a:ea typeface="나눔스퀘어 Light" panose="020B0600000101010101" pitchFamily="50" charset="-127"/>
+              </a:rPr>
+              <a:t>언어별로 </a:t>
+            </a:r>
+            <a:r>
+              <a:rPr lang="en-US" altLang="ko-KR" dirty="0">
+                <a:latin typeface="나눔스퀘어 Light" panose="020B0600000101010101" pitchFamily="50" charset="-127"/>
+                <a:ea typeface="나눔스퀘어 Light" panose="020B0600000101010101" pitchFamily="50" charset="-127"/>
+              </a:rPr>
+              <a:t>EOF</a:t>
+            </a:r>
+            <a:r>
+              <a:rPr lang="ko-KR" altLang="en-US" dirty="0">
+                <a:latin typeface="나눔스퀘어 Light" panose="020B0600000101010101" pitchFamily="50" charset="-127"/>
+                <a:ea typeface="나눔스퀘어 Light" panose="020B0600000101010101" pitchFamily="50" charset="-127"/>
+              </a:rPr>
+              <a:t>를 입력 받는 방법에 대해서 살펴봅니다</a:t>
+            </a:r>
+            <a:r>
+              <a:rPr lang="en-US" altLang="ko-KR" dirty="0">
+                <a:latin typeface="나눔스퀘어 Light" panose="020B0600000101010101" pitchFamily="50" charset="-127"/>
+                <a:ea typeface="나눔스퀘어 Light" panose="020B0600000101010101" pitchFamily="50" charset="-127"/>
+              </a:rPr>
+              <a:t>.</a:t>
+            </a:r>
+            <a:endParaRPr lang="ko-KR" altLang="en-US" dirty="0">
+              <a:latin typeface="나눔스퀘어 Light" panose="020B0600000101010101" pitchFamily="50" charset="-127"/>
+              <a:ea typeface="나눔스퀘어 Light" panose="020B0600000101010101" pitchFamily="50" charset="-127"/>
+            </a:endParaRPr>
+          </a:p>
+        </p:txBody>
+      </p:sp>
+      <p:sp>
+        <p:nvSpPr>
+          <p:cNvPr id="4" name="TextBox 3">
+            <a:extLst>
+              <a:ext uri="{FF2B5EF4-FFF2-40B4-BE49-F238E27FC236}">
+                <a16:creationId xmlns:a16="http://schemas.microsoft.com/office/drawing/2014/main" id="{772D4C43-3CFC-A02D-4942-D14A03372055}"/>
+              </a:ext>
+            </a:extLst>
+          </p:cNvPr>
+          <p:cNvSpPr txBox="1"/>
+          <p:nvPr/>
+        </p:nvSpPr>
+        <p:spPr>
+          <a:xfrm>
+            <a:off x="942387" y="1861874"/>
+            <a:ext cx="10237694" cy="369332"/>
+          </a:xfrm>
+          <a:prstGeom prst="rect">
+            <a:avLst/>
+          </a:prstGeom>
+          <a:noFill/>
+        </p:spPr>
+        <p:txBody>
+          <a:bodyPr wrap="square" rtlCol="0">
+            <a:spAutoFit/>
+          </a:bodyPr>
+          <a:lstStyle/>
+          <a:p>
+            <a:r>
               <a:rPr lang="en-US" altLang="ko-KR" dirty="0">
                 <a:latin typeface="나눔스퀘어 Bold" panose="020B0600000101010101" pitchFamily="50" charset="-127"/>
                 <a:ea typeface="나눔스퀘어 Bold" panose="020B0600000101010101" pitchFamily="50" charset="-127"/>
               </a:rPr>
-              <a:t>EOF </a:t>
-            </a:r>
-            <a:r>
-              <a:rPr lang="ko-KR" altLang="en-US" dirty="0">
-                <a:latin typeface="나눔스퀘어 Bold" panose="020B0600000101010101" pitchFamily="50" charset="-127"/>
-                <a:ea typeface="나눔스퀘어 Bold" panose="020B0600000101010101" pitchFamily="50" charset="-127"/>
-              </a:rPr>
-              <a:t>입력하기</a:t>
-            </a:r>
+              <a:t>C</a:t>
+            </a:r>
+            <a:endParaRPr lang="ko-KR" altLang="en-US" dirty="0">
+              <a:latin typeface="나눔스퀘어 Bold" panose="020B0600000101010101" pitchFamily="50" charset="-127"/>
+              <a:ea typeface="나눔스퀘어 Bold" panose="020B0600000101010101" pitchFamily="50" charset="-127"/>
+            </a:endParaRPr>
           </a:p>
         </p:txBody>
       </p:sp>
@@ -18959,7 +19569,7 @@
         </p:nvSpPr>
         <p:spPr>
           <a:xfrm>
-            <a:off x="942387" y="1744021"/>
+            <a:off x="942387" y="2231206"/>
             <a:ext cx="10237694" cy="369332"/>
           </a:xfrm>
           <a:prstGeom prst="rect">
@@ -18978,35 +19588,63 @@
                 <a:latin typeface="나눔스퀘어 Light" panose="020B0600000101010101" pitchFamily="50" charset="-127"/>
                 <a:ea typeface="나눔스퀘어 Light" panose="020B0600000101010101" pitchFamily="50" charset="-127"/>
               </a:rPr>
-              <a:t>EOF</a:t>
+              <a:t>C</a:t>
             </a:r>
             <a:r>
               <a:rPr lang="ko-KR" altLang="en-US" dirty="0">
                 <a:latin typeface="나눔스퀘어 Light" panose="020B0600000101010101" pitchFamily="50" charset="-127"/>
                 <a:ea typeface="나눔스퀘어 Light" panose="020B0600000101010101" pitchFamily="50" charset="-127"/>
               </a:rPr>
-              <a:t>를 의도적으로 입력하는 방법은 </a:t>
-            </a:r>
-            <a:r>
-              <a:rPr lang="en-US" altLang="ko-KR" dirty="0">
-                <a:latin typeface="나눔스퀘어 Light" panose="020B0600000101010101" pitchFamily="50" charset="-127"/>
-                <a:ea typeface="나눔스퀘어 Light" panose="020B0600000101010101" pitchFamily="50" charset="-127"/>
-              </a:rPr>
-              <a:t>OS / </a:t>
+              <a:t>언어의 경우</a:t>
+            </a:r>
+            <a:r>
+              <a:rPr lang="en-US" altLang="ko-KR" dirty="0">
+                <a:latin typeface="나눔스퀘어 Light" panose="020B0600000101010101" pitchFamily="50" charset="-127"/>
+                <a:ea typeface="나눔스퀘어 Light" panose="020B0600000101010101" pitchFamily="50" charset="-127"/>
+              </a:rPr>
+              <a:t>, &lt;</a:t>
+            </a:r>
+            <a:r>
+              <a:rPr lang="en-US" altLang="ko-KR" dirty="0" err="1">
+                <a:latin typeface="나눔스퀘어 Light" panose="020B0600000101010101" pitchFamily="50" charset="-127"/>
+                <a:ea typeface="나눔스퀘어 Light" panose="020B0600000101010101" pitchFamily="50" charset="-127"/>
+              </a:rPr>
+              <a:t>stdio.h</a:t>
+            </a:r>
+            <a:r>
+              <a:rPr lang="en-US" altLang="ko-KR" dirty="0">
+                <a:latin typeface="나눔스퀘어 Light" panose="020B0600000101010101" pitchFamily="50" charset="-127"/>
+                <a:ea typeface="나눔스퀘어 Light" panose="020B0600000101010101" pitchFamily="50" charset="-127"/>
+              </a:rPr>
+              <a:t>&gt;</a:t>
             </a:r>
             <a:r>
               <a:rPr lang="ko-KR" altLang="en-US" dirty="0">
                 <a:latin typeface="나눔스퀘어 Light" panose="020B0600000101010101" pitchFamily="50" charset="-127"/>
                 <a:ea typeface="나눔스퀘어 Light" panose="020B0600000101010101" pitchFamily="50" charset="-127"/>
               </a:rPr>
-              <a:t>터미널 마다 조금씩 다릅니다만</a:t>
-            </a:r>
-            <a:r>
-              <a:rPr lang="en-US" altLang="ko-KR" dirty="0">
-                <a:latin typeface="나눔스퀘어 Light" panose="020B0600000101010101" pitchFamily="50" charset="-127"/>
-                <a:ea typeface="나눔스퀘어 Light" panose="020B0600000101010101" pitchFamily="50" charset="-127"/>
-              </a:rPr>
-              <a:t>,</a:t>
+              <a:t>에</a:t>
+            </a:r>
+            <a:r>
+              <a:rPr lang="en-US" altLang="ko-KR" dirty="0">
+                <a:latin typeface="나눔스퀘어 Light" panose="020B0600000101010101" pitchFamily="50" charset="-127"/>
+                <a:ea typeface="나눔스퀘어 Light" panose="020B0600000101010101" pitchFamily="50" charset="-127"/>
+              </a:rPr>
+              <a:t>	# define	EOF	-1	</a:t>
+            </a:r>
+            <a:r>
+              <a:rPr lang="ko-KR" altLang="en-US" dirty="0">
+                <a:latin typeface="나눔스퀘어 Light" panose="020B0600000101010101" pitchFamily="50" charset="-127"/>
+                <a:ea typeface="나눔스퀘어 Light" panose="020B0600000101010101" pitchFamily="50" charset="-127"/>
+              </a:rPr>
+              <a:t>선언이 되어 있습니다</a:t>
+            </a:r>
+            <a:r>
+              <a:rPr lang="en-US" altLang="ko-KR" dirty="0">
+                <a:latin typeface="나눔스퀘어 Light" panose="020B0600000101010101" pitchFamily="50" charset="-127"/>
+                <a:ea typeface="나눔스퀘어 Light" panose="020B0600000101010101" pitchFamily="50" charset="-127"/>
+              </a:rPr>
+              <a:t>.</a:t>
             </a:r>
             <a:endParaRPr lang="ko-KR" altLang="en-US" dirty="0">
               <a:latin typeface="나눔스퀘어 Light" panose="020B0600000101010101" pitchFamily="50" charset="-127"/>
@@ -19015,218 +19653,12 @@
           </a:p>
         </p:txBody>
       </p:sp>
-      <p:sp>
-        <p:nvSpPr>
-          <p:cNvPr id="2" name="TextBox 1">
-            <a:extLst>
-              <a:ext uri="{FF2B5EF4-FFF2-40B4-BE49-F238E27FC236}">
-                <a16:creationId xmlns:a16="http://schemas.microsoft.com/office/drawing/2014/main" id="{AAFA866B-40B5-CE43-B890-B310A2DF20F4}"/>
-              </a:ext>
-            </a:extLst>
-          </p:cNvPr>
-          <p:cNvSpPr txBox="1"/>
-          <p:nvPr/>
-        </p:nvSpPr>
-        <p:spPr>
-          <a:xfrm>
-            <a:off x="942387" y="2118420"/>
-            <a:ext cx="10237694" cy="369332"/>
-          </a:xfrm>
-          <a:prstGeom prst="rect">
-            <a:avLst/>
-          </a:prstGeom>
-          <a:noFill/>
-        </p:spPr>
-        <p:txBody>
-          <a:bodyPr wrap="square" rtlCol="0">
-            <a:spAutoFit/>
-          </a:bodyPr>
-          <a:lstStyle/>
-          <a:p>
-            <a:r>
-              <a:rPr lang="ko-KR" altLang="en-US" dirty="0">
-                <a:latin typeface="나눔스퀘어 Light" panose="020B0600000101010101" pitchFamily="50" charset="-127"/>
-                <a:ea typeface="나눔스퀘어 Light" panose="020B0600000101010101" pitchFamily="50" charset="-127"/>
-              </a:rPr>
-              <a:t>일반적으론 </a:t>
-            </a:r>
-            <a:r>
-              <a:rPr lang="en-US" altLang="ko-KR" dirty="0">
-                <a:latin typeface="나눔스퀘어 Light" panose="020B0600000101010101" pitchFamily="50" charset="-127"/>
-                <a:ea typeface="나눔스퀘어 Light" panose="020B0600000101010101" pitchFamily="50" charset="-127"/>
-              </a:rPr>
-              <a:t>Ctrl + Z </a:t>
-            </a:r>
-            <a:r>
-              <a:rPr lang="ko-KR" altLang="en-US" dirty="0">
-                <a:latin typeface="나눔스퀘어 Light" panose="020B0600000101010101" pitchFamily="50" charset="-127"/>
-                <a:ea typeface="나눔스퀘어 Light" panose="020B0600000101010101" pitchFamily="50" charset="-127"/>
-              </a:rPr>
-              <a:t>아니면 </a:t>
-            </a:r>
-            <a:r>
-              <a:rPr lang="en-US" altLang="ko-KR" dirty="0">
-                <a:latin typeface="나눔스퀘어 Light" panose="020B0600000101010101" pitchFamily="50" charset="-127"/>
-                <a:ea typeface="나눔스퀘어 Light" panose="020B0600000101010101" pitchFamily="50" charset="-127"/>
-              </a:rPr>
-              <a:t>Ctrl + D</a:t>
-            </a:r>
-            <a:r>
-              <a:rPr lang="ko-KR" altLang="en-US" dirty="0">
-                <a:latin typeface="나눔스퀘어 Light" panose="020B0600000101010101" pitchFamily="50" charset="-127"/>
-                <a:ea typeface="나눔스퀘어 Light" panose="020B0600000101010101" pitchFamily="50" charset="-127"/>
-              </a:rPr>
-              <a:t> 둘 중 하나입니다</a:t>
-            </a:r>
-            <a:r>
-              <a:rPr lang="en-US" altLang="ko-KR" dirty="0">
-                <a:latin typeface="나눔스퀘어 Light" panose="020B0600000101010101" pitchFamily="50" charset="-127"/>
-                <a:ea typeface="나눔스퀘어 Light" panose="020B0600000101010101" pitchFamily="50" charset="-127"/>
-              </a:rPr>
-              <a:t>.</a:t>
-            </a:r>
-            <a:endParaRPr lang="ko-KR" altLang="en-US" dirty="0">
-              <a:latin typeface="나눔스퀘어 Light" panose="020B0600000101010101" pitchFamily="50" charset="-127"/>
-              <a:ea typeface="나눔스퀘어 Light" panose="020B0600000101010101" pitchFamily="50" charset="-127"/>
-            </a:endParaRPr>
-          </a:p>
-        </p:txBody>
-      </p:sp>
-      <p:sp>
-        <p:nvSpPr>
-          <p:cNvPr id="9" name="TextBox 8">
-            <a:extLst>
-              <a:ext uri="{FF2B5EF4-FFF2-40B4-BE49-F238E27FC236}">
-                <a16:creationId xmlns:a16="http://schemas.microsoft.com/office/drawing/2014/main" id="{E17C578C-9955-6DC6-121D-0E5FD2642889}"/>
-              </a:ext>
-            </a:extLst>
-          </p:cNvPr>
-          <p:cNvSpPr txBox="1"/>
-          <p:nvPr/>
-        </p:nvSpPr>
-        <p:spPr>
-          <a:xfrm>
-            <a:off x="942387" y="2787724"/>
-            <a:ext cx="10237694" cy="369332"/>
-          </a:xfrm>
-          <a:prstGeom prst="rect">
-            <a:avLst/>
-          </a:prstGeom>
-          <a:noFill/>
-        </p:spPr>
-        <p:txBody>
-          <a:bodyPr wrap="square" rtlCol="0">
-            <a:spAutoFit/>
-          </a:bodyPr>
-          <a:lstStyle/>
-          <a:p>
-            <a:r>
-              <a:rPr lang="en-US" altLang="ko-KR" dirty="0">
-                <a:latin typeface="나눔스퀘어 Light" panose="020B0600000101010101" pitchFamily="50" charset="-127"/>
-                <a:ea typeface="나눔스퀘어 Light" panose="020B0600000101010101" pitchFamily="50" charset="-127"/>
-              </a:rPr>
-              <a:t>Ctrl + Z : Windows </a:t>
-            </a:r>
-            <a:r>
-              <a:rPr lang="ko-KR" altLang="en-US" dirty="0">
-                <a:latin typeface="나눔스퀘어 Light" panose="020B0600000101010101" pitchFamily="50" charset="-127"/>
-                <a:ea typeface="나눔스퀘어 Light" panose="020B0600000101010101" pitchFamily="50" charset="-127"/>
-              </a:rPr>
-              <a:t>명령 프롬프트</a:t>
-            </a:r>
-            <a:r>
-              <a:rPr lang="en-US" altLang="ko-KR" dirty="0">
-                <a:latin typeface="나눔스퀘어 Light" panose="020B0600000101010101" pitchFamily="50" charset="-127"/>
-                <a:ea typeface="나눔스퀘어 Light" panose="020B0600000101010101" pitchFamily="50" charset="-127"/>
-              </a:rPr>
-              <a:t>(</a:t>
-            </a:r>
-            <a:r>
-              <a:rPr lang="ko-KR" altLang="en-US" dirty="0">
-                <a:latin typeface="나눔스퀘어 Light" panose="020B0600000101010101" pitchFamily="50" charset="-127"/>
-                <a:ea typeface="나눔스퀘어 Light" panose="020B0600000101010101" pitchFamily="50" charset="-127"/>
-              </a:rPr>
-              <a:t>터미널</a:t>
-            </a:r>
-            <a:r>
-              <a:rPr lang="en-US" altLang="ko-KR" dirty="0">
-                <a:latin typeface="나눔스퀘어 Light" panose="020B0600000101010101" pitchFamily="50" charset="-127"/>
-                <a:ea typeface="나눔스퀘어 Light" panose="020B0600000101010101" pitchFamily="50" charset="-127"/>
-              </a:rPr>
-              <a:t>)</a:t>
-            </a:r>
-            <a:endParaRPr lang="ko-KR" altLang="en-US" dirty="0">
-              <a:latin typeface="나눔스퀘어 Light" panose="020B0600000101010101" pitchFamily="50" charset="-127"/>
-              <a:ea typeface="나눔스퀘어 Light" panose="020B0600000101010101" pitchFamily="50" charset="-127"/>
-            </a:endParaRPr>
-          </a:p>
-        </p:txBody>
-      </p:sp>
-      <p:sp>
-        <p:nvSpPr>
-          <p:cNvPr id="10" name="TextBox 9">
-            <a:extLst>
-              <a:ext uri="{FF2B5EF4-FFF2-40B4-BE49-F238E27FC236}">
-                <a16:creationId xmlns:a16="http://schemas.microsoft.com/office/drawing/2014/main" id="{905D061D-B1E8-ACF6-B257-04225D5A50DE}"/>
-              </a:ext>
-            </a:extLst>
-          </p:cNvPr>
-          <p:cNvSpPr txBox="1"/>
-          <p:nvPr/>
-        </p:nvSpPr>
-        <p:spPr>
-          <a:xfrm>
-            <a:off x="942387" y="3157056"/>
-            <a:ext cx="10237694" cy="369332"/>
-          </a:xfrm>
-          <a:prstGeom prst="rect">
-            <a:avLst/>
-          </a:prstGeom>
-          <a:noFill/>
-        </p:spPr>
-        <p:txBody>
-          <a:bodyPr wrap="square" rtlCol="0">
-            <a:spAutoFit/>
-          </a:bodyPr>
-          <a:lstStyle/>
-          <a:p>
-            <a:r>
-              <a:rPr lang="en-US" altLang="ko-KR" dirty="0">
-                <a:latin typeface="나눔스퀘어 Light" panose="020B0600000101010101" pitchFamily="50" charset="-127"/>
-                <a:ea typeface="나눔스퀘어 Light" panose="020B0600000101010101" pitchFamily="50" charset="-127"/>
-              </a:rPr>
-              <a:t>Ctrl + D : Linux, Unix, </a:t>
-            </a:r>
-            <a:r>
-              <a:rPr lang="en-US" altLang="ko-KR" dirty="0" err="1">
-                <a:latin typeface="나눔스퀘어 Light" panose="020B0600000101010101" pitchFamily="50" charset="-127"/>
-                <a:ea typeface="나눔스퀘어 Light" panose="020B0600000101010101" pitchFamily="50" charset="-127"/>
-              </a:rPr>
-              <a:t>Intellij</a:t>
-            </a:r>
-            <a:r>
-              <a:rPr lang="en-US" altLang="ko-KR" dirty="0">
-                <a:latin typeface="나눔스퀘어 Light" panose="020B0600000101010101" pitchFamily="50" charset="-127"/>
-                <a:ea typeface="나눔스퀘어 Light" panose="020B0600000101010101" pitchFamily="50" charset="-127"/>
-              </a:rPr>
-              <a:t> </a:t>
-            </a:r>
-            <a:r>
-              <a:rPr lang="ko-KR" altLang="en-US" dirty="0">
-                <a:latin typeface="나눔스퀘어 Light" panose="020B0600000101010101" pitchFamily="50" charset="-127"/>
-                <a:ea typeface="나눔스퀘어 Light" panose="020B0600000101010101" pitchFamily="50" charset="-127"/>
-              </a:rPr>
-              <a:t>터미널</a:t>
-            </a:r>
-          </a:p>
-        </p:txBody>
-      </p:sp>
       <p:pic>
         <p:nvPicPr>
-          <p:cNvPr id="13" name="그림 12">
-            <a:extLst>
-              <a:ext uri="{FF2B5EF4-FFF2-40B4-BE49-F238E27FC236}">
-                <a16:creationId xmlns:a16="http://schemas.microsoft.com/office/drawing/2014/main" id="{D6227831-5953-3B4F-AEBE-2B6E317DE20F}"/>
+          <p:cNvPr id="12" name="그림 11">
+            <a:extLst>
+              <a:ext uri="{FF2B5EF4-FFF2-40B4-BE49-F238E27FC236}">
+                <a16:creationId xmlns:a16="http://schemas.microsoft.com/office/drawing/2014/main" id="{605AB4DE-CD1C-39BC-BA8C-AC2D14AA5B45}"/>
               </a:ext>
             </a:extLst>
           </p:cNvPr>
@@ -19243,18 +19675,366 @@
         </p:blipFill>
         <p:spPr>
           <a:xfrm>
-            <a:off x="942386" y="3891654"/>
-            <a:ext cx="6763880" cy="2966346"/>
+            <a:off x="942387" y="2669790"/>
+            <a:ext cx="2867425" cy="600159"/>
           </a:xfrm>
           <a:prstGeom prst="rect">
             <a:avLst/>
           </a:prstGeom>
         </p:spPr>
       </p:pic>
+      <p:sp>
+        <p:nvSpPr>
+          <p:cNvPr id="13" name="TextBox 12">
+            <a:extLst>
+              <a:ext uri="{FF2B5EF4-FFF2-40B4-BE49-F238E27FC236}">
+                <a16:creationId xmlns:a16="http://schemas.microsoft.com/office/drawing/2014/main" id="{413FCEE2-8DF2-AA7B-36AD-6C1C53775219}"/>
+              </a:ext>
+            </a:extLst>
+          </p:cNvPr>
+          <p:cNvSpPr txBox="1"/>
+          <p:nvPr/>
+        </p:nvSpPr>
+        <p:spPr>
+          <a:xfrm>
+            <a:off x="942387" y="3339201"/>
+            <a:ext cx="10237694" cy="369332"/>
+          </a:xfrm>
+          <a:prstGeom prst="rect">
+            <a:avLst/>
+          </a:prstGeom>
+          <a:noFill/>
+        </p:spPr>
+        <p:txBody>
+          <a:bodyPr wrap="square" rtlCol="0">
+            <a:spAutoFit/>
+          </a:bodyPr>
+          <a:lstStyle/>
+          <a:p>
+            <a:r>
+              <a:rPr lang="en-US" altLang="ko-KR" dirty="0">
+                <a:latin typeface="나눔스퀘어 Light" panose="020B0600000101010101" pitchFamily="50" charset="-127"/>
+                <a:ea typeface="나눔스퀘어 Light" panose="020B0600000101010101" pitchFamily="50" charset="-127"/>
+              </a:rPr>
+              <a:t>C</a:t>
+            </a:r>
+            <a:r>
+              <a:rPr lang="ko-KR" altLang="en-US" dirty="0">
+                <a:latin typeface="나눔스퀘어 Light" panose="020B0600000101010101" pitchFamily="50" charset="-127"/>
+                <a:ea typeface="나눔스퀘어 Light" panose="020B0600000101010101" pitchFamily="50" charset="-127"/>
+              </a:rPr>
+              <a:t>언어의 입력 함수</a:t>
+            </a:r>
+            <a:r>
+              <a:rPr lang="en-US" altLang="ko-KR" dirty="0">
+                <a:latin typeface="나눔스퀘어 Light" panose="020B0600000101010101" pitchFamily="50" charset="-127"/>
+                <a:ea typeface="나눔스퀘어 Light" panose="020B0600000101010101" pitchFamily="50" charset="-127"/>
+              </a:rPr>
+              <a:t>(</a:t>
+            </a:r>
+            <a:r>
+              <a:rPr lang="en-US" altLang="ko-KR" dirty="0" err="1">
+                <a:latin typeface="나눔스퀘어 Light" panose="020B0600000101010101" pitchFamily="50" charset="-127"/>
+                <a:ea typeface="나눔스퀘어 Light" panose="020B0600000101010101" pitchFamily="50" charset="-127"/>
+              </a:rPr>
+              <a:t>scanf</a:t>
+            </a:r>
+            <a:r>
+              <a:rPr lang="en-US" altLang="ko-KR" dirty="0">
+                <a:latin typeface="나눔스퀘어 Light" panose="020B0600000101010101" pitchFamily="50" charset="-127"/>
+                <a:ea typeface="나눔스퀘어 Light" panose="020B0600000101010101" pitchFamily="50" charset="-127"/>
+              </a:rPr>
+              <a:t>)</a:t>
+            </a:r>
+            <a:r>
+              <a:rPr lang="ko-KR" altLang="en-US" dirty="0">
+                <a:latin typeface="나눔스퀘어 Light" panose="020B0600000101010101" pitchFamily="50" charset="-127"/>
+                <a:ea typeface="나눔스퀘어 Light" panose="020B0600000101010101" pitchFamily="50" charset="-127"/>
+              </a:rPr>
+              <a:t>는 입력을 받으면 입력 받은 인자의 개수를 반환하거나</a:t>
+            </a:r>
+            <a:r>
+              <a:rPr lang="en-US" altLang="ko-KR" dirty="0">
+                <a:latin typeface="나눔스퀘어 Light" panose="020B0600000101010101" pitchFamily="50" charset="-127"/>
+                <a:ea typeface="나눔스퀘어 Light" panose="020B0600000101010101" pitchFamily="50" charset="-127"/>
+              </a:rPr>
+              <a:t>, EOF</a:t>
+            </a:r>
+            <a:r>
+              <a:rPr lang="ko-KR" altLang="en-US" dirty="0">
+                <a:latin typeface="나눔스퀘어 Light" panose="020B0600000101010101" pitchFamily="50" charset="-127"/>
+                <a:ea typeface="나눔스퀘어 Light" panose="020B0600000101010101" pitchFamily="50" charset="-127"/>
+              </a:rPr>
+              <a:t>를 입력 받으면</a:t>
+            </a:r>
+          </a:p>
+        </p:txBody>
+      </p:sp>
+      <p:sp>
+        <p:nvSpPr>
+          <p:cNvPr id="14" name="TextBox 13">
+            <a:extLst>
+              <a:ext uri="{FF2B5EF4-FFF2-40B4-BE49-F238E27FC236}">
+                <a16:creationId xmlns:a16="http://schemas.microsoft.com/office/drawing/2014/main" id="{9D5914A1-4F62-E67F-4AD7-D7067F1970CB}"/>
+              </a:ext>
+            </a:extLst>
+          </p:cNvPr>
+          <p:cNvSpPr txBox="1"/>
+          <p:nvPr/>
+        </p:nvSpPr>
+        <p:spPr>
+          <a:xfrm>
+            <a:off x="942387" y="3708533"/>
+            <a:ext cx="10237694" cy="369332"/>
+          </a:xfrm>
+          <a:prstGeom prst="rect">
+            <a:avLst/>
+          </a:prstGeom>
+          <a:noFill/>
+        </p:spPr>
+        <p:txBody>
+          <a:bodyPr wrap="square" rtlCol="0">
+            <a:spAutoFit/>
+          </a:bodyPr>
+          <a:lstStyle/>
+          <a:p>
+            <a:r>
+              <a:rPr lang="en-US" altLang="ko-KR" dirty="0">
+                <a:latin typeface="나눔스퀘어 Light" panose="020B0600000101010101" pitchFamily="50" charset="-127"/>
+                <a:ea typeface="나눔스퀘어 Light" panose="020B0600000101010101" pitchFamily="50" charset="-127"/>
+              </a:rPr>
+              <a:t>EOF</a:t>
+            </a:r>
+            <a:r>
+              <a:rPr lang="ko-KR" altLang="en-US" dirty="0">
+                <a:latin typeface="나눔스퀘어 Light" panose="020B0600000101010101" pitchFamily="50" charset="-127"/>
+                <a:ea typeface="나눔스퀘어 Light" panose="020B0600000101010101" pitchFamily="50" charset="-127"/>
+              </a:rPr>
+              <a:t>를 </a:t>
+            </a:r>
+            <a:r>
+              <a:rPr lang="en-US" altLang="ko-KR" dirty="0">
+                <a:latin typeface="나눔스퀘어 Light" panose="020B0600000101010101" pitchFamily="50" charset="-127"/>
+                <a:ea typeface="나눔스퀘어 Light" panose="020B0600000101010101" pitchFamily="50" charset="-127"/>
+              </a:rPr>
+              <a:t>return</a:t>
+            </a:r>
+            <a:r>
+              <a:rPr lang="ko-KR" altLang="en-US" dirty="0">
+                <a:latin typeface="나눔스퀘어 Light" panose="020B0600000101010101" pitchFamily="50" charset="-127"/>
+                <a:ea typeface="나눔스퀘어 Light" panose="020B0600000101010101" pitchFamily="50" charset="-127"/>
+              </a:rPr>
+              <a:t>합니다</a:t>
+            </a:r>
+            <a:r>
+              <a:rPr lang="en-US" altLang="ko-KR" dirty="0">
+                <a:latin typeface="나눔스퀘어 Light" panose="020B0600000101010101" pitchFamily="50" charset="-127"/>
+                <a:ea typeface="나눔스퀘어 Light" panose="020B0600000101010101" pitchFamily="50" charset="-127"/>
+              </a:rPr>
+              <a:t>.</a:t>
+            </a:r>
+            <a:endParaRPr lang="ko-KR" altLang="en-US" dirty="0">
+              <a:latin typeface="나눔스퀘어 Light" panose="020B0600000101010101" pitchFamily="50" charset="-127"/>
+              <a:ea typeface="나눔스퀘어 Light" panose="020B0600000101010101" pitchFamily="50" charset="-127"/>
+            </a:endParaRPr>
+          </a:p>
+        </p:txBody>
+      </p:sp>
+      <p:sp>
+        <p:nvSpPr>
+          <p:cNvPr id="15" name="TextBox 14">
+            <a:extLst>
+              <a:ext uri="{FF2B5EF4-FFF2-40B4-BE49-F238E27FC236}">
+                <a16:creationId xmlns:a16="http://schemas.microsoft.com/office/drawing/2014/main" id="{3C1541CF-32AE-5AD4-7D7F-08F9BD5EE9AA}"/>
+              </a:ext>
+            </a:extLst>
+          </p:cNvPr>
+          <p:cNvSpPr txBox="1"/>
+          <p:nvPr/>
+        </p:nvSpPr>
+        <p:spPr>
+          <a:xfrm>
+            <a:off x="942387" y="4447196"/>
+            <a:ext cx="10237694" cy="369332"/>
+          </a:xfrm>
+          <a:prstGeom prst="rect">
+            <a:avLst/>
+          </a:prstGeom>
+          <a:noFill/>
+        </p:spPr>
+        <p:txBody>
+          <a:bodyPr wrap="square" rtlCol="0">
+            <a:spAutoFit/>
+          </a:bodyPr>
+          <a:lstStyle/>
+          <a:p>
+            <a:r>
+              <a:rPr lang="ko-KR" altLang="en-US" dirty="0">
+                <a:latin typeface="나눔스퀘어 Light" panose="020B0600000101010101" pitchFamily="50" charset="-127"/>
+                <a:ea typeface="나눔스퀘어 Light" panose="020B0600000101010101" pitchFamily="50" charset="-127"/>
+              </a:rPr>
+              <a:t>즉</a:t>
+            </a:r>
+            <a:r>
+              <a:rPr lang="en-US" altLang="ko-KR" dirty="0">
+                <a:latin typeface="나눔스퀘어 Light" panose="020B0600000101010101" pitchFamily="50" charset="-127"/>
+                <a:ea typeface="나눔스퀘어 Light" panose="020B0600000101010101" pitchFamily="50" charset="-127"/>
+              </a:rPr>
+              <a:t>, </a:t>
+            </a:r>
+            <a:r>
+              <a:rPr lang="ko-KR" altLang="en-US" dirty="0">
+                <a:latin typeface="나눔스퀘어 Light" panose="020B0600000101010101" pitchFamily="50" charset="-127"/>
+                <a:ea typeface="나눔스퀘어 Light" panose="020B0600000101010101" pitchFamily="50" charset="-127"/>
+              </a:rPr>
+              <a:t>입력 함수의 </a:t>
+            </a:r>
+            <a:r>
+              <a:rPr lang="en-US" altLang="ko-KR" dirty="0">
+                <a:latin typeface="나눔스퀘어 Light" panose="020B0600000101010101" pitchFamily="50" charset="-127"/>
+                <a:ea typeface="나눔스퀘어 Light" panose="020B0600000101010101" pitchFamily="50" charset="-127"/>
+              </a:rPr>
+              <a:t>return </a:t>
+            </a:r>
+            <a:r>
+              <a:rPr lang="ko-KR" altLang="en-US" dirty="0">
+                <a:latin typeface="나눔스퀘어 Light" panose="020B0600000101010101" pitchFamily="50" charset="-127"/>
+                <a:ea typeface="나눔스퀘어 Light" panose="020B0600000101010101" pitchFamily="50" charset="-127"/>
+              </a:rPr>
+              <a:t>값이 </a:t>
+            </a:r>
+            <a:r>
+              <a:rPr lang="en-US" altLang="ko-KR" dirty="0">
+                <a:latin typeface="나눔스퀘어 Light" panose="020B0600000101010101" pitchFamily="50" charset="-127"/>
+                <a:ea typeface="나눔스퀘어 Light" panose="020B0600000101010101" pitchFamily="50" charset="-127"/>
+              </a:rPr>
+              <a:t>EOF(-1) </a:t>
+            </a:r>
+            <a:r>
+              <a:rPr lang="ko-KR" altLang="en-US" dirty="0">
+                <a:latin typeface="나눔스퀘어 Light" panose="020B0600000101010101" pitchFamily="50" charset="-127"/>
+                <a:ea typeface="나눔스퀘어 Light" panose="020B0600000101010101" pitchFamily="50" charset="-127"/>
+              </a:rPr>
+              <a:t>인지 확인하면 입력의 끝인지를 알 수 있습니다</a:t>
+            </a:r>
+            <a:r>
+              <a:rPr lang="en-US" altLang="ko-KR" dirty="0">
+                <a:latin typeface="나눔스퀘어 Light" panose="020B0600000101010101" pitchFamily="50" charset="-127"/>
+                <a:ea typeface="나눔스퀘어 Light" panose="020B0600000101010101" pitchFamily="50" charset="-127"/>
+              </a:rPr>
+              <a:t>.</a:t>
+            </a:r>
+            <a:endParaRPr lang="ko-KR" altLang="en-US" dirty="0">
+              <a:latin typeface="나눔스퀘어 Light" panose="020B0600000101010101" pitchFamily="50" charset="-127"/>
+              <a:ea typeface="나눔스퀘어 Light" panose="020B0600000101010101" pitchFamily="50" charset="-127"/>
+            </a:endParaRPr>
+          </a:p>
+        </p:txBody>
+      </p:sp>
+      <p:pic>
+        <p:nvPicPr>
+          <p:cNvPr id="17" name="그림 16">
+            <a:extLst>
+              <a:ext uri="{FF2B5EF4-FFF2-40B4-BE49-F238E27FC236}">
+                <a16:creationId xmlns:a16="http://schemas.microsoft.com/office/drawing/2014/main" id="{C29BF2A0-83BB-832F-B4CB-A34CC0290F5E}"/>
+              </a:ext>
+            </a:extLst>
+          </p:cNvPr>
+          <p:cNvPicPr>
+            <a:picLocks noChangeAspect="1"/>
+          </p:cNvPicPr>
+          <p:nvPr/>
+        </p:nvPicPr>
+        <p:blipFill>
+          <a:blip r:embed="rId3"/>
+          <a:stretch>
+            <a:fillRect/>
+          </a:stretch>
+        </p:blipFill>
+        <p:spPr>
+          <a:xfrm>
+            <a:off x="942386" y="4997956"/>
+            <a:ext cx="4691587" cy="1346282"/>
+          </a:xfrm>
+          <a:prstGeom prst="rect">
+            <a:avLst/>
+          </a:prstGeom>
+        </p:spPr>
+      </p:pic>
+      <p:sp>
+        <p:nvSpPr>
+          <p:cNvPr id="18" name="TextBox 17">
+            <a:extLst>
+              <a:ext uri="{FF2B5EF4-FFF2-40B4-BE49-F238E27FC236}">
+                <a16:creationId xmlns:a16="http://schemas.microsoft.com/office/drawing/2014/main" id="{F28B7E05-85DF-847B-849B-54B4E765E269}"/>
+              </a:ext>
+            </a:extLst>
+          </p:cNvPr>
+          <p:cNvSpPr txBox="1"/>
+          <p:nvPr/>
+        </p:nvSpPr>
+        <p:spPr>
+          <a:xfrm>
+            <a:off x="6306238" y="5298644"/>
+            <a:ext cx="3796387" cy="369332"/>
+          </a:xfrm>
+          <a:prstGeom prst="rect">
+            <a:avLst/>
+          </a:prstGeom>
+          <a:noFill/>
+        </p:spPr>
+        <p:txBody>
+          <a:bodyPr wrap="square" rtlCol="0">
+            <a:spAutoFit/>
+          </a:bodyPr>
+          <a:lstStyle/>
+          <a:p>
+            <a:r>
+              <a:rPr lang="en-US" altLang="ko-KR" dirty="0">
+                <a:latin typeface="나눔스퀘어 Light" panose="020B0600000101010101" pitchFamily="50" charset="-127"/>
+                <a:ea typeface="나눔스퀘어 Light" panose="020B0600000101010101" pitchFamily="50" charset="-127"/>
+              </a:rPr>
+              <a:t>(~ </a:t>
+            </a:r>
+            <a:r>
+              <a:rPr lang="ko-KR" altLang="en-US" dirty="0">
+                <a:latin typeface="나눔스퀘어 Light" panose="020B0600000101010101" pitchFamily="50" charset="-127"/>
+                <a:ea typeface="나눔스퀘어 Light" panose="020B0600000101010101" pitchFamily="50" charset="-127"/>
+              </a:rPr>
+              <a:t>연산자는 비트 </a:t>
+            </a:r>
+            <a:r>
+              <a:rPr lang="en-US" altLang="ko-KR" dirty="0">
+                <a:latin typeface="나눔스퀘어 Light" panose="020B0600000101010101" pitchFamily="50" charset="-127"/>
+                <a:ea typeface="나눔스퀘어 Light" panose="020B0600000101010101" pitchFamily="50" charset="-127"/>
+              </a:rPr>
+              <a:t>NOT </a:t>
+            </a:r>
+            <a:r>
+              <a:rPr lang="ko-KR" altLang="en-US" dirty="0">
+                <a:latin typeface="나눔스퀘어 Light" panose="020B0600000101010101" pitchFamily="50" charset="-127"/>
+                <a:ea typeface="나눔스퀘어 Light" panose="020B0600000101010101" pitchFamily="50" charset="-127"/>
+              </a:rPr>
+              <a:t>연산자입니다</a:t>
+            </a:r>
+            <a:r>
+              <a:rPr lang="en-US" altLang="ko-KR" dirty="0">
+                <a:latin typeface="나눔스퀘어 Light" panose="020B0600000101010101" pitchFamily="50" charset="-127"/>
+                <a:ea typeface="나눔스퀘어 Light" panose="020B0600000101010101" pitchFamily="50" charset="-127"/>
+              </a:rPr>
+              <a:t>.)</a:t>
+            </a:r>
+            <a:endParaRPr lang="ko-KR" altLang="en-US" dirty="0">
+              <a:latin typeface="나눔스퀘어 Light" panose="020B0600000101010101" pitchFamily="50" charset="-127"/>
+              <a:ea typeface="나눔스퀘어 Light" panose="020B0600000101010101" pitchFamily="50" charset="-127"/>
+            </a:endParaRPr>
+          </a:p>
+        </p:txBody>
+      </p:sp>
     </p:spTree>
     <p:extLst>
       <p:ext uri="{BB962C8B-B14F-4D97-AF65-F5344CB8AC3E}">
-        <p14:creationId xmlns:p14="http://schemas.microsoft.com/office/powerpoint/2010/main" val="678243044"/>
+        <p14:creationId xmlns:p14="http://schemas.microsoft.com/office/powerpoint/2010/main" val="384292512"/>
       </p:ext>
     </p:extLst>
   </p:cSld>
@@ -19283,10 +20063,10 @@
       </p:grpSpPr>
       <p:cxnSp>
         <p:nvCxnSpPr>
-          <p:cNvPr id="5" name="직선 연결선 4">
-            <a:extLst>
-              <a:ext uri="{FF2B5EF4-FFF2-40B4-BE49-F238E27FC236}">
-                <a16:creationId xmlns:a16="http://schemas.microsoft.com/office/drawing/2014/main" id="{164C2827-EFCE-69A4-D037-1A218415F568}"/>
+          <p:cNvPr id="26" name="직선 연결선 25">
+            <a:extLst>
+              <a:ext uri="{FF2B5EF4-FFF2-40B4-BE49-F238E27FC236}">
+                <a16:creationId xmlns:a16="http://schemas.microsoft.com/office/drawing/2014/main" id="{679B38A3-B196-3741-D6D3-0CA8FB95B91A}"/>
               </a:ext>
             </a:extLst>
           </p:cNvPr>
@@ -19330,7 +20110,7 @@
           <p:cNvPr id="3" name="TextBox 2">
             <a:extLst>
               <a:ext uri="{FF2B5EF4-FFF2-40B4-BE49-F238E27FC236}">
-                <a16:creationId xmlns:a16="http://schemas.microsoft.com/office/drawing/2014/main" id="{DC9B4459-A971-5F94-D4E6-4434E84C98B8}"/>
+                <a16:creationId xmlns:a16="http://schemas.microsoft.com/office/drawing/2014/main" id="{B9DDF29F-4939-9859-67A7-972089459CC6}"/>
               </a:ext>
             </a:extLst>
           </p:cNvPr>
@@ -19340,7 +20120,7 @@
         <p:spPr>
           <a:xfrm>
             <a:off x="331694" y="177505"/>
-            <a:ext cx="6968574" cy="523220"/>
+            <a:ext cx="4214615" cy="523220"/>
           </a:xfrm>
           <a:prstGeom prst="rect">
             <a:avLst/>
@@ -19372,7 +20152,7 @@
                 <a:latin typeface="나눔스퀘어 Bold" panose="020B0600000101010101" pitchFamily="50" charset="-127"/>
                 <a:ea typeface="나눔스퀘어 Bold" panose="020B0600000101010101" pitchFamily="50" charset="-127"/>
               </a:rPr>
-              <a:t>– EOF(End Of File) – 10951 A+B - 4</a:t>
+              <a:t>– EOF(End Of File)</a:t>
             </a:r>
             <a:endParaRPr lang="ko-KR" altLang="en-US" sz="2800" dirty="0">
               <a:latin typeface="나눔스퀘어 Bold" panose="020B0600000101010101" pitchFamily="50" charset="-127"/>
@@ -19381,12 +20161,222 @@
           </a:p>
         </p:txBody>
       </p:sp>
+      <p:sp>
+        <p:nvSpPr>
+          <p:cNvPr id="4" name="TextBox 3">
+            <a:extLst>
+              <a:ext uri="{FF2B5EF4-FFF2-40B4-BE49-F238E27FC236}">
+                <a16:creationId xmlns:a16="http://schemas.microsoft.com/office/drawing/2014/main" id="{772D4C43-3CFC-A02D-4942-D14A03372055}"/>
+              </a:ext>
+            </a:extLst>
+          </p:cNvPr>
+          <p:cNvSpPr txBox="1"/>
+          <p:nvPr/>
+        </p:nvSpPr>
+        <p:spPr>
+          <a:xfrm>
+            <a:off x="942386" y="1184956"/>
+            <a:ext cx="10237694" cy="369332"/>
+          </a:xfrm>
+          <a:prstGeom prst="rect">
+            <a:avLst/>
+          </a:prstGeom>
+          <a:noFill/>
+        </p:spPr>
+        <p:txBody>
+          <a:bodyPr wrap="square" rtlCol="0">
+            <a:spAutoFit/>
+          </a:bodyPr>
+          <a:lstStyle/>
+          <a:p>
+            <a:r>
+              <a:rPr lang="en-US" altLang="ko-KR" dirty="0">
+                <a:latin typeface="나눔스퀘어 Bold" panose="020B0600000101010101" pitchFamily="50" charset="-127"/>
+                <a:ea typeface="나눔스퀘어 Bold" panose="020B0600000101010101" pitchFamily="50" charset="-127"/>
+              </a:rPr>
+              <a:t>Java</a:t>
+            </a:r>
+            <a:endParaRPr lang="ko-KR" altLang="en-US" dirty="0">
+              <a:latin typeface="나눔스퀘어 Bold" panose="020B0600000101010101" pitchFamily="50" charset="-127"/>
+              <a:ea typeface="나눔스퀘어 Bold" panose="020B0600000101010101" pitchFamily="50" charset="-127"/>
+            </a:endParaRPr>
+          </a:p>
+        </p:txBody>
+      </p:sp>
+      <p:sp>
+        <p:nvSpPr>
+          <p:cNvPr id="7" name="TextBox 6">
+            <a:extLst>
+              <a:ext uri="{FF2B5EF4-FFF2-40B4-BE49-F238E27FC236}">
+                <a16:creationId xmlns:a16="http://schemas.microsoft.com/office/drawing/2014/main" id="{7D26A2AB-86D4-5575-EE1F-BE7B970B4BEA}"/>
+              </a:ext>
+            </a:extLst>
+          </p:cNvPr>
+          <p:cNvSpPr txBox="1"/>
+          <p:nvPr/>
+        </p:nvSpPr>
+        <p:spPr>
+          <a:xfrm>
+            <a:off x="942387" y="1744021"/>
+            <a:ext cx="10237694" cy="369332"/>
+          </a:xfrm>
+          <a:prstGeom prst="rect">
+            <a:avLst/>
+          </a:prstGeom>
+          <a:noFill/>
+        </p:spPr>
+        <p:txBody>
+          <a:bodyPr wrap="square" rtlCol="0">
+            <a:spAutoFit/>
+          </a:bodyPr>
+          <a:lstStyle/>
+          <a:p>
+            <a:r>
+              <a:rPr lang="en-US" altLang="ko-KR" dirty="0">
+                <a:latin typeface="나눔스퀘어 Light" panose="020B0600000101010101" pitchFamily="50" charset="-127"/>
+                <a:ea typeface="나눔스퀘어 Light" panose="020B0600000101010101" pitchFamily="50" charset="-127"/>
+              </a:rPr>
+              <a:t>Java</a:t>
+            </a:r>
+            <a:r>
+              <a:rPr lang="ko-KR" altLang="en-US" dirty="0">
+                <a:latin typeface="나눔스퀘어 Light" panose="020B0600000101010101" pitchFamily="50" charset="-127"/>
+                <a:ea typeface="나눔스퀘어 Light" panose="020B0600000101010101" pitchFamily="50" charset="-127"/>
+              </a:rPr>
+              <a:t>의 경우에는 단순합니다</a:t>
+            </a:r>
+            <a:r>
+              <a:rPr lang="en-US" altLang="ko-KR" dirty="0">
+                <a:latin typeface="나눔스퀘어 Light" panose="020B0600000101010101" pitchFamily="50" charset="-127"/>
+                <a:ea typeface="나눔스퀘어 Light" panose="020B0600000101010101" pitchFamily="50" charset="-127"/>
+              </a:rPr>
+              <a:t>. </a:t>
+            </a:r>
+            <a:r>
+              <a:rPr lang="ko-KR" altLang="en-US" dirty="0">
+                <a:latin typeface="나눔스퀘어 Light" panose="020B0600000101010101" pitchFamily="50" charset="-127"/>
+                <a:ea typeface="나눔스퀘어 Light" panose="020B0600000101010101" pitchFamily="50" charset="-127"/>
+              </a:rPr>
+              <a:t>그냥 다음 입력이 있는지 없는지</a:t>
+            </a:r>
+            <a:r>
+              <a:rPr lang="en-US" altLang="ko-KR" dirty="0">
+                <a:latin typeface="나눔스퀘어 Light" panose="020B0600000101010101" pitchFamily="50" charset="-127"/>
+                <a:ea typeface="나눔스퀘어 Light" panose="020B0600000101010101" pitchFamily="50" charset="-127"/>
+              </a:rPr>
+              <a:t>(</a:t>
+            </a:r>
+            <a:r>
+              <a:rPr lang="en-US" altLang="ko-KR" dirty="0" err="1">
+                <a:latin typeface="나눔스퀘어 Light" panose="020B0600000101010101" pitchFamily="50" charset="-127"/>
+                <a:ea typeface="나눔스퀘어 Light" panose="020B0600000101010101" pitchFamily="50" charset="-127"/>
+              </a:rPr>
+              <a:t>Scanner.hasNext</a:t>
+            </a:r>
+            <a:r>
+              <a:rPr lang="en-US" altLang="ko-KR" dirty="0">
+                <a:latin typeface="나눔스퀘어 Light" panose="020B0600000101010101" pitchFamily="50" charset="-127"/>
+                <a:ea typeface="나눔스퀘어 Light" panose="020B0600000101010101" pitchFamily="50" charset="-127"/>
+              </a:rPr>
+              <a:t>())</a:t>
+            </a:r>
+            <a:r>
+              <a:rPr lang="ko-KR" altLang="en-US" dirty="0">
+                <a:latin typeface="나눔스퀘어 Light" panose="020B0600000101010101" pitchFamily="50" charset="-127"/>
+                <a:ea typeface="나눔스퀘어 Light" panose="020B0600000101010101" pitchFamily="50" charset="-127"/>
+              </a:rPr>
+              <a:t>만 확인하면 됩니다</a:t>
+            </a:r>
+            <a:r>
+              <a:rPr lang="en-US" altLang="ko-KR" dirty="0">
+                <a:latin typeface="나눔스퀘어 Light" panose="020B0600000101010101" pitchFamily="50" charset="-127"/>
+                <a:ea typeface="나눔스퀘어 Light" panose="020B0600000101010101" pitchFamily="50" charset="-127"/>
+              </a:rPr>
+              <a:t>.</a:t>
+            </a:r>
+            <a:endParaRPr lang="ko-KR" altLang="en-US" dirty="0">
+              <a:latin typeface="나눔스퀘어 Light" panose="020B0600000101010101" pitchFamily="50" charset="-127"/>
+              <a:ea typeface="나눔스퀘어 Light" panose="020B0600000101010101" pitchFamily="50" charset="-127"/>
+            </a:endParaRPr>
+          </a:p>
+        </p:txBody>
+      </p:sp>
+      <p:sp>
+        <p:nvSpPr>
+          <p:cNvPr id="5" name="TextBox 4">
+            <a:extLst>
+              <a:ext uri="{FF2B5EF4-FFF2-40B4-BE49-F238E27FC236}">
+                <a16:creationId xmlns:a16="http://schemas.microsoft.com/office/drawing/2014/main" id="{00A70271-39C6-B622-C1DA-03E25486769E}"/>
+              </a:ext>
+            </a:extLst>
+          </p:cNvPr>
+          <p:cNvSpPr txBox="1"/>
+          <p:nvPr/>
+        </p:nvSpPr>
+        <p:spPr>
+          <a:xfrm>
+            <a:off x="942386" y="4408550"/>
+            <a:ext cx="10237694" cy="369332"/>
+          </a:xfrm>
+          <a:prstGeom prst="rect">
+            <a:avLst/>
+          </a:prstGeom>
+          <a:noFill/>
+        </p:spPr>
+        <p:txBody>
+          <a:bodyPr wrap="square" rtlCol="0">
+            <a:spAutoFit/>
+          </a:bodyPr>
+          <a:lstStyle/>
+          <a:p>
+            <a:r>
+              <a:rPr lang="en-US" altLang="ko-KR" dirty="0" err="1">
+                <a:latin typeface="나눔스퀘어 Light" panose="020B0600000101010101" pitchFamily="50" charset="-127"/>
+                <a:ea typeface="나눔스퀘어 Light" panose="020B0600000101010101" pitchFamily="50" charset="-127"/>
+              </a:rPr>
+              <a:t>BufferedReader</a:t>
+            </a:r>
+            <a:r>
+              <a:rPr lang="ko-KR" altLang="en-US" dirty="0">
+                <a:latin typeface="나눔스퀘어 Light" panose="020B0600000101010101" pitchFamily="50" charset="-127"/>
+                <a:ea typeface="나눔스퀘어 Light" panose="020B0600000101010101" pitchFamily="50" charset="-127"/>
+              </a:rPr>
+              <a:t>를 통해 입력 받는 경우는</a:t>
+            </a:r>
+            <a:r>
+              <a:rPr lang="en-US" altLang="ko-KR" dirty="0">
+                <a:latin typeface="나눔스퀘어 Light" panose="020B0600000101010101" pitchFamily="50" charset="-127"/>
+                <a:ea typeface="나눔스퀘어 Light" panose="020B0600000101010101" pitchFamily="50" charset="-127"/>
+              </a:rPr>
+              <a:t>, null</a:t>
+            </a:r>
+            <a:r>
+              <a:rPr lang="ko-KR" altLang="en-US" dirty="0">
+                <a:latin typeface="나눔스퀘어 Light" panose="020B0600000101010101" pitchFamily="50" charset="-127"/>
+                <a:ea typeface="나눔스퀘어 Light" panose="020B0600000101010101" pitchFamily="50" charset="-127"/>
+              </a:rPr>
+              <a:t>인지만 확인하면 됩니다</a:t>
+            </a:r>
+            <a:r>
+              <a:rPr lang="en-US" altLang="ko-KR" dirty="0">
+                <a:latin typeface="나눔스퀘어 Light" panose="020B0600000101010101" pitchFamily="50" charset="-127"/>
+                <a:ea typeface="나눔스퀘어 Light" panose="020B0600000101010101" pitchFamily="50" charset="-127"/>
+              </a:rPr>
+              <a:t>.</a:t>
+            </a:r>
+            <a:endParaRPr lang="ko-KR" altLang="en-US" dirty="0">
+              <a:latin typeface="나눔스퀘어 Light" panose="020B0600000101010101" pitchFamily="50" charset="-127"/>
+              <a:ea typeface="나눔스퀘어 Light" panose="020B0600000101010101" pitchFamily="50" charset="-127"/>
+            </a:endParaRPr>
+          </a:p>
+        </p:txBody>
+      </p:sp>
       <p:pic>
         <p:nvPicPr>
-          <p:cNvPr id="7" name="그림 6">
-            <a:extLst>
-              <a:ext uri="{FF2B5EF4-FFF2-40B4-BE49-F238E27FC236}">
-                <a16:creationId xmlns:a16="http://schemas.microsoft.com/office/drawing/2014/main" id="{9078DAE2-D59D-5818-54DF-9D234069F587}"/>
+          <p:cNvPr id="10" name="그림 9">
+            <a:extLst>
+              <a:ext uri="{FF2B5EF4-FFF2-40B4-BE49-F238E27FC236}">
+                <a16:creationId xmlns:a16="http://schemas.microsoft.com/office/drawing/2014/main" id="{8CE7F676-A249-893B-1131-603A28445531}"/>
               </a:ext>
             </a:extLst>
           </p:cNvPr>
@@ -19403,8 +20393,38 @@
         </p:blipFill>
         <p:spPr>
           <a:xfrm>
-            <a:off x="331694" y="942771"/>
-            <a:ext cx="10916239" cy="5630481"/>
+            <a:off x="942386" y="4881576"/>
+            <a:ext cx="8534912" cy="942951"/>
+          </a:xfrm>
+          <a:prstGeom prst="rect">
+            <a:avLst/>
+          </a:prstGeom>
+        </p:spPr>
+      </p:pic>
+      <p:pic>
+        <p:nvPicPr>
+          <p:cNvPr id="16" name="그림 15">
+            <a:extLst>
+              <a:ext uri="{FF2B5EF4-FFF2-40B4-BE49-F238E27FC236}">
+                <a16:creationId xmlns:a16="http://schemas.microsoft.com/office/drawing/2014/main" id="{DB412890-78BA-12D9-C730-DA6DBD052777}"/>
+              </a:ext>
+            </a:extLst>
+          </p:cNvPr>
+          <p:cNvPicPr>
+            <a:picLocks noChangeAspect="1"/>
+          </p:cNvPicPr>
+          <p:nvPr/>
+        </p:nvPicPr>
+        <p:blipFill>
+          <a:blip r:embed="rId3"/>
+          <a:stretch>
+            <a:fillRect/>
+          </a:stretch>
+        </p:blipFill>
+        <p:spPr>
+          <a:xfrm>
+            <a:off x="942385" y="2217047"/>
+            <a:ext cx="8534911" cy="1469025"/>
           </a:xfrm>
           <a:prstGeom prst="rect">
             <a:avLst/>
@@ -19414,7 +20434,7 @@
     </p:spTree>
     <p:extLst>
       <p:ext uri="{BB962C8B-B14F-4D97-AF65-F5344CB8AC3E}">
-        <p14:creationId xmlns:p14="http://schemas.microsoft.com/office/powerpoint/2010/main" val="1392906861"/>
+        <p14:creationId xmlns:p14="http://schemas.microsoft.com/office/powerpoint/2010/main" val="2250887960"/>
       </p:ext>
     </p:extLst>
   </p:cSld>
@@ -19443,6 +20463,1089 @@
       </p:grpSpPr>
       <p:cxnSp>
         <p:nvCxnSpPr>
+          <p:cNvPr id="26" name="직선 연결선 25">
+            <a:extLst>
+              <a:ext uri="{FF2B5EF4-FFF2-40B4-BE49-F238E27FC236}">
+                <a16:creationId xmlns:a16="http://schemas.microsoft.com/office/drawing/2014/main" id="{679B38A3-B196-3741-D6D3-0CA8FB95B91A}"/>
+              </a:ext>
+            </a:extLst>
+          </p:cNvPr>
+          <p:cNvCxnSpPr/>
+          <p:nvPr/>
+        </p:nvCxnSpPr>
+        <p:spPr>
+          <a:xfrm>
+            <a:off x="0" y="887505"/>
+            <a:ext cx="10237694" cy="0"/>
+          </a:xfrm>
+          <a:prstGeom prst="line">
+            <a:avLst/>
+          </a:prstGeom>
+          <a:ln w="76200">
+            <a:solidFill>
+              <a:schemeClr val="tx1">
+                <a:lumMod val="75000"/>
+                <a:lumOff val="25000"/>
+              </a:schemeClr>
+            </a:solidFill>
+          </a:ln>
+        </p:spPr>
+        <p:style>
+          <a:lnRef idx="1">
+            <a:schemeClr val="accent1"/>
+          </a:lnRef>
+          <a:fillRef idx="0">
+            <a:schemeClr val="accent1"/>
+          </a:fillRef>
+          <a:effectRef idx="0">
+            <a:schemeClr val="accent1"/>
+          </a:effectRef>
+          <a:fontRef idx="minor">
+            <a:schemeClr val="tx1"/>
+          </a:fontRef>
+        </p:style>
+      </p:cxnSp>
+      <p:sp>
+        <p:nvSpPr>
+          <p:cNvPr id="3" name="TextBox 2">
+            <a:extLst>
+              <a:ext uri="{FF2B5EF4-FFF2-40B4-BE49-F238E27FC236}">
+                <a16:creationId xmlns:a16="http://schemas.microsoft.com/office/drawing/2014/main" id="{B9DDF29F-4939-9859-67A7-972089459CC6}"/>
+              </a:ext>
+            </a:extLst>
+          </p:cNvPr>
+          <p:cNvSpPr txBox="1"/>
+          <p:nvPr/>
+        </p:nvSpPr>
+        <p:spPr>
+          <a:xfrm>
+            <a:off x="331694" y="177505"/>
+            <a:ext cx="4214615" cy="523220"/>
+          </a:xfrm>
+          <a:prstGeom prst="rect">
+            <a:avLst/>
+          </a:prstGeom>
+          <a:noFill/>
+        </p:spPr>
+        <p:txBody>
+          <a:bodyPr wrap="none" rtlCol="0">
+            <a:spAutoFit/>
+          </a:bodyPr>
+          <a:lstStyle/>
+          <a:p>
+            <a:r>
+              <a:rPr lang="ko-KR" altLang="en-US" sz="2800" dirty="0" err="1">
+                <a:latin typeface="나눔스퀘어 Bold" panose="020B0600000101010101" pitchFamily="50" charset="-127"/>
+                <a:ea typeface="나눔스퀘어 Bold" panose="020B0600000101010101" pitchFamily="50" charset="-127"/>
+              </a:rPr>
+              <a:t>번외편</a:t>
+            </a:r>
+            <a:r>
+              <a:rPr lang="ko-KR" altLang="en-US" sz="2800" dirty="0">
+                <a:latin typeface="나눔스퀘어 Bold" panose="020B0600000101010101" pitchFamily="50" charset="-127"/>
+                <a:ea typeface="나눔스퀘어 Bold" panose="020B0600000101010101" pitchFamily="50" charset="-127"/>
+              </a:rPr>
+              <a:t> </a:t>
+            </a:r>
+            <a:r>
+              <a:rPr lang="en-US" altLang="ko-KR" sz="2800" dirty="0">
+                <a:latin typeface="나눔스퀘어 Bold" panose="020B0600000101010101" pitchFamily="50" charset="-127"/>
+                <a:ea typeface="나눔스퀘어 Bold" panose="020B0600000101010101" pitchFamily="50" charset="-127"/>
+              </a:rPr>
+              <a:t>– EOF(End Of File)</a:t>
+            </a:r>
+            <a:endParaRPr lang="ko-KR" altLang="en-US" sz="2800" dirty="0">
+              <a:latin typeface="나눔스퀘어 Bold" panose="020B0600000101010101" pitchFamily="50" charset="-127"/>
+              <a:ea typeface="나눔스퀘어 Bold" panose="020B0600000101010101" pitchFamily="50" charset="-127"/>
+            </a:endParaRPr>
+          </a:p>
+        </p:txBody>
+      </p:sp>
+      <p:sp>
+        <p:nvSpPr>
+          <p:cNvPr id="4" name="TextBox 3">
+            <a:extLst>
+              <a:ext uri="{FF2B5EF4-FFF2-40B4-BE49-F238E27FC236}">
+                <a16:creationId xmlns:a16="http://schemas.microsoft.com/office/drawing/2014/main" id="{772D4C43-3CFC-A02D-4942-D14A03372055}"/>
+              </a:ext>
+            </a:extLst>
+          </p:cNvPr>
+          <p:cNvSpPr txBox="1"/>
+          <p:nvPr/>
+        </p:nvSpPr>
+        <p:spPr>
+          <a:xfrm>
+            <a:off x="942386" y="1184956"/>
+            <a:ext cx="10237694" cy="369332"/>
+          </a:xfrm>
+          <a:prstGeom prst="rect">
+            <a:avLst/>
+          </a:prstGeom>
+          <a:noFill/>
+        </p:spPr>
+        <p:txBody>
+          <a:bodyPr wrap="square" rtlCol="0">
+            <a:spAutoFit/>
+          </a:bodyPr>
+          <a:lstStyle/>
+          <a:p>
+            <a:r>
+              <a:rPr lang="en-US" altLang="ko-KR" dirty="0">
+                <a:latin typeface="나눔스퀘어 Bold" panose="020B0600000101010101" pitchFamily="50" charset="-127"/>
+                <a:ea typeface="나눔스퀘어 Bold" panose="020B0600000101010101" pitchFamily="50" charset="-127"/>
+              </a:rPr>
+              <a:t>Python</a:t>
+            </a:r>
+            <a:endParaRPr lang="ko-KR" altLang="en-US" dirty="0">
+              <a:latin typeface="나눔스퀘어 Bold" panose="020B0600000101010101" pitchFamily="50" charset="-127"/>
+              <a:ea typeface="나눔스퀘어 Bold" panose="020B0600000101010101" pitchFamily="50" charset="-127"/>
+            </a:endParaRPr>
+          </a:p>
+        </p:txBody>
+      </p:sp>
+      <p:sp>
+        <p:nvSpPr>
+          <p:cNvPr id="7" name="TextBox 6">
+            <a:extLst>
+              <a:ext uri="{FF2B5EF4-FFF2-40B4-BE49-F238E27FC236}">
+                <a16:creationId xmlns:a16="http://schemas.microsoft.com/office/drawing/2014/main" id="{7D26A2AB-86D4-5575-EE1F-BE7B970B4BEA}"/>
+              </a:ext>
+            </a:extLst>
+          </p:cNvPr>
+          <p:cNvSpPr txBox="1"/>
+          <p:nvPr/>
+        </p:nvSpPr>
+        <p:spPr>
+          <a:xfrm>
+            <a:off x="942387" y="1744021"/>
+            <a:ext cx="10237694" cy="369332"/>
+          </a:xfrm>
+          <a:prstGeom prst="rect">
+            <a:avLst/>
+          </a:prstGeom>
+          <a:noFill/>
+        </p:spPr>
+        <p:txBody>
+          <a:bodyPr wrap="square" rtlCol="0">
+            <a:spAutoFit/>
+          </a:bodyPr>
+          <a:lstStyle/>
+          <a:p>
+            <a:r>
+              <a:rPr lang="en-US" altLang="ko-KR" dirty="0">
+                <a:latin typeface="나눔스퀘어 Light" panose="020B0600000101010101" pitchFamily="50" charset="-127"/>
+                <a:ea typeface="나눔스퀘어 Light" panose="020B0600000101010101" pitchFamily="50" charset="-127"/>
+              </a:rPr>
+              <a:t>Python</a:t>
+            </a:r>
+            <a:r>
+              <a:rPr lang="ko-KR" altLang="en-US" dirty="0">
+                <a:latin typeface="나눔스퀘어 Light" panose="020B0600000101010101" pitchFamily="50" charset="-127"/>
+                <a:ea typeface="나눔스퀘어 Light" panose="020B0600000101010101" pitchFamily="50" charset="-127"/>
+              </a:rPr>
+              <a:t>의 경우에는 예외처리로 </a:t>
+            </a:r>
+            <a:r>
+              <a:rPr lang="en-US" altLang="ko-KR" dirty="0">
+                <a:latin typeface="나눔스퀘어 Light" panose="020B0600000101010101" pitchFamily="50" charset="-127"/>
+                <a:ea typeface="나눔스퀘어 Light" panose="020B0600000101010101" pitchFamily="50" charset="-127"/>
+              </a:rPr>
+              <a:t>EOF</a:t>
+            </a:r>
+            <a:r>
+              <a:rPr lang="ko-KR" altLang="en-US" dirty="0">
+                <a:latin typeface="나눔스퀘어 Light" panose="020B0600000101010101" pitchFamily="50" charset="-127"/>
+                <a:ea typeface="나눔스퀘어 Light" panose="020B0600000101010101" pitchFamily="50" charset="-127"/>
+              </a:rPr>
+              <a:t>를 판단합니다</a:t>
+            </a:r>
+            <a:r>
+              <a:rPr lang="en-US" altLang="ko-KR" dirty="0">
+                <a:latin typeface="나눔스퀘어 Light" panose="020B0600000101010101" pitchFamily="50" charset="-127"/>
+                <a:ea typeface="나눔스퀘어 Light" panose="020B0600000101010101" pitchFamily="50" charset="-127"/>
+              </a:rPr>
+              <a:t>.</a:t>
+            </a:r>
+            <a:endParaRPr lang="ko-KR" altLang="en-US" dirty="0">
+              <a:latin typeface="나눔스퀘어 Light" panose="020B0600000101010101" pitchFamily="50" charset="-127"/>
+              <a:ea typeface="나눔스퀘어 Light" panose="020B0600000101010101" pitchFamily="50" charset="-127"/>
+            </a:endParaRPr>
+          </a:p>
+        </p:txBody>
+      </p:sp>
+      <p:sp>
+        <p:nvSpPr>
+          <p:cNvPr id="5" name="TextBox 4">
+            <a:extLst>
+              <a:ext uri="{FF2B5EF4-FFF2-40B4-BE49-F238E27FC236}">
+                <a16:creationId xmlns:a16="http://schemas.microsoft.com/office/drawing/2014/main" id="{00A70271-39C6-B622-C1DA-03E25486769E}"/>
+              </a:ext>
+            </a:extLst>
+          </p:cNvPr>
+          <p:cNvSpPr txBox="1"/>
+          <p:nvPr/>
+        </p:nvSpPr>
+        <p:spPr>
+          <a:xfrm>
+            <a:off x="942386" y="4077256"/>
+            <a:ext cx="10237694" cy="369332"/>
+          </a:xfrm>
+          <a:prstGeom prst="rect">
+            <a:avLst/>
+          </a:prstGeom>
+          <a:noFill/>
+        </p:spPr>
+        <p:txBody>
+          <a:bodyPr wrap="square" rtlCol="0">
+            <a:spAutoFit/>
+          </a:bodyPr>
+          <a:lstStyle/>
+          <a:p>
+            <a:r>
+              <a:rPr lang="en-US" altLang="ko-KR" dirty="0" err="1">
+                <a:latin typeface="나눔스퀘어 Light" panose="020B0600000101010101" pitchFamily="50" charset="-127"/>
+                <a:ea typeface="나눔스퀘어 Light" panose="020B0600000101010101" pitchFamily="50" charset="-127"/>
+              </a:rPr>
+              <a:t>readlines</a:t>
+            </a:r>
+            <a:r>
+              <a:rPr lang="en-US" altLang="ko-KR" dirty="0">
+                <a:latin typeface="나눔스퀘어 Light" panose="020B0600000101010101" pitchFamily="50" charset="-127"/>
+                <a:ea typeface="나눔스퀘어 Light" panose="020B0600000101010101" pitchFamily="50" charset="-127"/>
+              </a:rPr>
+              <a:t>()</a:t>
+            </a:r>
+            <a:r>
+              <a:rPr lang="ko-KR" altLang="en-US" dirty="0">
+                <a:latin typeface="나눔스퀘어 Light" panose="020B0600000101010101" pitchFamily="50" charset="-127"/>
+                <a:ea typeface="나눔스퀘어 Light" panose="020B0600000101010101" pitchFamily="50" charset="-127"/>
+              </a:rPr>
+              <a:t>로 입력을 한꺼번에 받았을 경우에는 어차피 줄단위로 리스트에 저장되므로</a:t>
+            </a:r>
+            <a:r>
+              <a:rPr lang="en-US" altLang="ko-KR" dirty="0">
+                <a:latin typeface="나눔스퀘어 Light" panose="020B0600000101010101" pitchFamily="50" charset="-127"/>
+                <a:ea typeface="나눔스퀘어 Light" panose="020B0600000101010101" pitchFamily="50" charset="-127"/>
+              </a:rPr>
+              <a:t>,</a:t>
+            </a:r>
+            <a:endParaRPr lang="ko-KR" altLang="en-US" dirty="0">
+              <a:latin typeface="나눔스퀘어 Light" panose="020B0600000101010101" pitchFamily="50" charset="-127"/>
+              <a:ea typeface="나눔스퀘어 Light" panose="020B0600000101010101" pitchFamily="50" charset="-127"/>
+            </a:endParaRPr>
+          </a:p>
+        </p:txBody>
+      </p:sp>
+      <p:pic>
+        <p:nvPicPr>
+          <p:cNvPr id="6" name="그림 5">
+            <a:extLst>
+              <a:ext uri="{FF2B5EF4-FFF2-40B4-BE49-F238E27FC236}">
+                <a16:creationId xmlns:a16="http://schemas.microsoft.com/office/drawing/2014/main" id="{3C37833A-F72C-A471-CFEC-C1CB48A1B572}"/>
+              </a:ext>
+            </a:extLst>
+          </p:cNvPr>
+          <p:cNvPicPr>
+            <a:picLocks noChangeAspect="1"/>
+          </p:cNvPicPr>
+          <p:nvPr/>
+        </p:nvPicPr>
+        <p:blipFill>
+          <a:blip r:embed="rId2"/>
+          <a:stretch>
+            <a:fillRect/>
+          </a:stretch>
+        </p:blipFill>
+        <p:spPr>
+          <a:xfrm>
+            <a:off x="942386" y="2217047"/>
+            <a:ext cx="4845672" cy="1528915"/>
+          </a:xfrm>
+          <a:prstGeom prst="rect">
+            <a:avLst/>
+          </a:prstGeom>
+        </p:spPr>
+      </p:pic>
+      <p:sp>
+        <p:nvSpPr>
+          <p:cNvPr id="8" name="TextBox 7">
+            <a:extLst>
+              <a:ext uri="{FF2B5EF4-FFF2-40B4-BE49-F238E27FC236}">
+                <a16:creationId xmlns:a16="http://schemas.microsoft.com/office/drawing/2014/main" id="{D9170E64-8335-315C-9F41-72DF46809C47}"/>
+              </a:ext>
+            </a:extLst>
+          </p:cNvPr>
+          <p:cNvSpPr txBox="1"/>
+          <p:nvPr/>
+        </p:nvSpPr>
+        <p:spPr>
+          <a:xfrm>
+            <a:off x="942386" y="4458980"/>
+            <a:ext cx="10237694" cy="369332"/>
+          </a:xfrm>
+          <a:prstGeom prst="rect">
+            <a:avLst/>
+          </a:prstGeom>
+          <a:noFill/>
+        </p:spPr>
+        <p:txBody>
+          <a:bodyPr wrap="square" rtlCol="0">
+            <a:spAutoFit/>
+          </a:bodyPr>
+          <a:lstStyle/>
+          <a:p>
+            <a:r>
+              <a:rPr lang="ko-KR" altLang="en-US" dirty="0">
+                <a:latin typeface="나눔스퀘어 Light" panose="020B0600000101010101" pitchFamily="50" charset="-127"/>
+                <a:ea typeface="나눔스퀘어 Light" panose="020B0600000101010101" pitchFamily="50" charset="-127"/>
+              </a:rPr>
+              <a:t>딱히 </a:t>
+            </a:r>
+            <a:r>
+              <a:rPr lang="en-US" altLang="ko-KR" dirty="0">
+                <a:latin typeface="나눔스퀘어 Light" panose="020B0600000101010101" pitchFamily="50" charset="-127"/>
+                <a:ea typeface="나눔스퀘어 Light" panose="020B0600000101010101" pitchFamily="50" charset="-127"/>
+              </a:rPr>
+              <a:t>EOF </a:t>
+            </a:r>
+            <a:r>
+              <a:rPr lang="ko-KR" altLang="en-US" dirty="0">
+                <a:latin typeface="나눔스퀘어 Light" panose="020B0600000101010101" pitchFamily="50" charset="-127"/>
+                <a:ea typeface="나눔스퀘어 Light" panose="020B0600000101010101" pitchFamily="50" charset="-127"/>
+              </a:rPr>
+              <a:t>처리가 필요 없습니다</a:t>
+            </a:r>
+            <a:r>
+              <a:rPr lang="en-US" altLang="ko-KR" dirty="0">
+                <a:latin typeface="나눔스퀘어 Light" panose="020B0600000101010101" pitchFamily="50" charset="-127"/>
+                <a:ea typeface="나눔스퀘어 Light" panose="020B0600000101010101" pitchFamily="50" charset="-127"/>
+              </a:rPr>
+              <a:t>. (</a:t>
+            </a:r>
+            <a:r>
+              <a:rPr lang="ko-KR" altLang="en-US" dirty="0">
+                <a:latin typeface="나눔스퀘어 Light" panose="020B0600000101010101" pitchFamily="50" charset="-127"/>
+                <a:ea typeface="나눔스퀘어 Light" panose="020B0600000101010101" pitchFamily="50" charset="-127"/>
+              </a:rPr>
+              <a:t>리스트의 끝이 곧 </a:t>
+            </a:r>
+            <a:r>
+              <a:rPr lang="en-US" altLang="ko-KR" dirty="0">
+                <a:latin typeface="나눔스퀘어 Light" panose="020B0600000101010101" pitchFamily="50" charset="-127"/>
+                <a:ea typeface="나눔스퀘어 Light" panose="020B0600000101010101" pitchFamily="50" charset="-127"/>
+              </a:rPr>
+              <a:t>EOF)</a:t>
+            </a:r>
+            <a:endParaRPr lang="ko-KR" altLang="en-US" dirty="0">
+              <a:latin typeface="나눔스퀘어 Light" panose="020B0600000101010101" pitchFamily="50" charset="-127"/>
+              <a:ea typeface="나눔스퀘어 Light" panose="020B0600000101010101" pitchFamily="50" charset="-127"/>
+            </a:endParaRPr>
+          </a:p>
+        </p:txBody>
+      </p:sp>
+      <p:pic>
+        <p:nvPicPr>
+          <p:cNvPr id="11" name="그림 10">
+            <a:extLst>
+              <a:ext uri="{FF2B5EF4-FFF2-40B4-BE49-F238E27FC236}">
+                <a16:creationId xmlns:a16="http://schemas.microsoft.com/office/drawing/2014/main" id="{D5C20607-9198-19EE-8E6B-88ABE8DA7797}"/>
+              </a:ext>
+            </a:extLst>
+          </p:cNvPr>
+          <p:cNvPicPr>
+            <a:picLocks noChangeAspect="1"/>
+          </p:cNvPicPr>
+          <p:nvPr/>
+        </p:nvPicPr>
+        <p:blipFill>
+          <a:blip r:embed="rId3"/>
+          <a:stretch>
+            <a:fillRect/>
+          </a:stretch>
+        </p:blipFill>
+        <p:spPr>
+          <a:xfrm>
+            <a:off x="942386" y="4840704"/>
+            <a:ext cx="4845672" cy="1865646"/>
+          </a:xfrm>
+          <a:prstGeom prst="rect">
+            <a:avLst/>
+          </a:prstGeom>
+        </p:spPr>
+      </p:pic>
+    </p:spTree>
+    <p:extLst>
+      <p:ext uri="{BB962C8B-B14F-4D97-AF65-F5344CB8AC3E}">
+        <p14:creationId xmlns:p14="http://schemas.microsoft.com/office/powerpoint/2010/main" val="110968824"/>
+      </p:ext>
+    </p:extLst>
+  </p:cSld>
+  <p:clrMapOvr>
+    <a:masterClrMapping/>
+  </p:clrMapOvr>
+</p:sld>
+</file>
+
+<file path=ppt/slides/slide36.xml><?xml version="1.0" encoding="utf-8"?>
+<p:sld xmlns:a="http://schemas.openxmlformats.org/drawingml/2006/main" xmlns:r="http://schemas.openxmlformats.org/officeDocument/2006/relationships" xmlns:p="http://schemas.openxmlformats.org/presentationml/2006/main">
+  <p:cSld>
+    <p:spTree>
+      <p:nvGrpSpPr>
+        <p:cNvPr id="1" name=""/>
+        <p:cNvGrpSpPr/>
+        <p:nvPr/>
+      </p:nvGrpSpPr>
+      <p:grpSpPr>
+        <a:xfrm>
+          <a:off x="0" y="0"/>
+          <a:ext cx="0" cy="0"/>
+          <a:chOff x="0" y="0"/>
+          <a:chExt cx="0" cy="0"/>
+        </a:xfrm>
+      </p:grpSpPr>
+      <p:cxnSp>
+        <p:nvCxnSpPr>
+          <p:cNvPr id="26" name="직선 연결선 25">
+            <a:extLst>
+              <a:ext uri="{FF2B5EF4-FFF2-40B4-BE49-F238E27FC236}">
+                <a16:creationId xmlns:a16="http://schemas.microsoft.com/office/drawing/2014/main" id="{679B38A3-B196-3741-D6D3-0CA8FB95B91A}"/>
+              </a:ext>
+            </a:extLst>
+          </p:cNvPr>
+          <p:cNvCxnSpPr/>
+          <p:nvPr/>
+        </p:nvCxnSpPr>
+        <p:spPr>
+          <a:xfrm>
+            <a:off x="0" y="887505"/>
+            <a:ext cx="10237694" cy="0"/>
+          </a:xfrm>
+          <a:prstGeom prst="line">
+            <a:avLst/>
+          </a:prstGeom>
+          <a:ln w="76200">
+            <a:solidFill>
+              <a:schemeClr val="tx1">
+                <a:lumMod val="75000"/>
+                <a:lumOff val="25000"/>
+              </a:schemeClr>
+            </a:solidFill>
+          </a:ln>
+        </p:spPr>
+        <p:style>
+          <a:lnRef idx="1">
+            <a:schemeClr val="accent1"/>
+          </a:lnRef>
+          <a:fillRef idx="0">
+            <a:schemeClr val="accent1"/>
+          </a:fillRef>
+          <a:effectRef idx="0">
+            <a:schemeClr val="accent1"/>
+          </a:effectRef>
+          <a:fontRef idx="minor">
+            <a:schemeClr val="tx1"/>
+          </a:fontRef>
+        </p:style>
+      </p:cxnSp>
+      <p:sp>
+        <p:nvSpPr>
+          <p:cNvPr id="3" name="TextBox 2">
+            <a:extLst>
+              <a:ext uri="{FF2B5EF4-FFF2-40B4-BE49-F238E27FC236}">
+                <a16:creationId xmlns:a16="http://schemas.microsoft.com/office/drawing/2014/main" id="{B9DDF29F-4939-9859-67A7-972089459CC6}"/>
+              </a:ext>
+            </a:extLst>
+          </p:cNvPr>
+          <p:cNvSpPr txBox="1"/>
+          <p:nvPr/>
+        </p:nvSpPr>
+        <p:spPr>
+          <a:xfrm>
+            <a:off x="331694" y="177505"/>
+            <a:ext cx="4214615" cy="523220"/>
+          </a:xfrm>
+          <a:prstGeom prst="rect">
+            <a:avLst/>
+          </a:prstGeom>
+          <a:noFill/>
+        </p:spPr>
+        <p:txBody>
+          <a:bodyPr wrap="none" rtlCol="0">
+            <a:spAutoFit/>
+          </a:bodyPr>
+          <a:lstStyle/>
+          <a:p>
+            <a:r>
+              <a:rPr lang="ko-KR" altLang="en-US" sz="2800" dirty="0" err="1">
+                <a:latin typeface="나눔스퀘어 Bold" panose="020B0600000101010101" pitchFamily="50" charset="-127"/>
+                <a:ea typeface="나눔스퀘어 Bold" panose="020B0600000101010101" pitchFamily="50" charset="-127"/>
+              </a:rPr>
+              <a:t>번외편</a:t>
+            </a:r>
+            <a:r>
+              <a:rPr lang="ko-KR" altLang="en-US" sz="2800" dirty="0">
+                <a:latin typeface="나눔스퀘어 Bold" panose="020B0600000101010101" pitchFamily="50" charset="-127"/>
+                <a:ea typeface="나눔스퀘어 Bold" panose="020B0600000101010101" pitchFamily="50" charset="-127"/>
+              </a:rPr>
+              <a:t> </a:t>
+            </a:r>
+            <a:r>
+              <a:rPr lang="en-US" altLang="ko-KR" sz="2800" dirty="0">
+                <a:latin typeface="나눔스퀘어 Bold" panose="020B0600000101010101" pitchFamily="50" charset="-127"/>
+                <a:ea typeface="나눔스퀘어 Bold" panose="020B0600000101010101" pitchFamily="50" charset="-127"/>
+              </a:rPr>
+              <a:t>– EOF(End Of File)</a:t>
+            </a:r>
+            <a:endParaRPr lang="ko-KR" altLang="en-US" sz="2800" dirty="0">
+              <a:latin typeface="나눔스퀘어 Bold" panose="020B0600000101010101" pitchFamily="50" charset="-127"/>
+              <a:ea typeface="나눔스퀘어 Bold" panose="020B0600000101010101" pitchFamily="50" charset="-127"/>
+            </a:endParaRPr>
+          </a:p>
+        </p:txBody>
+      </p:sp>
+      <p:sp>
+        <p:nvSpPr>
+          <p:cNvPr id="4" name="TextBox 3">
+            <a:extLst>
+              <a:ext uri="{FF2B5EF4-FFF2-40B4-BE49-F238E27FC236}">
+                <a16:creationId xmlns:a16="http://schemas.microsoft.com/office/drawing/2014/main" id="{772D4C43-3CFC-A02D-4942-D14A03372055}"/>
+              </a:ext>
+            </a:extLst>
+          </p:cNvPr>
+          <p:cNvSpPr txBox="1"/>
+          <p:nvPr/>
+        </p:nvSpPr>
+        <p:spPr>
+          <a:xfrm>
+            <a:off x="942386" y="1184956"/>
+            <a:ext cx="10237694" cy="369332"/>
+          </a:xfrm>
+          <a:prstGeom prst="rect">
+            <a:avLst/>
+          </a:prstGeom>
+          <a:noFill/>
+        </p:spPr>
+        <p:txBody>
+          <a:bodyPr wrap="square" rtlCol="0">
+            <a:spAutoFit/>
+          </a:bodyPr>
+          <a:lstStyle/>
+          <a:p>
+            <a:r>
+              <a:rPr lang="en-US" altLang="ko-KR" dirty="0">
+                <a:latin typeface="나눔스퀘어 Bold" panose="020B0600000101010101" pitchFamily="50" charset="-127"/>
+                <a:ea typeface="나눔스퀘어 Bold" panose="020B0600000101010101" pitchFamily="50" charset="-127"/>
+              </a:rPr>
+              <a:t>EOF </a:t>
+            </a:r>
+            <a:r>
+              <a:rPr lang="ko-KR" altLang="en-US" dirty="0">
+                <a:latin typeface="나눔스퀘어 Bold" panose="020B0600000101010101" pitchFamily="50" charset="-127"/>
+                <a:ea typeface="나눔스퀘어 Bold" panose="020B0600000101010101" pitchFamily="50" charset="-127"/>
+              </a:rPr>
+              <a:t>입력하기</a:t>
+            </a:r>
+          </a:p>
+        </p:txBody>
+      </p:sp>
+      <p:sp>
+        <p:nvSpPr>
+          <p:cNvPr id="7" name="TextBox 6">
+            <a:extLst>
+              <a:ext uri="{FF2B5EF4-FFF2-40B4-BE49-F238E27FC236}">
+                <a16:creationId xmlns:a16="http://schemas.microsoft.com/office/drawing/2014/main" id="{7D26A2AB-86D4-5575-EE1F-BE7B970B4BEA}"/>
+              </a:ext>
+            </a:extLst>
+          </p:cNvPr>
+          <p:cNvSpPr txBox="1"/>
+          <p:nvPr/>
+        </p:nvSpPr>
+        <p:spPr>
+          <a:xfrm>
+            <a:off x="942387" y="1744021"/>
+            <a:ext cx="10237694" cy="369332"/>
+          </a:xfrm>
+          <a:prstGeom prst="rect">
+            <a:avLst/>
+          </a:prstGeom>
+          <a:noFill/>
+        </p:spPr>
+        <p:txBody>
+          <a:bodyPr wrap="square" rtlCol="0">
+            <a:spAutoFit/>
+          </a:bodyPr>
+          <a:lstStyle/>
+          <a:p>
+            <a:r>
+              <a:rPr lang="en-US" altLang="ko-KR" dirty="0">
+                <a:latin typeface="나눔스퀘어 Light" panose="020B0600000101010101" pitchFamily="50" charset="-127"/>
+                <a:ea typeface="나눔스퀘어 Light" panose="020B0600000101010101" pitchFamily="50" charset="-127"/>
+              </a:rPr>
+              <a:t>EOF</a:t>
+            </a:r>
+            <a:r>
+              <a:rPr lang="ko-KR" altLang="en-US" dirty="0">
+                <a:latin typeface="나눔스퀘어 Light" panose="020B0600000101010101" pitchFamily="50" charset="-127"/>
+                <a:ea typeface="나눔스퀘어 Light" panose="020B0600000101010101" pitchFamily="50" charset="-127"/>
+              </a:rPr>
+              <a:t>를 의도적으로 입력하는 방법은 </a:t>
+            </a:r>
+            <a:r>
+              <a:rPr lang="en-US" altLang="ko-KR" dirty="0">
+                <a:latin typeface="나눔스퀘어 Light" panose="020B0600000101010101" pitchFamily="50" charset="-127"/>
+                <a:ea typeface="나눔스퀘어 Light" panose="020B0600000101010101" pitchFamily="50" charset="-127"/>
+              </a:rPr>
+              <a:t>OS / </a:t>
+            </a:r>
+            <a:r>
+              <a:rPr lang="ko-KR" altLang="en-US" dirty="0">
+                <a:latin typeface="나눔스퀘어 Light" panose="020B0600000101010101" pitchFamily="50" charset="-127"/>
+                <a:ea typeface="나눔스퀘어 Light" panose="020B0600000101010101" pitchFamily="50" charset="-127"/>
+              </a:rPr>
+              <a:t>터미널 마다 조금씩 다릅니다만</a:t>
+            </a:r>
+            <a:r>
+              <a:rPr lang="en-US" altLang="ko-KR" dirty="0">
+                <a:latin typeface="나눔스퀘어 Light" panose="020B0600000101010101" pitchFamily="50" charset="-127"/>
+                <a:ea typeface="나눔스퀘어 Light" panose="020B0600000101010101" pitchFamily="50" charset="-127"/>
+              </a:rPr>
+              <a:t>,</a:t>
+            </a:r>
+            <a:endParaRPr lang="ko-KR" altLang="en-US" dirty="0">
+              <a:latin typeface="나눔스퀘어 Light" panose="020B0600000101010101" pitchFamily="50" charset="-127"/>
+              <a:ea typeface="나눔스퀘어 Light" panose="020B0600000101010101" pitchFamily="50" charset="-127"/>
+            </a:endParaRPr>
+          </a:p>
+        </p:txBody>
+      </p:sp>
+      <p:sp>
+        <p:nvSpPr>
+          <p:cNvPr id="2" name="TextBox 1">
+            <a:extLst>
+              <a:ext uri="{FF2B5EF4-FFF2-40B4-BE49-F238E27FC236}">
+                <a16:creationId xmlns:a16="http://schemas.microsoft.com/office/drawing/2014/main" id="{AAFA866B-40B5-CE43-B890-B310A2DF20F4}"/>
+              </a:ext>
+            </a:extLst>
+          </p:cNvPr>
+          <p:cNvSpPr txBox="1"/>
+          <p:nvPr/>
+        </p:nvSpPr>
+        <p:spPr>
+          <a:xfrm>
+            <a:off x="942387" y="2118420"/>
+            <a:ext cx="10237694" cy="369332"/>
+          </a:xfrm>
+          <a:prstGeom prst="rect">
+            <a:avLst/>
+          </a:prstGeom>
+          <a:noFill/>
+        </p:spPr>
+        <p:txBody>
+          <a:bodyPr wrap="square" rtlCol="0">
+            <a:spAutoFit/>
+          </a:bodyPr>
+          <a:lstStyle/>
+          <a:p>
+            <a:r>
+              <a:rPr lang="ko-KR" altLang="en-US" dirty="0">
+                <a:latin typeface="나눔스퀘어 Light" panose="020B0600000101010101" pitchFamily="50" charset="-127"/>
+                <a:ea typeface="나눔스퀘어 Light" panose="020B0600000101010101" pitchFamily="50" charset="-127"/>
+              </a:rPr>
+              <a:t>일반적으론 </a:t>
+            </a:r>
+            <a:r>
+              <a:rPr lang="en-US" altLang="ko-KR" dirty="0">
+                <a:latin typeface="나눔스퀘어 Light" panose="020B0600000101010101" pitchFamily="50" charset="-127"/>
+                <a:ea typeface="나눔스퀘어 Light" panose="020B0600000101010101" pitchFamily="50" charset="-127"/>
+              </a:rPr>
+              <a:t>Ctrl + Z </a:t>
+            </a:r>
+            <a:r>
+              <a:rPr lang="ko-KR" altLang="en-US" dirty="0">
+                <a:latin typeface="나눔스퀘어 Light" panose="020B0600000101010101" pitchFamily="50" charset="-127"/>
+                <a:ea typeface="나눔스퀘어 Light" panose="020B0600000101010101" pitchFamily="50" charset="-127"/>
+              </a:rPr>
+              <a:t>아니면 </a:t>
+            </a:r>
+            <a:r>
+              <a:rPr lang="en-US" altLang="ko-KR" dirty="0">
+                <a:latin typeface="나눔스퀘어 Light" panose="020B0600000101010101" pitchFamily="50" charset="-127"/>
+                <a:ea typeface="나눔스퀘어 Light" panose="020B0600000101010101" pitchFamily="50" charset="-127"/>
+              </a:rPr>
+              <a:t>Ctrl + D</a:t>
+            </a:r>
+            <a:r>
+              <a:rPr lang="ko-KR" altLang="en-US" dirty="0">
+                <a:latin typeface="나눔스퀘어 Light" panose="020B0600000101010101" pitchFamily="50" charset="-127"/>
+                <a:ea typeface="나눔스퀘어 Light" panose="020B0600000101010101" pitchFamily="50" charset="-127"/>
+              </a:rPr>
+              <a:t> 둘 중 하나입니다</a:t>
+            </a:r>
+            <a:r>
+              <a:rPr lang="en-US" altLang="ko-KR" dirty="0">
+                <a:latin typeface="나눔스퀘어 Light" panose="020B0600000101010101" pitchFamily="50" charset="-127"/>
+                <a:ea typeface="나눔스퀘어 Light" panose="020B0600000101010101" pitchFamily="50" charset="-127"/>
+              </a:rPr>
+              <a:t>.</a:t>
+            </a:r>
+            <a:endParaRPr lang="ko-KR" altLang="en-US" dirty="0">
+              <a:latin typeface="나눔스퀘어 Light" panose="020B0600000101010101" pitchFamily="50" charset="-127"/>
+              <a:ea typeface="나눔스퀘어 Light" panose="020B0600000101010101" pitchFamily="50" charset="-127"/>
+            </a:endParaRPr>
+          </a:p>
+        </p:txBody>
+      </p:sp>
+      <p:sp>
+        <p:nvSpPr>
+          <p:cNvPr id="9" name="TextBox 8">
+            <a:extLst>
+              <a:ext uri="{FF2B5EF4-FFF2-40B4-BE49-F238E27FC236}">
+                <a16:creationId xmlns:a16="http://schemas.microsoft.com/office/drawing/2014/main" id="{E17C578C-9955-6DC6-121D-0E5FD2642889}"/>
+              </a:ext>
+            </a:extLst>
+          </p:cNvPr>
+          <p:cNvSpPr txBox="1"/>
+          <p:nvPr/>
+        </p:nvSpPr>
+        <p:spPr>
+          <a:xfrm>
+            <a:off x="942387" y="2787724"/>
+            <a:ext cx="10237694" cy="369332"/>
+          </a:xfrm>
+          <a:prstGeom prst="rect">
+            <a:avLst/>
+          </a:prstGeom>
+          <a:noFill/>
+        </p:spPr>
+        <p:txBody>
+          <a:bodyPr wrap="square" rtlCol="0">
+            <a:spAutoFit/>
+          </a:bodyPr>
+          <a:lstStyle/>
+          <a:p>
+            <a:r>
+              <a:rPr lang="en-US" altLang="ko-KR" dirty="0">
+                <a:latin typeface="나눔스퀘어 Light" panose="020B0600000101010101" pitchFamily="50" charset="-127"/>
+                <a:ea typeface="나눔스퀘어 Light" panose="020B0600000101010101" pitchFamily="50" charset="-127"/>
+              </a:rPr>
+              <a:t>Ctrl + Z : Windows </a:t>
+            </a:r>
+            <a:r>
+              <a:rPr lang="ko-KR" altLang="en-US" dirty="0">
+                <a:latin typeface="나눔스퀘어 Light" panose="020B0600000101010101" pitchFamily="50" charset="-127"/>
+                <a:ea typeface="나눔스퀘어 Light" panose="020B0600000101010101" pitchFamily="50" charset="-127"/>
+              </a:rPr>
+              <a:t>명령 프롬프트</a:t>
+            </a:r>
+            <a:r>
+              <a:rPr lang="en-US" altLang="ko-KR" dirty="0">
+                <a:latin typeface="나눔스퀘어 Light" panose="020B0600000101010101" pitchFamily="50" charset="-127"/>
+                <a:ea typeface="나눔스퀘어 Light" panose="020B0600000101010101" pitchFamily="50" charset="-127"/>
+              </a:rPr>
+              <a:t>(</a:t>
+            </a:r>
+            <a:r>
+              <a:rPr lang="ko-KR" altLang="en-US" dirty="0">
+                <a:latin typeface="나눔스퀘어 Light" panose="020B0600000101010101" pitchFamily="50" charset="-127"/>
+                <a:ea typeface="나눔스퀘어 Light" panose="020B0600000101010101" pitchFamily="50" charset="-127"/>
+              </a:rPr>
+              <a:t>터미널</a:t>
+            </a:r>
+            <a:r>
+              <a:rPr lang="en-US" altLang="ko-KR" dirty="0">
+                <a:latin typeface="나눔스퀘어 Light" panose="020B0600000101010101" pitchFamily="50" charset="-127"/>
+                <a:ea typeface="나눔스퀘어 Light" panose="020B0600000101010101" pitchFamily="50" charset="-127"/>
+              </a:rPr>
+              <a:t>)</a:t>
+            </a:r>
+            <a:endParaRPr lang="ko-KR" altLang="en-US" dirty="0">
+              <a:latin typeface="나눔스퀘어 Light" panose="020B0600000101010101" pitchFamily="50" charset="-127"/>
+              <a:ea typeface="나눔스퀘어 Light" panose="020B0600000101010101" pitchFamily="50" charset="-127"/>
+            </a:endParaRPr>
+          </a:p>
+        </p:txBody>
+      </p:sp>
+      <p:sp>
+        <p:nvSpPr>
+          <p:cNvPr id="10" name="TextBox 9">
+            <a:extLst>
+              <a:ext uri="{FF2B5EF4-FFF2-40B4-BE49-F238E27FC236}">
+                <a16:creationId xmlns:a16="http://schemas.microsoft.com/office/drawing/2014/main" id="{905D061D-B1E8-ACF6-B257-04225D5A50DE}"/>
+              </a:ext>
+            </a:extLst>
+          </p:cNvPr>
+          <p:cNvSpPr txBox="1"/>
+          <p:nvPr/>
+        </p:nvSpPr>
+        <p:spPr>
+          <a:xfrm>
+            <a:off x="942387" y="3157056"/>
+            <a:ext cx="10237694" cy="369332"/>
+          </a:xfrm>
+          <a:prstGeom prst="rect">
+            <a:avLst/>
+          </a:prstGeom>
+          <a:noFill/>
+        </p:spPr>
+        <p:txBody>
+          <a:bodyPr wrap="square" rtlCol="0">
+            <a:spAutoFit/>
+          </a:bodyPr>
+          <a:lstStyle/>
+          <a:p>
+            <a:r>
+              <a:rPr lang="en-US" altLang="ko-KR" dirty="0">
+                <a:latin typeface="나눔스퀘어 Light" panose="020B0600000101010101" pitchFamily="50" charset="-127"/>
+                <a:ea typeface="나눔스퀘어 Light" panose="020B0600000101010101" pitchFamily="50" charset="-127"/>
+              </a:rPr>
+              <a:t>Ctrl + D : Linux, Unix, </a:t>
+            </a:r>
+            <a:r>
+              <a:rPr lang="en-US" altLang="ko-KR" dirty="0" err="1">
+                <a:latin typeface="나눔스퀘어 Light" panose="020B0600000101010101" pitchFamily="50" charset="-127"/>
+                <a:ea typeface="나눔스퀘어 Light" panose="020B0600000101010101" pitchFamily="50" charset="-127"/>
+              </a:rPr>
+              <a:t>Intellij</a:t>
+            </a:r>
+            <a:r>
+              <a:rPr lang="en-US" altLang="ko-KR" dirty="0">
+                <a:latin typeface="나눔스퀘어 Light" panose="020B0600000101010101" pitchFamily="50" charset="-127"/>
+                <a:ea typeface="나눔스퀘어 Light" panose="020B0600000101010101" pitchFamily="50" charset="-127"/>
+              </a:rPr>
+              <a:t> </a:t>
+            </a:r>
+            <a:r>
+              <a:rPr lang="ko-KR" altLang="en-US" dirty="0">
+                <a:latin typeface="나눔스퀘어 Light" panose="020B0600000101010101" pitchFamily="50" charset="-127"/>
+                <a:ea typeface="나눔스퀘어 Light" panose="020B0600000101010101" pitchFamily="50" charset="-127"/>
+              </a:rPr>
+              <a:t>터미널</a:t>
+            </a:r>
+          </a:p>
+        </p:txBody>
+      </p:sp>
+      <p:pic>
+        <p:nvPicPr>
+          <p:cNvPr id="13" name="그림 12">
+            <a:extLst>
+              <a:ext uri="{FF2B5EF4-FFF2-40B4-BE49-F238E27FC236}">
+                <a16:creationId xmlns:a16="http://schemas.microsoft.com/office/drawing/2014/main" id="{D6227831-5953-3B4F-AEBE-2B6E317DE20F}"/>
+              </a:ext>
+            </a:extLst>
+          </p:cNvPr>
+          <p:cNvPicPr>
+            <a:picLocks noChangeAspect="1"/>
+          </p:cNvPicPr>
+          <p:nvPr/>
+        </p:nvPicPr>
+        <p:blipFill>
+          <a:blip r:embed="rId2"/>
+          <a:stretch>
+            <a:fillRect/>
+          </a:stretch>
+        </p:blipFill>
+        <p:spPr>
+          <a:xfrm>
+            <a:off x="942386" y="3891654"/>
+            <a:ext cx="6763880" cy="2966346"/>
+          </a:xfrm>
+          <a:prstGeom prst="rect">
+            <a:avLst/>
+          </a:prstGeom>
+        </p:spPr>
+      </p:pic>
+    </p:spTree>
+    <p:extLst>
+      <p:ext uri="{BB962C8B-B14F-4D97-AF65-F5344CB8AC3E}">
+        <p14:creationId xmlns:p14="http://schemas.microsoft.com/office/powerpoint/2010/main" val="678243044"/>
+      </p:ext>
+    </p:extLst>
+  </p:cSld>
+  <p:clrMapOvr>
+    <a:masterClrMapping/>
+  </p:clrMapOvr>
+</p:sld>
+</file>
+
+<file path=ppt/slides/slide37.xml><?xml version="1.0" encoding="utf-8"?>
+<p:sld xmlns:a="http://schemas.openxmlformats.org/drawingml/2006/main" xmlns:r="http://schemas.openxmlformats.org/officeDocument/2006/relationships" xmlns:p="http://schemas.openxmlformats.org/presentationml/2006/main">
+  <p:cSld>
+    <p:spTree>
+      <p:nvGrpSpPr>
+        <p:cNvPr id="1" name=""/>
+        <p:cNvGrpSpPr/>
+        <p:nvPr/>
+      </p:nvGrpSpPr>
+      <p:grpSpPr>
+        <a:xfrm>
+          <a:off x="0" y="0"/>
+          <a:ext cx="0" cy="0"/>
+          <a:chOff x="0" y="0"/>
+          <a:chExt cx="0" cy="0"/>
+        </a:xfrm>
+      </p:grpSpPr>
+      <p:cxnSp>
+        <p:nvCxnSpPr>
+          <p:cNvPr id="5" name="직선 연결선 4">
+            <a:extLst>
+              <a:ext uri="{FF2B5EF4-FFF2-40B4-BE49-F238E27FC236}">
+                <a16:creationId xmlns:a16="http://schemas.microsoft.com/office/drawing/2014/main" id="{164C2827-EFCE-69A4-D037-1A218415F568}"/>
+              </a:ext>
+            </a:extLst>
+          </p:cNvPr>
+          <p:cNvCxnSpPr/>
+          <p:nvPr/>
+        </p:nvCxnSpPr>
+        <p:spPr>
+          <a:xfrm>
+            <a:off x="0" y="887505"/>
+            <a:ext cx="10237694" cy="0"/>
+          </a:xfrm>
+          <a:prstGeom prst="line">
+            <a:avLst/>
+          </a:prstGeom>
+          <a:ln w="76200">
+            <a:solidFill>
+              <a:schemeClr val="tx1">
+                <a:lumMod val="75000"/>
+                <a:lumOff val="25000"/>
+              </a:schemeClr>
+            </a:solidFill>
+          </a:ln>
+        </p:spPr>
+        <p:style>
+          <a:lnRef idx="1">
+            <a:schemeClr val="accent1"/>
+          </a:lnRef>
+          <a:fillRef idx="0">
+            <a:schemeClr val="accent1"/>
+          </a:fillRef>
+          <a:effectRef idx="0">
+            <a:schemeClr val="accent1"/>
+          </a:effectRef>
+          <a:fontRef idx="minor">
+            <a:schemeClr val="tx1"/>
+          </a:fontRef>
+        </p:style>
+      </p:cxnSp>
+      <p:sp>
+        <p:nvSpPr>
+          <p:cNvPr id="3" name="TextBox 2">
+            <a:extLst>
+              <a:ext uri="{FF2B5EF4-FFF2-40B4-BE49-F238E27FC236}">
+                <a16:creationId xmlns:a16="http://schemas.microsoft.com/office/drawing/2014/main" id="{DC9B4459-A971-5F94-D4E6-4434E84C98B8}"/>
+              </a:ext>
+            </a:extLst>
+          </p:cNvPr>
+          <p:cNvSpPr txBox="1"/>
+          <p:nvPr/>
+        </p:nvSpPr>
+        <p:spPr>
+          <a:xfrm>
+            <a:off x="331694" y="177505"/>
+            <a:ext cx="6968574" cy="523220"/>
+          </a:xfrm>
+          <a:prstGeom prst="rect">
+            <a:avLst/>
+          </a:prstGeom>
+          <a:noFill/>
+        </p:spPr>
+        <p:txBody>
+          <a:bodyPr wrap="none" rtlCol="0">
+            <a:spAutoFit/>
+          </a:bodyPr>
+          <a:lstStyle/>
+          <a:p>
+            <a:r>
+              <a:rPr lang="ko-KR" altLang="en-US" sz="2800" dirty="0" err="1">
+                <a:latin typeface="나눔스퀘어 Bold" panose="020B0600000101010101" pitchFamily="50" charset="-127"/>
+                <a:ea typeface="나눔스퀘어 Bold" panose="020B0600000101010101" pitchFamily="50" charset="-127"/>
+              </a:rPr>
+              <a:t>번외편</a:t>
+            </a:r>
+            <a:r>
+              <a:rPr lang="ko-KR" altLang="en-US" sz="2800" dirty="0">
+                <a:latin typeface="나눔스퀘어 Bold" panose="020B0600000101010101" pitchFamily="50" charset="-127"/>
+                <a:ea typeface="나눔스퀘어 Bold" panose="020B0600000101010101" pitchFamily="50" charset="-127"/>
+              </a:rPr>
+              <a:t> </a:t>
+            </a:r>
+            <a:r>
+              <a:rPr lang="en-US" altLang="ko-KR" sz="2800" dirty="0">
+                <a:latin typeface="나눔스퀘어 Bold" panose="020B0600000101010101" pitchFamily="50" charset="-127"/>
+                <a:ea typeface="나눔스퀘어 Bold" panose="020B0600000101010101" pitchFamily="50" charset="-127"/>
+              </a:rPr>
+              <a:t>– EOF(End Of File) – 10951 A+B - 4</a:t>
+            </a:r>
+            <a:endParaRPr lang="ko-KR" altLang="en-US" sz="2800" dirty="0">
+              <a:latin typeface="나눔스퀘어 Bold" panose="020B0600000101010101" pitchFamily="50" charset="-127"/>
+              <a:ea typeface="나눔스퀘어 Bold" panose="020B0600000101010101" pitchFamily="50" charset="-127"/>
+            </a:endParaRPr>
+          </a:p>
+        </p:txBody>
+      </p:sp>
+      <p:pic>
+        <p:nvPicPr>
+          <p:cNvPr id="7" name="그림 6">
+            <a:extLst>
+              <a:ext uri="{FF2B5EF4-FFF2-40B4-BE49-F238E27FC236}">
+                <a16:creationId xmlns:a16="http://schemas.microsoft.com/office/drawing/2014/main" id="{9078DAE2-D59D-5818-54DF-9D234069F587}"/>
+              </a:ext>
+            </a:extLst>
+          </p:cNvPr>
+          <p:cNvPicPr>
+            <a:picLocks noChangeAspect="1"/>
+          </p:cNvPicPr>
+          <p:nvPr/>
+        </p:nvPicPr>
+        <p:blipFill>
+          <a:blip r:embed="rId2"/>
+          <a:stretch>
+            <a:fillRect/>
+          </a:stretch>
+        </p:blipFill>
+        <p:spPr>
+          <a:xfrm>
+            <a:off x="331694" y="942771"/>
+            <a:ext cx="10916239" cy="5630481"/>
+          </a:xfrm>
+          <a:prstGeom prst="rect">
+            <a:avLst/>
+          </a:prstGeom>
+        </p:spPr>
+      </p:pic>
+    </p:spTree>
+    <p:extLst>
+      <p:ext uri="{BB962C8B-B14F-4D97-AF65-F5344CB8AC3E}">
+        <p14:creationId xmlns:p14="http://schemas.microsoft.com/office/powerpoint/2010/main" val="1392906861"/>
+      </p:ext>
+    </p:extLst>
+  </p:cSld>
+  <p:clrMapOvr>
+    <a:masterClrMapping/>
+  </p:clrMapOvr>
+</p:sld>
+</file>
+
+<file path=ppt/slides/slide38.xml><?xml version="1.0" encoding="utf-8"?>
+<p:sld xmlns:a="http://schemas.openxmlformats.org/drawingml/2006/main" xmlns:r="http://schemas.openxmlformats.org/officeDocument/2006/relationships" xmlns:p="http://schemas.openxmlformats.org/presentationml/2006/main">
+  <p:cSld>
+    <p:spTree>
+      <p:nvGrpSpPr>
+        <p:cNvPr id="1" name=""/>
+        <p:cNvGrpSpPr/>
+        <p:nvPr/>
+      </p:nvGrpSpPr>
+      <p:grpSpPr>
+        <a:xfrm>
+          <a:off x="0" y="0"/>
+          <a:ext cx="0" cy="0"/>
+          <a:chOff x="0" y="0"/>
+          <a:chExt cx="0" cy="0"/>
+        </a:xfrm>
+      </p:grpSpPr>
+      <p:cxnSp>
+        <p:nvCxnSpPr>
           <p:cNvPr id="5" name="직선 연결선 4">
             <a:extLst>
               <a:ext uri="{FF2B5EF4-FFF2-40B4-BE49-F238E27FC236}">
@@ -19643,7 +21746,7 @@
 </p:sld>
 </file>
 
-<file path=ppt/slides/slide36.xml><?xml version="1.0" encoding="utf-8"?>
+<file path=ppt/slides/slide39.xml><?xml version="1.0" encoding="utf-8"?>
 <p:sld xmlns:a="http://schemas.openxmlformats.org/drawingml/2006/main" xmlns:r="http://schemas.openxmlformats.org/officeDocument/2006/relationships" xmlns:p="http://schemas.openxmlformats.org/presentationml/2006/main">
   <p:cSld>
     <p:spTree>

--- a/study/4_Sorting, Binary Search.pptx
+++ b/study/4_Sorting, Binary Search.pptx
@@ -35,15 +35,7 @@
     <p:sldId id="316" r:id="rId29"/>
     <p:sldId id="288" r:id="rId30"/>
     <p:sldId id="304" r:id="rId31"/>
-    <p:sldId id="317" r:id="rId32"/>
-    <p:sldId id="318" r:id="rId33"/>
-    <p:sldId id="319" r:id="rId34"/>
-    <p:sldId id="320" r:id="rId35"/>
-    <p:sldId id="321" r:id="rId36"/>
-    <p:sldId id="322" r:id="rId37"/>
-    <p:sldId id="290" r:id="rId38"/>
-    <p:sldId id="291" r:id="rId39"/>
-    <p:sldId id="298" r:id="rId40"/>
+    <p:sldId id="298" r:id="rId32"/>
   </p:sldIdLst>
   <p:sldSz cx="12192000" cy="6858000"/>
   <p:notesSz cx="6858000" cy="9144000"/>
@@ -297,7 +289,7 @@
           <a:p>
             <a:fld id="{33C37291-AA83-40C0-9297-8F7F3693F6CC}" type="datetimeFigureOut">
               <a:rPr lang="ko-KR" altLang="en-US" smtClean="0"/>
-              <a:t>2022-08-29</a:t>
+              <a:t>2022-08-30</a:t>
             </a:fld>
             <a:endParaRPr lang="ko-KR" altLang="en-US"/>
           </a:p>
@@ -495,7 +487,7 @@
           <a:p>
             <a:fld id="{33C37291-AA83-40C0-9297-8F7F3693F6CC}" type="datetimeFigureOut">
               <a:rPr lang="ko-KR" altLang="en-US" smtClean="0"/>
-              <a:t>2022-08-29</a:t>
+              <a:t>2022-08-30</a:t>
             </a:fld>
             <a:endParaRPr lang="ko-KR" altLang="en-US"/>
           </a:p>
@@ -703,7 +695,7 @@
           <a:p>
             <a:fld id="{33C37291-AA83-40C0-9297-8F7F3693F6CC}" type="datetimeFigureOut">
               <a:rPr lang="ko-KR" altLang="en-US" smtClean="0"/>
-              <a:t>2022-08-29</a:t>
+              <a:t>2022-08-30</a:t>
             </a:fld>
             <a:endParaRPr lang="ko-KR" altLang="en-US"/>
           </a:p>
@@ -901,7 +893,7 @@
           <a:p>
             <a:fld id="{33C37291-AA83-40C0-9297-8F7F3693F6CC}" type="datetimeFigureOut">
               <a:rPr lang="ko-KR" altLang="en-US" smtClean="0"/>
-              <a:t>2022-08-29</a:t>
+              <a:t>2022-08-30</a:t>
             </a:fld>
             <a:endParaRPr lang="ko-KR" altLang="en-US"/>
           </a:p>
@@ -1176,7 +1168,7 @@
           <a:p>
             <a:fld id="{33C37291-AA83-40C0-9297-8F7F3693F6CC}" type="datetimeFigureOut">
               <a:rPr lang="ko-KR" altLang="en-US" smtClean="0"/>
-              <a:t>2022-08-29</a:t>
+              <a:t>2022-08-30</a:t>
             </a:fld>
             <a:endParaRPr lang="ko-KR" altLang="en-US"/>
           </a:p>
@@ -1441,7 +1433,7 @@
           <a:p>
             <a:fld id="{33C37291-AA83-40C0-9297-8F7F3693F6CC}" type="datetimeFigureOut">
               <a:rPr lang="ko-KR" altLang="en-US" smtClean="0"/>
-              <a:t>2022-08-29</a:t>
+              <a:t>2022-08-30</a:t>
             </a:fld>
             <a:endParaRPr lang="ko-KR" altLang="en-US"/>
           </a:p>
@@ -1853,7 +1845,7 @@
           <a:p>
             <a:fld id="{33C37291-AA83-40C0-9297-8F7F3693F6CC}" type="datetimeFigureOut">
               <a:rPr lang="ko-KR" altLang="en-US" smtClean="0"/>
-              <a:t>2022-08-29</a:t>
+              <a:t>2022-08-30</a:t>
             </a:fld>
             <a:endParaRPr lang="ko-KR" altLang="en-US"/>
           </a:p>
@@ -1994,7 +1986,7 @@
           <a:p>
             <a:fld id="{33C37291-AA83-40C0-9297-8F7F3693F6CC}" type="datetimeFigureOut">
               <a:rPr lang="ko-KR" altLang="en-US" smtClean="0"/>
-              <a:t>2022-08-29</a:t>
+              <a:t>2022-08-30</a:t>
             </a:fld>
             <a:endParaRPr lang="ko-KR" altLang="en-US"/>
           </a:p>
@@ -2107,7 +2099,7 @@
           <a:p>
             <a:fld id="{33C37291-AA83-40C0-9297-8F7F3693F6CC}" type="datetimeFigureOut">
               <a:rPr lang="ko-KR" altLang="en-US" smtClean="0"/>
-              <a:t>2022-08-29</a:t>
+              <a:t>2022-08-30</a:t>
             </a:fld>
             <a:endParaRPr lang="ko-KR" altLang="en-US"/>
           </a:p>
@@ -2418,7 +2410,7 @@
           <a:p>
             <a:fld id="{33C37291-AA83-40C0-9297-8F7F3693F6CC}" type="datetimeFigureOut">
               <a:rPr lang="ko-KR" altLang="en-US" smtClean="0"/>
-              <a:t>2022-08-29</a:t>
+              <a:t>2022-08-30</a:t>
             </a:fld>
             <a:endParaRPr lang="ko-KR" altLang="en-US"/>
           </a:p>
@@ -2706,7 +2698,7 @@
           <a:p>
             <a:fld id="{33C37291-AA83-40C0-9297-8F7F3693F6CC}" type="datetimeFigureOut">
               <a:rPr lang="ko-KR" altLang="en-US" smtClean="0"/>
-              <a:t>2022-08-29</a:t>
+              <a:t>2022-08-30</a:t>
             </a:fld>
             <a:endParaRPr lang="ko-KR" altLang="en-US"/>
           </a:p>
@@ -2947,7 +2939,7 @@
           <a:p>
             <a:fld id="{33C37291-AA83-40C0-9297-8F7F3693F6CC}" type="datetimeFigureOut">
               <a:rPr lang="ko-KR" altLang="en-US" smtClean="0"/>
-              <a:t>2022-08-29</a:t>
+              <a:t>2022-08-30</a:t>
             </a:fld>
             <a:endParaRPr lang="ko-KR" altLang="en-US"/>
           </a:p>
@@ -13878,7 +13870,21 @@
                 <a:latin typeface="나눔스퀘어 Light" panose="020B0600000101010101" pitchFamily="50" charset="-127"/>
                 <a:ea typeface="나눔스퀘어 Light" panose="020B0600000101010101" pitchFamily="50" charset="-127"/>
               </a:rPr>
-              <a:t> :</a:t>
+              <a:t> : </a:t>
+            </a:r>
+            <a:r>
+              <a:rPr lang="en-US" altLang="ko-KR" dirty="0" err="1">
+                <a:latin typeface="나눔스퀘어 Light" panose="020B0600000101010101" pitchFamily="50" charset="-127"/>
+                <a:ea typeface="나눔스퀘어 Light" panose="020B0600000101010101" pitchFamily="50" charset="-127"/>
+              </a:rPr>
+              <a:t>bisect.bisect_left</a:t>
+            </a:r>
+            <a:r>
+              <a:rPr lang="en-US" altLang="ko-KR" dirty="0">
+                <a:latin typeface="나눔스퀘어 Light" panose="020B0600000101010101" pitchFamily="50" charset="-127"/>
+                <a:ea typeface="나눔스퀘어 Light" panose="020B0600000101010101" pitchFamily="50" charset="-127"/>
+              </a:rPr>
+              <a:t>()</a:t>
             </a:r>
             <a:endParaRPr lang="ko-KR" altLang="en-US" dirty="0">
               <a:latin typeface="나눔스퀘어 Bold" panose="020B0600000101010101" pitchFamily="50" charset="-127"/>
@@ -13901,7 +13907,7 @@
         </p:nvSpPr>
         <p:spPr>
           <a:xfrm>
-            <a:off x="942387" y="3244334"/>
+            <a:off x="942387" y="4562449"/>
             <a:ext cx="10237694" cy="369332"/>
           </a:xfrm>
           <a:prstGeom prst="rect">
@@ -13920,7 +13926,7 @@
                 <a:latin typeface="나눔스퀘어 Light" panose="020B0600000101010101" pitchFamily="50" charset="-127"/>
                 <a:ea typeface="나눔스퀘어 Light" panose="020B0600000101010101" pitchFamily="50" charset="-127"/>
               </a:rPr>
-              <a:t>Java</a:t>
+              <a:t>Python</a:t>
             </a:r>
             <a:r>
               <a:rPr lang="ko-KR" altLang="en-US" dirty="0">
@@ -13934,7 +13940,7 @@
                 <a:latin typeface="나눔스퀘어 Light" panose="020B0600000101010101" pitchFamily="50" charset="-127"/>
                 <a:ea typeface="나눔스퀘어 Light" panose="020B0600000101010101" pitchFamily="50" charset="-127"/>
               </a:rPr>
-              <a:t>Arrays.binarySearch</a:t>
+              <a:t>bisect.bisect_left</a:t>
             </a:r>
             <a:r>
               <a:rPr lang="en-US" altLang="ko-KR" dirty="0">
@@ -13948,7 +13954,7 @@
                 <a:latin typeface="나눔스퀘어 Light" panose="020B0600000101010101" pitchFamily="50" charset="-127"/>
                 <a:ea typeface="나눔스퀘어 Light" panose="020B0600000101010101" pitchFamily="50" charset="-127"/>
               </a:rPr>
-              <a:t>메서드는 </a:t>
+              <a:t>함수는 </a:t>
             </a:r>
             <a:r>
               <a:rPr lang="en-US" altLang="ko-KR" dirty="0">
@@ -13962,7 +13968,21 @@
                 <a:latin typeface="나눔스퀘어 Light" panose="020B0600000101010101" pitchFamily="50" charset="-127"/>
                 <a:ea typeface="나눔스퀘어 Light" panose="020B0600000101010101" pitchFamily="50" charset="-127"/>
               </a:rPr>
-              <a:t>로 들어간 값이 배열에 있는지 탐색하여 값을 찾을 경우</a:t>
+              <a:t>로 들어간 값이 </a:t>
+            </a:r>
+            <a:r>
+              <a:rPr lang="en-US" altLang="ko-KR" dirty="0" err="1">
+                <a:latin typeface="나눔스퀘어 Light" panose="020B0600000101010101" pitchFamily="50" charset="-127"/>
+                <a:ea typeface="나눔스퀘어 Light" panose="020B0600000101010101" pitchFamily="50" charset="-127"/>
+              </a:rPr>
+              <a:t>Iterable</a:t>
+            </a:r>
+            <a:r>
+              <a:rPr lang="ko-KR" altLang="en-US" dirty="0">
+                <a:latin typeface="나눔스퀘어 Light" panose="020B0600000101010101" pitchFamily="50" charset="-127"/>
+                <a:ea typeface="나눔스퀘어 Light" panose="020B0600000101010101" pitchFamily="50" charset="-127"/>
+              </a:rPr>
+              <a:t>에 있는지 탐색하여</a:t>
             </a:r>
           </a:p>
         </p:txBody>
@@ -13981,7 +14001,7 @@
         </p:nvSpPr>
         <p:spPr>
           <a:xfrm>
-            <a:off x="942387" y="3624734"/>
+            <a:off x="942387" y="4933894"/>
             <a:ext cx="10237694" cy="369332"/>
           </a:xfrm>
           <a:prstGeom prst="rect">
@@ -13996,67 +14016,18 @@
           <a:lstStyle/>
           <a:p>
             <a:r>
+              <a:rPr lang="en-US" altLang="ko-KR" dirty="0">
+                <a:latin typeface="나눔스퀘어 Light" panose="020B0600000101010101" pitchFamily="50" charset="-127"/>
+                <a:ea typeface="나눔스퀘어 Light" panose="020B0600000101010101" pitchFamily="50" charset="-127"/>
+              </a:rPr>
+              <a:t>key</a:t>
+            </a:r>
+            <a:r>
               <a:rPr lang="ko-KR" altLang="en-US" dirty="0">
                 <a:latin typeface="나눔스퀘어 Light" panose="020B0600000101010101" pitchFamily="50" charset="-127"/>
                 <a:ea typeface="나눔스퀘어 Light" panose="020B0600000101010101" pitchFamily="50" charset="-127"/>
               </a:rPr>
-              <a:t>위치를 반환하고</a:t>
-            </a:r>
-            <a:r>
-              <a:rPr lang="en-US" altLang="ko-KR" dirty="0">
-                <a:latin typeface="나눔스퀘어 Light" panose="020B0600000101010101" pitchFamily="50" charset="-127"/>
-                <a:ea typeface="나눔스퀘어 Light" panose="020B0600000101010101" pitchFamily="50" charset="-127"/>
-              </a:rPr>
-              <a:t>, </a:t>
-            </a:r>
-            <a:r>
-              <a:rPr lang="ko-KR" altLang="en-US" dirty="0">
-                <a:latin typeface="나눔스퀘어 Light" panose="020B0600000101010101" pitchFamily="50" charset="-127"/>
-                <a:ea typeface="나눔스퀘어 Light" panose="020B0600000101010101" pitchFamily="50" charset="-127"/>
-              </a:rPr>
-              <a:t>찾지 못할 경우에는 </a:t>
-            </a:r>
-            <a:r>
-              <a:rPr lang="en-US" altLang="ko-KR" dirty="0">
-                <a:latin typeface="나눔스퀘어 Light" panose="020B0600000101010101" pitchFamily="50" charset="-127"/>
-                <a:ea typeface="나눔스퀘어 Light" panose="020B0600000101010101" pitchFamily="50" charset="-127"/>
-              </a:rPr>
-              <a:t>(</a:t>
-            </a:r>
-            <a:r>
-              <a:rPr lang="ko-KR" altLang="en-US" dirty="0">
-                <a:latin typeface="나눔스퀘어 Light" panose="020B0600000101010101" pitchFamily="50" charset="-127"/>
-                <a:ea typeface="나눔스퀘어 Light" panose="020B0600000101010101" pitchFamily="50" charset="-127"/>
-              </a:rPr>
-              <a:t>들어갈 자리 </a:t>
-            </a:r>
-            <a:r>
-              <a:rPr lang="en-US" altLang="ko-KR" dirty="0">
-                <a:latin typeface="나눔스퀘어 Light" panose="020B0600000101010101" pitchFamily="50" charset="-127"/>
-                <a:ea typeface="나눔스퀘어 Light" panose="020B0600000101010101" pitchFamily="50" charset="-127"/>
-              </a:rPr>
-              <a:t>× -1 – 1) (</a:t>
-            </a:r>
-            <a:r>
-              <a:rPr lang="en-US" altLang="ko-KR" dirty="0" err="1">
-                <a:latin typeface="나눔스퀘어 Light" panose="020B0600000101010101" pitchFamily="50" charset="-127"/>
-                <a:ea typeface="나눔스퀘어 Light" panose="020B0600000101010101" pitchFamily="50" charset="-127"/>
-              </a:rPr>
-              <a:t>lower_bound</a:t>
-            </a:r>
-            <a:r>
-              <a:rPr lang="en-US" altLang="ko-KR" dirty="0">
-                <a:latin typeface="나눔스퀘어 Light" panose="020B0600000101010101" pitchFamily="50" charset="-127"/>
-                <a:ea typeface="나눔스퀘어 Light" panose="020B0600000101010101" pitchFamily="50" charset="-127"/>
-              </a:rPr>
-              <a:t>) </a:t>
-            </a:r>
-            <a:r>
-              <a:rPr lang="ko-KR" altLang="en-US" dirty="0">
-                <a:latin typeface="나눔스퀘어 Light" panose="020B0600000101010101" pitchFamily="50" charset="-127"/>
-                <a:ea typeface="나눔스퀘어 Light" panose="020B0600000101010101" pitchFamily="50" charset="-127"/>
-              </a:rPr>
-              <a:t>을 반환합니다</a:t>
+              <a:t>가 들어갈 자리를 찾습니다</a:t>
             </a:r>
             <a:r>
               <a:rPr lang="en-US" altLang="ko-KR" dirty="0">
@@ -14072,6 +14043,36 @@
           </a:p>
         </p:txBody>
       </p:sp>
+      <p:pic>
+        <p:nvPicPr>
+          <p:cNvPr id="9" name="그림 8">
+            <a:extLst>
+              <a:ext uri="{FF2B5EF4-FFF2-40B4-BE49-F238E27FC236}">
+                <a16:creationId xmlns:a16="http://schemas.microsoft.com/office/drawing/2014/main" id="{BA1B2D1C-DEF5-725B-606F-8A602E8CFB5C}"/>
+              </a:ext>
+            </a:extLst>
+          </p:cNvPr>
+          <p:cNvPicPr>
+            <a:picLocks noChangeAspect="1"/>
+          </p:cNvPicPr>
+          <p:nvPr/>
+        </p:nvPicPr>
+        <p:blipFill>
+          <a:blip r:embed="rId2"/>
+          <a:stretch>
+            <a:fillRect/>
+          </a:stretch>
+        </p:blipFill>
+        <p:spPr>
+          <a:xfrm>
+            <a:off x="942387" y="1443618"/>
+            <a:ext cx="4876522" cy="3024679"/>
+          </a:xfrm>
+          <a:prstGeom prst="rect">
+            <a:avLst/>
+          </a:prstGeom>
+        </p:spPr>
+      </p:pic>
     </p:spTree>
     <p:extLst>
       <p:ext uri="{BB962C8B-B14F-4D97-AF65-F5344CB8AC3E}">
@@ -14295,8 +14296,8 @@
           </a:fontRef>
         </p:style>
       </p:cxnSp>
-      <mc:AlternateContent xmlns:mc="http://schemas.openxmlformats.org/markup-compatibility/2006">
-        <mc:Choice xmlns:a14="http://schemas.microsoft.com/office/drawing/2010/main" Requires="a14">
+      <mc:AlternateContent xmlns:mc="http://schemas.openxmlformats.org/markup-compatibility/2006" xmlns:a14="http://schemas.microsoft.com/office/drawing/2010/main">
+        <mc:Choice Requires="a14">
           <p:sp>
             <p:nvSpPr>
               <p:cNvPr id="7" name="TextBox 6">
@@ -14400,7 +14401,7 @@
             </p:txBody>
           </p:sp>
         </mc:Choice>
-        <mc:Fallback>
+        <mc:Fallback xmlns="">
           <p:sp>
             <p:nvSpPr>
               <p:cNvPr id="7" name="TextBox 6">
@@ -14490,8 +14491,8 @@
           </a:p>
         </p:txBody>
       </p:sp>
-      <mc:AlternateContent xmlns:mc="http://schemas.openxmlformats.org/markup-compatibility/2006">
-        <mc:Choice xmlns:a14="http://schemas.microsoft.com/office/drawing/2010/main" Requires="a14">
+      <mc:AlternateContent xmlns:mc="http://schemas.openxmlformats.org/markup-compatibility/2006" xmlns:a14="http://schemas.microsoft.com/office/drawing/2010/main">
+        <mc:Choice Requires="a14">
           <p:sp>
             <p:nvSpPr>
               <p:cNvPr id="4" name="TextBox 3">
@@ -14627,7 +14628,7 @@
             </p:txBody>
           </p:sp>
         </mc:Choice>
-        <mc:Fallback>
+        <mc:Fallback xmlns="">
           <p:sp>
             <p:nvSpPr>
               <p:cNvPr id="4" name="TextBox 3">
@@ -14672,8 +14673,8 @@
           </p:sp>
         </mc:Fallback>
       </mc:AlternateContent>
-      <mc:AlternateContent xmlns:mc="http://schemas.openxmlformats.org/markup-compatibility/2006">
-        <mc:Choice xmlns:a14="http://schemas.microsoft.com/office/drawing/2010/main" Requires="a14">
+      <mc:AlternateContent xmlns:mc="http://schemas.openxmlformats.org/markup-compatibility/2006" xmlns:a14="http://schemas.microsoft.com/office/drawing/2010/main">
+        <mc:Choice Requires="a14">
           <p:sp>
             <p:nvSpPr>
               <p:cNvPr id="6" name="TextBox 5">
@@ -14781,7 +14782,7 @@
             </p:txBody>
           </p:sp>
         </mc:Choice>
-        <mc:Fallback>
+        <mc:Fallback xmlns="">
           <p:sp>
             <p:nvSpPr>
               <p:cNvPr id="6" name="TextBox 5">
@@ -14826,8 +14827,8 @@
           </p:sp>
         </mc:Fallback>
       </mc:AlternateContent>
-      <mc:AlternateContent xmlns:mc="http://schemas.openxmlformats.org/markup-compatibility/2006">
-        <mc:Choice xmlns:a14="http://schemas.microsoft.com/office/drawing/2010/main" Requires="a14">
+      <mc:AlternateContent xmlns:mc="http://schemas.openxmlformats.org/markup-compatibility/2006" xmlns:a14="http://schemas.microsoft.com/office/drawing/2010/main">
+        <mc:Choice Requires="a14">
           <p:sp>
             <p:nvSpPr>
               <p:cNvPr id="9" name="TextBox 8">
@@ -15016,7 +15017,7 @@
             </p:txBody>
           </p:sp>
         </mc:Choice>
-        <mc:Fallback>
+        <mc:Fallback xmlns="">
           <p:sp>
             <p:nvSpPr>
               <p:cNvPr id="9" name="TextBox 8">
@@ -15187,8 +15188,8 @@
           </a:p>
         </p:txBody>
       </p:sp>
-      <mc:AlternateContent xmlns:mc="http://schemas.openxmlformats.org/markup-compatibility/2006">
-        <mc:Choice xmlns:a14="http://schemas.microsoft.com/office/drawing/2010/main" Requires="a14">
+      <mc:AlternateContent xmlns:mc="http://schemas.openxmlformats.org/markup-compatibility/2006" xmlns:a14="http://schemas.microsoft.com/office/drawing/2010/main">
+        <mc:Choice Requires="a14">
           <p:sp>
             <p:nvSpPr>
               <p:cNvPr id="13" name="TextBox 12">
@@ -15327,7 +15328,7 @@
             </p:txBody>
           </p:sp>
         </mc:Choice>
-        <mc:Fallback>
+        <mc:Fallback xmlns="">
           <p:sp>
             <p:nvSpPr>
               <p:cNvPr id="13" name="TextBox 12">
@@ -15372,6 +15373,36 @@
           </p:sp>
         </mc:Fallback>
       </mc:AlternateContent>
+      <p:pic>
+        <p:nvPicPr>
+          <p:cNvPr id="8" name="그림 7">
+            <a:extLst>
+              <a:ext uri="{FF2B5EF4-FFF2-40B4-BE49-F238E27FC236}">
+                <a16:creationId xmlns:a16="http://schemas.microsoft.com/office/drawing/2014/main" id="{C5502C35-8ACF-992B-8EC5-87C815ABEE8E}"/>
+              </a:ext>
+            </a:extLst>
+          </p:cNvPr>
+          <p:cNvPicPr>
+            <a:picLocks noChangeAspect="1"/>
+          </p:cNvPicPr>
+          <p:nvPr/>
+        </p:nvPicPr>
+        <p:blipFill>
+          <a:blip r:embed="rId7"/>
+          <a:stretch>
+            <a:fillRect/>
+          </a:stretch>
+        </p:blipFill>
+        <p:spPr>
+          <a:xfrm>
+            <a:off x="1014025" y="4353343"/>
+            <a:ext cx="7851550" cy="2112112"/>
+          </a:xfrm>
+          <a:prstGeom prst="rect">
+            <a:avLst/>
+          </a:prstGeom>
+        </p:spPr>
+      </p:pic>
     </p:spTree>
     <p:extLst>
       <p:ext uri="{BB962C8B-B14F-4D97-AF65-F5344CB8AC3E}">
@@ -15448,10 +15479,10 @@
       </p:cxnSp>
       <p:sp>
         <p:nvSpPr>
-          <p:cNvPr id="3" name="TextBox 2">
-            <a:extLst>
-              <a:ext uri="{FF2B5EF4-FFF2-40B4-BE49-F238E27FC236}">
-                <a16:creationId xmlns:a16="http://schemas.microsoft.com/office/drawing/2014/main" id="{B9DDF29F-4939-9859-67A7-972089459CC6}"/>
+          <p:cNvPr id="2" name="TextBox 1">
+            <a:extLst>
+              <a:ext uri="{FF2B5EF4-FFF2-40B4-BE49-F238E27FC236}">
+                <a16:creationId xmlns:a16="http://schemas.microsoft.com/office/drawing/2014/main" id="{0BDD82D2-1A63-7327-3944-E9BC6D48A73A}"/>
               </a:ext>
             </a:extLst>
           </p:cNvPr>
@@ -15461,7 +15492,7 @@
         <p:spPr>
           <a:xfrm>
             <a:off x="331694" y="177505"/>
-            <a:ext cx="5268302" cy="523220"/>
+            <a:ext cx="5431808" cy="523220"/>
           </a:xfrm>
           <a:prstGeom prst="rect">
             <a:avLst/>
@@ -15479,38 +15510,24 @@
                 <a:latin typeface="나눔스퀘어 Bold" panose="020B0600000101010101" pitchFamily="50" charset="-127"/>
                 <a:ea typeface="나눔스퀘어 Bold" panose="020B0600000101010101" pitchFamily="50" charset="-127"/>
               </a:rPr>
-              <a:t>Brute</a:t>
+              <a:t>Binary Search – 10815 </a:t>
             </a:r>
             <a:r>
               <a:rPr lang="ko-KR" altLang="en-US" sz="2800" dirty="0">
                 <a:latin typeface="나눔스퀘어 Bold" panose="020B0600000101010101" pitchFamily="50" charset="-127"/>
                 <a:ea typeface="나눔스퀘어 Bold" panose="020B0600000101010101" pitchFamily="50" charset="-127"/>
               </a:rPr>
-              <a:t> </a:t>
-            </a:r>
-            <a:r>
-              <a:rPr lang="en-US" altLang="ko-KR" sz="2800" dirty="0">
-                <a:latin typeface="나눔스퀘어 Bold" panose="020B0600000101010101" pitchFamily="50" charset="-127"/>
-                <a:ea typeface="나눔스퀘어 Bold" panose="020B0600000101010101" pitchFamily="50" charset="-127"/>
-              </a:rPr>
-              <a:t>Force – 5671 </a:t>
-            </a:r>
-            <a:r>
-              <a:rPr lang="ko-KR" altLang="en-US" sz="2800" dirty="0">
-                <a:latin typeface="나눔스퀘어 Bold" panose="020B0600000101010101" pitchFamily="50" charset="-127"/>
-                <a:ea typeface="나눔스퀘어 Bold" panose="020B0600000101010101" pitchFamily="50" charset="-127"/>
-              </a:rPr>
-              <a:t>호텔 방 번호</a:t>
+              <a:t>숫자 카드</a:t>
             </a:r>
           </a:p>
         </p:txBody>
       </p:sp>
       <p:pic>
         <p:nvPicPr>
-          <p:cNvPr id="7" name="그림 6">
-            <a:extLst>
-              <a:ext uri="{FF2B5EF4-FFF2-40B4-BE49-F238E27FC236}">
-                <a16:creationId xmlns:a16="http://schemas.microsoft.com/office/drawing/2014/main" id="{4ADAA222-9A45-95DF-76C4-CFEB39AB7A12}"/>
+          <p:cNvPr id="5" name="그림 4">
+            <a:extLst>
+              <a:ext uri="{FF2B5EF4-FFF2-40B4-BE49-F238E27FC236}">
+                <a16:creationId xmlns:a16="http://schemas.microsoft.com/office/drawing/2014/main" id="{CDB09F23-4E69-8C85-AEDB-87F16CFE42A5}"/>
               </a:ext>
             </a:extLst>
           </p:cNvPr>
@@ -15527,8 +15544,8 @@
         </p:blipFill>
         <p:spPr>
           <a:xfrm>
-            <a:off x="441458" y="973846"/>
-            <a:ext cx="9654650" cy="5884154"/>
+            <a:off x="331694" y="1000395"/>
+            <a:ext cx="10237694" cy="5770986"/>
           </a:xfrm>
           <a:prstGeom prst="rect">
             <a:avLst/>
@@ -17971,35 +17988,42 @@
           <a:lstStyle/>
           <a:p>
             <a:r>
+              <a:rPr lang="en-US" altLang="ko-KR" dirty="0">
+                <a:latin typeface="나눔스퀘어 Light" panose="020B0600000101010101" pitchFamily="50" charset="-127"/>
+                <a:ea typeface="나눔스퀘어 Light" panose="020B0600000101010101" pitchFamily="50" charset="-127"/>
+              </a:rPr>
+              <a:t>“1920 </a:t>
+            </a:r>
+            <a:r>
               <a:rPr lang="ko-KR" altLang="en-US" dirty="0">
                 <a:latin typeface="나눔스퀘어 Light" panose="020B0600000101010101" pitchFamily="50" charset="-127"/>
                 <a:ea typeface="나눔스퀘어 Light" panose="020B0600000101010101" pitchFamily="50" charset="-127"/>
               </a:rPr>
-              <a:t>반복되는 숫자가 있는지 없는지 확인하는 방법만 </a:t>
-            </a:r>
-            <a:r>
-              <a:rPr lang="ko-KR" altLang="en-US" dirty="0" err="1">
-                <a:latin typeface="나눔스퀘어 Light" panose="020B0600000101010101" pitchFamily="50" charset="-127"/>
-                <a:ea typeface="나눔스퀘어 Light" panose="020B0600000101010101" pitchFamily="50" charset="-127"/>
-              </a:rPr>
-              <a:t>신경쓰고</a:t>
+              <a:t>수 찾기</a:t>
+            </a:r>
+            <a:r>
+              <a:rPr lang="en-US" altLang="ko-KR" dirty="0">
+                <a:latin typeface="나눔스퀘어 Light" panose="020B0600000101010101" pitchFamily="50" charset="-127"/>
+                <a:ea typeface="나눔스퀘어 Light" panose="020B0600000101010101" pitchFamily="50" charset="-127"/>
+              </a:rPr>
+              <a:t>” </a:t>
             </a:r>
             <a:r>
               <a:rPr lang="ko-KR" altLang="en-US" dirty="0">
                 <a:latin typeface="나눔스퀘어 Light" panose="020B0600000101010101" pitchFamily="50" charset="-127"/>
                 <a:ea typeface="나눔스퀘어 Light" panose="020B0600000101010101" pitchFamily="50" charset="-127"/>
               </a:rPr>
-              <a:t> 구현하면 완전 탐색으로 풀 수 있음</a:t>
+              <a:t>문제와 사실상 똑같은 문제</a:t>
             </a:r>
           </a:p>
         </p:txBody>
       </p:sp>
       <p:sp>
         <p:nvSpPr>
-          <p:cNvPr id="3" name="TextBox 2">
-            <a:extLst>
-              <a:ext uri="{FF2B5EF4-FFF2-40B4-BE49-F238E27FC236}">
-                <a16:creationId xmlns:a16="http://schemas.microsoft.com/office/drawing/2014/main" id="{0AC6A0F0-2B9B-0B91-22CA-E658545A84C0}"/>
+          <p:cNvPr id="6" name="TextBox 5">
+            <a:extLst>
+              <a:ext uri="{FF2B5EF4-FFF2-40B4-BE49-F238E27FC236}">
+                <a16:creationId xmlns:a16="http://schemas.microsoft.com/office/drawing/2014/main" id="{750657FF-B785-8A82-4F6E-233A280E0097}"/>
               </a:ext>
             </a:extLst>
           </p:cNvPr>
@@ -18009,7 +18033,7 @@
         <p:spPr>
           <a:xfrm>
             <a:off x="331694" y="177505"/>
-            <a:ext cx="5268302" cy="523220"/>
+            <a:ext cx="5431808" cy="523220"/>
           </a:xfrm>
           <a:prstGeom prst="rect">
             <a:avLst/>
@@ -18027,184 +18051,24 @@
                 <a:latin typeface="나눔스퀘어 Bold" panose="020B0600000101010101" pitchFamily="50" charset="-127"/>
                 <a:ea typeface="나눔스퀘어 Bold" panose="020B0600000101010101" pitchFamily="50" charset="-127"/>
               </a:rPr>
-              <a:t>Brute</a:t>
+              <a:t>Binary Search – 10815 </a:t>
             </a:r>
             <a:r>
               <a:rPr lang="ko-KR" altLang="en-US" sz="2800" dirty="0">
                 <a:latin typeface="나눔스퀘어 Bold" panose="020B0600000101010101" pitchFamily="50" charset="-127"/>
                 <a:ea typeface="나눔스퀘어 Bold" panose="020B0600000101010101" pitchFamily="50" charset="-127"/>
               </a:rPr>
-              <a:t> </a:t>
-            </a:r>
-            <a:r>
-              <a:rPr lang="en-US" altLang="ko-KR" sz="2800" dirty="0">
-                <a:latin typeface="나눔스퀘어 Bold" panose="020B0600000101010101" pitchFamily="50" charset="-127"/>
-                <a:ea typeface="나눔스퀘어 Bold" panose="020B0600000101010101" pitchFamily="50" charset="-127"/>
-              </a:rPr>
-              <a:t>Force – 5671 </a:t>
-            </a:r>
-            <a:r>
-              <a:rPr lang="ko-KR" altLang="en-US" sz="2800" dirty="0">
-                <a:latin typeface="나눔스퀘어 Bold" panose="020B0600000101010101" pitchFamily="50" charset="-127"/>
-                <a:ea typeface="나눔스퀘어 Bold" panose="020B0600000101010101" pitchFamily="50" charset="-127"/>
-              </a:rPr>
-              <a:t>호텔 방 번호</a:t>
-            </a:r>
-          </a:p>
-        </p:txBody>
-      </p:sp>
-      <p:sp>
-        <p:nvSpPr>
-          <p:cNvPr id="2" name="TextBox 1">
-            <a:extLst>
-              <a:ext uri="{FF2B5EF4-FFF2-40B4-BE49-F238E27FC236}">
-                <a16:creationId xmlns:a16="http://schemas.microsoft.com/office/drawing/2014/main" id="{78CE452A-466A-BA43-B668-EEC3E47DE8F5}"/>
-              </a:ext>
-            </a:extLst>
-          </p:cNvPr>
-          <p:cNvSpPr txBox="1"/>
-          <p:nvPr/>
-        </p:nvSpPr>
-        <p:spPr>
-          <a:xfrm>
-            <a:off x="942387" y="1861874"/>
-            <a:ext cx="8553305" cy="369332"/>
-          </a:xfrm>
-          <a:prstGeom prst="rect">
-            <a:avLst/>
-          </a:prstGeom>
-          <a:noFill/>
-        </p:spPr>
-        <p:txBody>
-          <a:bodyPr wrap="square" rtlCol="0">
-            <a:spAutoFit/>
-          </a:bodyPr>
-          <a:lstStyle/>
-          <a:p>
-            <a:r>
-              <a:rPr lang="ko-KR" altLang="en-US" dirty="0">
-                <a:latin typeface="나눔스퀘어 Light" panose="020B0600000101010101" pitchFamily="50" charset="-127"/>
-                <a:ea typeface="나눔스퀘어 Light" panose="020B0600000101010101" pitchFamily="50" charset="-127"/>
-              </a:rPr>
-              <a:t>반복 </a:t>
-            </a:r>
-            <a:r>
-              <a:rPr lang="en-US" altLang="ko-KR" dirty="0">
-                <a:latin typeface="나눔스퀘어 Light" panose="020B0600000101010101" pitchFamily="50" charset="-127"/>
-                <a:ea typeface="나눔스퀘어 Light" panose="020B0600000101010101" pitchFamily="50" charset="-127"/>
-              </a:rPr>
-              <a:t>: </a:t>
-            </a:r>
-            <a:r>
-              <a:rPr lang="ko-KR" altLang="en-US" dirty="0">
-                <a:latin typeface="나눔스퀘어 Light" panose="020B0600000101010101" pitchFamily="50" charset="-127"/>
-                <a:ea typeface="나눔스퀘어 Light" panose="020B0600000101010101" pitchFamily="50" charset="-127"/>
-              </a:rPr>
-              <a:t>같은 숫자가 </a:t>
-            </a:r>
-            <a:r>
-              <a:rPr lang="en-US" altLang="ko-KR" dirty="0">
-                <a:latin typeface="나눔스퀘어 Light" panose="020B0600000101010101" pitchFamily="50" charset="-127"/>
-                <a:ea typeface="나눔스퀘어 Light" panose="020B0600000101010101" pitchFamily="50" charset="-127"/>
-              </a:rPr>
-              <a:t>2</a:t>
-            </a:r>
-            <a:r>
-              <a:rPr lang="ko-KR" altLang="en-US" dirty="0">
-                <a:latin typeface="나눔스퀘어 Light" panose="020B0600000101010101" pitchFamily="50" charset="-127"/>
-                <a:ea typeface="나눔스퀘어 Light" panose="020B0600000101010101" pitchFamily="50" charset="-127"/>
-              </a:rPr>
-              <a:t>번 이상 나옴</a:t>
-            </a:r>
-          </a:p>
-        </p:txBody>
-      </p:sp>
-      <p:sp>
-        <p:nvSpPr>
-          <p:cNvPr id="4" name="TextBox 3">
-            <a:extLst>
-              <a:ext uri="{FF2B5EF4-FFF2-40B4-BE49-F238E27FC236}">
-                <a16:creationId xmlns:a16="http://schemas.microsoft.com/office/drawing/2014/main" id="{78D3FD99-B1F4-D8EF-9885-062B3CFC021B}"/>
-              </a:ext>
-            </a:extLst>
-          </p:cNvPr>
-          <p:cNvSpPr txBox="1"/>
-          <p:nvPr/>
-        </p:nvSpPr>
-        <p:spPr>
-          <a:xfrm>
-            <a:off x="942387" y="2231206"/>
-            <a:ext cx="8553305" cy="369332"/>
-          </a:xfrm>
-          <a:prstGeom prst="rect">
-            <a:avLst/>
-          </a:prstGeom>
-          <a:noFill/>
-        </p:spPr>
-        <p:txBody>
-          <a:bodyPr wrap="square" rtlCol="0">
-            <a:spAutoFit/>
-          </a:bodyPr>
-          <a:lstStyle/>
-          <a:p>
-            <a:r>
-              <a:rPr lang="ko-KR" altLang="en-US" dirty="0">
-                <a:latin typeface="나눔스퀘어 Light" panose="020B0600000101010101" pitchFamily="50" charset="-127"/>
-                <a:ea typeface="나눔스퀘어 Light" panose="020B0600000101010101" pitchFamily="50" charset="-127"/>
-              </a:rPr>
-              <a:t>숫자</a:t>
-            </a:r>
-            <a:r>
-              <a:rPr lang="en-US" altLang="ko-KR" dirty="0">
-                <a:latin typeface="나눔스퀘어 Light" panose="020B0600000101010101" pitchFamily="50" charset="-127"/>
-                <a:ea typeface="나눔스퀘어 Light" panose="020B0600000101010101" pitchFamily="50" charset="-127"/>
-              </a:rPr>
-              <a:t>(0~9)</a:t>
-            </a:r>
-            <a:r>
-              <a:rPr lang="ko-KR" altLang="en-US" dirty="0">
-                <a:latin typeface="나눔스퀘어 Light" panose="020B0600000101010101" pitchFamily="50" charset="-127"/>
-                <a:ea typeface="나눔스퀘어 Light" panose="020B0600000101010101" pitchFamily="50" charset="-127"/>
-              </a:rPr>
-              <a:t>가 나오는 횟수를 전부 세어</a:t>
-            </a:r>
-            <a:r>
-              <a:rPr lang="en-US" altLang="ko-KR" dirty="0">
-                <a:latin typeface="나눔스퀘어 Light" panose="020B0600000101010101" pitchFamily="50" charset="-127"/>
-                <a:ea typeface="나눔스퀘어 Light" panose="020B0600000101010101" pitchFamily="50" charset="-127"/>
-              </a:rPr>
-              <a:t>, </a:t>
-            </a:r>
-            <a:r>
-              <a:rPr lang="ko-KR" altLang="en-US" dirty="0">
-                <a:latin typeface="나눔스퀘어 Light" panose="020B0600000101010101" pitchFamily="50" charset="-127"/>
-                <a:ea typeface="나눔스퀘어 Light" panose="020B0600000101010101" pitchFamily="50" charset="-127"/>
-              </a:rPr>
-              <a:t>모든 숫자가 </a:t>
-            </a:r>
-            <a:r>
-              <a:rPr lang="en-US" altLang="ko-KR" dirty="0">
-                <a:latin typeface="나눔스퀘어 Light" panose="020B0600000101010101" pitchFamily="50" charset="-127"/>
-                <a:ea typeface="나눔스퀘어 Light" panose="020B0600000101010101" pitchFamily="50" charset="-127"/>
-              </a:rPr>
-              <a:t>1</a:t>
-            </a:r>
-            <a:r>
-              <a:rPr lang="ko-KR" altLang="en-US" dirty="0">
-                <a:latin typeface="나눔스퀘어 Light" panose="020B0600000101010101" pitchFamily="50" charset="-127"/>
-                <a:ea typeface="나눔스퀘어 Light" panose="020B0600000101010101" pitchFamily="50" charset="-127"/>
-              </a:rPr>
-              <a:t>번 이하 나오는지 확인</a:t>
+              <a:t>숫자 카드</a:t>
             </a:r>
           </a:p>
         </p:txBody>
       </p:sp>
       <p:pic>
         <p:nvPicPr>
-          <p:cNvPr id="8" name="그림 7">
-            <a:extLst>
-              <a:ext uri="{FF2B5EF4-FFF2-40B4-BE49-F238E27FC236}">
-                <a16:creationId xmlns:a16="http://schemas.microsoft.com/office/drawing/2014/main" id="{22732A5A-6797-AA93-2DB0-B6C50EAD972A}"/>
+          <p:cNvPr id="10" name="그림 9">
+            <a:extLst>
+              <a:ext uri="{FF2B5EF4-FFF2-40B4-BE49-F238E27FC236}">
+                <a16:creationId xmlns:a16="http://schemas.microsoft.com/office/drawing/2014/main" id="{5878604E-EF4B-6F24-8E41-0444945514C3}"/>
               </a:ext>
             </a:extLst>
           </p:cNvPr>
@@ -18221,97 +18085,44 @@
         </p:blipFill>
         <p:spPr>
           <a:xfrm>
-            <a:off x="942386" y="2688876"/>
-            <a:ext cx="4657609" cy="3648691"/>
+            <a:off x="1014025" y="1536605"/>
+            <a:ext cx="6162630" cy="1657783"/>
           </a:xfrm>
           <a:prstGeom prst="rect">
             <a:avLst/>
           </a:prstGeom>
         </p:spPr>
       </p:pic>
-      <p:sp>
-        <p:nvSpPr>
-          <p:cNvPr id="9" name="TextBox 8">
-            <a:extLst>
-              <a:ext uri="{FF2B5EF4-FFF2-40B4-BE49-F238E27FC236}">
-                <a16:creationId xmlns:a16="http://schemas.microsoft.com/office/drawing/2014/main" id="{04A0AE1E-6146-2B31-1D7D-1C0E992760B7}"/>
-              </a:ext>
-            </a:extLst>
-          </p:cNvPr>
-          <p:cNvSpPr txBox="1"/>
+      <p:pic>
+        <p:nvPicPr>
+          <p:cNvPr id="12" name="그림 11">
+            <a:extLst>
+              <a:ext uri="{FF2B5EF4-FFF2-40B4-BE49-F238E27FC236}">
+                <a16:creationId xmlns:a16="http://schemas.microsoft.com/office/drawing/2014/main" id="{8361EF2E-C575-4444-3455-55F1194A51DF}"/>
+              </a:ext>
+            </a:extLst>
+          </p:cNvPr>
+          <p:cNvPicPr>
+            <a:picLocks noChangeAspect="1"/>
+          </p:cNvPicPr>
           <p:nvPr/>
-        </p:nvSpPr>
+        </p:nvPicPr>
+        <p:blipFill>
+          <a:blip r:embed="rId3"/>
+          <a:stretch>
+            <a:fillRect/>
+          </a:stretch>
+        </p:blipFill>
         <p:spPr>
           <a:xfrm>
-            <a:off x="6353373" y="3724006"/>
-            <a:ext cx="5543254" cy="646331"/>
+            <a:off x="1014026" y="3300671"/>
+            <a:ext cx="6162630" cy="3148593"/>
           </a:xfrm>
           <a:prstGeom prst="rect">
             <a:avLst/>
           </a:prstGeom>
-          <a:noFill/>
         </p:spPr>
-        <p:txBody>
-          <a:bodyPr wrap="square" rtlCol="0">
-            <a:spAutoFit/>
-          </a:bodyPr>
-          <a:lstStyle/>
-          <a:p>
-            <a:r>
-              <a:rPr lang="en-US" altLang="ko-KR" dirty="0">
-                <a:latin typeface="나눔스퀘어 Light" panose="020B0600000101010101" pitchFamily="50" charset="-127"/>
-                <a:ea typeface="나눔스퀘어 Light" panose="020B0600000101010101" pitchFamily="50" charset="-127"/>
-              </a:rPr>
-              <a:t>(</a:t>
-            </a:r>
-            <a:r>
-              <a:rPr lang="ko-KR" altLang="en-US" dirty="0">
-                <a:latin typeface="나눔스퀘어 Light" panose="020B0600000101010101" pitchFamily="50" charset="-127"/>
-                <a:ea typeface="나눔스퀘어 Light" panose="020B0600000101010101" pitchFamily="50" charset="-127"/>
-              </a:rPr>
-              <a:t>여기서도 역시 각 자리수의 숫자를 확인하는 방법으로</a:t>
-            </a:r>
-            <a:endParaRPr lang="en-US" altLang="ko-KR" dirty="0">
-              <a:latin typeface="나눔스퀘어 Light" panose="020B0600000101010101" pitchFamily="50" charset="-127"/>
-              <a:ea typeface="나눔스퀘어 Light" panose="020B0600000101010101" pitchFamily="50" charset="-127"/>
-            </a:endParaRPr>
-          </a:p>
-          <a:p>
-            <a:r>
-              <a:rPr lang="ko-KR" altLang="en-US" dirty="0">
-                <a:latin typeface="나눔스퀘어 Light" panose="020B0600000101010101" pitchFamily="50" charset="-127"/>
-                <a:ea typeface="나눔스퀘어 Light" panose="020B0600000101010101" pitchFamily="50" charset="-127"/>
-              </a:rPr>
-              <a:t>문자열 변환을 사용했지만</a:t>
-            </a:r>
-            <a:r>
-              <a:rPr lang="en-US" altLang="ko-KR" dirty="0">
-                <a:latin typeface="나눔스퀘어 Light" panose="020B0600000101010101" pitchFamily="50" charset="-127"/>
-                <a:ea typeface="나눔스퀘어 Light" panose="020B0600000101010101" pitchFamily="50" charset="-127"/>
-              </a:rPr>
-              <a:t>, </a:t>
-            </a:r>
-            <a:r>
-              <a:rPr lang="ko-KR" altLang="en-US" dirty="0">
-                <a:latin typeface="나눔스퀘어 Light" panose="020B0600000101010101" pitchFamily="50" charset="-127"/>
-                <a:ea typeface="나눔스퀘어 Light" panose="020B0600000101010101" pitchFamily="50" charset="-127"/>
-              </a:rPr>
-              <a:t>나눗셈을 사용할 수 있습니다</a:t>
-            </a:r>
-            <a:r>
-              <a:rPr lang="en-US" altLang="ko-KR" dirty="0">
-                <a:latin typeface="나눔스퀘어 Light" panose="020B0600000101010101" pitchFamily="50" charset="-127"/>
-                <a:ea typeface="나눔스퀘어 Light" panose="020B0600000101010101" pitchFamily="50" charset="-127"/>
-              </a:rPr>
-              <a:t>.)</a:t>
-            </a:r>
-            <a:endParaRPr lang="ko-KR" altLang="en-US" dirty="0">
-              <a:latin typeface="나눔스퀘어 Light" panose="020B0600000101010101" pitchFamily="50" charset="-127"/>
-              <a:ea typeface="나눔스퀘어 Light" panose="020B0600000101010101" pitchFamily="50" charset="-127"/>
-            </a:endParaRPr>
-          </a:p>
-        </p:txBody>
-      </p:sp>
+      </p:pic>
     </p:spTree>
     <p:extLst>
       <p:ext uri="{BB962C8B-B14F-4D97-AF65-F5344CB8AC3E}">
@@ -18326,3427 +18137,6 @@
 </file>
 
 <file path=ppt/slides/slide31.xml><?xml version="1.0" encoding="utf-8"?>
-<p:sld xmlns:a="http://schemas.openxmlformats.org/drawingml/2006/main" xmlns:r="http://schemas.openxmlformats.org/officeDocument/2006/relationships" xmlns:p="http://schemas.openxmlformats.org/presentationml/2006/main">
-  <p:cSld>
-    <p:spTree>
-      <p:nvGrpSpPr>
-        <p:cNvPr id="1" name=""/>
-        <p:cNvGrpSpPr/>
-        <p:nvPr/>
-      </p:nvGrpSpPr>
-      <p:grpSpPr>
-        <a:xfrm>
-          <a:off x="0" y="0"/>
-          <a:ext cx="0" cy="0"/>
-          <a:chOff x="0" y="0"/>
-          <a:chExt cx="0" cy="0"/>
-        </a:xfrm>
-      </p:grpSpPr>
-      <p:cxnSp>
-        <p:nvCxnSpPr>
-          <p:cNvPr id="5" name="직선 연결선 4">
-            <a:extLst>
-              <a:ext uri="{FF2B5EF4-FFF2-40B4-BE49-F238E27FC236}">
-                <a16:creationId xmlns:a16="http://schemas.microsoft.com/office/drawing/2014/main" id="{164C2827-EFCE-69A4-D037-1A218415F568}"/>
-              </a:ext>
-            </a:extLst>
-          </p:cNvPr>
-          <p:cNvCxnSpPr/>
-          <p:nvPr/>
-        </p:nvCxnSpPr>
-        <p:spPr>
-          <a:xfrm>
-            <a:off x="0" y="887505"/>
-            <a:ext cx="10237694" cy="0"/>
-          </a:xfrm>
-          <a:prstGeom prst="line">
-            <a:avLst/>
-          </a:prstGeom>
-          <a:ln w="76200">
-            <a:solidFill>
-              <a:schemeClr val="tx1">
-                <a:lumMod val="75000"/>
-                <a:lumOff val="25000"/>
-              </a:schemeClr>
-            </a:solidFill>
-          </a:ln>
-        </p:spPr>
-        <p:style>
-          <a:lnRef idx="1">
-            <a:schemeClr val="accent1"/>
-          </a:lnRef>
-          <a:fillRef idx="0">
-            <a:schemeClr val="accent1"/>
-          </a:fillRef>
-          <a:effectRef idx="0">
-            <a:schemeClr val="accent1"/>
-          </a:effectRef>
-          <a:fontRef idx="minor">
-            <a:schemeClr val="tx1"/>
-          </a:fontRef>
-        </p:style>
-      </p:cxnSp>
-      <p:sp>
-        <p:nvSpPr>
-          <p:cNvPr id="7" name="TextBox 6">
-            <a:extLst>
-              <a:ext uri="{FF2B5EF4-FFF2-40B4-BE49-F238E27FC236}">
-                <a16:creationId xmlns:a16="http://schemas.microsoft.com/office/drawing/2014/main" id="{CC86D852-FF78-F56B-3D83-6A37E0336D58}"/>
-              </a:ext>
-            </a:extLst>
-          </p:cNvPr>
-          <p:cNvSpPr txBox="1"/>
-          <p:nvPr/>
-        </p:nvSpPr>
-        <p:spPr>
-          <a:xfrm>
-            <a:off x="942387" y="1190024"/>
-            <a:ext cx="10237694" cy="369332"/>
-          </a:xfrm>
-          <a:prstGeom prst="rect">
-            <a:avLst/>
-          </a:prstGeom>
-          <a:noFill/>
-        </p:spPr>
-        <p:txBody>
-          <a:bodyPr wrap="square" rtlCol="0">
-            <a:spAutoFit/>
-          </a:bodyPr>
-          <a:lstStyle/>
-          <a:p>
-            <a:r>
-              <a:rPr lang="ko-KR" altLang="en-US" dirty="0">
-                <a:latin typeface="나눔스퀘어 Light" panose="020B0600000101010101" pitchFamily="50" charset="-127"/>
-                <a:ea typeface="나눔스퀘어 Light" panose="020B0600000101010101" pitchFamily="50" charset="-127"/>
-              </a:rPr>
-              <a:t>불가능한 호텔 방 번호인지 확인하는 함수를 만들었으니</a:t>
-            </a:r>
-            <a:r>
-              <a:rPr lang="en-US" altLang="ko-KR" dirty="0">
-                <a:latin typeface="나눔스퀘어 Light" panose="020B0600000101010101" pitchFamily="50" charset="-127"/>
-                <a:ea typeface="나눔스퀘어 Light" panose="020B0600000101010101" pitchFamily="50" charset="-127"/>
-              </a:rPr>
-              <a:t>,</a:t>
-            </a:r>
-            <a:endParaRPr lang="ko-KR" altLang="en-US" dirty="0">
-              <a:latin typeface="나눔스퀘어 Light" panose="020B0600000101010101" pitchFamily="50" charset="-127"/>
-              <a:ea typeface="나눔스퀘어 Light" panose="020B0600000101010101" pitchFamily="50" charset="-127"/>
-            </a:endParaRPr>
-          </a:p>
-        </p:txBody>
-      </p:sp>
-      <p:sp>
-        <p:nvSpPr>
-          <p:cNvPr id="3" name="TextBox 2">
-            <a:extLst>
-              <a:ext uri="{FF2B5EF4-FFF2-40B4-BE49-F238E27FC236}">
-                <a16:creationId xmlns:a16="http://schemas.microsoft.com/office/drawing/2014/main" id="{0AC6A0F0-2B9B-0B91-22CA-E658545A84C0}"/>
-              </a:ext>
-            </a:extLst>
-          </p:cNvPr>
-          <p:cNvSpPr txBox="1"/>
-          <p:nvPr/>
-        </p:nvSpPr>
-        <p:spPr>
-          <a:xfrm>
-            <a:off x="331694" y="177505"/>
-            <a:ext cx="5268302" cy="523220"/>
-          </a:xfrm>
-          <a:prstGeom prst="rect">
-            <a:avLst/>
-          </a:prstGeom>
-          <a:noFill/>
-        </p:spPr>
-        <p:txBody>
-          <a:bodyPr wrap="none" rtlCol="0">
-            <a:spAutoFit/>
-          </a:bodyPr>
-          <a:lstStyle/>
-          <a:p>
-            <a:r>
-              <a:rPr lang="en-US" altLang="ko-KR" sz="2800" dirty="0">
-                <a:latin typeface="나눔스퀘어 Bold" panose="020B0600000101010101" pitchFamily="50" charset="-127"/>
-                <a:ea typeface="나눔스퀘어 Bold" panose="020B0600000101010101" pitchFamily="50" charset="-127"/>
-              </a:rPr>
-              <a:t>Brute</a:t>
-            </a:r>
-            <a:r>
-              <a:rPr lang="ko-KR" altLang="en-US" sz="2800" dirty="0">
-                <a:latin typeface="나눔스퀘어 Bold" panose="020B0600000101010101" pitchFamily="50" charset="-127"/>
-                <a:ea typeface="나눔스퀘어 Bold" panose="020B0600000101010101" pitchFamily="50" charset="-127"/>
-              </a:rPr>
-              <a:t> </a:t>
-            </a:r>
-            <a:r>
-              <a:rPr lang="en-US" altLang="ko-KR" sz="2800" dirty="0">
-                <a:latin typeface="나눔스퀘어 Bold" panose="020B0600000101010101" pitchFamily="50" charset="-127"/>
-                <a:ea typeface="나눔스퀘어 Bold" panose="020B0600000101010101" pitchFamily="50" charset="-127"/>
-              </a:rPr>
-              <a:t>Force – 5671 </a:t>
-            </a:r>
-            <a:r>
-              <a:rPr lang="ko-KR" altLang="en-US" sz="2800" dirty="0">
-                <a:latin typeface="나눔스퀘어 Bold" panose="020B0600000101010101" pitchFamily="50" charset="-127"/>
-                <a:ea typeface="나눔스퀘어 Bold" panose="020B0600000101010101" pitchFamily="50" charset="-127"/>
-              </a:rPr>
-              <a:t>호텔 방 번호</a:t>
-            </a:r>
-          </a:p>
-        </p:txBody>
-      </p:sp>
-      <p:sp>
-        <p:nvSpPr>
-          <p:cNvPr id="6" name="TextBox 5">
-            <a:extLst>
-              <a:ext uri="{FF2B5EF4-FFF2-40B4-BE49-F238E27FC236}">
-                <a16:creationId xmlns:a16="http://schemas.microsoft.com/office/drawing/2014/main" id="{D45AB92C-DAFD-3F93-9296-FA05BDF67030}"/>
-              </a:ext>
-            </a:extLst>
-          </p:cNvPr>
-          <p:cNvSpPr txBox="1"/>
-          <p:nvPr/>
-        </p:nvSpPr>
-        <p:spPr>
-          <a:xfrm>
-            <a:off x="942387" y="1559356"/>
-            <a:ext cx="10237694" cy="369332"/>
-          </a:xfrm>
-          <a:prstGeom prst="rect">
-            <a:avLst/>
-          </a:prstGeom>
-          <a:noFill/>
-        </p:spPr>
-        <p:txBody>
-          <a:bodyPr wrap="square" rtlCol="0">
-            <a:spAutoFit/>
-          </a:bodyPr>
-          <a:lstStyle/>
-          <a:p>
-            <a:r>
-              <a:rPr lang="ko-KR" altLang="en-US" dirty="0">
-                <a:latin typeface="나눔스퀘어 Light" panose="020B0600000101010101" pitchFamily="50" charset="-127"/>
-                <a:ea typeface="나눔스퀘어 Light" panose="020B0600000101010101" pitchFamily="50" charset="-127"/>
-              </a:rPr>
-              <a:t>이제 완전탐색</a:t>
-            </a:r>
-            <a:r>
-              <a:rPr lang="en-US" altLang="ko-KR" dirty="0">
-                <a:latin typeface="나눔스퀘어 Light" panose="020B0600000101010101" pitchFamily="50" charset="-127"/>
-                <a:ea typeface="나눔스퀘어 Light" panose="020B0600000101010101" pitchFamily="50" charset="-127"/>
-              </a:rPr>
-              <a:t>(</a:t>
-            </a:r>
-            <a:r>
-              <a:rPr lang="ko-KR" altLang="en-US" dirty="0">
-                <a:latin typeface="나눔스퀘어 Light" panose="020B0600000101010101" pitchFamily="50" charset="-127"/>
-                <a:ea typeface="나눔스퀘어 Light" panose="020B0600000101010101" pitchFamily="50" charset="-127"/>
-              </a:rPr>
-              <a:t>범위의 수들 전부를 확인</a:t>
-            </a:r>
-            <a:r>
-              <a:rPr lang="en-US" altLang="ko-KR" dirty="0">
-                <a:latin typeface="나눔스퀘어 Light" panose="020B0600000101010101" pitchFamily="50" charset="-127"/>
-                <a:ea typeface="나눔스퀘어 Light" panose="020B0600000101010101" pitchFamily="50" charset="-127"/>
-              </a:rPr>
-              <a:t>)</a:t>
-            </a:r>
-            <a:r>
-              <a:rPr lang="ko-KR" altLang="en-US" dirty="0">
-                <a:latin typeface="나눔스퀘어 Light" panose="020B0600000101010101" pitchFamily="50" charset="-127"/>
-                <a:ea typeface="나눔스퀘어 Light" panose="020B0600000101010101" pitchFamily="50" charset="-127"/>
-              </a:rPr>
-              <a:t>만 하면 됨</a:t>
-            </a:r>
-          </a:p>
-        </p:txBody>
-      </p:sp>
-      <p:pic>
-        <p:nvPicPr>
-          <p:cNvPr id="10" name="그림 9">
-            <a:extLst>
-              <a:ext uri="{FF2B5EF4-FFF2-40B4-BE49-F238E27FC236}">
-                <a16:creationId xmlns:a16="http://schemas.microsoft.com/office/drawing/2014/main" id="{E2E944AA-BAAA-5E2A-AE39-6CB0FDDB5DF2}"/>
-              </a:ext>
-            </a:extLst>
-          </p:cNvPr>
-          <p:cNvPicPr>
-            <a:picLocks noChangeAspect="1"/>
-          </p:cNvPicPr>
-          <p:nvPr/>
-        </p:nvPicPr>
-        <p:blipFill>
-          <a:blip r:embed="rId2"/>
-          <a:stretch>
-            <a:fillRect/>
-          </a:stretch>
-        </p:blipFill>
-        <p:spPr>
-          <a:xfrm>
-            <a:off x="942387" y="2165481"/>
-            <a:ext cx="5021508" cy="3009834"/>
-          </a:xfrm>
-          <a:prstGeom prst="rect">
-            <a:avLst/>
-          </a:prstGeom>
-        </p:spPr>
-      </p:pic>
-      <p:sp>
-        <p:nvSpPr>
-          <p:cNvPr id="11" name="TextBox 10">
-            <a:extLst>
-              <a:ext uri="{FF2B5EF4-FFF2-40B4-BE49-F238E27FC236}">
-                <a16:creationId xmlns:a16="http://schemas.microsoft.com/office/drawing/2014/main" id="{7EDADC31-A8D8-82F1-3B3C-9084D1E8CA20}"/>
-              </a:ext>
-            </a:extLst>
-          </p:cNvPr>
-          <p:cNvSpPr txBox="1"/>
-          <p:nvPr/>
-        </p:nvSpPr>
-        <p:spPr>
-          <a:xfrm>
-            <a:off x="6353373" y="2592789"/>
-            <a:ext cx="5543254" cy="369332"/>
-          </a:xfrm>
-          <a:prstGeom prst="rect">
-            <a:avLst/>
-          </a:prstGeom>
-          <a:noFill/>
-        </p:spPr>
-        <p:txBody>
-          <a:bodyPr wrap="square" rtlCol="0">
-            <a:spAutoFit/>
-          </a:bodyPr>
-          <a:lstStyle/>
-          <a:p>
-            <a:r>
-              <a:rPr lang="en-US" altLang="ko-KR" dirty="0">
-                <a:latin typeface="나눔스퀘어 Light" panose="020B0600000101010101" pitchFamily="50" charset="-127"/>
-                <a:ea typeface="나눔스퀘어 Light" panose="020B0600000101010101" pitchFamily="50" charset="-127"/>
-              </a:rPr>
-              <a:t>(</a:t>
-            </a:r>
-            <a:r>
-              <a:rPr lang="ko-KR" altLang="en-US" dirty="0">
-                <a:latin typeface="나눔스퀘어 Light" panose="020B0600000101010101" pitchFamily="50" charset="-127"/>
-                <a:ea typeface="나눔스퀘어 Light" panose="020B0600000101010101" pitchFamily="50" charset="-127"/>
-              </a:rPr>
-              <a:t>처음 </a:t>
-            </a:r>
-            <a:r>
-              <a:rPr lang="ko-KR" altLang="en-US" dirty="0" err="1">
-                <a:latin typeface="나눔스퀘어 Light" panose="020B0600000101010101" pitchFamily="50" charset="-127"/>
-                <a:ea typeface="나눔스퀘어 Light" panose="020B0600000101010101" pitchFamily="50" charset="-127"/>
-              </a:rPr>
-              <a:t>보실수도</a:t>
-            </a:r>
-            <a:r>
-              <a:rPr lang="ko-KR" altLang="en-US" dirty="0">
-                <a:latin typeface="나눔스퀘어 Light" panose="020B0600000101010101" pitchFamily="50" charset="-127"/>
-                <a:ea typeface="나눔스퀘어 Light" panose="020B0600000101010101" pitchFamily="50" charset="-127"/>
-              </a:rPr>
-              <a:t> 있는 </a:t>
-            </a:r>
-            <a:r>
-              <a:rPr lang="en-US" altLang="ko-KR" dirty="0">
-                <a:latin typeface="나눔스퀘어 Light" panose="020B0600000101010101" pitchFamily="50" charset="-127"/>
-                <a:ea typeface="나눔스퀘어 Light" panose="020B0600000101010101" pitchFamily="50" charset="-127"/>
-              </a:rPr>
-              <a:t>~ </a:t>
-            </a:r>
-            <a:r>
-              <a:rPr lang="ko-KR" altLang="en-US" dirty="0">
-                <a:latin typeface="나눔스퀘어 Light" panose="020B0600000101010101" pitchFamily="50" charset="-127"/>
-                <a:ea typeface="나눔스퀘어 Light" panose="020B0600000101010101" pitchFamily="50" charset="-127"/>
-              </a:rPr>
-              <a:t>연산자의 등장</a:t>
-            </a:r>
-            <a:r>
-              <a:rPr lang="en-US" altLang="ko-KR" dirty="0">
-                <a:latin typeface="나눔스퀘어 Light" panose="020B0600000101010101" pitchFamily="50" charset="-127"/>
-                <a:ea typeface="나눔스퀘어 Light" panose="020B0600000101010101" pitchFamily="50" charset="-127"/>
-              </a:rPr>
-              <a:t>)</a:t>
-            </a:r>
-            <a:endParaRPr lang="ko-KR" altLang="en-US" dirty="0">
-              <a:latin typeface="나눔스퀘어 Light" panose="020B0600000101010101" pitchFamily="50" charset="-127"/>
-              <a:ea typeface="나눔스퀘어 Light" panose="020B0600000101010101" pitchFamily="50" charset="-127"/>
-            </a:endParaRPr>
-          </a:p>
-        </p:txBody>
-      </p:sp>
-      <p:sp>
-        <p:nvSpPr>
-          <p:cNvPr id="12" name="TextBox 11">
-            <a:extLst>
-              <a:ext uri="{FF2B5EF4-FFF2-40B4-BE49-F238E27FC236}">
-                <a16:creationId xmlns:a16="http://schemas.microsoft.com/office/drawing/2014/main" id="{A24AD07E-3BAE-33EB-4B6E-24AF48933861}"/>
-              </a:ext>
-            </a:extLst>
-          </p:cNvPr>
-          <p:cNvSpPr txBox="1"/>
-          <p:nvPr/>
-        </p:nvSpPr>
-        <p:spPr>
-          <a:xfrm>
-            <a:off x="6353373" y="2967504"/>
-            <a:ext cx="5543254" cy="369332"/>
-          </a:xfrm>
-          <a:prstGeom prst="rect">
-            <a:avLst/>
-          </a:prstGeom>
-          <a:noFill/>
-        </p:spPr>
-        <p:txBody>
-          <a:bodyPr wrap="square" rtlCol="0">
-            <a:spAutoFit/>
-          </a:bodyPr>
-          <a:lstStyle/>
-          <a:p>
-            <a:r>
-              <a:rPr lang="en-US" altLang="ko-KR" dirty="0">
-                <a:latin typeface="나눔스퀘어 Light" panose="020B0600000101010101" pitchFamily="50" charset="-127"/>
-                <a:ea typeface="나눔스퀘어 Light" panose="020B0600000101010101" pitchFamily="50" charset="-127"/>
-              </a:rPr>
-              <a:t>(</a:t>
-            </a:r>
-            <a:r>
-              <a:rPr lang="ko-KR" altLang="en-US" dirty="0">
-                <a:latin typeface="나눔스퀘어 Light" panose="020B0600000101010101" pitchFamily="50" charset="-127"/>
-                <a:ea typeface="나눔스퀘어 Light" panose="020B0600000101010101" pitchFamily="50" charset="-127"/>
-              </a:rPr>
-              <a:t>저것이 의미하는 것은</a:t>
-            </a:r>
-            <a:r>
-              <a:rPr lang="en-US" altLang="ko-KR" dirty="0">
-                <a:latin typeface="나눔스퀘어 Light" panose="020B0600000101010101" pitchFamily="50" charset="-127"/>
-                <a:ea typeface="나눔스퀘어 Light" panose="020B0600000101010101" pitchFamily="50" charset="-127"/>
-              </a:rPr>
-              <a:t>?)</a:t>
-            </a:r>
-            <a:endParaRPr lang="ko-KR" altLang="en-US" dirty="0">
-              <a:latin typeface="나눔스퀘어 Light" panose="020B0600000101010101" pitchFamily="50" charset="-127"/>
-              <a:ea typeface="나눔스퀘어 Light" panose="020B0600000101010101" pitchFamily="50" charset="-127"/>
-            </a:endParaRPr>
-          </a:p>
-        </p:txBody>
-      </p:sp>
-    </p:spTree>
-    <p:extLst>
-      <p:ext uri="{BB962C8B-B14F-4D97-AF65-F5344CB8AC3E}">
-        <p14:creationId xmlns:p14="http://schemas.microsoft.com/office/powerpoint/2010/main" val="1796073716"/>
-      </p:ext>
-    </p:extLst>
-  </p:cSld>
-  <p:clrMapOvr>
-    <a:masterClrMapping/>
-  </p:clrMapOvr>
-</p:sld>
-</file>
-
-<file path=ppt/slides/slide32.xml><?xml version="1.0" encoding="utf-8"?>
-<p:sld xmlns:a="http://schemas.openxmlformats.org/drawingml/2006/main" xmlns:r="http://schemas.openxmlformats.org/officeDocument/2006/relationships" xmlns:p="http://schemas.openxmlformats.org/presentationml/2006/main">
-  <p:cSld>
-    <p:spTree>
-      <p:nvGrpSpPr>
-        <p:cNvPr id="1" name=""/>
-        <p:cNvGrpSpPr/>
-        <p:nvPr/>
-      </p:nvGrpSpPr>
-      <p:grpSpPr>
-        <a:xfrm>
-          <a:off x="0" y="0"/>
-          <a:ext cx="0" cy="0"/>
-          <a:chOff x="0" y="0"/>
-          <a:chExt cx="0" cy="0"/>
-        </a:xfrm>
-      </p:grpSpPr>
-      <p:cxnSp>
-        <p:nvCxnSpPr>
-          <p:cNvPr id="26" name="직선 연결선 25">
-            <a:extLst>
-              <a:ext uri="{FF2B5EF4-FFF2-40B4-BE49-F238E27FC236}">
-                <a16:creationId xmlns:a16="http://schemas.microsoft.com/office/drawing/2014/main" id="{679B38A3-B196-3741-D6D3-0CA8FB95B91A}"/>
-              </a:ext>
-            </a:extLst>
-          </p:cNvPr>
-          <p:cNvCxnSpPr/>
-          <p:nvPr/>
-        </p:nvCxnSpPr>
-        <p:spPr>
-          <a:xfrm>
-            <a:off x="0" y="887505"/>
-            <a:ext cx="10237694" cy="0"/>
-          </a:xfrm>
-          <a:prstGeom prst="line">
-            <a:avLst/>
-          </a:prstGeom>
-          <a:ln w="76200">
-            <a:solidFill>
-              <a:schemeClr val="tx1">
-                <a:lumMod val="75000"/>
-                <a:lumOff val="25000"/>
-              </a:schemeClr>
-            </a:solidFill>
-          </a:ln>
-        </p:spPr>
-        <p:style>
-          <a:lnRef idx="1">
-            <a:schemeClr val="accent1"/>
-          </a:lnRef>
-          <a:fillRef idx="0">
-            <a:schemeClr val="accent1"/>
-          </a:fillRef>
-          <a:effectRef idx="0">
-            <a:schemeClr val="accent1"/>
-          </a:effectRef>
-          <a:fontRef idx="minor">
-            <a:schemeClr val="tx1"/>
-          </a:fontRef>
-        </p:style>
-      </p:cxnSp>
-      <p:sp>
-        <p:nvSpPr>
-          <p:cNvPr id="3" name="TextBox 2">
-            <a:extLst>
-              <a:ext uri="{FF2B5EF4-FFF2-40B4-BE49-F238E27FC236}">
-                <a16:creationId xmlns:a16="http://schemas.microsoft.com/office/drawing/2014/main" id="{B9DDF29F-4939-9859-67A7-972089459CC6}"/>
-              </a:ext>
-            </a:extLst>
-          </p:cNvPr>
-          <p:cNvSpPr txBox="1"/>
-          <p:nvPr/>
-        </p:nvSpPr>
-        <p:spPr>
-          <a:xfrm>
-            <a:off x="331694" y="177505"/>
-            <a:ext cx="4214615" cy="523220"/>
-          </a:xfrm>
-          <a:prstGeom prst="rect">
-            <a:avLst/>
-          </a:prstGeom>
-          <a:noFill/>
-        </p:spPr>
-        <p:txBody>
-          <a:bodyPr wrap="none" rtlCol="0">
-            <a:spAutoFit/>
-          </a:bodyPr>
-          <a:lstStyle/>
-          <a:p>
-            <a:r>
-              <a:rPr lang="ko-KR" altLang="en-US" sz="2800" dirty="0" err="1">
-                <a:latin typeface="나눔스퀘어 Bold" panose="020B0600000101010101" pitchFamily="50" charset="-127"/>
-                <a:ea typeface="나눔스퀘어 Bold" panose="020B0600000101010101" pitchFamily="50" charset="-127"/>
-              </a:rPr>
-              <a:t>번외편</a:t>
-            </a:r>
-            <a:r>
-              <a:rPr lang="ko-KR" altLang="en-US" sz="2800" dirty="0">
-                <a:latin typeface="나눔스퀘어 Bold" panose="020B0600000101010101" pitchFamily="50" charset="-127"/>
-                <a:ea typeface="나눔스퀘어 Bold" panose="020B0600000101010101" pitchFamily="50" charset="-127"/>
-              </a:rPr>
-              <a:t> </a:t>
-            </a:r>
-            <a:r>
-              <a:rPr lang="en-US" altLang="ko-KR" sz="2800" dirty="0">
-                <a:latin typeface="나눔스퀘어 Bold" panose="020B0600000101010101" pitchFamily="50" charset="-127"/>
-                <a:ea typeface="나눔스퀘어 Bold" panose="020B0600000101010101" pitchFamily="50" charset="-127"/>
-              </a:rPr>
-              <a:t>– EOF(End Of File)</a:t>
-            </a:r>
-            <a:endParaRPr lang="ko-KR" altLang="en-US" sz="2800" dirty="0">
-              <a:latin typeface="나눔스퀘어 Bold" panose="020B0600000101010101" pitchFamily="50" charset="-127"/>
-              <a:ea typeface="나눔스퀘어 Bold" panose="020B0600000101010101" pitchFamily="50" charset="-127"/>
-            </a:endParaRPr>
-          </a:p>
-        </p:txBody>
-      </p:sp>
-      <p:sp>
-        <p:nvSpPr>
-          <p:cNvPr id="2" name="TextBox 1">
-            <a:extLst>
-              <a:ext uri="{FF2B5EF4-FFF2-40B4-BE49-F238E27FC236}">
-                <a16:creationId xmlns:a16="http://schemas.microsoft.com/office/drawing/2014/main" id="{A2CDF8CF-7668-2432-EE70-4E8E61871F69}"/>
-              </a:ext>
-            </a:extLst>
-          </p:cNvPr>
-          <p:cNvSpPr txBox="1"/>
-          <p:nvPr/>
-        </p:nvSpPr>
-        <p:spPr>
-          <a:xfrm>
-            <a:off x="942387" y="1190024"/>
-            <a:ext cx="10237694" cy="369332"/>
-          </a:xfrm>
-          <a:prstGeom prst="rect">
-            <a:avLst/>
-          </a:prstGeom>
-          <a:noFill/>
-        </p:spPr>
-        <p:txBody>
-          <a:bodyPr wrap="square" rtlCol="0">
-            <a:spAutoFit/>
-          </a:bodyPr>
-          <a:lstStyle/>
-          <a:p>
-            <a:r>
-              <a:rPr lang="ko-KR" altLang="en-US" dirty="0">
-                <a:latin typeface="나눔스퀘어 Light" panose="020B0600000101010101" pitchFamily="50" charset="-127"/>
-                <a:ea typeface="나눔스퀘어 Light" panose="020B0600000101010101" pitchFamily="50" charset="-127"/>
-              </a:rPr>
-              <a:t>백준 온라인 저지에서 여러 테스트 케이스가 들어가는 문제의 경우</a:t>
-            </a:r>
-            <a:r>
-              <a:rPr lang="en-US" altLang="ko-KR" dirty="0">
-                <a:latin typeface="나눔스퀘어 Light" panose="020B0600000101010101" pitchFamily="50" charset="-127"/>
-                <a:ea typeface="나눔스퀘어 Light" panose="020B0600000101010101" pitchFamily="50" charset="-127"/>
-              </a:rPr>
-              <a:t>,</a:t>
-            </a:r>
-            <a:endParaRPr lang="ko-KR" altLang="en-US" dirty="0">
-              <a:latin typeface="나눔스퀘어 Light" panose="020B0600000101010101" pitchFamily="50" charset="-127"/>
-              <a:ea typeface="나눔스퀘어 Light" panose="020B0600000101010101" pitchFamily="50" charset="-127"/>
-            </a:endParaRPr>
-          </a:p>
-        </p:txBody>
-      </p:sp>
-      <p:sp>
-        <p:nvSpPr>
-          <p:cNvPr id="4" name="TextBox 3">
-            <a:extLst>
-              <a:ext uri="{FF2B5EF4-FFF2-40B4-BE49-F238E27FC236}">
-                <a16:creationId xmlns:a16="http://schemas.microsoft.com/office/drawing/2014/main" id="{772D4C43-3CFC-A02D-4942-D14A03372055}"/>
-              </a:ext>
-            </a:extLst>
-          </p:cNvPr>
-          <p:cNvSpPr txBox="1"/>
-          <p:nvPr/>
-        </p:nvSpPr>
-        <p:spPr>
-          <a:xfrm>
-            <a:off x="942387" y="1559356"/>
-            <a:ext cx="10237694" cy="369332"/>
-          </a:xfrm>
-          <a:prstGeom prst="rect">
-            <a:avLst/>
-          </a:prstGeom>
-          <a:noFill/>
-        </p:spPr>
-        <p:txBody>
-          <a:bodyPr wrap="square" rtlCol="0">
-            <a:spAutoFit/>
-          </a:bodyPr>
-          <a:lstStyle/>
-          <a:p>
-            <a:r>
-              <a:rPr lang="ko-KR" altLang="en-US" dirty="0">
-                <a:latin typeface="나눔스퀘어 Light" panose="020B0600000101010101" pitchFamily="50" charset="-127"/>
-                <a:ea typeface="나눔스퀘어 Light" panose="020B0600000101010101" pitchFamily="50" charset="-127"/>
-              </a:rPr>
-              <a:t>일반적으로는 </a:t>
-            </a:r>
-            <a:r>
-              <a:rPr lang="en-US" altLang="ko-KR" dirty="0">
-                <a:latin typeface="나눔스퀘어 Light" panose="020B0600000101010101" pitchFamily="50" charset="-127"/>
-                <a:ea typeface="나눔스퀘어 Light" panose="020B0600000101010101" pitchFamily="50" charset="-127"/>
-              </a:rPr>
-              <a:t>“11170 0</a:t>
-            </a:r>
-            <a:r>
-              <a:rPr lang="ko-KR" altLang="en-US" dirty="0">
-                <a:latin typeface="나눔스퀘어 Light" panose="020B0600000101010101" pitchFamily="50" charset="-127"/>
-                <a:ea typeface="나눔스퀘어 Light" panose="020B0600000101010101" pitchFamily="50" charset="-127"/>
-              </a:rPr>
-              <a:t>의 개수</a:t>
-            </a:r>
-            <a:r>
-              <a:rPr lang="en-US" altLang="ko-KR" dirty="0">
-                <a:latin typeface="나눔스퀘어 Light" panose="020B0600000101010101" pitchFamily="50" charset="-127"/>
-                <a:ea typeface="나눔스퀘어 Light" panose="020B0600000101010101" pitchFamily="50" charset="-127"/>
-              </a:rPr>
-              <a:t>” </a:t>
-            </a:r>
-            <a:r>
-              <a:rPr lang="ko-KR" altLang="en-US" dirty="0">
-                <a:latin typeface="나눔스퀘어 Light" panose="020B0600000101010101" pitchFamily="50" charset="-127"/>
-                <a:ea typeface="나눔스퀘어 Light" panose="020B0600000101010101" pitchFamily="50" charset="-127"/>
-              </a:rPr>
-              <a:t>처럼 입력 혹은 </a:t>
-            </a:r>
-            <a:r>
-              <a:rPr lang="en-US" altLang="ko-KR" dirty="0">
-                <a:latin typeface="나눔스퀘어 Light" panose="020B0600000101010101" pitchFamily="50" charset="-127"/>
-                <a:ea typeface="나눔스퀘어 Light" panose="020B0600000101010101" pitchFamily="50" charset="-127"/>
-              </a:rPr>
-              <a:t>TC</a:t>
-            </a:r>
-            <a:r>
-              <a:rPr lang="ko-KR" altLang="en-US" dirty="0">
-                <a:latin typeface="나눔스퀘어 Light" panose="020B0600000101010101" pitchFamily="50" charset="-127"/>
-                <a:ea typeface="나눔스퀘어 Light" panose="020B0600000101010101" pitchFamily="50" charset="-127"/>
-              </a:rPr>
-              <a:t>의 수가 문제의 입력으로 주어집니다</a:t>
-            </a:r>
-            <a:r>
-              <a:rPr lang="en-US" altLang="ko-KR" dirty="0">
-                <a:latin typeface="나눔스퀘어 Light" panose="020B0600000101010101" pitchFamily="50" charset="-127"/>
-                <a:ea typeface="나눔스퀘어 Light" panose="020B0600000101010101" pitchFamily="50" charset="-127"/>
-              </a:rPr>
-              <a:t>.</a:t>
-            </a:r>
-            <a:endParaRPr lang="ko-KR" altLang="en-US" dirty="0">
-              <a:latin typeface="나눔스퀘어 Light" panose="020B0600000101010101" pitchFamily="50" charset="-127"/>
-              <a:ea typeface="나눔스퀘어 Light" panose="020B0600000101010101" pitchFamily="50" charset="-127"/>
-            </a:endParaRPr>
-          </a:p>
-        </p:txBody>
-      </p:sp>
-      <p:sp>
-        <p:nvSpPr>
-          <p:cNvPr id="5" name="TextBox 4">
-            <a:extLst>
-              <a:ext uri="{FF2B5EF4-FFF2-40B4-BE49-F238E27FC236}">
-                <a16:creationId xmlns:a16="http://schemas.microsoft.com/office/drawing/2014/main" id="{0B847BC4-9E06-92FE-D779-7516DD637505}"/>
-              </a:ext>
-            </a:extLst>
-          </p:cNvPr>
-          <p:cNvSpPr txBox="1"/>
-          <p:nvPr/>
-        </p:nvSpPr>
-        <p:spPr>
-          <a:xfrm>
-            <a:off x="942387" y="1928688"/>
-            <a:ext cx="10237694" cy="369332"/>
-          </a:xfrm>
-          <a:prstGeom prst="rect">
-            <a:avLst/>
-          </a:prstGeom>
-          <a:noFill/>
-        </p:spPr>
-        <p:txBody>
-          <a:bodyPr wrap="square" rtlCol="0">
-            <a:spAutoFit/>
-          </a:bodyPr>
-          <a:lstStyle/>
-          <a:p>
-            <a:r>
-              <a:rPr lang="ko-KR" altLang="en-US" dirty="0">
-                <a:latin typeface="나눔스퀘어 Light" panose="020B0600000101010101" pitchFamily="50" charset="-127"/>
-                <a:ea typeface="나눔스퀘어 Light" panose="020B0600000101010101" pitchFamily="50" charset="-127"/>
-              </a:rPr>
-              <a:t>모든 다중 테스트 케이스 문제가 그런 것은 아니고</a:t>
-            </a:r>
-            <a:r>
-              <a:rPr lang="en-US" altLang="ko-KR" dirty="0">
-                <a:latin typeface="나눔스퀘어 Light" panose="020B0600000101010101" pitchFamily="50" charset="-127"/>
-                <a:ea typeface="나눔스퀘어 Light" panose="020B0600000101010101" pitchFamily="50" charset="-127"/>
-              </a:rPr>
-              <a:t>, </a:t>
-            </a:r>
-            <a:r>
-              <a:rPr lang="ko-KR" altLang="en-US" dirty="0">
-                <a:latin typeface="나눔스퀘어 Light" panose="020B0600000101010101" pitchFamily="50" charset="-127"/>
-                <a:ea typeface="나눔스퀘어 Light" panose="020B0600000101010101" pitchFamily="50" charset="-127"/>
-              </a:rPr>
-              <a:t>가끔씩 </a:t>
-            </a:r>
-            <a:r>
-              <a:rPr lang="en-US" altLang="ko-KR" dirty="0">
-                <a:latin typeface="나눔스퀘어 Light" panose="020B0600000101010101" pitchFamily="50" charset="-127"/>
-                <a:ea typeface="나눔스퀘어 Light" panose="020B0600000101010101" pitchFamily="50" charset="-127"/>
-              </a:rPr>
-              <a:t>“5671 </a:t>
-            </a:r>
-            <a:r>
-              <a:rPr lang="ko-KR" altLang="en-US" dirty="0">
-                <a:latin typeface="나눔스퀘어 Light" panose="020B0600000101010101" pitchFamily="50" charset="-127"/>
-                <a:ea typeface="나눔스퀘어 Light" panose="020B0600000101010101" pitchFamily="50" charset="-127"/>
-              </a:rPr>
-              <a:t>호텔 방 번호</a:t>
-            </a:r>
-            <a:r>
-              <a:rPr lang="en-US" altLang="ko-KR" dirty="0">
-                <a:latin typeface="나눔스퀘어 Light" panose="020B0600000101010101" pitchFamily="50" charset="-127"/>
-                <a:ea typeface="나눔스퀘어 Light" panose="020B0600000101010101" pitchFamily="50" charset="-127"/>
-              </a:rPr>
-              <a:t>” </a:t>
-            </a:r>
-            <a:r>
-              <a:rPr lang="ko-KR" altLang="en-US" dirty="0">
-                <a:latin typeface="나눔스퀘어 Light" panose="020B0600000101010101" pitchFamily="50" charset="-127"/>
-                <a:ea typeface="나눔스퀘어 Light" panose="020B0600000101010101" pitchFamily="50" charset="-127"/>
-              </a:rPr>
-              <a:t>처럼 입력의 수가 주어지지</a:t>
-            </a:r>
-          </a:p>
-        </p:txBody>
-      </p:sp>
-      <p:sp>
-        <p:nvSpPr>
-          <p:cNvPr id="6" name="TextBox 5">
-            <a:extLst>
-              <a:ext uri="{FF2B5EF4-FFF2-40B4-BE49-F238E27FC236}">
-                <a16:creationId xmlns:a16="http://schemas.microsoft.com/office/drawing/2014/main" id="{5BC9C38C-07EE-FFB2-6A7E-EFF2C55619CC}"/>
-              </a:ext>
-            </a:extLst>
-          </p:cNvPr>
-          <p:cNvSpPr txBox="1"/>
-          <p:nvPr/>
-        </p:nvSpPr>
-        <p:spPr>
-          <a:xfrm>
-            <a:off x="942387" y="2298020"/>
-            <a:ext cx="10237694" cy="369332"/>
-          </a:xfrm>
-          <a:prstGeom prst="rect">
-            <a:avLst/>
-          </a:prstGeom>
-          <a:noFill/>
-        </p:spPr>
-        <p:txBody>
-          <a:bodyPr wrap="square" rtlCol="0">
-            <a:spAutoFit/>
-          </a:bodyPr>
-          <a:lstStyle/>
-          <a:p>
-            <a:r>
-              <a:rPr lang="ko-KR" altLang="en-US" dirty="0">
-                <a:latin typeface="나눔스퀘어 Light" panose="020B0600000101010101" pitchFamily="50" charset="-127"/>
-                <a:ea typeface="나눔스퀘어 Light" panose="020B0600000101010101" pitchFamily="50" charset="-127"/>
-              </a:rPr>
-              <a:t>않는 문제도 있습니다</a:t>
-            </a:r>
-            <a:r>
-              <a:rPr lang="en-US" altLang="ko-KR" dirty="0">
-                <a:latin typeface="나눔스퀘어 Light" panose="020B0600000101010101" pitchFamily="50" charset="-127"/>
-                <a:ea typeface="나눔스퀘어 Light" panose="020B0600000101010101" pitchFamily="50" charset="-127"/>
-              </a:rPr>
-              <a:t>.</a:t>
-            </a:r>
-            <a:endParaRPr lang="ko-KR" altLang="en-US" dirty="0">
-              <a:latin typeface="나눔스퀘어 Light" panose="020B0600000101010101" pitchFamily="50" charset="-127"/>
-              <a:ea typeface="나눔스퀘어 Light" panose="020B0600000101010101" pitchFamily="50" charset="-127"/>
-            </a:endParaRPr>
-          </a:p>
-        </p:txBody>
-      </p:sp>
-      <p:sp>
-        <p:nvSpPr>
-          <p:cNvPr id="8" name="TextBox 7">
-            <a:extLst>
-              <a:ext uri="{FF2B5EF4-FFF2-40B4-BE49-F238E27FC236}">
-                <a16:creationId xmlns:a16="http://schemas.microsoft.com/office/drawing/2014/main" id="{713BEF85-9AAF-8D50-01E5-B4B6C1085AF2}"/>
-              </a:ext>
-            </a:extLst>
-          </p:cNvPr>
-          <p:cNvSpPr txBox="1"/>
-          <p:nvPr/>
-        </p:nvSpPr>
-        <p:spPr>
-          <a:xfrm>
-            <a:off x="942387" y="3036684"/>
-            <a:ext cx="10237694" cy="369332"/>
-          </a:xfrm>
-          <a:prstGeom prst="rect">
-            <a:avLst/>
-          </a:prstGeom>
-          <a:noFill/>
-        </p:spPr>
-        <p:txBody>
-          <a:bodyPr wrap="square" rtlCol="0">
-            <a:spAutoFit/>
-          </a:bodyPr>
-          <a:lstStyle/>
-          <a:p>
-            <a:r>
-              <a:rPr lang="ko-KR" altLang="en-US" dirty="0">
-                <a:latin typeface="나눔스퀘어 Light" panose="020B0600000101010101" pitchFamily="50" charset="-127"/>
-                <a:ea typeface="나눔스퀘어 Light" panose="020B0600000101010101" pitchFamily="50" charset="-127"/>
-              </a:rPr>
-              <a:t>입력의 수가 따로 주어지지 않으므로</a:t>
-            </a:r>
-            <a:r>
-              <a:rPr lang="en-US" altLang="ko-KR" dirty="0">
-                <a:latin typeface="나눔스퀘어 Light" panose="020B0600000101010101" pitchFamily="50" charset="-127"/>
-                <a:ea typeface="나눔스퀘어 Light" panose="020B0600000101010101" pitchFamily="50" charset="-127"/>
-              </a:rPr>
-              <a:t>, </a:t>
-            </a:r>
-            <a:r>
-              <a:rPr lang="ko-KR" altLang="en-US" dirty="0">
-                <a:latin typeface="나눔스퀘어 Light" panose="020B0600000101010101" pitchFamily="50" charset="-127"/>
-                <a:ea typeface="나눔스퀘어 Light" panose="020B0600000101010101" pitchFamily="50" charset="-127"/>
-              </a:rPr>
-              <a:t>직접 </a:t>
-            </a:r>
-            <a:r>
-              <a:rPr lang="en-US" altLang="ko-KR" dirty="0">
-                <a:latin typeface="나눔스퀘어 Light" panose="020B0600000101010101" pitchFamily="50" charset="-127"/>
-                <a:ea typeface="나눔스퀘어 Light" panose="020B0600000101010101" pitchFamily="50" charset="-127"/>
-              </a:rPr>
-              <a:t>EOF</a:t>
-            </a:r>
-            <a:r>
-              <a:rPr lang="ko-KR" altLang="en-US" dirty="0">
-                <a:latin typeface="나눔스퀘어 Light" panose="020B0600000101010101" pitchFamily="50" charset="-127"/>
-                <a:ea typeface="나눔스퀘어 Light" panose="020B0600000101010101" pitchFamily="50" charset="-127"/>
-              </a:rPr>
-              <a:t>를 입력 받아서 입력이 끝났음을 확인해야 합니다</a:t>
-            </a:r>
-            <a:r>
-              <a:rPr lang="en-US" altLang="ko-KR" dirty="0">
-                <a:latin typeface="나눔스퀘어 Light" panose="020B0600000101010101" pitchFamily="50" charset="-127"/>
-                <a:ea typeface="나눔스퀘어 Light" panose="020B0600000101010101" pitchFamily="50" charset="-127"/>
-              </a:rPr>
-              <a:t>.</a:t>
-            </a:r>
-            <a:endParaRPr lang="ko-KR" altLang="en-US" dirty="0">
-              <a:latin typeface="나눔스퀘어 Light" panose="020B0600000101010101" pitchFamily="50" charset="-127"/>
-              <a:ea typeface="나눔스퀘어 Light" panose="020B0600000101010101" pitchFamily="50" charset="-127"/>
-            </a:endParaRPr>
-          </a:p>
-        </p:txBody>
-      </p:sp>
-      <p:sp>
-        <p:nvSpPr>
-          <p:cNvPr id="9" name="TextBox 8">
-            <a:extLst>
-              <a:ext uri="{FF2B5EF4-FFF2-40B4-BE49-F238E27FC236}">
-                <a16:creationId xmlns:a16="http://schemas.microsoft.com/office/drawing/2014/main" id="{F85AB5CF-688A-2143-3A76-3A26FE3C7AC3}"/>
-              </a:ext>
-            </a:extLst>
-          </p:cNvPr>
-          <p:cNvSpPr txBox="1"/>
-          <p:nvPr/>
-        </p:nvSpPr>
-        <p:spPr>
-          <a:xfrm>
-            <a:off x="942387" y="3406016"/>
-            <a:ext cx="10237694" cy="369332"/>
-          </a:xfrm>
-          <a:prstGeom prst="rect">
-            <a:avLst/>
-          </a:prstGeom>
-          <a:noFill/>
-        </p:spPr>
-        <p:txBody>
-          <a:bodyPr wrap="square" rtlCol="0">
-            <a:spAutoFit/>
-          </a:bodyPr>
-          <a:lstStyle/>
-          <a:p>
-            <a:r>
-              <a:rPr lang="en-US" altLang="ko-KR" dirty="0">
-                <a:latin typeface="나눔스퀘어 Light" panose="020B0600000101010101" pitchFamily="50" charset="-127"/>
-                <a:ea typeface="나눔스퀘어 Light" panose="020B0600000101010101" pitchFamily="50" charset="-127"/>
-              </a:rPr>
-              <a:t>(</a:t>
-            </a:r>
-            <a:r>
-              <a:rPr lang="ko-KR" altLang="en-US" dirty="0">
-                <a:latin typeface="나눔스퀘어 Light" panose="020B0600000101010101" pitchFamily="50" charset="-127"/>
-                <a:ea typeface="나눔스퀘어 Light" panose="020B0600000101010101" pitchFamily="50" charset="-127"/>
-              </a:rPr>
-              <a:t>그렇지 않으면 입력이 끝났다고 판단을 못해</a:t>
-            </a:r>
-            <a:r>
-              <a:rPr lang="en-US" altLang="ko-KR" dirty="0">
-                <a:latin typeface="나눔스퀘어 Light" panose="020B0600000101010101" pitchFamily="50" charset="-127"/>
-                <a:ea typeface="나눔스퀘어 Light" panose="020B0600000101010101" pitchFamily="50" charset="-127"/>
-              </a:rPr>
-              <a:t>, </a:t>
-            </a:r>
-            <a:r>
-              <a:rPr lang="ko-KR" altLang="en-US" dirty="0">
-                <a:latin typeface="나눔스퀘어 Light" panose="020B0600000101010101" pitchFamily="50" charset="-127"/>
-                <a:ea typeface="나눔스퀘어 Light" panose="020B0600000101010101" pitchFamily="50" charset="-127"/>
-              </a:rPr>
-              <a:t>무한 루프를 돌게 되어 </a:t>
-            </a:r>
-            <a:r>
-              <a:rPr lang="en-US" altLang="ko-KR" dirty="0">
-                <a:latin typeface="나눔스퀘어 Light" panose="020B0600000101010101" pitchFamily="50" charset="-127"/>
-                <a:ea typeface="나눔스퀘어 Light" panose="020B0600000101010101" pitchFamily="50" charset="-127"/>
-              </a:rPr>
-              <a:t>TLE </a:t>
-            </a:r>
-            <a:r>
-              <a:rPr lang="ko-KR" altLang="en-US" dirty="0">
-                <a:latin typeface="나눔스퀘어 Light" panose="020B0600000101010101" pitchFamily="50" charset="-127"/>
-                <a:ea typeface="나눔스퀘어 Light" panose="020B0600000101010101" pitchFamily="50" charset="-127"/>
-              </a:rPr>
-              <a:t>처리를 받게 됩니다</a:t>
-            </a:r>
-            <a:r>
-              <a:rPr lang="en-US" altLang="ko-KR" dirty="0">
-                <a:latin typeface="나눔스퀘어 Light" panose="020B0600000101010101" pitchFamily="50" charset="-127"/>
-                <a:ea typeface="나눔스퀘어 Light" panose="020B0600000101010101" pitchFamily="50" charset="-127"/>
-              </a:rPr>
-              <a:t>.)</a:t>
-            </a:r>
-            <a:endParaRPr lang="ko-KR" altLang="en-US" dirty="0">
-              <a:latin typeface="나눔스퀘어 Light" panose="020B0600000101010101" pitchFamily="50" charset="-127"/>
-              <a:ea typeface="나눔스퀘어 Light" panose="020B0600000101010101" pitchFamily="50" charset="-127"/>
-            </a:endParaRPr>
-          </a:p>
-        </p:txBody>
-      </p:sp>
-      <p:pic>
-        <p:nvPicPr>
-          <p:cNvPr id="11" name="그림 10">
-            <a:extLst>
-              <a:ext uri="{FF2B5EF4-FFF2-40B4-BE49-F238E27FC236}">
-                <a16:creationId xmlns:a16="http://schemas.microsoft.com/office/drawing/2014/main" id="{7DC00B1C-4C14-3EAC-9514-633C5803D56A}"/>
-              </a:ext>
-            </a:extLst>
-          </p:cNvPr>
-          <p:cNvPicPr>
-            <a:picLocks noChangeAspect="1"/>
-          </p:cNvPicPr>
-          <p:nvPr/>
-        </p:nvPicPr>
-        <p:blipFill>
-          <a:blip r:embed="rId2"/>
-          <a:stretch>
-            <a:fillRect/>
-          </a:stretch>
-        </p:blipFill>
-        <p:spPr>
-          <a:xfrm>
-            <a:off x="942387" y="4384634"/>
-            <a:ext cx="4789110" cy="1828020"/>
-          </a:xfrm>
-          <a:prstGeom prst="rect">
-            <a:avLst/>
-          </a:prstGeom>
-        </p:spPr>
-      </p:pic>
-    </p:spTree>
-    <p:extLst>
-      <p:ext uri="{BB962C8B-B14F-4D97-AF65-F5344CB8AC3E}">
-        <p14:creationId xmlns:p14="http://schemas.microsoft.com/office/powerpoint/2010/main" val="1782546042"/>
-      </p:ext>
-    </p:extLst>
-  </p:cSld>
-  <p:clrMapOvr>
-    <a:masterClrMapping/>
-  </p:clrMapOvr>
-</p:sld>
-</file>
-
-<file path=ppt/slides/slide33.xml><?xml version="1.0" encoding="utf-8"?>
-<p:sld xmlns:a="http://schemas.openxmlformats.org/drawingml/2006/main" xmlns:r="http://schemas.openxmlformats.org/officeDocument/2006/relationships" xmlns:p="http://schemas.openxmlformats.org/presentationml/2006/main">
-  <p:cSld>
-    <p:spTree>
-      <p:nvGrpSpPr>
-        <p:cNvPr id="1" name=""/>
-        <p:cNvGrpSpPr/>
-        <p:nvPr/>
-      </p:nvGrpSpPr>
-      <p:grpSpPr>
-        <a:xfrm>
-          <a:off x="0" y="0"/>
-          <a:ext cx="0" cy="0"/>
-          <a:chOff x="0" y="0"/>
-          <a:chExt cx="0" cy="0"/>
-        </a:xfrm>
-      </p:grpSpPr>
-      <p:cxnSp>
-        <p:nvCxnSpPr>
-          <p:cNvPr id="26" name="직선 연결선 25">
-            <a:extLst>
-              <a:ext uri="{FF2B5EF4-FFF2-40B4-BE49-F238E27FC236}">
-                <a16:creationId xmlns:a16="http://schemas.microsoft.com/office/drawing/2014/main" id="{679B38A3-B196-3741-D6D3-0CA8FB95B91A}"/>
-              </a:ext>
-            </a:extLst>
-          </p:cNvPr>
-          <p:cNvCxnSpPr/>
-          <p:nvPr/>
-        </p:nvCxnSpPr>
-        <p:spPr>
-          <a:xfrm>
-            <a:off x="0" y="887505"/>
-            <a:ext cx="10237694" cy="0"/>
-          </a:xfrm>
-          <a:prstGeom prst="line">
-            <a:avLst/>
-          </a:prstGeom>
-          <a:ln w="76200">
-            <a:solidFill>
-              <a:schemeClr val="tx1">
-                <a:lumMod val="75000"/>
-                <a:lumOff val="25000"/>
-              </a:schemeClr>
-            </a:solidFill>
-          </a:ln>
-        </p:spPr>
-        <p:style>
-          <a:lnRef idx="1">
-            <a:schemeClr val="accent1"/>
-          </a:lnRef>
-          <a:fillRef idx="0">
-            <a:schemeClr val="accent1"/>
-          </a:fillRef>
-          <a:effectRef idx="0">
-            <a:schemeClr val="accent1"/>
-          </a:effectRef>
-          <a:fontRef idx="minor">
-            <a:schemeClr val="tx1"/>
-          </a:fontRef>
-        </p:style>
-      </p:cxnSp>
-      <p:sp>
-        <p:nvSpPr>
-          <p:cNvPr id="3" name="TextBox 2">
-            <a:extLst>
-              <a:ext uri="{FF2B5EF4-FFF2-40B4-BE49-F238E27FC236}">
-                <a16:creationId xmlns:a16="http://schemas.microsoft.com/office/drawing/2014/main" id="{B9DDF29F-4939-9859-67A7-972089459CC6}"/>
-              </a:ext>
-            </a:extLst>
-          </p:cNvPr>
-          <p:cNvSpPr txBox="1"/>
-          <p:nvPr/>
-        </p:nvSpPr>
-        <p:spPr>
-          <a:xfrm>
-            <a:off x="331694" y="177505"/>
-            <a:ext cx="4214615" cy="523220"/>
-          </a:xfrm>
-          <a:prstGeom prst="rect">
-            <a:avLst/>
-          </a:prstGeom>
-          <a:noFill/>
-        </p:spPr>
-        <p:txBody>
-          <a:bodyPr wrap="none" rtlCol="0">
-            <a:spAutoFit/>
-          </a:bodyPr>
-          <a:lstStyle/>
-          <a:p>
-            <a:r>
-              <a:rPr lang="ko-KR" altLang="en-US" sz="2800" dirty="0" err="1">
-                <a:latin typeface="나눔스퀘어 Bold" panose="020B0600000101010101" pitchFamily="50" charset="-127"/>
-                <a:ea typeface="나눔스퀘어 Bold" panose="020B0600000101010101" pitchFamily="50" charset="-127"/>
-              </a:rPr>
-              <a:t>번외편</a:t>
-            </a:r>
-            <a:r>
-              <a:rPr lang="ko-KR" altLang="en-US" sz="2800" dirty="0">
-                <a:latin typeface="나눔스퀘어 Bold" panose="020B0600000101010101" pitchFamily="50" charset="-127"/>
-                <a:ea typeface="나눔스퀘어 Bold" panose="020B0600000101010101" pitchFamily="50" charset="-127"/>
-              </a:rPr>
-              <a:t> </a:t>
-            </a:r>
-            <a:r>
-              <a:rPr lang="en-US" altLang="ko-KR" sz="2800" dirty="0">
-                <a:latin typeface="나눔스퀘어 Bold" panose="020B0600000101010101" pitchFamily="50" charset="-127"/>
-                <a:ea typeface="나눔스퀘어 Bold" panose="020B0600000101010101" pitchFamily="50" charset="-127"/>
-              </a:rPr>
-              <a:t>– EOF(End Of File)</a:t>
-            </a:r>
-            <a:endParaRPr lang="ko-KR" altLang="en-US" sz="2800" dirty="0">
-              <a:latin typeface="나눔스퀘어 Bold" panose="020B0600000101010101" pitchFamily="50" charset="-127"/>
-              <a:ea typeface="나눔스퀘어 Bold" panose="020B0600000101010101" pitchFamily="50" charset="-127"/>
-            </a:endParaRPr>
-          </a:p>
-        </p:txBody>
-      </p:sp>
-      <p:sp>
-        <p:nvSpPr>
-          <p:cNvPr id="2" name="TextBox 1">
-            <a:extLst>
-              <a:ext uri="{FF2B5EF4-FFF2-40B4-BE49-F238E27FC236}">
-                <a16:creationId xmlns:a16="http://schemas.microsoft.com/office/drawing/2014/main" id="{A2CDF8CF-7668-2432-EE70-4E8E61871F69}"/>
-              </a:ext>
-            </a:extLst>
-          </p:cNvPr>
-          <p:cNvSpPr txBox="1"/>
-          <p:nvPr/>
-        </p:nvSpPr>
-        <p:spPr>
-          <a:xfrm>
-            <a:off x="942387" y="1190024"/>
-            <a:ext cx="10237694" cy="369332"/>
-          </a:xfrm>
-          <a:prstGeom prst="rect">
-            <a:avLst/>
-          </a:prstGeom>
-          <a:noFill/>
-        </p:spPr>
-        <p:txBody>
-          <a:bodyPr wrap="square" rtlCol="0">
-            <a:spAutoFit/>
-          </a:bodyPr>
-          <a:lstStyle/>
-          <a:p>
-            <a:r>
-              <a:rPr lang="ko-KR" altLang="en-US" dirty="0">
-                <a:latin typeface="나눔스퀘어 Light" panose="020B0600000101010101" pitchFamily="50" charset="-127"/>
-                <a:ea typeface="나눔스퀘어 Light" panose="020B0600000101010101" pitchFamily="50" charset="-127"/>
-              </a:rPr>
-              <a:t>언어별로 </a:t>
-            </a:r>
-            <a:r>
-              <a:rPr lang="en-US" altLang="ko-KR" dirty="0">
-                <a:latin typeface="나눔스퀘어 Light" panose="020B0600000101010101" pitchFamily="50" charset="-127"/>
-                <a:ea typeface="나눔스퀘어 Light" panose="020B0600000101010101" pitchFamily="50" charset="-127"/>
-              </a:rPr>
-              <a:t>EOF</a:t>
-            </a:r>
-            <a:r>
-              <a:rPr lang="ko-KR" altLang="en-US" dirty="0">
-                <a:latin typeface="나눔스퀘어 Light" panose="020B0600000101010101" pitchFamily="50" charset="-127"/>
-                <a:ea typeface="나눔스퀘어 Light" panose="020B0600000101010101" pitchFamily="50" charset="-127"/>
-              </a:rPr>
-              <a:t>를 입력 받는 방법에 대해서 살펴봅니다</a:t>
-            </a:r>
-            <a:r>
-              <a:rPr lang="en-US" altLang="ko-KR" dirty="0">
-                <a:latin typeface="나눔스퀘어 Light" panose="020B0600000101010101" pitchFamily="50" charset="-127"/>
-                <a:ea typeface="나눔스퀘어 Light" panose="020B0600000101010101" pitchFamily="50" charset="-127"/>
-              </a:rPr>
-              <a:t>.</a:t>
-            </a:r>
-            <a:endParaRPr lang="ko-KR" altLang="en-US" dirty="0">
-              <a:latin typeface="나눔스퀘어 Light" panose="020B0600000101010101" pitchFamily="50" charset="-127"/>
-              <a:ea typeface="나눔스퀘어 Light" panose="020B0600000101010101" pitchFamily="50" charset="-127"/>
-            </a:endParaRPr>
-          </a:p>
-        </p:txBody>
-      </p:sp>
-      <p:sp>
-        <p:nvSpPr>
-          <p:cNvPr id="4" name="TextBox 3">
-            <a:extLst>
-              <a:ext uri="{FF2B5EF4-FFF2-40B4-BE49-F238E27FC236}">
-                <a16:creationId xmlns:a16="http://schemas.microsoft.com/office/drawing/2014/main" id="{772D4C43-3CFC-A02D-4942-D14A03372055}"/>
-              </a:ext>
-            </a:extLst>
-          </p:cNvPr>
-          <p:cNvSpPr txBox="1"/>
-          <p:nvPr/>
-        </p:nvSpPr>
-        <p:spPr>
-          <a:xfrm>
-            <a:off x="942387" y="1861874"/>
-            <a:ext cx="10237694" cy="369332"/>
-          </a:xfrm>
-          <a:prstGeom prst="rect">
-            <a:avLst/>
-          </a:prstGeom>
-          <a:noFill/>
-        </p:spPr>
-        <p:txBody>
-          <a:bodyPr wrap="square" rtlCol="0">
-            <a:spAutoFit/>
-          </a:bodyPr>
-          <a:lstStyle/>
-          <a:p>
-            <a:r>
-              <a:rPr lang="en-US" altLang="ko-KR" dirty="0">
-                <a:latin typeface="나눔스퀘어 Bold" panose="020B0600000101010101" pitchFamily="50" charset="-127"/>
-                <a:ea typeface="나눔스퀘어 Bold" panose="020B0600000101010101" pitchFamily="50" charset="-127"/>
-              </a:rPr>
-              <a:t>C</a:t>
-            </a:r>
-            <a:endParaRPr lang="ko-KR" altLang="en-US" dirty="0">
-              <a:latin typeface="나눔스퀘어 Bold" panose="020B0600000101010101" pitchFamily="50" charset="-127"/>
-              <a:ea typeface="나눔스퀘어 Bold" panose="020B0600000101010101" pitchFamily="50" charset="-127"/>
-            </a:endParaRPr>
-          </a:p>
-        </p:txBody>
-      </p:sp>
-      <p:sp>
-        <p:nvSpPr>
-          <p:cNvPr id="7" name="TextBox 6">
-            <a:extLst>
-              <a:ext uri="{FF2B5EF4-FFF2-40B4-BE49-F238E27FC236}">
-                <a16:creationId xmlns:a16="http://schemas.microsoft.com/office/drawing/2014/main" id="{7D26A2AB-86D4-5575-EE1F-BE7B970B4BEA}"/>
-              </a:ext>
-            </a:extLst>
-          </p:cNvPr>
-          <p:cNvSpPr txBox="1"/>
-          <p:nvPr/>
-        </p:nvSpPr>
-        <p:spPr>
-          <a:xfrm>
-            <a:off x="942387" y="2231206"/>
-            <a:ext cx="10237694" cy="369332"/>
-          </a:xfrm>
-          <a:prstGeom prst="rect">
-            <a:avLst/>
-          </a:prstGeom>
-          <a:noFill/>
-        </p:spPr>
-        <p:txBody>
-          <a:bodyPr wrap="square" rtlCol="0">
-            <a:spAutoFit/>
-          </a:bodyPr>
-          <a:lstStyle/>
-          <a:p>
-            <a:r>
-              <a:rPr lang="en-US" altLang="ko-KR" dirty="0">
-                <a:latin typeface="나눔스퀘어 Light" panose="020B0600000101010101" pitchFamily="50" charset="-127"/>
-                <a:ea typeface="나눔스퀘어 Light" panose="020B0600000101010101" pitchFamily="50" charset="-127"/>
-              </a:rPr>
-              <a:t>C</a:t>
-            </a:r>
-            <a:r>
-              <a:rPr lang="ko-KR" altLang="en-US" dirty="0">
-                <a:latin typeface="나눔스퀘어 Light" panose="020B0600000101010101" pitchFamily="50" charset="-127"/>
-                <a:ea typeface="나눔스퀘어 Light" panose="020B0600000101010101" pitchFamily="50" charset="-127"/>
-              </a:rPr>
-              <a:t>언어의 경우</a:t>
-            </a:r>
-            <a:r>
-              <a:rPr lang="en-US" altLang="ko-KR" dirty="0">
-                <a:latin typeface="나눔스퀘어 Light" panose="020B0600000101010101" pitchFamily="50" charset="-127"/>
-                <a:ea typeface="나눔스퀘어 Light" panose="020B0600000101010101" pitchFamily="50" charset="-127"/>
-              </a:rPr>
-              <a:t>, &lt;</a:t>
-            </a:r>
-            <a:r>
-              <a:rPr lang="en-US" altLang="ko-KR" dirty="0" err="1">
-                <a:latin typeface="나눔스퀘어 Light" panose="020B0600000101010101" pitchFamily="50" charset="-127"/>
-                <a:ea typeface="나눔스퀘어 Light" panose="020B0600000101010101" pitchFamily="50" charset="-127"/>
-              </a:rPr>
-              <a:t>stdio.h</a:t>
-            </a:r>
-            <a:r>
-              <a:rPr lang="en-US" altLang="ko-KR" dirty="0">
-                <a:latin typeface="나눔스퀘어 Light" panose="020B0600000101010101" pitchFamily="50" charset="-127"/>
-                <a:ea typeface="나눔스퀘어 Light" panose="020B0600000101010101" pitchFamily="50" charset="-127"/>
-              </a:rPr>
-              <a:t>&gt;</a:t>
-            </a:r>
-            <a:r>
-              <a:rPr lang="ko-KR" altLang="en-US" dirty="0">
-                <a:latin typeface="나눔스퀘어 Light" panose="020B0600000101010101" pitchFamily="50" charset="-127"/>
-                <a:ea typeface="나눔스퀘어 Light" panose="020B0600000101010101" pitchFamily="50" charset="-127"/>
-              </a:rPr>
-              <a:t>에</a:t>
-            </a:r>
-            <a:r>
-              <a:rPr lang="en-US" altLang="ko-KR" dirty="0">
-                <a:latin typeface="나눔스퀘어 Light" panose="020B0600000101010101" pitchFamily="50" charset="-127"/>
-                <a:ea typeface="나눔스퀘어 Light" panose="020B0600000101010101" pitchFamily="50" charset="-127"/>
-              </a:rPr>
-              <a:t>	# define	EOF	-1	</a:t>
-            </a:r>
-            <a:r>
-              <a:rPr lang="ko-KR" altLang="en-US" dirty="0">
-                <a:latin typeface="나눔스퀘어 Light" panose="020B0600000101010101" pitchFamily="50" charset="-127"/>
-                <a:ea typeface="나눔스퀘어 Light" panose="020B0600000101010101" pitchFamily="50" charset="-127"/>
-              </a:rPr>
-              <a:t>선언이 되어 있습니다</a:t>
-            </a:r>
-            <a:r>
-              <a:rPr lang="en-US" altLang="ko-KR" dirty="0">
-                <a:latin typeface="나눔스퀘어 Light" panose="020B0600000101010101" pitchFamily="50" charset="-127"/>
-                <a:ea typeface="나눔스퀘어 Light" panose="020B0600000101010101" pitchFamily="50" charset="-127"/>
-              </a:rPr>
-              <a:t>.</a:t>
-            </a:r>
-            <a:endParaRPr lang="ko-KR" altLang="en-US" dirty="0">
-              <a:latin typeface="나눔스퀘어 Light" panose="020B0600000101010101" pitchFamily="50" charset="-127"/>
-              <a:ea typeface="나눔스퀘어 Light" panose="020B0600000101010101" pitchFamily="50" charset="-127"/>
-            </a:endParaRPr>
-          </a:p>
-        </p:txBody>
-      </p:sp>
-      <p:pic>
-        <p:nvPicPr>
-          <p:cNvPr id="12" name="그림 11">
-            <a:extLst>
-              <a:ext uri="{FF2B5EF4-FFF2-40B4-BE49-F238E27FC236}">
-                <a16:creationId xmlns:a16="http://schemas.microsoft.com/office/drawing/2014/main" id="{605AB4DE-CD1C-39BC-BA8C-AC2D14AA5B45}"/>
-              </a:ext>
-            </a:extLst>
-          </p:cNvPr>
-          <p:cNvPicPr>
-            <a:picLocks noChangeAspect="1"/>
-          </p:cNvPicPr>
-          <p:nvPr/>
-        </p:nvPicPr>
-        <p:blipFill>
-          <a:blip r:embed="rId2"/>
-          <a:stretch>
-            <a:fillRect/>
-          </a:stretch>
-        </p:blipFill>
-        <p:spPr>
-          <a:xfrm>
-            <a:off x="942387" y="2669790"/>
-            <a:ext cx="2867425" cy="600159"/>
-          </a:xfrm>
-          <a:prstGeom prst="rect">
-            <a:avLst/>
-          </a:prstGeom>
-        </p:spPr>
-      </p:pic>
-      <p:sp>
-        <p:nvSpPr>
-          <p:cNvPr id="13" name="TextBox 12">
-            <a:extLst>
-              <a:ext uri="{FF2B5EF4-FFF2-40B4-BE49-F238E27FC236}">
-                <a16:creationId xmlns:a16="http://schemas.microsoft.com/office/drawing/2014/main" id="{413FCEE2-8DF2-AA7B-36AD-6C1C53775219}"/>
-              </a:ext>
-            </a:extLst>
-          </p:cNvPr>
-          <p:cNvSpPr txBox="1"/>
-          <p:nvPr/>
-        </p:nvSpPr>
-        <p:spPr>
-          <a:xfrm>
-            <a:off x="942387" y="3339201"/>
-            <a:ext cx="10237694" cy="369332"/>
-          </a:xfrm>
-          <a:prstGeom prst="rect">
-            <a:avLst/>
-          </a:prstGeom>
-          <a:noFill/>
-        </p:spPr>
-        <p:txBody>
-          <a:bodyPr wrap="square" rtlCol="0">
-            <a:spAutoFit/>
-          </a:bodyPr>
-          <a:lstStyle/>
-          <a:p>
-            <a:r>
-              <a:rPr lang="en-US" altLang="ko-KR" dirty="0">
-                <a:latin typeface="나눔스퀘어 Light" panose="020B0600000101010101" pitchFamily="50" charset="-127"/>
-                <a:ea typeface="나눔스퀘어 Light" panose="020B0600000101010101" pitchFamily="50" charset="-127"/>
-              </a:rPr>
-              <a:t>C</a:t>
-            </a:r>
-            <a:r>
-              <a:rPr lang="ko-KR" altLang="en-US" dirty="0">
-                <a:latin typeface="나눔스퀘어 Light" panose="020B0600000101010101" pitchFamily="50" charset="-127"/>
-                <a:ea typeface="나눔스퀘어 Light" panose="020B0600000101010101" pitchFamily="50" charset="-127"/>
-              </a:rPr>
-              <a:t>언어의 입력 함수</a:t>
-            </a:r>
-            <a:r>
-              <a:rPr lang="en-US" altLang="ko-KR" dirty="0">
-                <a:latin typeface="나눔스퀘어 Light" panose="020B0600000101010101" pitchFamily="50" charset="-127"/>
-                <a:ea typeface="나눔스퀘어 Light" panose="020B0600000101010101" pitchFamily="50" charset="-127"/>
-              </a:rPr>
-              <a:t>(</a:t>
-            </a:r>
-            <a:r>
-              <a:rPr lang="en-US" altLang="ko-KR" dirty="0" err="1">
-                <a:latin typeface="나눔스퀘어 Light" panose="020B0600000101010101" pitchFamily="50" charset="-127"/>
-                <a:ea typeface="나눔스퀘어 Light" panose="020B0600000101010101" pitchFamily="50" charset="-127"/>
-              </a:rPr>
-              <a:t>scanf</a:t>
-            </a:r>
-            <a:r>
-              <a:rPr lang="en-US" altLang="ko-KR" dirty="0">
-                <a:latin typeface="나눔스퀘어 Light" panose="020B0600000101010101" pitchFamily="50" charset="-127"/>
-                <a:ea typeface="나눔스퀘어 Light" panose="020B0600000101010101" pitchFamily="50" charset="-127"/>
-              </a:rPr>
-              <a:t>)</a:t>
-            </a:r>
-            <a:r>
-              <a:rPr lang="ko-KR" altLang="en-US" dirty="0">
-                <a:latin typeface="나눔스퀘어 Light" panose="020B0600000101010101" pitchFamily="50" charset="-127"/>
-                <a:ea typeface="나눔스퀘어 Light" panose="020B0600000101010101" pitchFamily="50" charset="-127"/>
-              </a:rPr>
-              <a:t>는 입력을 받으면 입력 받은 인자의 개수를 반환하거나</a:t>
-            </a:r>
-            <a:r>
-              <a:rPr lang="en-US" altLang="ko-KR" dirty="0">
-                <a:latin typeface="나눔스퀘어 Light" panose="020B0600000101010101" pitchFamily="50" charset="-127"/>
-                <a:ea typeface="나눔스퀘어 Light" panose="020B0600000101010101" pitchFamily="50" charset="-127"/>
-              </a:rPr>
-              <a:t>, EOF</a:t>
-            </a:r>
-            <a:r>
-              <a:rPr lang="ko-KR" altLang="en-US" dirty="0">
-                <a:latin typeface="나눔스퀘어 Light" panose="020B0600000101010101" pitchFamily="50" charset="-127"/>
-                <a:ea typeface="나눔스퀘어 Light" panose="020B0600000101010101" pitchFamily="50" charset="-127"/>
-              </a:rPr>
-              <a:t>를 입력 받으면</a:t>
-            </a:r>
-          </a:p>
-        </p:txBody>
-      </p:sp>
-      <p:sp>
-        <p:nvSpPr>
-          <p:cNvPr id="14" name="TextBox 13">
-            <a:extLst>
-              <a:ext uri="{FF2B5EF4-FFF2-40B4-BE49-F238E27FC236}">
-                <a16:creationId xmlns:a16="http://schemas.microsoft.com/office/drawing/2014/main" id="{9D5914A1-4F62-E67F-4AD7-D7067F1970CB}"/>
-              </a:ext>
-            </a:extLst>
-          </p:cNvPr>
-          <p:cNvSpPr txBox="1"/>
-          <p:nvPr/>
-        </p:nvSpPr>
-        <p:spPr>
-          <a:xfrm>
-            <a:off x="942387" y="3708533"/>
-            <a:ext cx="10237694" cy="369332"/>
-          </a:xfrm>
-          <a:prstGeom prst="rect">
-            <a:avLst/>
-          </a:prstGeom>
-          <a:noFill/>
-        </p:spPr>
-        <p:txBody>
-          <a:bodyPr wrap="square" rtlCol="0">
-            <a:spAutoFit/>
-          </a:bodyPr>
-          <a:lstStyle/>
-          <a:p>
-            <a:r>
-              <a:rPr lang="en-US" altLang="ko-KR" dirty="0">
-                <a:latin typeface="나눔스퀘어 Light" panose="020B0600000101010101" pitchFamily="50" charset="-127"/>
-                <a:ea typeface="나눔스퀘어 Light" panose="020B0600000101010101" pitchFamily="50" charset="-127"/>
-              </a:rPr>
-              <a:t>EOF</a:t>
-            </a:r>
-            <a:r>
-              <a:rPr lang="ko-KR" altLang="en-US" dirty="0">
-                <a:latin typeface="나눔스퀘어 Light" panose="020B0600000101010101" pitchFamily="50" charset="-127"/>
-                <a:ea typeface="나눔스퀘어 Light" panose="020B0600000101010101" pitchFamily="50" charset="-127"/>
-              </a:rPr>
-              <a:t>를 </a:t>
-            </a:r>
-            <a:r>
-              <a:rPr lang="en-US" altLang="ko-KR" dirty="0">
-                <a:latin typeface="나눔스퀘어 Light" panose="020B0600000101010101" pitchFamily="50" charset="-127"/>
-                <a:ea typeface="나눔스퀘어 Light" panose="020B0600000101010101" pitchFamily="50" charset="-127"/>
-              </a:rPr>
-              <a:t>return</a:t>
-            </a:r>
-            <a:r>
-              <a:rPr lang="ko-KR" altLang="en-US" dirty="0">
-                <a:latin typeface="나눔스퀘어 Light" panose="020B0600000101010101" pitchFamily="50" charset="-127"/>
-                <a:ea typeface="나눔스퀘어 Light" panose="020B0600000101010101" pitchFamily="50" charset="-127"/>
-              </a:rPr>
-              <a:t>합니다</a:t>
-            </a:r>
-            <a:r>
-              <a:rPr lang="en-US" altLang="ko-KR" dirty="0">
-                <a:latin typeface="나눔스퀘어 Light" panose="020B0600000101010101" pitchFamily="50" charset="-127"/>
-                <a:ea typeface="나눔스퀘어 Light" panose="020B0600000101010101" pitchFamily="50" charset="-127"/>
-              </a:rPr>
-              <a:t>.</a:t>
-            </a:r>
-            <a:endParaRPr lang="ko-KR" altLang="en-US" dirty="0">
-              <a:latin typeface="나눔스퀘어 Light" panose="020B0600000101010101" pitchFamily="50" charset="-127"/>
-              <a:ea typeface="나눔스퀘어 Light" panose="020B0600000101010101" pitchFamily="50" charset="-127"/>
-            </a:endParaRPr>
-          </a:p>
-        </p:txBody>
-      </p:sp>
-      <p:sp>
-        <p:nvSpPr>
-          <p:cNvPr id="15" name="TextBox 14">
-            <a:extLst>
-              <a:ext uri="{FF2B5EF4-FFF2-40B4-BE49-F238E27FC236}">
-                <a16:creationId xmlns:a16="http://schemas.microsoft.com/office/drawing/2014/main" id="{3C1541CF-32AE-5AD4-7D7F-08F9BD5EE9AA}"/>
-              </a:ext>
-            </a:extLst>
-          </p:cNvPr>
-          <p:cNvSpPr txBox="1"/>
-          <p:nvPr/>
-        </p:nvSpPr>
-        <p:spPr>
-          <a:xfrm>
-            <a:off x="942387" y="4447196"/>
-            <a:ext cx="10237694" cy="369332"/>
-          </a:xfrm>
-          <a:prstGeom prst="rect">
-            <a:avLst/>
-          </a:prstGeom>
-          <a:noFill/>
-        </p:spPr>
-        <p:txBody>
-          <a:bodyPr wrap="square" rtlCol="0">
-            <a:spAutoFit/>
-          </a:bodyPr>
-          <a:lstStyle/>
-          <a:p>
-            <a:r>
-              <a:rPr lang="ko-KR" altLang="en-US" dirty="0">
-                <a:latin typeface="나눔스퀘어 Light" panose="020B0600000101010101" pitchFamily="50" charset="-127"/>
-                <a:ea typeface="나눔스퀘어 Light" panose="020B0600000101010101" pitchFamily="50" charset="-127"/>
-              </a:rPr>
-              <a:t>즉</a:t>
-            </a:r>
-            <a:r>
-              <a:rPr lang="en-US" altLang="ko-KR" dirty="0">
-                <a:latin typeface="나눔스퀘어 Light" panose="020B0600000101010101" pitchFamily="50" charset="-127"/>
-                <a:ea typeface="나눔스퀘어 Light" panose="020B0600000101010101" pitchFamily="50" charset="-127"/>
-              </a:rPr>
-              <a:t>, </a:t>
-            </a:r>
-            <a:r>
-              <a:rPr lang="ko-KR" altLang="en-US" dirty="0">
-                <a:latin typeface="나눔스퀘어 Light" panose="020B0600000101010101" pitchFamily="50" charset="-127"/>
-                <a:ea typeface="나눔스퀘어 Light" panose="020B0600000101010101" pitchFamily="50" charset="-127"/>
-              </a:rPr>
-              <a:t>입력 함수의 </a:t>
-            </a:r>
-            <a:r>
-              <a:rPr lang="en-US" altLang="ko-KR" dirty="0">
-                <a:latin typeface="나눔스퀘어 Light" panose="020B0600000101010101" pitchFamily="50" charset="-127"/>
-                <a:ea typeface="나눔스퀘어 Light" panose="020B0600000101010101" pitchFamily="50" charset="-127"/>
-              </a:rPr>
-              <a:t>return </a:t>
-            </a:r>
-            <a:r>
-              <a:rPr lang="ko-KR" altLang="en-US" dirty="0">
-                <a:latin typeface="나눔스퀘어 Light" panose="020B0600000101010101" pitchFamily="50" charset="-127"/>
-                <a:ea typeface="나눔스퀘어 Light" panose="020B0600000101010101" pitchFamily="50" charset="-127"/>
-              </a:rPr>
-              <a:t>값이 </a:t>
-            </a:r>
-            <a:r>
-              <a:rPr lang="en-US" altLang="ko-KR" dirty="0">
-                <a:latin typeface="나눔스퀘어 Light" panose="020B0600000101010101" pitchFamily="50" charset="-127"/>
-                <a:ea typeface="나눔스퀘어 Light" panose="020B0600000101010101" pitchFamily="50" charset="-127"/>
-              </a:rPr>
-              <a:t>EOF(-1) </a:t>
-            </a:r>
-            <a:r>
-              <a:rPr lang="ko-KR" altLang="en-US" dirty="0">
-                <a:latin typeface="나눔스퀘어 Light" panose="020B0600000101010101" pitchFamily="50" charset="-127"/>
-                <a:ea typeface="나눔스퀘어 Light" panose="020B0600000101010101" pitchFamily="50" charset="-127"/>
-              </a:rPr>
-              <a:t>인지 확인하면 입력의 끝인지를 알 수 있습니다</a:t>
-            </a:r>
-            <a:r>
-              <a:rPr lang="en-US" altLang="ko-KR" dirty="0">
-                <a:latin typeface="나눔스퀘어 Light" panose="020B0600000101010101" pitchFamily="50" charset="-127"/>
-                <a:ea typeface="나눔스퀘어 Light" panose="020B0600000101010101" pitchFamily="50" charset="-127"/>
-              </a:rPr>
-              <a:t>.</a:t>
-            </a:r>
-            <a:endParaRPr lang="ko-KR" altLang="en-US" dirty="0">
-              <a:latin typeface="나눔스퀘어 Light" panose="020B0600000101010101" pitchFamily="50" charset="-127"/>
-              <a:ea typeface="나눔스퀘어 Light" panose="020B0600000101010101" pitchFamily="50" charset="-127"/>
-            </a:endParaRPr>
-          </a:p>
-        </p:txBody>
-      </p:sp>
-      <p:pic>
-        <p:nvPicPr>
-          <p:cNvPr id="17" name="그림 16">
-            <a:extLst>
-              <a:ext uri="{FF2B5EF4-FFF2-40B4-BE49-F238E27FC236}">
-                <a16:creationId xmlns:a16="http://schemas.microsoft.com/office/drawing/2014/main" id="{C29BF2A0-83BB-832F-B4CB-A34CC0290F5E}"/>
-              </a:ext>
-            </a:extLst>
-          </p:cNvPr>
-          <p:cNvPicPr>
-            <a:picLocks noChangeAspect="1"/>
-          </p:cNvPicPr>
-          <p:nvPr/>
-        </p:nvPicPr>
-        <p:blipFill>
-          <a:blip r:embed="rId3"/>
-          <a:stretch>
-            <a:fillRect/>
-          </a:stretch>
-        </p:blipFill>
-        <p:spPr>
-          <a:xfrm>
-            <a:off x="942386" y="4997956"/>
-            <a:ext cx="4691587" cy="1346282"/>
-          </a:xfrm>
-          <a:prstGeom prst="rect">
-            <a:avLst/>
-          </a:prstGeom>
-        </p:spPr>
-      </p:pic>
-      <p:sp>
-        <p:nvSpPr>
-          <p:cNvPr id="18" name="TextBox 17">
-            <a:extLst>
-              <a:ext uri="{FF2B5EF4-FFF2-40B4-BE49-F238E27FC236}">
-                <a16:creationId xmlns:a16="http://schemas.microsoft.com/office/drawing/2014/main" id="{F28B7E05-85DF-847B-849B-54B4E765E269}"/>
-              </a:ext>
-            </a:extLst>
-          </p:cNvPr>
-          <p:cNvSpPr txBox="1"/>
-          <p:nvPr/>
-        </p:nvSpPr>
-        <p:spPr>
-          <a:xfrm>
-            <a:off x="6306238" y="5298644"/>
-            <a:ext cx="3796387" cy="369332"/>
-          </a:xfrm>
-          <a:prstGeom prst="rect">
-            <a:avLst/>
-          </a:prstGeom>
-          <a:noFill/>
-        </p:spPr>
-        <p:txBody>
-          <a:bodyPr wrap="square" rtlCol="0">
-            <a:spAutoFit/>
-          </a:bodyPr>
-          <a:lstStyle/>
-          <a:p>
-            <a:r>
-              <a:rPr lang="en-US" altLang="ko-KR" dirty="0">
-                <a:latin typeface="나눔스퀘어 Light" panose="020B0600000101010101" pitchFamily="50" charset="-127"/>
-                <a:ea typeface="나눔스퀘어 Light" panose="020B0600000101010101" pitchFamily="50" charset="-127"/>
-              </a:rPr>
-              <a:t>(~ </a:t>
-            </a:r>
-            <a:r>
-              <a:rPr lang="ko-KR" altLang="en-US" dirty="0">
-                <a:latin typeface="나눔스퀘어 Light" panose="020B0600000101010101" pitchFamily="50" charset="-127"/>
-                <a:ea typeface="나눔스퀘어 Light" panose="020B0600000101010101" pitchFamily="50" charset="-127"/>
-              </a:rPr>
-              <a:t>연산자는 비트 </a:t>
-            </a:r>
-            <a:r>
-              <a:rPr lang="en-US" altLang="ko-KR" dirty="0">
-                <a:latin typeface="나눔스퀘어 Light" panose="020B0600000101010101" pitchFamily="50" charset="-127"/>
-                <a:ea typeface="나눔스퀘어 Light" panose="020B0600000101010101" pitchFamily="50" charset="-127"/>
-              </a:rPr>
-              <a:t>NOT </a:t>
-            </a:r>
-            <a:r>
-              <a:rPr lang="ko-KR" altLang="en-US" dirty="0">
-                <a:latin typeface="나눔스퀘어 Light" panose="020B0600000101010101" pitchFamily="50" charset="-127"/>
-                <a:ea typeface="나눔스퀘어 Light" panose="020B0600000101010101" pitchFamily="50" charset="-127"/>
-              </a:rPr>
-              <a:t>연산자입니다</a:t>
-            </a:r>
-            <a:r>
-              <a:rPr lang="en-US" altLang="ko-KR" dirty="0">
-                <a:latin typeface="나눔스퀘어 Light" panose="020B0600000101010101" pitchFamily="50" charset="-127"/>
-                <a:ea typeface="나눔스퀘어 Light" panose="020B0600000101010101" pitchFamily="50" charset="-127"/>
-              </a:rPr>
-              <a:t>.)</a:t>
-            </a:r>
-            <a:endParaRPr lang="ko-KR" altLang="en-US" dirty="0">
-              <a:latin typeface="나눔스퀘어 Light" panose="020B0600000101010101" pitchFamily="50" charset="-127"/>
-              <a:ea typeface="나눔스퀘어 Light" panose="020B0600000101010101" pitchFamily="50" charset="-127"/>
-            </a:endParaRPr>
-          </a:p>
-        </p:txBody>
-      </p:sp>
-    </p:spTree>
-    <p:extLst>
-      <p:ext uri="{BB962C8B-B14F-4D97-AF65-F5344CB8AC3E}">
-        <p14:creationId xmlns:p14="http://schemas.microsoft.com/office/powerpoint/2010/main" val="384292512"/>
-      </p:ext>
-    </p:extLst>
-  </p:cSld>
-  <p:clrMapOvr>
-    <a:masterClrMapping/>
-  </p:clrMapOvr>
-</p:sld>
-</file>
-
-<file path=ppt/slides/slide34.xml><?xml version="1.0" encoding="utf-8"?>
-<p:sld xmlns:a="http://schemas.openxmlformats.org/drawingml/2006/main" xmlns:r="http://schemas.openxmlformats.org/officeDocument/2006/relationships" xmlns:p="http://schemas.openxmlformats.org/presentationml/2006/main">
-  <p:cSld>
-    <p:spTree>
-      <p:nvGrpSpPr>
-        <p:cNvPr id="1" name=""/>
-        <p:cNvGrpSpPr/>
-        <p:nvPr/>
-      </p:nvGrpSpPr>
-      <p:grpSpPr>
-        <a:xfrm>
-          <a:off x="0" y="0"/>
-          <a:ext cx="0" cy="0"/>
-          <a:chOff x="0" y="0"/>
-          <a:chExt cx="0" cy="0"/>
-        </a:xfrm>
-      </p:grpSpPr>
-      <p:cxnSp>
-        <p:nvCxnSpPr>
-          <p:cNvPr id="26" name="직선 연결선 25">
-            <a:extLst>
-              <a:ext uri="{FF2B5EF4-FFF2-40B4-BE49-F238E27FC236}">
-                <a16:creationId xmlns:a16="http://schemas.microsoft.com/office/drawing/2014/main" id="{679B38A3-B196-3741-D6D3-0CA8FB95B91A}"/>
-              </a:ext>
-            </a:extLst>
-          </p:cNvPr>
-          <p:cNvCxnSpPr/>
-          <p:nvPr/>
-        </p:nvCxnSpPr>
-        <p:spPr>
-          <a:xfrm>
-            <a:off x="0" y="887505"/>
-            <a:ext cx="10237694" cy="0"/>
-          </a:xfrm>
-          <a:prstGeom prst="line">
-            <a:avLst/>
-          </a:prstGeom>
-          <a:ln w="76200">
-            <a:solidFill>
-              <a:schemeClr val="tx1">
-                <a:lumMod val="75000"/>
-                <a:lumOff val="25000"/>
-              </a:schemeClr>
-            </a:solidFill>
-          </a:ln>
-        </p:spPr>
-        <p:style>
-          <a:lnRef idx="1">
-            <a:schemeClr val="accent1"/>
-          </a:lnRef>
-          <a:fillRef idx="0">
-            <a:schemeClr val="accent1"/>
-          </a:fillRef>
-          <a:effectRef idx="0">
-            <a:schemeClr val="accent1"/>
-          </a:effectRef>
-          <a:fontRef idx="minor">
-            <a:schemeClr val="tx1"/>
-          </a:fontRef>
-        </p:style>
-      </p:cxnSp>
-      <p:sp>
-        <p:nvSpPr>
-          <p:cNvPr id="3" name="TextBox 2">
-            <a:extLst>
-              <a:ext uri="{FF2B5EF4-FFF2-40B4-BE49-F238E27FC236}">
-                <a16:creationId xmlns:a16="http://schemas.microsoft.com/office/drawing/2014/main" id="{B9DDF29F-4939-9859-67A7-972089459CC6}"/>
-              </a:ext>
-            </a:extLst>
-          </p:cNvPr>
-          <p:cNvSpPr txBox="1"/>
-          <p:nvPr/>
-        </p:nvSpPr>
-        <p:spPr>
-          <a:xfrm>
-            <a:off x="331694" y="177505"/>
-            <a:ext cx="4214615" cy="523220"/>
-          </a:xfrm>
-          <a:prstGeom prst="rect">
-            <a:avLst/>
-          </a:prstGeom>
-          <a:noFill/>
-        </p:spPr>
-        <p:txBody>
-          <a:bodyPr wrap="none" rtlCol="0">
-            <a:spAutoFit/>
-          </a:bodyPr>
-          <a:lstStyle/>
-          <a:p>
-            <a:r>
-              <a:rPr lang="ko-KR" altLang="en-US" sz="2800" dirty="0" err="1">
-                <a:latin typeface="나눔스퀘어 Bold" panose="020B0600000101010101" pitchFamily="50" charset="-127"/>
-                <a:ea typeface="나눔스퀘어 Bold" panose="020B0600000101010101" pitchFamily="50" charset="-127"/>
-              </a:rPr>
-              <a:t>번외편</a:t>
-            </a:r>
-            <a:r>
-              <a:rPr lang="ko-KR" altLang="en-US" sz="2800" dirty="0">
-                <a:latin typeface="나눔스퀘어 Bold" panose="020B0600000101010101" pitchFamily="50" charset="-127"/>
-                <a:ea typeface="나눔스퀘어 Bold" panose="020B0600000101010101" pitchFamily="50" charset="-127"/>
-              </a:rPr>
-              <a:t> </a:t>
-            </a:r>
-            <a:r>
-              <a:rPr lang="en-US" altLang="ko-KR" sz="2800" dirty="0">
-                <a:latin typeface="나눔스퀘어 Bold" panose="020B0600000101010101" pitchFamily="50" charset="-127"/>
-                <a:ea typeface="나눔스퀘어 Bold" panose="020B0600000101010101" pitchFamily="50" charset="-127"/>
-              </a:rPr>
-              <a:t>– EOF(End Of File)</a:t>
-            </a:r>
-            <a:endParaRPr lang="ko-KR" altLang="en-US" sz="2800" dirty="0">
-              <a:latin typeface="나눔스퀘어 Bold" panose="020B0600000101010101" pitchFamily="50" charset="-127"/>
-              <a:ea typeface="나눔스퀘어 Bold" panose="020B0600000101010101" pitchFamily="50" charset="-127"/>
-            </a:endParaRPr>
-          </a:p>
-        </p:txBody>
-      </p:sp>
-      <p:sp>
-        <p:nvSpPr>
-          <p:cNvPr id="4" name="TextBox 3">
-            <a:extLst>
-              <a:ext uri="{FF2B5EF4-FFF2-40B4-BE49-F238E27FC236}">
-                <a16:creationId xmlns:a16="http://schemas.microsoft.com/office/drawing/2014/main" id="{772D4C43-3CFC-A02D-4942-D14A03372055}"/>
-              </a:ext>
-            </a:extLst>
-          </p:cNvPr>
-          <p:cNvSpPr txBox="1"/>
-          <p:nvPr/>
-        </p:nvSpPr>
-        <p:spPr>
-          <a:xfrm>
-            <a:off x="942386" y="1184956"/>
-            <a:ext cx="10237694" cy="369332"/>
-          </a:xfrm>
-          <a:prstGeom prst="rect">
-            <a:avLst/>
-          </a:prstGeom>
-          <a:noFill/>
-        </p:spPr>
-        <p:txBody>
-          <a:bodyPr wrap="square" rtlCol="0">
-            <a:spAutoFit/>
-          </a:bodyPr>
-          <a:lstStyle/>
-          <a:p>
-            <a:r>
-              <a:rPr lang="en-US" altLang="ko-KR" dirty="0">
-                <a:latin typeface="나눔스퀘어 Bold" panose="020B0600000101010101" pitchFamily="50" charset="-127"/>
-                <a:ea typeface="나눔스퀘어 Bold" panose="020B0600000101010101" pitchFamily="50" charset="-127"/>
-              </a:rPr>
-              <a:t>Java</a:t>
-            </a:r>
-            <a:endParaRPr lang="ko-KR" altLang="en-US" dirty="0">
-              <a:latin typeface="나눔스퀘어 Bold" panose="020B0600000101010101" pitchFamily="50" charset="-127"/>
-              <a:ea typeface="나눔스퀘어 Bold" panose="020B0600000101010101" pitchFamily="50" charset="-127"/>
-            </a:endParaRPr>
-          </a:p>
-        </p:txBody>
-      </p:sp>
-      <p:sp>
-        <p:nvSpPr>
-          <p:cNvPr id="7" name="TextBox 6">
-            <a:extLst>
-              <a:ext uri="{FF2B5EF4-FFF2-40B4-BE49-F238E27FC236}">
-                <a16:creationId xmlns:a16="http://schemas.microsoft.com/office/drawing/2014/main" id="{7D26A2AB-86D4-5575-EE1F-BE7B970B4BEA}"/>
-              </a:ext>
-            </a:extLst>
-          </p:cNvPr>
-          <p:cNvSpPr txBox="1"/>
-          <p:nvPr/>
-        </p:nvSpPr>
-        <p:spPr>
-          <a:xfrm>
-            <a:off x="942387" y="1744021"/>
-            <a:ext cx="10237694" cy="369332"/>
-          </a:xfrm>
-          <a:prstGeom prst="rect">
-            <a:avLst/>
-          </a:prstGeom>
-          <a:noFill/>
-        </p:spPr>
-        <p:txBody>
-          <a:bodyPr wrap="square" rtlCol="0">
-            <a:spAutoFit/>
-          </a:bodyPr>
-          <a:lstStyle/>
-          <a:p>
-            <a:r>
-              <a:rPr lang="en-US" altLang="ko-KR" dirty="0">
-                <a:latin typeface="나눔스퀘어 Light" panose="020B0600000101010101" pitchFamily="50" charset="-127"/>
-                <a:ea typeface="나눔스퀘어 Light" panose="020B0600000101010101" pitchFamily="50" charset="-127"/>
-              </a:rPr>
-              <a:t>Java</a:t>
-            </a:r>
-            <a:r>
-              <a:rPr lang="ko-KR" altLang="en-US" dirty="0">
-                <a:latin typeface="나눔스퀘어 Light" panose="020B0600000101010101" pitchFamily="50" charset="-127"/>
-                <a:ea typeface="나눔스퀘어 Light" panose="020B0600000101010101" pitchFamily="50" charset="-127"/>
-              </a:rPr>
-              <a:t>의 경우에는 단순합니다</a:t>
-            </a:r>
-            <a:r>
-              <a:rPr lang="en-US" altLang="ko-KR" dirty="0">
-                <a:latin typeface="나눔스퀘어 Light" panose="020B0600000101010101" pitchFamily="50" charset="-127"/>
-                <a:ea typeface="나눔스퀘어 Light" panose="020B0600000101010101" pitchFamily="50" charset="-127"/>
-              </a:rPr>
-              <a:t>. </a:t>
-            </a:r>
-            <a:r>
-              <a:rPr lang="ko-KR" altLang="en-US" dirty="0">
-                <a:latin typeface="나눔스퀘어 Light" panose="020B0600000101010101" pitchFamily="50" charset="-127"/>
-                <a:ea typeface="나눔스퀘어 Light" panose="020B0600000101010101" pitchFamily="50" charset="-127"/>
-              </a:rPr>
-              <a:t>그냥 다음 입력이 있는지 없는지</a:t>
-            </a:r>
-            <a:r>
-              <a:rPr lang="en-US" altLang="ko-KR" dirty="0">
-                <a:latin typeface="나눔스퀘어 Light" panose="020B0600000101010101" pitchFamily="50" charset="-127"/>
-                <a:ea typeface="나눔스퀘어 Light" panose="020B0600000101010101" pitchFamily="50" charset="-127"/>
-              </a:rPr>
-              <a:t>(</a:t>
-            </a:r>
-            <a:r>
-              <a:rPr lang="en-US" altLang="ko-KR" dirty="0" err="1">
-                <a:latin typeface="나눔스퀘어 Light" panose="020B0600000101010101" pitchFamily="50" charset="-127"/>
-                <a:ea typeface="나눔스퀘어 Light" panose="020B0600000101010101" pitchFamily="50" charset="-127"/>
-              </a:rPr>
-              <a:t>Scanner.hasNext</a:t>
-            </a:r>
-            <a:r>
-              <a:rPr lang="en-US" altLang="ko-KR" dirty="0">
-                <a:latin typeface="나눔스퀘어 Light" panose="020B0600000101010101" pitchFamily="50" charset="-127"/>
-                <a:ea typeface="나눔스퀘어 Light" panose="020B0600000101010101" pitchFamily="50" charset="-127"/>
-              </a:rPr>
-              <a:t>())</a:t>
-            </a:r>
-            <a:r>
-              <a:rPr lang="ko-KR" altLang="en-US" dirty="0">
-                <a:latin typeface="나눔스퀘어 Light" panose="020B0600000101010101" pitchFamily="50" charset="-127"/>
-                <a:ea typeface="나눔스퀘어 Light" panose="020B0600000101010101" pitchFamily="50" charset="-127"/>
-              </a:rPr>
-              <a:t>만 확인하면 됩니다</a:t>
-            </a:r>
-            <a:r>
-              <a:rPr lang="en-US" altLang="ko-KR" dirty="0">
-                <a:latin typeface="나눔스퀘어 Light" panose="020B0600000101010101" pitchFamily="50" charset="-127"/>
-                <a:ea typeface="나눔스퀘어 Light" panose="020B0600000101010101" pitchFamily="50" charset="-127"/>
-              </a:rPr>
-              <a:t>.</a:t>
-            </a:r>
-            <a:endParaRPr lang="ko-KR" altLang="en-US" dirty="0">
-              <a:latin typeface="나눔스퀘어 Light" panose="020B0600000101010101" pitchFamily="50" charset="-127"/>
-              <a:ea typeface="나눔스퀘어 Light" panose="020B0600000101010101" pitchFamily="50" charset="-127"/>
-            </a:endParaRPr>
-          </a:p>
-        </p:txBody>
-      </p:sp>
-      <p:sp>
-        <p:nvSpPr>
-          <p:cNvPr id="5" name="TextBox 4">
-            <a:extLst>
-              <a:ext uri="{FF2B5EF4-FFF2-40B4-BE49-F238E27FC236}">
-                <a16:creationId xmlns:a16="http://schemas.microsoft.com/office/drawing/2014/main" id="{00A70271-39C6-B622-C1DA-03E25486769E}"/>
-              </a:ext>
-            </a:extLst>
-          </p:cNvPr>
-          <p:cNvSpPr txBox="1"/>
-          <p:nvPr/>
-        </p:nvSpPr>
-        <p:spPr>
-          <a:xfrm>
-            <a:off x="942386" y="4408550"/>
-            <a:ext cx="10237694" cy="369332"/>
-          </a:xfrm>
-          <a:prstGeom prst="rect">
-            <a:avLst/>
-          </a:prstGeom>
-          <a:noFill/>
-        </p:spPr>
-        <p:txBody>
-          <a:bodyPr wrap="square" rtlCol="0">
-            <a:spAutoFit/>
-          </a:bodyPr>
-          <a:lstStyle/>
-          <a:p>
-            <a:r>
-              <a:rPr lang="en-US" altLang="ko-KR" dirty="0" err="1">
-                <a:latin typeface="나눔스퀘어 Light" panose="020B0600000101010101" pitchFamily="50" charset="-127"/>
-                <a:ea typeface="나눔스퀘어 Light" panose="020B0600000101010101" pitchFamily="50" charset="-127"/>
-              </a:rPr>
-              <a:t>BufferedReader</a:t>
-            </a:r>
-            <a:r>
-              <a:rPr lang="ko-KR" altLang="en-US" dirty="0">
-                <a:latin typeface="나눔스퀘어 Light" panose="020B0600000101010101" pitchFamily="50" charset="-127"/>
-                <a:ea typeface="나눔스퀘어 Light" panose="020B0600000101010101" pitchFamily="50" charset="-127"/>
-              </a:rPr>
-              <a:t>를 통해 입력 받는 경우는</a:t>
-            </a:r>
-            <a:r>
-              <a:rPr lang="en-US" altLang="ko-KR" dirty="0">
-                <a:latin typeface="나눔스퀘어 Light" panose="020B0600000101010101" pitchFamily="50" charset="-127"/>
-                <a:ea typeface="나눔스퀘어 Light" panose="020B0600000101010101" pitchFamily="50" charset="-127"/>
-              </a:rPr>
-              <a:t>, null</a:t>
-            </a:r>
-            <a:r>
-              <a:rPr lang="ko-KR" altLang="en-US" dirty="0">
-                <a:latin typeface="나눔스퀘어 Light" panose="020B0600000101010101" pitchFamily="50" charset="-127"/>
-                <a:ea typeface="나눔스퀘어 Light" panose="020B0600000101010101" pitchFamily="50" charset="-127"/>
-              </a:rPr>
-              <a:t>인지만 확인하면 됩니다</a:t>
-            </a:r>
-            <a:r>
-              <a:rPr lang="en-US" altLang="ko-KR" dirty="0">
-                <a:latin typeface="나눔스퀘어 Light" panose="020B0600000101010101" pitchFamily="50" charset="-127"/>
-                <a:ea typeface="나눔스퀘어 Light" panose="020B0600000101010101" pitchFamily="50" charset="-127"/>
-              </a:rPr>
-              <a:t>.</a:t>
-            </a:r>
-            <a:endParaRPr lang="ko-KR" altLang="en-US" dirty="0">
-              <a:latin typeface="나눔스퀘어 Light" panose="020B0600000101010101" pitchFamily="50" charset="-127"/>
-              <a:ea typeface="나눔스퀘어 Light" panose="020B0600000101010101" pitchFamily="50" charset="-127"/>
-            </a:endParaRPr>
-          </a:p>
-        </p:txBody>
-      </p:sp>
-      <p:pic>
-        <p:nvPicPr>
-          <p:cNvPr id="10" name="그림 9">
-            <a:extLst>
-              <a:ext uri="{FF2B5EF4-FFF2-40B4-BE49-F238E27FC236}">
-                <a16:creationId xmlns:a16="http://schemas.microsoft.com/office/drawing/2014/main" id="{8CE7F676-A249-893B-1131-603A28445531}"/>
-              </a:ext>
-            </a:extLst>
-          </p:cNvPr>
-          <p:cNvPicPr>
-            <a:picLocks noChangeAspect="1"/>
-          </p:cNvPicPr>
-          <p:nvPr/>
-        </p:nvPicPr>
-        <p:blipFill>
-          <a:blip r:embed="rId2"/>
-          <a:stretch>
-            <a:fillRect/>
-          </a:stretch>
-        </p:blipFill>
-        <p:spPr>
-          <a:xfrm>
-            <a:off x="942386" y="4881576"/>
-            <a:ext cx="8534912" cy="942951"/>
-          </a:xfrm>
-          <a:prstGeom prst="rect">
-            <a:avLst/>
-          </a:prstGeom>
-        </p:spPr>
-      </p:pic>
-      <p:pic>
-        <p:nvPicPr>
-          <p:cNvPr id="16" name="그림 15">
-            <a:extLst>
-              <a:ext uri="{FF2B5EF4-FFF2-40B4-BE49-F238E27FC236}">
-                <a16:creationId xmlns:a16="http://schemas.microsoft.com/office/drawing/2014/main" id="{DB412890-78BA-12D9-C730-DA6DBD052777}"/>
-              </a:ext>
-            </a:extLst>
-          </p:cNvPr>
-          <p:cNvPicPr>
-            <a:picLocks noChangeAspect="1"/>
-          </p:cNvPicPr>
-          <p:nvPr/>
-        </p:nvPicPr>
-        <p:blipFill>
-          <a:blip r:embed="rId3"/>
-          <a:stretch>
-            <a:fillRect/>
-          </a:stretch>
-        </p:blipFill>
-        <p:spPr>
-          <a:xfrm>
-            <a:off x="942385" y="2217047"/>
-            <a:ext cx="8534911" cy="1469025"/>
-          </a:xfrm>
-          <a:prstGeom prst="rect">
-            <a:avLst/>
-          </a:prstGeom>
-        </p:spPr>
-      </p:pic>
-    </p:spTree>
-    <p:extLst>
-      <p:ext uri="{BB962C8B-B14F-4D97-AF65-F5344CB8AC3E}">
-        <p14:creationId xmlns:p14="http://schemas.microsoft.com/office/powerpoint/2010/main" val="2250887960"/>
-      </p:ext>
-    </p:extLst>
-  </p:cSld>
-  <p:clrMapOvr>
-    <a:masterClrMapping/>
-  </p:clrMapOvr>
-</p:sld>
-</file>
-
-<file path=ppt/slides/slide35.xml><?xml version="1.0" encoding="utf-8"?>
-<p:sld xmlns:a="http://schemas.openxmlformats.org/drawingml/2006/main" xmlns:r="http://schemas.openxmlformats.org/officeDocument/2006/relationships" xmlns:p="http://schemas.openxmlformats.org/presentationml/2006/main">
-  <p:cSld>
-    <p:spTree>
-      <p:nvGrpSpPr>
-        <p:cNvPr id="1" name=""/>
-        <p:cNvGrpSpPr/>
-        <p:nvPr/>
-      </p:nvGrpSpPr>
-      <p:grpSpPr>
-        <a:xfrm>
-          <a:off x="0" y="0"/>
-          <a:ext cx="0" cy="0"/>
-          <a:chOff x="0" y="0"/>
-          <a:chExt cx="0" cy="0"/>
-        </a:xfrm>
-      </p:grpSpPr>
-      <p:cxnSp>
-        <p:nvCxnSpPr>
-          <p:cNvPr id="26" name="직선 연결선 25">
-            <a:extLst>
-              <a:ext uri="{FF2B5EF4-FFF2-40B4-BE49-F238E27FC236}">
-                <a16:creationId xmlns:a16="http://schemas.microsoft.com/office/drawing/2014/main" id="{679B38A3-B196-3741-D6D3-0CA8FB95B91A}"/>
-              </a:ext>
-            </a:extLst>
-          </p:cNvPr>
-          <p:cNvCxnSpPr/>
-          <p:nvPr/>
-        </p:nvCxnSpPr>
-        <p:spPr>
-          <a:xfrm>
-            <a:off x="0" y="887505"/>
-            <a:ext cx="10237694" cy="0"/>
-          </a:xfrm>
-          <a:prstGeom prst="line">
-            <a:avLst/>
-          </a:prstGeom>
-          <a:ln w="76200">
-            <a:solidFill>
-              <a:schemeClr val="tx1">
-                <a:lumMod val="75000"/>
-                <a:lumOff val="25000"/>
-              </a:schemeClr>
-            </a:solidFill>
-          </a:ln>
-        </p:spPr>
-        <p:style>
-          <a:lnRef idx="1">
-            <a:schemeClr val="accent1"/>
-          </a:lnRef>
-          <a:fillRef idx="0">
-            <a:schemeClr val="accent1"/>
-          </a:fillRef>
-          <a:effectRef idx="0">
-            <a:schemeClr val="accent1"/>
-          </a:effectRef>
-          <a:fontRef idx="minor">
-            <a:schemeClr val="tx1"/>
-          </a:fontRef>
-        </p:style>
-      </p:cxnSp>
-      <p:sp>
-        <p:nvSpPr>
-          <p:cNvPr id="3" name="TextBox 2">
-            <a:extLst>
-              <a:ext uri="{FF2B5EF4-FFF2-40B4-BE49-F238E27FC236}">
-                <a16:creationId xmlns:a16="http://schemas.microsoft.com/office/drawing/2014/main" id="{B9DDF29F-4939-9859-67A7-972089459CC6}"/>
-              </a:ext>
-            </a:extLst>
-          </p:cNvPr>
-          <p:cNvSpPr txBox="1"/>
-          <p:nvPr/>
-        </p:nvSpPr>
-        <p:spPr>
-          <a:xfrm>
-            <a:off x="331694" y="177505"/>
-            <a:ext cx="4214615" cy="523220"/>
-          </a:xfrm>
-          <a:prstGeom prst="rect">
-            <a:avLst/>
-          </a:prstGeom>
-          <a:noFill/>
-        </p:spPr>
-        <p:txBody>
-          <a:bodyPr wrap="none" rtlCol="0">
-            <a:spAutoFit/>
-          </a:bodyPr>
-          <a:lstStyle/>
-          <a:p>
-            <a:r>
-              <a:rPr lang="ko-KR" altLang="en-US" sz="2800" dirty="0" err="1">
-                <a:latin typeface="나눔스퀘어 Bold" panose="020B0600000101010101" pitchFamily="50" charset="-127"/>
-                <a:ea typeface="나눔스퀘어 Bold" panose="020B0600000101010101" pitchFamily="50" charset="-127"/>
-              </a:rPr>
-              <a:t>번외편</a:t>
-            </a:r>
-            <a:r>
-              <a:rPr lang="ko-KR" altLang="en-US" sz="2800" dirty="0">
-                <a:latin typeface="나눔스퀘어 Bold" panose="020B0600000101010101" pitchFamily="50" charset="-127"/>
-                <a:ea typeface="나눔스퀘어 Bold" panose="020B0600000101010101" pitchFamily="50" charset="-127"/>
-              </a:rPr>
-              <a:t> </a:t>
-            </a:r>
-            <a:r>
-              <a:rPr lang="en-US" altLang="ko-KR" sz="2800" dirty="0">
-                <a:latin typeface="나눔스퀘어 Bold" panose="020B0600000101010101" pitchFamily="50" charset="-127"/>
-                <a:ea typeface="나눔스퀘어 Bold" panose="020B0600000101010101" pitchFamily="50" charset="-127"/>
-              </a:rPr>
-              <a:t>– EOF(End Of File)</a:t>
-            </a:r>
-            <a:endParaRPr lang="ko-KR" altLang="en-US" sz="2800" dirty="0">
-              <a:latin typeface="나눔스퀘어 Bold" panose="020B0600000101010101" pitchFamily="50" charset="-127"/>
-              <a:ea typeface="나눔스퀘어 Bold" panose="020B0600000101010101" pitchFamily="50" charset="-127"/>
-            </a:endParaRPr>
-          </a:p>
-        </p:txBody>
-      </p:sp>
-      <p:sp>
-        <p:nvSpPr>
-          <p:cNvPr id="4" name="TextBox 3">
-            <a:extLst>
-              <a:ext uri="{FF2B5EF4-FFF2-40B4-BE49-F238E27FC236}">
-                <a16:creationId xmlns:a16="http://schemas.microsoft.com/office/drawing/2014/main" id="{772D4C43-3CFC-A02D-4942-D14A03372055}"/>
-              </a:ext>
-            </a:extLst>
-          </p:cNvPr>
-          <p:cNvSpPr txBox="1"/>
-          <p:nvPr/>
-        </p:nvSpPr>
-        <p:spPr>
-          <a:xfrm>
-            <a:off x="942386" y="1184956"/>
-            <a:ext cx="10237694" cy="369332"/>
-          </a:xfrm>
-          <a:prstGeom prst="rect">
-            <a:avLst/>
-          </a:prstGeom>
-          <a:noFill/>
-        </p:spPr>
-        <p:txBody>
-          <a:bodyPr wrap="square" rtlCol="0">
-            <a:spAutoFit/>
-          </a:bodyPr>
-          <a:lstStyle/>
-          <a:p>
-            <a:r>
-              <a:rPr lang="en-US" altLang="ko-KR" dirty="0">
-                <a:latin typeface="나눔스퀘어 Bold" panose="020B0600000101010101" pitchFamily="50" charset="-127"/>
-                <a:ea typeface="나눔스퀘어 Bold" panose="020B0600000101010101" pitchFamily="50" charset="-127"/>
-              </a:rPr>
-              <a:t>Python</a:t>
-            </a:r>
-            <a:endParaRPr lang="ko-KR" altLang="en-US" dirty="0">
-              <a:latin typeface="나눔스퀘어 Bold" panose="020B0600000101010101" pitchFamily="50" charset="-127"/>
-              <a:ea typeface="나눔스퀘어 Bold" panose="020B0600000101010101" pitchFamily="50" charset="-127"/>
-            </a:endParaRPr>
-          </a:p>
-        </p:txBody>
-      </p:sp>
-      <p:sp>
-        <p:nvSpPr>
-          <p:cNvPr id="7" name="TextBox 6">
-            <a:extLst>
-              <a:ext uri="{FF2B5EF4-FFF2-40B4-BE49-F238E27FC236}">
-                <a16:creationId xmlns:a16="http://schemas.microsoft.com/office/drawing/2014/main" id="{7D26A2AB-86D4-5575-EE1F-BE7B970B4BEA}"/>
-              </a:ext>
-            </a:extLst>
-          </p:cNvPr>
-          <p:cNvSpPr txBox="1"/>
-          <p:nvPr/>
-        </p:nvSpPr>
-        <p:spPr>
-          <a:xfrm>
-            <a:off x="942387" y="1744021"/>
-            <a:ext cx="10237694" cy="369332"/>
-          </a:xfrm>
-          <a:prstGeom prst="rect">
-            <a:avLst/>
-          </a:prstGeom>
-          <a:noFill/>
-        </p:spPr>
-        <p:txBody>
-          <a:bodyPr wrap="square" rtlCol="0">
-            <a:spAutoFit/>
-          </a:bodyPr>
-          <a:lstStyle/>
-          <a:p>
-            <a:r>
-              <a:rPr lang="en-US" altLang="ko-KR" dirty="0">
-                <a:latin typeface="나눔스퀘어 Light" panose="020B0600000101010101" pitchFamily="50" charset="-127"/>
-                <a:ea typeface="나눔스퀘어 Light" panose="020B0600000101010101" pitchFamily="50" charset="-127"/>
-              </a:rPr>
-              <a:t>Python</a:t>
-            </a:r>
-            <a:r>
-              <a:rPr lang="ko-KR" altLang="en-US" dirty="0">
-                <a:latin typeface="나눔스퀘어 Light" panose="020B0600000101010101" pitchFamily="50" charset="-127"/>
-                <a:ea typeface="나눔스퀘어 Light" panose="020B0600000101010101" pitchFamily="50" charset="-127"/>
-              </a:rPr>
-              <a:t>의 경우에는 예외처리로 </a:t>
-            </a:r>
-            <a:r>
-              <a:rPr lang="en-US" altLang="ko-KR" dirty="0">
-                <a:latin typeface="나눔스퀘어 Light" panose="020B0600000101010101" pitchFamily="50" charset="-127"/>
-                <a:ea typeface="나눔스퀘어 Light" panose="020B0600000101010101" pitchFamily="50" charset="-127"/>
-              </a:rPr>
-              <a:t>EOF</a:t>
-            </a:r>
-            <a:r>
-              <a:rPr lang="ko-KR" altLang="en-US" dirty="0">
-                <a:latin typeface="나눔스퀘어 Light" panose="020B0600000101010101" pitchFamily="50" charset="-127"/>
-                <a:ea typeface="나눔스퀘어 Light" panose="020B0600000101010101" pitchFamily="50" charset="-127"/>
-              </a:rPr>
-              <a:t>를 판단합니다</a:t>
-            </a:r>
-            <a:r>
-              <a:rPr lang="en-US" altLang="ko-KR" dirty="0">
-                <a:latin typeface="나눔스퀘어 Light" panose="020B0600000101010101" pitchFamily="50" charset="-127"/>
-                <a:ea typeface="나눔스퀘어 Light" panose="020B0600000101010101" pitchFamily="50" charset="-127"/>
-              </a:rPr>
-              <a:t>.</a:t>
-            </a:r>
-            <a:endParaRPr lang="ko-KR" altLang="en-US" dirty="0">
-              <a:latin typeface="나눔스퀘어 Light" panose="020B0600000101010101" pitchFamily="50" charset="-127"/>
-              <a:ea typeface="나눔스퀘어 Light" panose="020B0600000101010101" pitchFamily="50" charset="-127"/>
-            </a:endParaRPr>
-          </a:p>
-        </p:txBody>
-      </p:sp>
-      <p:sp>
-        <p:nvSpPr>
-          <p:cNvPr id="5" name="TextBox 4">
-            <a:extLst>
-              <a:ext uri="{FF2B5EF4-FFF2-40B4-BE49-F238E27FC236}">
-                <a16:creationId xmlns:a16="http://schemas.microsoft.com/office/drawing/2014/main" id="{00A70271-39C6-B622-C1DA-03E25486769E}"/>
-              </a:ext>
-            </a:extLst>
-          </p:cNvPr>
-          <p:cNvSpPr txBox="1"/>
-          <p:nvPr/>
-        </p:nvSpPr>
-        <p:spPr>
-          <a:xfrm>
-            <a:off x="942386" y="4077256"/>
-            <a:ext cx="10237694" cy="369332"/>
-          </a:xfrm>
-          <a:prstGeom prst="rect">
-            <a:avLst/>
-          </a:prstGeom>
-          <a:noFill/>
-        </p:spPr>
-        <p:txBody>
-          <a:bodyPr wrap="square" rtlCol="0">
-            <a:spAutoFit/>
-          </a:bodyPr>
-          <a:lstStyle/>
-          <a:p>
-            <a:r>
-              <a:rPr lang="en-US" altLang="ko-KR" dirty="0" err="1">
-                <a:latin typeface="나눔스퀘어 Light" panose="020B0600000101010101" pitchFamily="50" charset="-127"/>
-                <a:ea typeface="나눔스퀘어 Light" panose="020B0600000101010101" pitchFamily="50" charset="-127"/>
-              </a:rPr>
-              <a:t>readlines</a:t>
-            </a:r>
-            <a:r>
-              <a:rPr lang="en-US" altLang="ko-KR" dirty="0">
-                <a:latin typeface="나눔스퀘어 Light" panose="020B0600000101010101" pitchFamily="50" charset="-127"/>
-                <a:ea typeface="나눔스퀘어 Light" panose="020B0600000101010101" pitchFamily="50" charset="-127"/>
-              </a:rPr>
-              <a:t>()</a:t>
-            </a:r>
-            <a:r>
-              <a:rPr lang="ko-KR" altLang="en-US" dirty="0">
-                <a:latin typeface="나눔스퀘어 Light" panose="020B0600000101010101" pitchFamily="50" charset="-127"/>
-                <a:ea typeface="나눔스퀘어 Light" panose="020B0600000101010101" pitchFamily="50" charset="-127"/>
-              </a:rPr>
-              <a:t>로 입력을 한꺼번에 받았을 경우에는 어차피 줄단위로 리스트에 저장되므로</a:t>
-            </a:r>
-            <a:r>
-              <a:rPr lang="en-US" altLang="ko-KR" dirty="0">
-                <a:latin typeface="나눔스퀘어 Light" panose="020B0600000101010101" pitchFamily="50" charset="-127"/>
-                <a:ea typeface="나눔스퀘어 Light" panose="020B0600000101010101" pitchFamily="50" charset="-127"/>
-              </a:rPr>
-              <a:t>,</a:t>
-            </a:r>
-            <a:endParaRPr lang="ko-KR" altLang="en-US" dirty="0">
-              <a:latin typeface="나눔스퀘어 Light" panose="020B0600000101010101" pitchFamily="50" charset="-127"/>
-              <a:ea typeface="나눔스퀘어 Light" panose="020B0600000101010101" pitchFamily="50" charset="-127"/>
-            </a:endParaRPr>
-          </a:p>
-        </p:txBody>
-      </p:sp>
-      <p:pic>
-        <p:nvPicPr>
-          <p:cNvPr id="6" name="그림 5">
-            <a:extLst>
-              <a:ext uri="{FF2B5EF4-FFF2-40B4-BE49-F238E27FC236}">
-                <a16:creationId xmlns:a16="http://schemas.microsoft.com/office/drawing/2014/main" id="{3C37833A-F72C-A471-CFEC-C1CB48A1B572}"/>
-              </a:ext>
-            </a:extLst>
-          </p:cNvPr>
-          <p:cNvPicPr>
-            <a:picLocks noChangeAspect="1"/>
-          </p:cNvPicPr>
-          <p:nvPr/>
-        </p:nvPicPr>
-        <p:blipFill>
-          <a:blip r:embed="rId2"/>
-          <a:stretch>
-            <a:fillRect/>
-          </a:stretch>
-        </p:blipFill>
-        <p:spPr>
-          <a:xfrm>
-            <a:off x="942386" y="2217047"/>
-            <a:ext cx="4845672" cy="1528915"/>
-          </a:xfrm>
-          <a:prstGeom prst="rect">
-            <a:avLst/>
-          </a:prstGeom>
-        </p:spPr>
-      </p:pic>
-      <p:sp>
-        <p:nvSpPr>
-          <p:cNvPr id="8" name="TextBox 7">
-            <a:extLst>
-              <a:ext uri="{FF2B5EF4-FFF2-40B4-BE49-F238E27FC236}">
-                <a16:creationId xmlns:a16="http://schemas.microsoft.com/office/drawing/2014/main" id="{D9170E64-8335-315C-9F41-72DF46809C47}"/>
-              </a:ext>
-            </a:extLst>
-          </p:cNvPr>
-          <p:cNvSpPr txBox="1"/>
-          <p:nvPr/>
-        </p:nvSpPr>
-        <p:spPr>
-          <a:xfrm>
-            <a:off x="942386" y="4458980"/>
-            <a:ext cx="10237694" cy="369332"/>
-          </a:xfrm>
-          <a:prstGeom prst="rect">
-            <a:avLst/>
-          </a:prstGeom>
-          <a:noFill/>
-        </p:spPr>
-        <p:txBody>
-          <a:bodyPr wrap="square" rtlCol="0">
-            <a:spAutoFit/>
-          </a:bodyPr>
-          <a:lstStyle/>
-          <a:p>
-            <a:r>
-              <a:rPr lang="ko-KR" altLang="en-US" dirty="0">
-                <a:latin typeface="나눔스퀘어 Light" panose="020B0600000101010101" pitchFamily="50" charset="-127"/>
-                <a:ea typeface="나눔스퀘어 Light" panose="020B0600000101010101" pitchFamily="50" charset="-127"/>
-              </a:rPr>
-              <a:t>딱히 </a:t>
-            </a:r>
-            <a:r>
-              <a:rPr lang="en-US" altLang="ko-KR" dirty="0">
-                <a:latin typeface="나눔스퀘어 Light" panose="020B0600000101010101" pitchFamily="50" charset="-127"/>
-                <a:ea typeface="나눔스퀘어 Light" panose="020B0600000101010101" pitchFamily="50" charset="-127"/>
-              </a:rPr>
-              <a:t>EOF </a:t>
-            </a:r>
-            <a:r>
-              <a:rPr lang="ko-KR" altLang="en-US" dirty="0">
-                <a:latin typeface="나눔스퀘어 Light" panose="020B0600000101010101" pitchFamily="50" charset="-127"/>
-                <a:ea typeface="나눔스퀘어 Light" panose="020B0600000101010101" pitchFamily="50" charset="-127"/>
-              </a:rPr>
-              <a:t>처리가 필요 없습니다</a:t>
-            </a:r>
-            <a:r>
-              <a:rPr lang="en-US" altLang="ko-KR" dirty="0">
-                <a:latin typeface="나눔스퀘어 Light" panose="020B0600000101010101" pitchFamily="50" charset="-127"/>
-                <a:ea typeface="나눔스퀘어 Light" panose="020B0600000101010101" pitchFamily="50" charset="-127"/>
-              </a:rPr>
-              <a:t>. (</a:t>
-            </a:r>
-            <a:r>
-              <a:rPr lang="ko-KR" altLang="en-US" dirty="0">
-                <a:latin typeface="나눔스퀘어 Light" panose="020B0600000101010101" pitchFamily="50" charset="-127"/>
-                <a:ea typeface="나눔스퀘어 Light" panose="020B0600000101010101" pitchFamily="50" charset="-127"/>
-              </a:rPr>
-              <a:t>리스트의 끝이 곧 </a:t>
-            </a:r>
-            <a:r>
-              <a:rPr lang="en-US" altLang="ko-KR" dirty="0">
-                <a:latin typeface="나눔스퀘어 Light" panose="020B0600000101010101" pitchFamily="50" charset="-127"/>
-                <a:ea typeface="나눔스퀘어 Light" panose="020B0600000101010101" pitchFamily="50" charset="-127"/>
-              </a:rPr>
-              <a:t>EOF)</a:t>
-            </a:r>
-            <a:endParaRPr lang="ko-KR" altLang="en-US" dirty="0">
-              <a:latin typeface="나눔스퀘어 Light" panose="020B0600000101010101" pitchFamily="50" charset="-127"/>
-              <a:ea typeface="나눔스퀘어 Light" panose="020B0600000101010101" pitchFamily="50" charset="-127"/>
-            </a:endParaRPr>
-          </a:p>
-        </p:txBody>
-      </p:sp>
-      <p:pic>
-        <p:nvPicPr>
-          <p:cNvPr id="11" name="그림 10">
-            <a:extLst>
-              <a:ext uri="{FF2B5EF4-FFF2-40B4-BE49-F238E27FC236}">
-                <a16:creationId xmlns:a16="http://schemas.microsoft.com/office/drawing/2014/main" id="{D5C20607-9198-19EE-8E6B-88ABE8DA7797}"/>
-              </a:ext>
-            </a:extLst>
-          </p:cNvPr>
-          <p:cNvPicPr>
-            <a:picLocks noChangeAspect="1"/>
-          </p:cNvPicPr>
-          <p:nvPr/>
-        </p:nvPicPr>
-        <p:blipFill>
-          <a:blip r:embed="rId3"/>
-          <a:stretch>
-            <a:fillRect/>
-          </a:stretch>
-        </p:blipFill>
-        <p:spPr>
-          <a:xfrm>
-            <a:off x="942386" y="4840704"/>
-            <a:ext cx="4845672" cy="1865646"/>
-          </a:xfrm>
-          <a:prstGeom prst="rect">
-            <a:avLst/>
-          </a:prstGeom>
-        </p:spPr>
-      </p:pic>
-    </p:spTree>
-    <p:extLst>
-      <p:ext uri="{BB962C8B-B14F-4D97-AF65-F5344CB8AC3E}">
-        <p14:creationId xmlns:p14="http://schemas.microsoft.com/office/powerpoint/2010/main" val="110968824"/>
-      </p:ext>
-    </p:extLst>
-  </p:cSld>
-  <p:clrMapOvr>
-    <a:masterClrMapping/>
-  </p:clrMapOvr>
-</p:sld>
-</file>
-
-<file path=ppt/slides/slide36.xml><?xml version="1.0" encoding="utf-8"?>
-<p:sld xmlns:a="http://schemas.openxmlformats.org/drawingml/2006/main" xmlns:r="http://schemas.openxmlformats.org/officeDocument/2006/relationships" xmlns:p="http://schemas.openxmlformats.org/presentationml/2006/main">
-  <p:cSld>
-    <p:spTree>
-      <p:nvGrpSpPr>
-        <p:cNvPr id="1" name=""/>
-        <p:cNvGrpSpPr/>
-        <p:nvPr/>
-      </p:nvGrpSpPr>
-      <p:grpSpPr>
-        <a:xfrm>
-          <a:off x="0" y="0"/>
-          <a:ext cx="0" cy="0"/>
-          <a:chOff x="0" y="0"/>
-          <a:chExt cx="0" cy="0"/>
-        </a:xfrm>
-      </p:grpSpPr>
-      <p:cxnSp>
-        <p:nvCxnSpPr>
-          <p:cNvPr id="26" name="직선 연결선 25">
-            <a:extLst>
-              <a:ext uri="{FF2B5EF4-FFF2-40B4-BE49-F238E27FC236}">
-                <a16:creationId xmlns:a16="http://schemas.microsoft.com/office/drawing/2014/main" id="{679B38A3-B196-3741-D6D3-0CA8FB95B91A}"/>
-              </a:ext>
-            </a:extLst>
-          </p:cNvPr>
-          <p:cNvCxnSpPr/>
-          <p:nvPr/>
-        </p:nvCxnSpPr>
-        <p:spPr>
-          <a:xfrm>
-            <a:off x="0" y="887505"/>
-            <a:ext cx="10237694" cy="0"/>
-          </a:xfrm>
-          <a:prstGeom prst="line">
-            <a:avLst/>
-          </a:prstGeom>
-          <a:ln w="76200">
-            <a:solidFill>
-              <a:schemeClr val="tx1">
-                <a:lumMod val="75000"/>
-                <a:lumOff val="25000"/>
-              </a:schemeClr>
-            </a:solidFill>
-          </a:ln>
-        </p:spPr>
-        <p:style>
-          <a:lnRef idx="1">
-            <a:schemeClr val="accent1"/>
-          </a:lnRef>
-          <a:fillRef idx="0">
-            <a:schemeClr val="accent1"/>
-          </a:fillRef>
-          <a:effectRef idx="0">
-            <a:schemeClr val="accent1"/>
-          </a:effectRef>
-          <a:fontRef idx="minor">
-            <a:schemeClr val="tx1"/>
-          </a:fontRef>
-        </p:style>
-      </p:cxnSp>
-      <p:sp>
-        <p:nvSpPr>
-          <p:cNvPr id="3" name="TextBox 2">
-            <a:extLst>
-              <a:ext uri="{FF2B5EF4-FFF2-40B4-BE49-F238E27FC236}">
-                <a16:creationId xmlns:a16="http://schemas.microsoft.com/office/drawing/2014/main" id="{B9DDF29F-4939-9859-67A7-972089459CC6}"/>
-              </a:ext>
-            </a:extLst>
-          </p:cNvPr>
-          <p:cNvSpPr txBox="1"/>
-          <p:nvPr/>
-        </p:nvSpPr>
-        <p:spPr>
-          <a:xfrm>
-            <a:off x="331694" y="177505"/>
-            <a:ext cx="4214615" cy="523220"/>
-          </a:xfrm>
-          <a:prstGeom prst="rect">
-            <a:avLst/>
-          </a:prstGeom>
-          <a:noFill/>
-        </p:spPr>
-        <p:txBody>
-          <a:bodyPr wrap="none" rtlCol="0">
-            <a:spAutoFit/>
-          </a:bodyPr>
-          <a:lstStyle/>
-          <a:p>
-            <a:r>
-              <a:rPr lang="ko-KR" altLang="en-US" sz="2800" dirty="0" err="1">
-                <a:latin typeface="나눔스퀘어 Bold" panose="020B0600000101010101" pitchFamily="50" charset="-127"/>
-                <a:ea typeface="나눔스퀘어 Bold" panose="020B0600000101010101" pitchFamily="50" charset="-127"/>
-              </a:rPr>
-              <a:t>번외편</a:t>
-            </a:r>
-            <a:r>
-              <a:rPr lang="ko-KR" altLang="en-US" sz="2800" dirty="0">
-                <a:latin typeface="나눔스퀘어 Bold" panose="020B0600000101010101" pitchFamily="50" charset="-127"/>
-                <a:ea typeface="나눔스퀘어 Bold" panose="020B0600000101010101" pitchFamily="50" charset="-127"/>
-              </a:rPr>
-              <a:t> </a:t>
-            </a:r>
-            <a:r>
-              <a:rPr lang="en-US" altLang="ko-KR" sz="2800" dirty="0">
-                <a:latin typeface="나눔스퀘어 Bold" panose="020B0600000101010101" pitchFamily="50" charset="-127"/>
-                <a:ea typeface="나눔스퀘어 Bold" panose="020B0600000101010101" pitchFamily="50" charset="-127"/>
-              </a:rPr>
-              <a:t>– EOF(End Of File)</a:t>
-            </a:r>
-            <a:endParaRPr lang="ko-KR" altLang="en-US" sz="2800" dirty="0">
-              <a:latin typeface="나눔스퀘어 Bold" panose="020B0600000101010101" pitchFamily="50" charset="-127"/>
-              <a:ea typeface="나눔스퀘어 Bold" panose="020B0600000101010101" pitchFamily="50" charset="-127"/>
-            </a:endParaRPr>
-          </a:p>
-        </p:txBody>
-      </p:sp>
-      <p:sp>
-        <p:nvSpPr>
-          <p:cNvPr id="4" name="TextBox 3">
-            <a:extLst>
-              <a:ext uri="{FF2B5EF4-FFF2-40B4-BE49-F238E27FC236}">
-                <a16:creationId xmlns:a16="http://schemas.microsoft.com/office/drawing/2014/main" id="{772D4C43-3CFC-A02D-4942-D14A03372055}"/>
-              </a:ext>
-            </a:extLst>
-          </p:cNvPr>
-          <p:cNvSpPr txBox="1"/>
-          <p:nvPr/>
-        </p:nvSpPr>
-        <p:spPr>
-          <a:xfrm>
-            <a:off x="942386" y="1184956"/>
-            <a:ext cx="10237694" cy="369332"/>
-          </a:xfrm>
-          <a:prstGeom prst="rect">
-            <a:avLst/>
-          </a:prstGeom>
-          <a:noFill/>
-        </p:spPr>
-        <p:txBody>
-          <a:bodyPr wrap="square" rtlCol="0">
-            <a:spAutoFit/>
-          </a:bodyPr>
-          <a:lstStyle/>
-          <a:p>
-            <a:r>
-              <a:rPr lang="en-US" altLang="ko-KR" dirty="0">
-                <a:latin typeface="나눔스퀘어 Bold" panose="020B0600000101010101" pitchFamily="50" charset="-127"/>
-                <a:ea typeface="나눔스퀘어 Bold" panose="020B0600000101010101" pitchFamily="50" charset="-127"/>
-              </a:rPr>
-              <a:t>EOF </a:t>
-            </a:r>
-            <a:r>
-              <a:rPr lang="ko-KR" altLang="en-US" dirty="0">
-                <a:latin typeface="나눔스퀘어 Bold" panose="020B0600000101010101" pitchFamily="50" charset="-127"/>
-                <a:ea typeface="나눔스퀘어 Bold" panose="020B0600000101010101" pitchFamily="50" charset="-127"/>
-              </a:rPr>
-              <a:t>입력하기</a:t>
-            </a:r>
-          </a:p>
-        </p:txBody>
-      </p:sp>
-      <p:sp>
-        <p:nvSpPr>
-          <p:cNvPr id="7" name="TextBox 6">
-            <a:extLst>
-              <a:ext uri="{FF2B5EF4-FFF2-40B4-BE49-F238E27FC236}">
-                <a16:creationId xmlns:a16="http://schemas.microsoft.com/office/drawing/2014/main" id="{7D26A2AB-86D4-5575-EE1F-BE7B970B4BEA}"/>
-              </a:ext>
-            </a:extLst>
-          </p:cNvPr>
-          <p:cNvSpPr txBox="1"/>
-          <p:nvPr/>
-        </p:nvSpPr>
-        <p:spPr>
-          <a:xfrm>
-            <a:off x="942387" y="1744021"/>
-            <a:ext cx="10237694" cy="369332"/>
-          </a:xfrm>
-          <a:prstGeom prst="rect">
-            <a:avLst/>
-          </a:prstGeom>
-          <a:noFill/>
-        </p:spPr>
-        <p:txBody>
-          <a:bodyPr wrap="square" rtlCol="0">
-            <a:spAutoFit/>
-          </a:bodyPr>
-          <a:lstStyle/>
-          <a:p>
-            <a:r>
-              <a:rPr lang="en-US" altLang="ko-KR" dirty="0">
-                <a:latin typeface="나눔스퀘어 Light" panose="020B0600000101010101" pitchFamily="50" charset="-127"/>
-                <a:ea typeface="나눔스퀘어 Light" panose="020B0600000101010101" pitchFamily="50" charset="-127"/>
-              </a:rPr>
-              <a:t>EOF</a:t>
-            </a:r>
-            <a:r>
-              <a:rPr lang="ko-KR" altLang="en-US" dirty="0">
-                <a:latin typeface="나눔스퀘어 Light" panose="020B0600000101010101" pitchFamily="50" charset="-127"/>
-                <a:ea typeface="나눔스퀘어 Light" panose="020B0600000101010101" pitchFamily="50" charset="-127"/>
-              </a:rPr>
-              <a:t>를 의도적으로 입력하는 방법은 </a:t>
-            </a:r>
-            <a:r>
-              <a:rPr lang="en-US" altLang="ko-KR" dirty="0">
-                <a:latin typeface="나눔스퀘어 Light" panose="020B0600000101010101" pitchFamily="50" charset="-127"/>
-                <a:ea typeface="나눔스퀘어 Light" panose="020B0600000101010101" pitchFamily="50" charset="-127"/>
-              </a:rPr>
-              <a:t>OS / </a:t>
-            </a:r>
-            <a:r>
-              <a:rPr lang="ko-KR" altLang="en-US" dirty="0">
-                <a:latin typeface="나눔스퀘어 Light" panose="020B0600000101010101" pitchFamily="50" charset="-127"/>
-                <a:ea typeface="나눔스퀘어 Light" panose="020B0600000101010101" pitchFamily="50" charset="-127"/>
-              </a:rPr>
-              <a:t>터미널 마다 조금씩 다릅니다만</a:t>
-            </a:r>
-            <a:r>
-              <a:rPr lang="en-US" altLang="ko-KR" dirty="0">
-                <a:latin typeface="나눔스퀘어 Light" panose="020B0600000101010101" pitchFamily="50" charset="-127"/>
-                <a:ea typeface="나눔스퀘어 Light" panose="020B0600000101010101" pitchFamily="50" charset="-127"/>
-              </a:rPr>
-              <a:t>,</a:t>
-            </a:r>
-            <a:endParaRPr lang="ko-KR" altLang="en-US" dirty="0">
-              <a:latin typeface="나눔스퀘어 Light" panose="020B0600000101010101" pitchFamily="50" charset="-127"/>
-              <a:ea typeface="나눔스퀘어 Light" panose="020B0600000101010101" pitchFamily="50" charset="-127"/>
-            </a:endParaRPr>
-          </a:p>
-        </p:txBody>
-      </p:sp>
-      <p:sp>
-        <p:nvSpPr>
-          <p:cNvPr id="2" name="TextBox 1">
-            <a:extLst>
-              <a:ext uri="{FF2B5EF4-FFF2-40B4-BE49-F238E27FC236}">
-                <a16:creationId xmlns:a16="http://schemas.microsoft.com/office/drawing/2014/main" id="{AAFA866B-40B5-CE43-B890-B310A2DF20F4}"/>
-              </a:ext>
-            </a:extLst>
-          </p:cNvPr>
-          <p:cNvSpPr txBox="1"/>
-          <p:nvPr/>
-        </p:nvSpPr>
-        <p:spPr>
-          <a:xfrm>
-            <a:off x="942387" y="2118420"/>
-            <a:ext cx="10237694" cy="369332"/>
-          </a:xfrm>
-          <a:prstGeom prst="rect">
-            <a:avLst/>
-          </a:prstGeom>
-          <a:noFill/>
-        </p:spPr>
-        <p:txBody>
-          <a:bodyPr wrap="square" rtlCol="0">
-            <a:spAutoFit/>
-          </a:bodyPr>
-          <a:lstStyle/>
-          <a:p>
-            <a:r>
-              <a:rPr lang="ko-KR" altLang="en-US" dirty="0">
-                <a:latin typeface="나눔스퀘어 Light" panose="020B0600000101010101" pitchFamily="50" charset="-127"/>
-                <a:ea typeface="나눔스퀘어 Light" panose="020B0600000101010101" pitchFamily="50" charset="-127"/>
-              </a:rPr>
-              <a:t>일반적으론 </a:t>
-            </a:r>
-            <a:r>
-              <a:rPr lang="en-US" altLang="ko-KR" dirty="0">
-                <a:latin typeface="나눔스퀘어 Light" panose="020B0600000101010101" pitchFamily="50" charset="-127"/>
-                <a:ea typeface="나눔스퀘어 Light" panose="020B0600000101010101" pitchFamily="50" charset="-127"/>
-              </a:rPr>
-              <a:t>Ctrl + Z </a:t>
-            </a:r>
-            <a:r>
-              <a:rPr lang="ko-KR" altLang="en-US" dirty="0">
-                <a:latin typeface="나눔스퀘어 Light" panose="020B0600000101010101" pitchFamily="50" charset="-127"/>
-                <a:ea typeface="나눔스퀘어 Light" panose="020B0600000101010101" pitchFamily="50" charset="-127"/>
-              </a:rPr>
-              <a:t>아니면 </a:t>
-            </a:r>
-            <a:r>
-              <a:rPr lang="en-US" altLang="ko-KR" dirty="0">
-                <a:latin typeface="나눔스퀘어 Light" panose="020B0600000101010101" pitchFamily="50" charset="-127"/>
-                <a:ea typeface="나눔스퀘어 Light" panose="020B0600000101010101" pitchFamily="50" charset="-127"/>
-              </a:rPr>
-              <a:t>Ctrl + D</a:t>
-            </a:r>
-            <a:r>
-              <a:rPr lang="ko-KR" altLang="en-US" dirty="0">
-                <a:latin typeface="나눔스퀘어 Light" panose="020B0600000101010101" pitchFamily="50" charset="-127"/>
-                <a:ea typeface="나눔스퀘어 Light" panose="020B0600000101010101" pitchFamily="50" charset="-127"/>
-              </a:rPr>
-              <a:t> 둘 중 하나입니다</a:t>
-            </a:r>
-            <a:r>
-              <a:rPr lang="en-US" altLang="ko-KR" dirty="0">
-                <a:latin typeface="나눔스퀘어 Light" panose="020B0600000101010101" pitchFamily="50" charset="-127"/>
-                <a:ea typeface="나눔스퀘어 Light" panose="020B0600000101010101" pitchFamily="50" charset="-127"/>
-              </a:rPr>
-              <a:t>.</a:t>
-            </a:r>
-            <a:endParaRPr lang="ko-KR" altLang="en-US" dirty="0">
-              <a:latin typeface="나눔스퀘어 Light" panose="020B0600000101010101" pitchFamily="50" charset="-127"/>
-              <a:ea typeface="나눔스퀘어 Light" panose="020B0600000101010101" pitchFamily="50" charset="-127"/>
-            </a:endParaRPr>
-          </a:p>
-        </p:txBody>
-      </p:sp>
-      <p:sp>
-        <p:nvSpPr>
-          <p:cNvPr id="9" name="TextBox 8">
-            <a:extLst>
-              <a:ext uri="{FF2B5EF4-FFF2-40B4-BE49-F238E27FC236}">
-                <a16:creationId xmlns:a16="http://schemas.microsoft.com/office/drawing/2014/main" id="{E17C578C-9955-6DC6-121D-0E5FD2642889}"/>
-              </a:ext>
-            </a:extLst>
-          </p:cNvPr>
-          <p:cNvSpPr txBox="1"/>
-          <p:nvPr/>
-        </p:nvSpPr>
-        <p:spPr>
-          <a:xfrm>
-            <a:off x="942387" y="2787724"/>
-            <a:ext cx="10237694" cy="369332"/>
-          </a:xfrm>
-          <a:prstGeom prst="rect">
-            <a:avLst/>
-          </a:prstGeom>
-          <a:noFill/>
-        </p:spPr>
-        <p:txBody>
-          <a:bodyPr wrap="square" rtlCol="0">
-            <a:spAutoFit/>
-          </a:bodyPr>
-          <a:lstStyle/>
-          <a:p>
-            <a:r>
-              <a:rPr lang="en-US" altLang="ko-KR" dirty="0">
-                <a:latin typeface="나눔스퀘어 Light" panose="020B0600000101010101" pitchFamily="50" charset="-127"/>
-                <a:ea typeface="나눔스퀘어 Light" panose="020B0600000101010101" pitchFamily="50" charset="-127"/>
-              </a:rPr>
-              <a:t>Ctrl + Z : Windows </a:t>
-            </a:r>
-            <a:r>
-              <a:rPr lang="ko-KR" altLang="en-US" dirty="0">
-                <a:latin typeface="나눔스퀘어 Light" panose="020B0600000101010101" pitchFamily="50" charset="-127"/>
-                <a:ea typeface="나눔스퀘어 Light" panose="020B0600000101010101" pitchFamily="50" charset="-127"/>
-              </a:rPr>
-              <a:t>명령 프롬프트</a:t>
-            </a:r>
-            <a:r>
-              <a:rPr lang="en-US" altLang="ko-KR" dirty="0">
-                <a:latin typeface="나눔스퀘어 Light" panose="020B0600000101010101" pitchFamily="50" charset="-127"/>
-                <a:ea typeface="나눔스퀘어 Light" panose="020B0600000101010101" pitchFamily="50" charset="-127"/>
-              </a:rPr>
-              <a:t>(</a:t>
-            </a:r>
-            <a:r>
-              <a:rPr lang="ko-KR" altLang="en-US" dirty="0">
-                <a:latin typeface="나눔스퀘어 Light" panose="020B0600000101010101" pitchFamily="50" charset="-127"/>
-                <a:ea typeface="나눔스퀘어 Light" panose="020B0600000101010101" pitchFamily="50" charset="-127"/>
-              </a:rPr>
-              <a:t>터미널</a:t>
-            </a:r>
-            <a:r>
-              <a:rPr lang="en-US" altLang="ko-KR" dirty="0">
-                <a:latin typeface="나눔스퀘어 Light" panose="020B0600000101010101" pitchFamily="50" charset="-127"/>
-                <a:ea typeface="나눔스퀘어 Light" panose="020B0600000101010101" pitchFamily="50" charset="-127"/>
-              </a:rPr>
-              <a:t>)</a:t>
-            </a:r>
-            <a:endParaRPr lang="ko-KR" altLang="en-US" dirty="0">
-              <a:latin typeface="나눔스퀘어 Light" panose="020B0600000101010101" pitchFamily="50" charset="-127"/>
-              <a:ea typeface="나눔스퀘어 Light" panose="020B0600000101010101" pitchFamily="50" charset="-127"/>
-            </a:endParaRPr>
-          </a:p>
-        </p:txBody>
-      </p:sp>
-      <p:sp>
-        <p:nvSpPr>
-          <p:cNvPr id="10" name="TextBox 9">
-            <a:extLst>
-              <a:ext uri="{FF2B5EF4-FFF2-40B4-BE49-F238E27FC236}">
-                <a16:creationId xmlns:a16="http://schemas.microsoft.com/office/drawing/2014/main" id="{905D061D-B1E8-ACF6-B257-04225D5A50DE}"/>
-              </a:ext>
-            </a:extLst>
-          </p:cNvPr>
-          <p:cNvSpPr txBox="1"/>
-          <p:nvPr/>
-        </p:nvSpPr>
-        <p:spPr>
-          <a:xfrm>
-            <a:off x="942387" y="3157056"/>
-            <a:ext cx="10237694" cy="369332"/>
-          </a:xfrm>
-          <a:prstGeom prst="rect">
-            <a:avLst/>
-          </a:prstGeom>
-          <a:noFill/>
-        </p:spPr>
-        <p:txBody>
-          <a:bodyPr wrap="square" rtlCol="0">
-            <a:spAutoFit/>
-          </a:bodyPr>
-          <a:lstStyle/>
-          <a:p>
-            <a:r>
-              <a:rPr lang="en-US" altLang="ko-KR" dirty="0">
-                <a:latin typeface="나눔스퀘어 Light" panose="020B0600000101010101" pitchFamily="50" charset="-127"/>
-                <a:ea typeface="나눔스퀘어 Light" panose="020B0600000101010101" pitchFamily="50" charset="-127"/>
-              </a:rPr>
-              <a:t>Ctrl + D : Linux, Unix, </a:t>
-            </a:r>
-            <a:r>
-              <a:rPr lang="en-US" altLang="ko-KR" dirty="0" err="1">
-                <a:latin typeface="나눔스퀘어 Light" panose="020B0600000101010101" pitchFamily="50" charset="-127"/>
-                <a:ea typeface="나눔스퀘어 Light" panose="020B0600000101010101" pitchFamily="50" charset="-127"/>
-              </a:rPr>
-              <a:t>Intellij</a:t>
-            </a:r>
-            <a:r>
-              <a:rPr lang="en-US" altLang="ko-KR" dirty="0">
-                <a:latin typeface="나눔스퀘어 Light" panose="020B0600000101010101" pitchFamily="50" charset="-127"/>
-                <a:ea typeface="나눔스퀘어 Light" panose="020B0600000101010101" pitchFamily="50" charset="-127"/>
-              </a:rPr>
-              <a:t> </a:t>
-            </a:r>
-            <a:r>
-              <a:rPr lang="ko-KR" altLang="en-US" dirty="0">
-                <a:latin typeface="나눔스퀘어 Light" panose="020B0600000101010101" pitchFamily="50" charset="-127"/>
-                <a:ea typeface="나눔스퀘어 Light" panose="020B0600000101010101" pitchFamily="50" charset="-127"/>
-              </a:rPr>
-              <a:t>터미널</a:t>
-            </a:r>
-          </a:p>
-        </p:txBody>
-      </p:sp>
-      <p:pic>
-        <p:nvPicPr>
-          <p:cNvPr id="13" name="그림 12">
-            <a:extLst>
-              <a:ext uri="{FF2B5EF4-FFF2-40B4-BE49-F238E27FC236}">
-                <a16:creationId xmlns:a16="http://schemas.microsoft.com/office/drawing/2014/main" id="{D6227831-5953-3B4F-AEBE-2B6E317DE20F}"/>
-              </a:ext>
-            </a:extLst>
-          </p:cNvPr>
-          <p:cNvPicPr>
-            <a:picLocks noChangeAspect="1"/>
-          </p:cNvPicPr>
-          <p:nvPr/>
-        </p:nvPicPr>
-        <p:blipFill>
-          <a:blip r:embed="rId2"/>
-          <a:stretch>
-            <a:fillRect/>
-          </a:stretch>
-        </p:blipFill>
-        <p:spPr>
-          <a:xfrm>
-            <a:off x="942386" y="3891654"/>
-            <a:ext cx="6763880" cy="2966346"/>
-          </a:xfrm>
-          <a:prstGeom prst="rect">
-            <a:avLst/>
-          </a:prstGeom>
-        </p:spPr>
-      </p:pic>
-    </p:spTree>
-    <p:extLst>
-      <p:ext uri="{BB962C8B-B14F-4D97-AF65-F5344CB8AC3E}">
-        <p14:creationId xmlns:p14="http://schemas.microsoft.com/office/powerpoint/2010/main" val="678243044"/>
-      </p:ext>
-    </p:extLst>
-  </p:cSld>
-  <p:clrMapOvr>
-    <a:masterClrMapping/>
-  </p:clrMapOvr>
-</p:sld>
-</file>
-
-<file path=ppt/slides/slide37.xml><?xml version="1.0" encoding="utf-8"?>
-<p:sld xmlns:a="http://schemas.openxmlformats.org/drawingml/2006/main" xmlns:r="http://schemas.openxmlformats.org/officeDocument/2006/relationships" xmlns:p="http://schemas.openxmlformats.org/presentationml/2006/main">
-  <p:cSld>
-    <p:spTree>
-      <p:nvGrpSpPr>
-        <p:cNvPr id="1" name=""/>
-        <p:cNvGrpSpPr/>
-        <p:nvPr/>
-      </p:nvGrpSpPr>
-      <p:grpSpPr>
-        <a:xfrm>
-          <a:off x="0" y="0"/>
-          <a:ext cx="0" cy="0"/>
-          <a:chOff x="0" y="0"/>
-          <a:chExt cx="0" cy="0"/>
-        </a:xfrm>
-      </p:grpSpPr>
-      <p:cxnSp>
-        <p:nvCxnSpPr>
-          <p:cNvPr id="5" name="직선 연결선 4">
-            <a:extLst>
-              <a:ext uri="{FF2B5EF4-FFF2-40B4-BE49-F238E27FC236}">
-                <a16:creationId xmlns:a16="http://schemas.microsoft.com/office/drawing/2014/main" id="{164C2827-EFCE-69A4-D037-1A218415F568}"/>
-              </a:ext>
-            </a:extLst>
-          </p:cNvPr>
-          <p:cNvCxnSpPr/>
-          <p:nvPr/>
-        </p:nvCxnSpPr>
-        <p:spPr>
-          <a:xfrm>
-            <a:off x="0" y="887505"/>
-            <a:ext cx="10237694" cy="0"/>
-          </a:xfrm>
-          <a:prstGeom prst="line">
-            <a:avLst/>
-          </a:prstGeom>
-          <a:ln w="76200">
-            <a:solidFill>
-              <a:schemeClr val="tx1">
-                <a:lumMod val="75000"/>
-                <a:lumOff val="25000"/>
-              </a:schemeClr>
-            </a:solidFill>
-          </a:ln>
-        </p:spPr>
-        <p:style>
-          <a:lnRef idx="1">
-            <a:schemeClr val="accent1"/>
-          </a:lnRef>
-          <a:fillRef idx="0">
-            <a:schemeClr val="accent1"/>
-          </a:fillRef>
-          <a:effectRef idx="0">
-            <a:schemeClr val="accent1"/>
-          </a:effectRef>
-          <a:fontRef idx="minor">
-            <a:schemeClr val="tx1"/>
-          </a:fontRef>
-        </p:style>
-      </p:cxnSp>
-      <p:sp>
-        <p:nvSpPr>
-          <p:cNvPr id="3" name="TextBox 2">
-            <a:extLst>
-              <a:ext uri="{FF2B5EF4-FFF2-40B4-BE49-F238E27FC236}">
-                <a16:creationId xmlns:a16="http://schemas.microsoft.com/office/drawing/2014/main" id="{DC9B4459-A971-5F94-D4E6-4434E84C98B8}"/>
-              </a:ext>
-            </a:extLst>
-          </p:cNvPr>
-          <p:cNvSpPr txBox="1"/>
-          <p:nvPr/>
-        </p:nvSpPr>
-        <p:spPr>
-          <a:xfrm>
-            <a:off x="331694" y="177505"/>
-            <a:ext cx="6968574" cy="523220"/>
-          </a:xfrm>
-          <a:prstGeom prst="rect">
-            <a:avLst/>
-          </a:prstGeom>
-          <a:noFill/>
-        </p:spPr>
-        <p:txBody>
-          <a:bodyPr wrap="none" rtlCol="0">
-            <a:spAutoFit/>
-          </a:bodyPr>
-          <a:lstStyle/>
-          <a:p>
-            <a:r>
-              <a:rPr lang="ko-KR" altLang="en-US" sz="2800" dirty="0" err="1">
-                <a:latin typeface="나눔스퀘어 Bold" panose="020B0600000101010101" pitchFamily="50" charset="-127"/>
-                <a:ea typeface="나눔스퀘어 Bold" panose="020B0600000101010101" pitchFamily="50" charset="-127"/>
-              </a:rPr>
-              <a:t>번외편</a:t>
-            </a:r>
-            <a:r>
-              <a:rPr lang="ko-KR" altLang="en-US" sz="2800" dirty="0">
-                <a:latin typeface="나눔스퀘어 Bold" panose="020B0600000101010101" pitchFamily="50" charset="-127"/>
-                <a:ea typeface="나눔스퀘어 Bold" panose="020B0600000101010101" pitchFamily="50" charset="-127"/>
-              </a:rPr>
-              <a:t> </a:t>
-            </a:r>
-            <a:r>
-              <a:rPr lang="en-US" altLang="ko-KR" sz="2800" dirty="0">
-                <a:latin typeface="나눔스퀘어 Bold" panose="020B0600000101010101" pitchFamily="50" charset="-127"/>
-                <a:ea typeface="나눔스퀘어 Bold" panose="020B0600000101010101" pitchFamily="50" charset="-127"/>
-              </a:rPr>
-              <a:t>– EOF(End Of File) – 10951 A+B - 4</a:t>
-            </a:r>
-            <a:endParaRPr lang="ko-KR" altLang="en-US" sz="2800" dirty="0">
-              <a:latin typeface="나눔스퀘어 Bold" panose="020B0600000101010101" pitchFamily="50" charset="-127"/>
-              <a:ea typeface="나눔스퀘어 Bold" panose="020B0600000101010101" pitchFamily="50" charset="-127"/>
-            </a:endParaRPr>
-          </a:p>
-        </p:txBody>
-      </p:sp>
-      <p:pic>
-        <p:nvPicPr>
-          <p:cNvPr id="7" name="그림 6">
-            <a:extLst>
-              <a:ext uri="{FF2B5EF4-FFF2-40B4-BE49-F238E27FC236}">
-                <a16:creationId xmlns:a16="http://schemas.microsoft.com/office/drawing/2014/main" id="{9078DAE2-D59D-5818-54DF-9D234069F587}"/>
-              </a:ext>
-            </a:extLst>
-          </p:cNvPr>
-          <p:cNvPicPr>
-            <a:picLocks noChangeAspect="1"/>
-          </p:cNvPicPr>
-          <p:nvPr/>
-        </p:nvPicPr>
-        <p:blipFill>
-          <a:blip r:embed="rId2"/>
-          <a:stretch>
-            <a:fillRect/>
-          </a:stretch>
-        </p:blipFill>
-        <p:spPr>
-          <a:xfrm>
-            <a:off x="331694" y="942771"/>
-            <a:ext cx="10916239" cy="5630481"/>
-          </a:xfrm>
-          <a:prstGeom prst="rect">
-            <a:avLst/>
-          </a:prstGeom>
-        </p:spPr>
-      </p:pic>
-    </p:spTree>
-    <p:extLst>
-      <p:ext uri="{BB962C8B-B14F-4D97-AF65-F5344CB8AC3E}">
-        <p14:creationId xmlns:p14="http://schemas.microsoft.com/office/powerpoint/2010/main" val="1392906861"/>
-      </p:ext>
-    </p:extLst>
-  </p:cSld>
-  <p:clrMapOvr>
-    <a:masterClrMapping/>
-  </p:clrMapOvr>
-</p:sld>
-</file>
-
-<file path=ppt/slides/slide38.xml><?xml version="1.0" encoding="utf-8"?>
-<p:sld xmlns:a="http://schemas.openxmlformats.org/drawingml/2006/main" xmlns:r="http://schemas.openxmlformats.org/officeDocument/2006/relationships" xmlns:p="http://schemas.openxmlformats.org/presentationml/2006/main">
-  <p:cSld>
-    <p:spTree>
-      <p:nvGrpSpPr>
-        <p:cNvPr id="1" name=""/>
-        <p:cNvGrpSpPr/>
-        <p:nvPr/>
-      </p:nvGrpSpPr>
-      <p:grpSpPr>
-        <a:xfrm>
-          <a:off x="0" y="0"/>
-          <a:ext cx="0" cy="0"/>
-          <a:chOff x="0" y="0"/>
-          <a:chExt cx="0" cy="0"/>
-        </a:xfrm>
-      </p:grpSpPr>
-      <p:cxnSp>
-        <p:nvCxnSpPr>
-          <p:cNvPr id="5" name="직선 연결선 4">
-            <a:extLst>
-              <a:ext uri="{FF2B5EF4-FFF2-40B4-BE49-F238E27FC236}">
-                <a16:creationId xmlns:a16="http://schemas.microsoft.com/office/drawing/2014/main" id="{164C2827-EFCE-69A4-D037-1A218415F568}"/>
-              </a:ext>
-            </a:extLst>
-          </p:cNvPr>
-          <p:cNvCxnSpPr/>
-          <p:nvPr/>
-        </p:nvCxnSpPr>
-        <p:spPr>
-          <a:xfrm>
-            <a:off x="0" y="887505"/>
-            <a:ext cx="10237694" cy="0"/>
-          </a:xfrm>
-          <a:prstGeom prst="line">
-            <a:avLst/>
-          </a:prstGeom>
-          <a:ln w="76200">
-            <a:solidFill>
-              <a:schemeClr val="tx1">
-                <a:lumMod val="75000"/>
-                <a:lumOff val="25000"/>
-              </a:schemeClr>
-            </a:solidFill>
-          </a:ln>
-        </p:spPr>
-        <p:style>
-          <a:lnRef idx="1">
-            <a:schemeClr val="accent1"/>
-          </a:lnRef>
-          <a:fillRef idx="0">
-            <a:schemeClr val="accent1"/>
-          </a:fillRef>
-          <a:effectRef idx="0">
-            <a:schemeClr val="accent1"/>
-          </a:effectRef>
-          <a:fontRef idx="minor">
-            <a:schemeClr val="tx1"/>
-          </a:fontRef>
-        </p:style>
-      </p:cxnSp>
-      <p:sp>
-        <p:nvSpPr>
-          <p:cNvPr id="7" name="TextBox 6">
-            <a:extLst>
-              <a:ext uri="{FF2B5EF4-FFF2-40B4-BE49-F238E27FC236}">
-                <a16:creationId xmlns:a16="http://schemas.microsoft.com/office/drawing/2014/main" id="{CC86D852-FF78-F56B-3D83-6A37E0336D58}"/>
-              </a:ext>
-            </a:extLst>
-          </p:cNvPr>
-          <p:cNvSpPr txBox="1"/>
-          <p:nvPr/>
-        </p:nvSpPr>
-        <p:spPr>
-          <a:xfrm>
-            <a:off x="942387" y="1190024"/>
-            <a:ext cx="8553305" cy="369332"/>
-          </a:xfrm>
-          <a:prstGeom prst="rect">
-            <a:avLst/>
-          </a:prstGeom>
-          <a:noFill/>
-        </p:spPr>
-        <p:txBody>
-          <a:bodyPr wrap="square" rtlCol="0">
-            <a:spAutoFit/>
-          </a:bodyPr>
-          <a:lstStyle/>
-          <a:p>
-            <a:r>
-              <a:rPr lang="en-US" altLang="ko-KR" dirty="0">
-                <a:latin typeface="나눔스퀘어 Light" panose="020B0600000101010101" pitchFamily="50" charset="-127"/>
-                <a:ea typeface="나눔스퀘어 Light" panose="020B0600000101010101" pitchFamily="50" charset="-127"/>
-              </a:rPr>
-              <a:t>EOF </a:t>
-            </a:r>
-            <a:r>
-              <a:rPr lang="ko-KR" altLang="en-US" dirty="0">
-                <a:latin typeface="나눔스퀘어 Light" panose="020B0600000101010101" pitchFamily="50" charset="-127"/>
-                <a:ea typeface="나눔스퀘어 Light" panose="020B0600000101010101" pitchFamily="50" charset="-127"/>
-              </a:rPr>
-              <a:t>입력만 받을 줄 안다면</a:t>
-            </a:r>
-            <a:r>
-              <a:rPr lang="en-US" altLang="ko-KR" dirty="0">
-                <a:latin typeface="나눔스퀘어 Light" panose="020B0600000101010101" pitchFamily="50" charset="-127"/>
-                <a:ea typeface="나눔스퀘어 Light" panose="020B0600000101010101" pitchFamily="50" charset="-127"/>
-              </a:rPr>
-              <a:t>, </a:t>
-            </a:r>
-            <a:r>
-              <a:rPr lang="ko-KR" altLang="en-US" dirty="0">
-                <a:latin typeface="나눔스퀘어 Light" panose="020B0600000101010101" pitchFamily="50" charset="-127"/>
-                <a:ea typeface="나눔스퀘어 Light" panose="020B0600000101010101" pitchFamily="50" charset="-127"/>
-              </a:rPr>
-              <a:t>굉장히 쉬운 문제</a:t>
-            </a:r>
-          </a:p>
-        </p:txBody>
-      </p:sp>
-      <p:sp>
-        <p:nvSpPr>
-          <p:cNvPr id="3" name="TextBox 2">
-            <a:extLst>
-              <a:ext uri="{FF2B5EF4-FFF2-40B4-BE49-F238E27FC236}">
-                <a16:creationId xmlns:a16="http://schemas.microsoft.com/office/drawing/2014/main" id="{82C2BBE6-54D8-87BE-F152-073D36A7CF0C}"/>
-              </a:ext>
-            </a:extLst>
-          </p:cNvPr>
-          <p:cNvSpPr txBox="1"/>
-          <p:nvPr/>
-        </p:nvSpPr>
-        <p:spPr>
-          <a:xfrm>
-            <a:off x="331694" y="177505"/>
-            <a:ext cx="6968574" cy="523220"/>
-          </a:xfrm>
-          <a:prstGeom prst="rect">
-            <a:avLst/>
-          </a:prstGeom>
-          <a:noFill/>
-        </p:spPr>
-        <p:txBody>
-          <a:bodyPr wrap="none" rtlCol="0">
-            <a:spAutoFit/>
-          </a:bodyPr>
-          <a:lstStyle/>
-          <a:p>
-            <a:r>
-              <a:rPr lang="ko-KR" altLang="en-US" sz="2800" dirty="0" err="1">
-                <a:latin typeface="나눔스퀘어 Bold" panose="020B0600000101010101" pitchFamily="50" charset="-127"/>
-                <a:ea typeface="나눔스퀘어 Bold" panose="020B0600000101010101" pitchFamily="50" charset="-127"/>
-              </a:rPr>
-              <a:t>번외편</a:t>
-            </a:r>
-            <a:r>
-              <a:rPr lang="ko-KR" altLang="en-US" sz="2800" dirty="0">
-                <a:latin typeface="나눔스퀘어 Bold" panose="020B0600000101010101" pitchFamily="50" charset="-127"/>
-                <a:ea typeface="나눔스퀘어 Bold" panose="020B0600000101010101" pitchFamily="50" charset="-127"/>
-              </a:rPr>
-              <a:t> </a:t>
-            </a:r>
-            <a:r>
-              <a:rPr lang="en-US" altLang="ko-KR" sz="2800" dirty="0">
-                <a:latin typeface="나눔스퀘어 Bold" panose="020B0600000101010101" pitchFamily="50" charset="-127"/>
-                <a:ea typeface="나눔스퀘어 Bold" panose="020B0600000101010101" pitchFamily="50" charset="-127"/>
-              </a:rPr>
-              <a:t>– EOF(End Of File) – 10951 A+B - 4</a:t>
-            </a:r>
-            <a:endParaRPr lang="ko-KR" altLang="en-US" sz="2800" dirty="0">
-              <a:latin typeface="나눔스퀘어 Bold" panose="020B0600000101010101" pitchFamily="50" charset="-127"/>
-              <a:ea typeface="나눔스퀘어 Bold" panose="020B0600000101010101" pitchFamily="50" charset="-127"/>
-            </a:endParaRPr>
-          </a:p>
-        </p:txBody>
-      </p:sp>
-      <p:pic>
-        <p:nvPicPr>
-          <p:cNvPr id="12" name="그림 11">
-            <a:extLst>
-              <a:ext uri="{FF2B5EF4-FFF2-40B4-BE49-F238E27FC236}">
-                <a16:creationId xmlns:a16="http://schemas.microsoft.com/office/drawing/2014/main" id="{7C1FD6FA-F0B7-13CB-81E8-EDEC341B301A}"/>
-              </a:ext>
-            </a:extLst>
-          </p:cNvPr>
-          <p:cNvPicPr>
-            <a:picLocks noChangeAspect="1"/>
-          </p:cNvPicPr>
-          <p:nvPr/>
-        </p:nvPicPr>
-        <p:blipFill>
-          <a:blip r:embed="rId2"/>
-          <a:stretch>
-            <a:fillRect/>
-          </a:stretch>
-        </p:blipFill>
-        <p:spPr>
-          <a:xfrm>
-            <a:off x="942387" y="1949973"/>
-            <a:ext cx="4947297" cy="1292848"/>
-          </a:xfrm>
-          <a:prstGeom prst="rect">
-            <a:avLst/>
-          </a:prstGeom>
-        </p:spPr>
-      </p:pic>
-    </p:spTree>
-    <p:extLst>
-      <p:ext uri="{BB962C8B-B14F-4D97-AF65-F5344CB8AC3E}">
-        <p14:creationId xmlns:p14="http://schemas.microsoft.com/office/powerpoint/2010/main" val="4092226395"/>
-      </p:ext>
-    </p:extLst>
-  </p:cSld>
-  <p:clrMapOvr>
-    <a:masterClrMapping/>
-  </p:clrMapOvr>
-</p:sld>
-</file>
-
-<file path=ppt/slides/slide39.xml><?xml version="1.0" encoding="utf-8"?>
 <p:sld xmlns:a="http://schemas.openxmlformats.org/drawingml/2006/main" xmlns:r="http://schemas.openxmlformats.org/officeDocument/2006/relationships" xmlns:p="http://schemas.openxmlformats.org/presentationml/2006/main">
   <p:cSld>
     <p:spTree>
@@ -22056,56 +18446,14 @@
                 <a:latin typeface="나눔스퀘어 Bold" panose="020B0600000101010101" pitchFamily="50" charset="-127"/>
                 <a:ea typeface="나눔스퀘어 Bold" panose="020B0600000101010101" pitchFamily="50" charset="-127"/>
               </a:rPr>
-              <a:t>정렬에 대한 기초적인 개념을 익히고</a:t>
+              <a:t>프로그래밍 언어로 피보나치 수를 구하려면 어떻게 해야 할까요</a:t>
             </a:r>
             <a:r>
               <a:rPr lang="en-US" altLang="ko-KR" dirty="0">
                 <a:latin typeface="나눔스퀘어 Bold" panose="020B0600000101010101" pitchFamily="50" charset="-127"/>
                 <a:ea typeface="나눔스퀘어 Bold" panose="020B0600000101010101" pitchFamily="50" charset="-127"/>
               </a:rPr>
-              <a:t>, </a:t>
-            </a:r>
-            <a:r>
-              <a:rPr lang="ko-KR" altLang="en-US" dirty="0">
-                <a:latin typeface="나눔스퀘어 Bold" panose="020B0600000101010101" pitchFamily="50" charset="-127"/>
-                <a:ea typeface="나눔스퀘어 Bold" panose="020B0600000101010101" pitchFamily="50" charset="-127"/>
-              </a:rPr>
-              <a:t>아래 정렬 기법들에 대해 조사</a:t>
-            </a:r>
-            <a:r>
-              <a:rPr lang="en-US" altLang="ko-KR" dirty="0">
-                <a:latin typeface="나눔스퀘어 Bold" panose="020B0600000101010101" pitchFamily="50" charset="-127"/>
-                <a:ea typeface="나눔스퀘어 Bold" panose="020B0600000101010101" pitchFamily="50" charset="-127"/>
-              </a:rPr>
-              <a:t>, </a:t>
-            </a:r>
-            <a:r>
-              <a:rPr lang="ko-KR" altLang="en-US" dirty="0">
-                <a:latin typeface="나눔스퀘어 Bold" panose="020B0600000101010101" pitchFamily="50" charset="-127"/>
-                <a:ea typeface="나눔스퀘어 Bold" panose="020B0600000101010101" pitchFamily="50" charset="-127"/>
-              </a:rPr>
-              <a:t>공부</a:t>
-            </a:r>
-            <a:r>
-              <a:rPr lang="en-US" altLang="ko-KR" dirty="0">
-                <a:latin typeface="나눔스퀘어 Bold" panose="020B0600000101010101" pitchFamily="50" charset="-127"/>
-                <a:ea typeface="나눔스퀘어 Bold" panose="020B0600000101010101" pitchFamily="50" charset="-127"/>
-              </a:rPr>
-              <a:t>, </a:t>
-            </a:r>
-            <a:r>
-              <a:rPr lang="ko-KR" altLang="en-US" dirty="0">
-                <a:latin typeface="나눔스퀘어 Bold" panose="020B0600000101010101" pitchFamily="50" charset="-127"/>
-                <a:ea typeface="나눔스퀘어 Bold" panose="020B0600000101010101" pitchFamily="50" charset="-127"/>
-              </a:rPr>
-              <a:t>구현해보세요</a:t>
-            </a:r>
-            <a:r>
-              <a:rPr lang="en-US" altLang="ko-KR" dirty="0">
-                <a:latin typeface="나눔스퀘어 Bold" panose="020B0600000101010101" pitchFamily="50" charset="-127"/>
-                <a:ea typeface="나눔스퀘어 Bold" panose="020B0600000101010101" pitchFamily="50" charset="-127"/>
-              </a:rPr>
-              <a:t>.</a:t>
+              <a:t>?</a:t>
             </a:r>
             <a:endParaRPr lang="ko-KR" altLang="en-US" dirty="0">
               <a:latin typeface="나눔스퀘어 Bold" panose="020B0600000101010101" pitchFamily="50" charset="-127"/>
@@ -22129,7 +18477,7 @@
         <p:spPr>
           <a:xfrm>
             <a:off x="942387" y="5716797"/>
-            <a:ext cx="8553305" cy="369332"/>
+            <a:ext cx="10237694" cy="369332"/>
           </a:xfrm>
           <a:prstGeom prst="rect">
             <a:avLst/>
@@ -22143,51 +18491,75 @@
           <a:lstStyle/>
           <a:p>
             <a:r>
+              <a:rPr lang="en-US" altLang="ko-KR" dirty="0">
+                <a:latin typeface="나눔스퀘어 Light" panose="020B0600000101010101" pitchFamily="50" charset="-127"/>
+                <a:ea typeface="나눔스퀘어 Light" panose="020B0600000101010101" pitchFamily="50" charset="-127"/>
+              </a:rPr>
+              <a:t>2747 </a:t>
+            </a:r>
+            <a:r>
               <a:rPr lang="ko-KR" altLang="en-US" dirty="0">
                 <a:latin typeface="나눔스퀘어 Light" panose="020B0600000101010101" pitchFamily="50" charset="-127"/>
                 <a:ea typeface="나눔스퀘어 Light" panose="020B0600000101010101" pitchFamily="50" charset="-127"/>
               </a:rPr>
-              <a:t>버블 정렬 </a:t>
+              <a:t>피보나치 수 </a:t>
             </a:r>
             <a:r>
               <a:rPr lang="en-US" altLang="ko-KR" dirty="0">
                 <a:latin typeface="나눔스퀘어 Light" panose="020B0600000101010101" pitchFamily="50" charset="-127"/>
                 <a:ea typeface="나눔스퀘어 Light" panose="020B0600000101010101" pitchFamily="50" charset="-127"/>
               </a:rPr>
-              <a:t>Bubble Sort, </a:t>
+              <a:t>/ 2748 </a:t>
             </a:r>
             <a:r>
               <a:rPr lang="ko-KR" altLang="en-US" dirty="0">
                 <a:latin typeface="나눔스퀘어 Light" panose="020B0600000101010101" pitchFamily="50" charset="-127"/>
                 <a:ea typeface="나눔스퀘어 Light" panose="020B0600000101010101" pitchFamily="50" charset="-127"/>
               </a:rPr>
-              <a:t>삽입 정렬 </a:t>
+              <a:t>피보나치 수 </a:t>
             </a:r>
             <a:r>
               <a:rPr lang="en-US" altLang="ko-KR" dirty="0">
                 <a:latin typeface="나눔스퀘어 Light" panose="020B0600000101010101" pitchFamily="50" charset="-127"/>
                 <a:ea typeface="나눔스퀘어 Light" panose="020B0600000101010101" pitchFamily="50" charset="-127"/>
               </a:rPr>
-              <a:t>Insertion Sort, </a:t>
+              <a:t>2 </a:t>
             </a:r>
             <a:r>
               <a:rPr lang="ko-KR" altLang="en-US" dirty="0">
                 <a:latin typeface="나눔스퀘어 Light" panose="020B0600000101010101" pitchFamily="50" charset="-127"/>
                 <a:ea typeface="나눔스퀘어 Light" panose="020B0600000101010101" pitchFamily="50" charset="-127"/>
               </a:rPr>
-              <a:t>선택 정렬 </a:t>
+              <a:t>문제를 풀며 피보나치 수를 구하는 방법을 </a:t>
             </a:r>
             <a:r>
               <a:rPr lang="en-US" altLang="ko-KR" dirty="0">
                 <a:latin typeface="나눔스퀘어 Light" panose="020B0600000101010101" pitchFamily="50" charset="-127"/>
                 <a:ea typeface="나눔스퀘어 Light" panose="020B0600000101010101" pitchFamily="50" charset="-127"/>
               </a:rPr>
-              <a:t>Selection Sort</a:t>
-            </a:r>
-            <a:endParaRPr lang="ko-KR" altLang="en-US" dirty="0">
-              <a:latin typeface="나눔스퀘어 Light" panose="020B0600000101010101" pitchFamily="50" charset="-127"/>
-              <a:ea typeface="나눔스퀘어 Light" panose="020B0600000101010101" pitchFamily="50" charset="-127"/>
-            </a:endParaRPr>
+              <a:t>(</a:t>
+            </a:r>
+            <a:r>
+              <a:rPr lang="ko-KR" altLang="en-US" dirty="0">
+                <a:latin typeface="나눔스퀘어 Light" panose="020B0600000101010101" pitchFamily="50" charset="-127"/>
+                <a:ea typeface="나눔스퀘어 Light" panose="020B0600000101010101" pitchFamily="50" charset="-127"/>
+              </a:rPr>
+              <a:t>슈도</a:t>
+            </a:r>
+            <a:r>
+              <a:rPr lang="en-US" altLang="ko-KR" dirty="0">
+                <a:latin typeface="나눔스퀘어 Light" panose="020B0600000101010101" pitchFamily="50" charset="-127"/>
+                <a:ea typeface="나눔스퀘어 Light" panose="020B0600000101010101" pitchFamily="50" charset="-127"/>
+              </a:rPr>
+              <a:t>) </a:t>
+            </a:r>
+            <a:r>
+              <a:rPr lang="ko-KR" altLang="en-US" dirty="0">
+                <a:latin typeface="나눔스퀘어 Light" panose="020B0600000101010101" pitchFamily="50" charset="-127"/>
+                <a:ea typeface="나눔스퀘어 Light" panose="020B0600000101010101" pitchFamily="50" charset="-127"/>
+              </a:rPr>
+              <a:t>코드로 </a:t>
+            </a:r>
           </a:p>
         </p:txBody>
       </p:sp>
@@ -22224,7 +18596,14 @@
                 <a:latin typeface="나눔스퀘어 Light" panose="020B0600000101010101" pitchFamily="50" charset="-127"/>
                 <a:ea typeface="나눔스퀘어 Light" panose="020B0600000101010101" pitchFamily="50" charset="-127"/>
               </a:rPr>
-              <a:t>3. </a:t>
+              <a:t>3. 2776 </a:t>
+            </a:r>
+            <a:r>
+              <a:rPr lang="ko-KR" altLang="en-US" dirty="0" err="1">
+                <a:latin typeface="나눔스퀘어 Light" panose="020B0600000101010101" pitchFamily="50" charset="-127"/>
+                <a:ea typeface="나눔스퀘어 Light" panose="020B0600000101010101" pitchFamily="50" charset="-127"/>
+              </a:rPr>
+              <a:t>암기왕</a:t>
             </a:r>
             <a:endParaRPr lang="ko-KR" altLang="en-US" dirty="0">
               <a:latin typeface="나눔스퀘어 Light" panose="020B0600000101010101" pitchFamily="50" charset="-127"/>
@@ -22262,72 +18641,82 @@
           <a:lstStyle/>
           <a:p>
             <a:r>
-              <a:rPr lang="ko-KR" altLang="en-US" dirty="0" err="1">
-                <a:latin typeface="나눔스퀘어 Light" panose="020B0600000101010101" pitchFamily="50" charset="-127"/>
-                <a:ea typeface="나눔스퀘어 Light" panose="020B0600000101010101" pitchFamily="50" charset="-127"/>
-              </a:rPr>
-              <a:t>퀵</a:t>
-            </a:r>
-            <a:r>
               <a:rPr lang="ko-KR" altLang="en-US" dirty="0">
                 <a:latin typeface="나눔스퀘어 Light" panose="020B0600000101010101" pitchFamily="50" charset="-127"/>
                 <a:ea typeface="나눔스퀘어 Light" panose="020B0600000101010101" pitchFamily="50" charset="-127"/>
               </a:rPr>
-              <a:t> 소트 </a:t>
+              <a:t>작성해 보시고</a:t>
             </a:r>
             <a:r>
               <a:rPr lang="en-US" altLang="ko-KR" dirty="0">
                 <a:latin typeface="나눔스퀘어 Light" panose="020B0600000101010101" pitchFamily="50" charset="-127"/>
                 <a:ea typeface="나눔스퀘어 Light" panose="020B0600000101010101" pitchFamily="50" charset="-127"/>
               </a:rPr>
-              <a:t>Quick Sort, </a:t>
-            </a:r>
-            <a:r>
-              <a:rPr lang="ko-KR" altLang="en-US" dirty="0" err="1">
-                <a:latin typeface="나눔스퀘어 Light" panose="020B0600000101010101" pitchFamily="50" charset="-127"/>
-                <a:ea typeface="나눔스퀘어 Light" panose="020B0600000101010101" pitchFamily="50" charset="-127"/>
-              </a:rPr>
-              <a:t>머지</a:t>
+              <a:t>, </a:t>
+            </a:r>
+            <a:r>
+              <a:rPr lang="ko-KR" altLang="en-US" dirty="0">
+                <a:latin typeface="나눔스퀘어 Light" panose="020B0600000101010101" pitchFamily="50" charset="-127"/>
+                <a:ea typeface="나눔스퀘어 Light" panose="020B0600000101010101" pitchFamily="50" charset="-127"/>
+              </a:rPr>
+              <a:t>효율적인 방법에 대해서 고민해보세요</a:t>
             </a:r>
             <a:r>
               <a:rPr lang="en-US" altLang="ko-KR" dirty="0">
                 <a:latin typeface="나눔스퀘어 Light" panose="020B0600000101010101" pitchFamily="50" charset="-127"/>
                 <a:ea typeface="나눔스퀘어 Light" panose="020B0600000101010101" pitchFamily="50" charset="-127"/>
               </a:rPr>
-              <a:t>(</a:t>
-            </a:r>
-            <a:r>
-              <a:rPr lang="ko-KR" altLang="en-US" dirty="0">
-                <a:latin typeface="나눔스퀘어 Light" panose="020B0600000101010101" pitchFamily="50" charset="-127"/>
-                <a:ea typeface="나눔스퀘어 Light" panose="020B0600000101010101" pitchFamily="50" charset="-127"/>
-              </a:rPr>
-              <a:t>병합</a:t>
-            </a:r>
-            <a:r>
-              <a:rPr lang="en-US" altLang="ko-KR" dirty="0">
-                <a:latin typeface="나눔스퀘어 Light" panose="020B0600000101010101" pitchFamily="50" charset="-127"/>
-                <a:ea typeface="나눔스퀘어 Light" panose="020B0600000101010101" pitchFamily="50" charset="-127"/>
-              </a:rPr>
-              <a:t>)</a:t>
-            </a:r>
-            <a:r>
-              <a:rPr lang="ko-KR" altLang="en-US" dirty="0">
-                <a:latin typeface="나눔스퀘어 Light" panose="020B0600000101010101" pitchFamily="50" charset="-127"/>
-                <a:ea typeface="나눔스퀘어 Light" panose="020B0600000101010101" pitchFamily="50" charset="-127"/>
-              </a:rPr>
-              <a:t> 소트 </a:t>
-            </a:r>
-            <a:r>
-              <a:rPr lang="en-US" altLang="ko-KR" dirty="0">
-                <a:latin typeface="나눔스퀘어 Light" panose="020B0600000101010101" pitchFamily="50" charset="-127"/>
-                <a:ea typeface="나눔스퀘어 Light" panose="020B0600000101010101" pitchFamily="50" charset="-127"/>
-              </a:rPr>
-              <a:t>Merge Sort</a:t>
+              <a:t>.</a:t>
             </a:r>
             <a:endParaRPr lang="ko-KR" altLang="en-US" dirty="0">
               <a:latin typeface="나눔스퀘어 Light" panose="020B0600000101010101" pitchFamily="50" charset="-127"/>
               <a:ea typeface="나눔스퀘어 Light" panose="020B0600000101010101" pitchFamily="50" charset="-127"/>
             </a:endParaRPr>
+          </a:p>
+        </p:txBody>
+      </p:sp>
+      <p:sp>
+        <p:nvSpPr>
+          <p:cNvPr id="4" name="TextBox 3">
+            <a:extLst>
+              <a:ext uri="{FF2B5EF4-FFF2-40B4-BE49-F238E27FC236}">
+                <a16:creationId xmlns:a16="http://schemas.microsoft.com/office/drawing/2014/main" id="{1FFB0E97-045D-CAE2-D4D4-F6AFF27F568B}"/>
+              </a:ext>
+            </a:extLst>
+          </p:cNvPr>
+          <p:cNvSpPr txBox="1"/>
+          <p:nvPr/>
+        </p:nvSpPr>
+        <p:spPr>
+          <a:xfrm>
+            <a:off x="942387" y="2775391"/>
+            <a:ext cx="8553305" cy="369332"/>
+          </a:xfrm>
+          <a:prstGeom prst="rect">
+            <a:avLst/>
+          </a:prstGeom>
+          <a:noFill/>
+        </p:spPr>
+        <p:txBody>
+          <a:bodyPr wrap="square" rtlCol="0">
+            <a:spAutoFit/>
+          </a:bodyPr>
+          <a:lstStyle/>
+          <a:p>
+            <a:r>
+              <a:rPr lang="en-US" altLang="ko-KR" dirty="0">
+                <a:latin typeface="나눔스퀘어 Light" panose="020B0600000101010101" pitchFamily="50" charset="-127"/>
+                <a:ea typeface="나눔스퀘어 Light" panose="020B0600000101010101" pitchFamily="50" charset="-127"/>
+              </a:rPr>
+              <a:t>4. 11656 </a:t>
+            </a:r>
+            <a:r>
+              <a:rPr lang="ko-KR" altLang="en-US" dirty="0">
+                <a:latin typeface="나눔스퀘어 Light" panose="020B0600000101010101" pitchFamily="50" charset="-127"/>
+                <a:ea typeface="나눔스퀘어 Light" panose="020B0600000101010101" pitchFamily="50" charset="-127"/>
+              </a:rPr>
+              <a:t>접미사 배열</a:t>
+            </a:r>
           </a:p>
         </p:txBody>
       </p:sp>
